--- a/presentation/Präsentation.pptx
+++ b/presentation/Präsentation.pptx
@@ -10,10 +10,10 @@
     <p:sldMasterId id="2147483697" r:id="rId6"/>
   </p:sldMasterIdLst>
   <p:notesMasterIdLst>
-    <p:notesMasterId r:id="rId37"/>
+    <p:notesMasterId r:id="rId38"/>
   </p:notesMasterIdLst>
   <p:handoutMasterIdLst>
-    <p:handoutMasterId r:id="rId38"/>
+    <p:handoutMasterId r:id="rId39"/>
   </p:handoutMasterIdLst>
   <p:sldIdLst>
     <p:sldId id="355" r:id="rId7"/>
@@ -23,29 +23,30 @@
     <p:sldId id="404" r:id="rId11"/>
     <p:sldId id="400" r:id="rId12"/>
     <p:sldId id="401" r:id="rId13"/>
-    <p:sldId id="402" r:id="rId14"/>
-    <p:sldId id="403" r:id="rId15"/>
-    <p:sldId id="398" r:id="rId16"/>
-    <p:sldId id="405" r:id="rId17"/>
-    <p:sldId id="369" r:id="rId18"/>
-    <p:sldId id="370" r:id="rId19"/>
-    <p:sldId id="392" r:id="rId20"/>
-    <p:sldId id="371" r:id="rId21"/>
-    <p:sldId id="372" r:id="rId22"/>
-    <p:sldId id="373" r:id="rId23"/>
-    <p:sldId id="394" r:id="rId24"/>
-    <p:sldId id="375" r:id="rId25"/>
-    <p:sldId id="376" r:id="rId26"/>
-    <p:sldId id="393" r:id="rId27"/>
-    <p:sldId id="391" r:id="rId28"/>
-    <p:sldId id="390" r:id="rId29"/>
-    <p:sldId id="378" r:id="rId30"/>
-    <p:sldId id="377" r:id="rId31"/>
-    <p:sldId id="389" r:id="rId32"/>
-    <p:sldId id="379" r:id="rId33"/>
-    <p:sldId id="395" r:id="rId34"/>
-    <p:sldId id="380" r:id="rId35"/>
-    <p:sldId id="381" r:id="rId36"/>
+    <p:sldId id="407" r:id="rId14"/>
+    <p:sldId id="402" r:id="rId15"/>
+    <p:sldId id="403" r:id="rId16"/>
+    <p:sldId id="398" r:id="rId17"/>
+    <p:sldId id="405" r:id="rId18"/>
+    <p:sldId id="369" r:id="rId19"/>
+    <p:sldId id="370" r:id="rId20"/>
+    <p:sldId id="392" r:id="rId21"/>
+    <p:sldId id="371" r:id="rId22"/>
+    <p:sldId id="372" r:id="rId23"/>
+    <p:sldId id="373" r:id="rId24"/>
+    <p:sldId id="394" r:id="rId25"/>
+    <p:sldId id="375" r:id="rId26"/>
+    <p:sldId id="376" r:id="rId27"/>
+    <p:sldId id="393" r:id="rId28"/>
+    <p:sldId id="391" r:id="rId29"/>
+    <p:sldId id="390" r:id="rId30"/>
+    <p:sldId id="378" r:id="rId31"/>
+    <p:sldId id="377" r:id="rId32"/>
+    <p:sldId id="389" r:id="rId33"/>
+    <p:sldId id="379" r:id="rId34"/>
+    <p:sldId id="395" r:id="rId35"/>
+    <p:sldId id="380" r:id="rId36"/>
+    <p:sldId id="381" r:id="rId37"/>
   </p:sldIdLst>
   <p:sldSz cx="9144000" cy="6858000" type="screen4x3"/>
   <p:notesSz cx="9925050" cy="6665913"/>
@@ -1054,7 +1055,7 @@
               <a:pPr>
                 <a:defRPr/>
               </a:pPr>
-              <a:t>08/08/2019</a:t>
+              <a:t>09/08/2019</a:t>
             </a:fld>
             <a:endParaRPr lang="en-GB" dirty="0"/>
           </a:p>
@@ -1273,7 +1274,7 @@
               <a:pPr>
                 <a:defRPr/>
               </a:pPr>
-              <a:t>08/08/2019</a:t>
+              <a:t>09/08/2019</a:t>
             </a:fld>
             <a:endParaRPr lang="en-GB"/>
           </a:p>
@@ -9960,7 +9961,7 @@
           <p:cNvPr id="2" name="Inhaltsplatzhalter 1">
             <a:extLst>
               <a:ext uri="{FF2B5EF4-FFF2-40B4-BE49-F238E27FC236}">
-                <a16:creationId xmlns:a16="http://schemas.microsoft.com/office/drawing/2014/main" id="{AE523D49-BDC2-429A-8195-E6EC189B30AA}"/>
+                <a16:creationId xmlns:a16="http://schemas.microsoft.com/office/drawing/2014/main" id="{DB7CA37A-7A2C-41B9-B688-25C8CC3A05A6}"/>
               </a:ext>
             </a:extLst>
           </p:cNvPr>
@@ -9968,7 +9969,7 @@
             <a:spLocks noGrp="1"/>
           </p:cNvSpPr>
           <p:nvPr>
-            <p:ph idx="1"/>
+            <p:ph idx="14"/>
           </p:nvPr>
         </p:nvSpPr>
         <p:spPr/>
@@ -9981,12 +9982,8 @@
               <a:buChar char="•"/>
             </a:pPr>
             <a:r>
-              <a:rPr lang="de-DE" dirty="0" err="1"/>
-              <a:t>BaseX</a:t>
-            </a:r>
-            <a:r>
               <a:rPr lang="de-DE" dirty="0"/>
-              <a:t> als Datenbank</a:t>
+              <a:t>Extra Feature</a:t>
             </a:r>
           </a:p>
           <a:p>
@@ -9995,20 +9992,8 @@
               <a:buChar char="•"/>
             </a:pPr>
             <a:r>
-              <a:rPr lang="de-DE" dirty="0" err="1"/>
-              <a:t>XQuery</a:t>
-            </a:r>
-            <a:r>
               <a:rPr lang="de-DE" dirty="0"/>
-              <a:t> als funktionale Sprache die </a:t>
-            </a:r>
-            <a:r>
-              <a:rPr lang="de-DE" dirty="0" err="1"/>
-              <a:t>Queries</a:t>
-            </a:r>
-            <a:r>
-              <a:rPr lang="de-DE" dirty="0"/>
-              <a:t> auf XML Datenbanken ausführt</a:t>
+              <a:t>Sinnvoll da Multiplayer über lokales Netzwerk</a:t>
             </a:r>
           </a:p>
           <a:p>
@@ -10018,7 +10003,7 @@
             </a:pPr>
             <a:r>
               <a:rPr lang="de-DE" dirty="0"/>
-              <a:t>Zeichnet sich durch FLOWR-Ausdrücke aus</a:t>
+              <a:t>Spieler können miteinander kommunizieren</a:t>
             </a:r>
           </a:p>
           <a:p>
@@ -10027,30 +10012,8 @@
               <a:buChar char="•"/>
             </a:pPr>
             <a:r>
-              <a:rPr lang="de-DE" dirty="0" err="1"/>
-              <a:t>XQuery</a:t>
-            </a:r>
-            <a:r>
               <a:rPr lang="de-DE" dirty="0"/>
-              <a:t> selbst kann nur von Datenbank lesen</a:t>
-            </a:r>
-          </a:p>
-          <a:p>
-            <a:pPr marL="285750" indent="-285750">
-              <a:buFont typeface="Arial" panose="020B0604020202020204" pitchFamily="34" charset="0"/>
-              <a:buChar char="•"/>
-            </a:pPr>
-            <a:r>
-              <a:rPr lang="de-DE" dirty="0"/>
-              <a:t>Deswegen </a:t>
-            </a:r>
-            <a:r>
-              <a:rPr lang="de-DE" dirty="0" err="1"/>
-              <a:t>XQuery</a:t>
-            </a:r>
-            <a:r>
-              <a:rPr lang="de-DE" dirty="0"/>
-              <a:t> Update Facility</a:t>
+              <a:t>Information wenn andere Spieler beitreten oder das Spiel verlassen</a:t>
             </a:r>
           </a:p>
         </p:txBody>
@@ -10060,7 +10023,7 @@
           <p:cNvPr id="3" name="Foliennummernplatzhalter 2">
             <a:extLst>
               <a:ext uri="{FF2B5EF4-FFF2-40B4-BE49-F238E27FC236}">
-                <a16:creationId xmlns:a16="http://schemas.microsoft.com/office/drawing/2014/main" id="{31772658-6DB8-4140-BDD4-05D879326A72}"/>
+                <a16:creationId xmlns:a16="http://schemas.microsoft.com/office/drawing/2014/main" id="{AD81C2EF-FD85-4A18-8F03-A0DBBCD700AD}"/>
               </a:ext>
             </a:extLst>
           </p:cNvPr>
@@ -10068,7 +10031,7 @@
             <a:spLocks noGrp="1"/>
           </p:cNvSpPr>
           <p:nvPr>
-            <p:ph type="sldNum" sz="quarter" idx="11"/>
+            <p:ph type="sldNum" sz="quarter" idx="16"/>
           </p:nvPr>
         </p:nvSpPr>
         <p:spPr/>
@@ -10090,7 +10053,7 @@
           <p:cNvPr id="4" name="Fußzeilenplatzhalter 3">
             <a:extLst>
               <a:ext uri="{FF2B5EF4-FFF2-40B4-BE49-F238E27FC236}">
-                <a16:creationId xmlns:a16="http://schemas.microsoft.com/office/drawing/2014/main" id="{0F5FC549-12A2-49EA-94CD-7CA8F667B81C}"/>
+                <a16:creationId xmlns:a16="http://schemas.microsoft.com/office/drawing/2014/main" id="{E82CB60E-E2AB-41CB-8A71-7BFD43B8921B}"/>
               </a:ext>
             </a:extLst>
           </p:cNvPr>
@@ -10098,7 +10061,7 @@
             <a:spLocks noGrp="1"/>
           </p:cNvSpPr>
           <p:nvPr>
-            <p:ph type="ftr" sz="quarter" idx="12"/>
+            <p:ph type="ftr" sz="quarter" idx="17"/>
           </p:nvPr>
         </p:nvSpPr>
         <p:spPr/>
@@ -10119,7 +10082,7 @@
           <p:cNvPr id="5" name="Titel 4">
             <a:extLst>
               <a:ext uri="{FF2B5EF4-FFF2-40B4-BE49-F238E27FC236}">
-                <a16:creationId xmlns:a16="http://schemas.microsoft.com/office/drawing/2014/main" id="{BBD62AF3-48A3-446F-8E3B-3F9602C3602A}"/>
+                <a16:creationId xmlns:a16="http://schemas.microsoft.com/office/drawing/2014/main" id="{38CE14CC-717B-4282-83BB-3662A9B1DD62}"/>
               </a:ext>
             </a:extLst>
           </p:cNvPr>
@@ -10136,25 +10099,45 @@
           <a:lstStyle/>
           <a:p>
             <a:r>
-              <a:rPr lang="de-DE" dirty="0" err="1"/>
-              <a:t>Xquery</a:t>
-            </a:r>
-            <a:r>
               <a:rPr lang="de-DE" dirty="0"/>
-              <a:t> &amp; </a:t>
-            </a:r>
-            <a:r>
-              <a:rPr lang="de-DE" dirty="0" err="1"/>
-              <a:t>BaseX</a:t>
-            </a:r>
-            <a:endParaRPr lang="de-DE" dirty="0"/>
-          </a:p>
-        </p:txBody>
-      </p:sp>
+              <a:t>Chat &amp; Message</a:t>
+            </a:r>
+          </a:p>
+        </p:txBody>
+      </p:sp>
+      <p:pic>
+        <p:nvPicPr>
+          <p:cNvPr id="12" name="Inhaltsplatzhalter 11" descr="Ein Bild, das Screenshot enthält.&#10;&#10;Automatisch generierte Beschreibung">
+            <a:extLst>
+              <a:ext uri="{FF2B5EF4-FFF2-40B4-BE49-F238E27FC236}">
+                <a16:creationId xmlns:a16="http://schemas.microsoft.com/office/drawing/2014/main" id="{44272838-579E-4B01-A5E4-4AD4895C3D24}"/>
+              </a:ext>
+            </a:extLst>
+          </p:cNvPr>
+          <p:cNvPicPr>
+            <a:picLocks noGrp="1" noChangeAspect="1"/>
+          </p:cNvPicPr>
+          <p:nvPr>
+            <p:ph idx="15"/>
+          </p:nvPr>
+        </p:nvPicPr>
+        <p:blipFill>
+          <a:blip r:embed="rId2"/>
+          <a:stretch>
+            <a:fillRect/>
+          </a:stretch>
+        </p:blipFill>
+        <p:spPr>
+          <a:xfrm>
+            <a:off x="4860663" y="2677119"/>
+            <a:ext cx="3753374" cy="2857899"/>
+          </a:xfrm>
+        </p:spPr>
+      </p:pic>
     </p:spTree>
     <p:extLst>
       <p:ext uri="{BB962C8B-B14F-4D97-AF65-F5344CB8AC3E}">
-        <p14:creationId xmlns:p14="http://schemas.microsoft.com/office/powerpoint/2010/main" val="2621557832"/>
+        <p14:creationId xmlns:p14="http://schemas.microsoft.com/office/powerpoint/2010/main" val="1120331300"/>
       </p:ext>
     </p:extLst>
   </p:cSld>
@@ -10183,10 +10166,10 @@
       </p:grpSpPr>
       <p:sp>
         <p:nvSpPr>
-          <p:cNvPr id="6" name="Inhaltsplatzhalter 5">
+          <p:cNvPr id="2" name="Inhaltsplatzhalter 1">
             <a:extLst>
               <a:ext uri="{FF2B5EF4-FFF2-40B4-BE49-F238E27FC236}">
-                <a16:creationId xmlns:a16="http://schemas.microsoft.com/office/drawing/2014/main" id="{BABB6F26-3E11-437C-9364-6A158AE67743}"/>
+                <a16:creationId xmlns:a16="http://schemas.microsoft.com/office/drawing/2014/main" id="{AE523D49-BDC2-429A-8195-E6EC189B30AA}"/>
               </a:ext>
             </a:extLst>
           </p:cNvPr>
@@ -10194,15 +10177,10 @@
             <a:spLocks noGrp="1"/>
           </p:cNvSpPr>
           <p:nvPr>
-            <p:ph idx="14"/>
-          </p:nvPr>
-        </p:nvSpPr>
-        <p:spPr>
-          <a:xfrm>
-            <a:off x="319090" y="2659310"/>
-            <a:ext cx="4180911" cy="3790257"/>
-          </a:xfrm>
-        </p:spPr>
+            <p:ph idx="1"/>
+          </p:nvPr>
+        </p:nvSpPr>
+        <p:spPr/>
         <p:txBody>
           <a:bodyPr/>
           <a:lstStyle/>
@@ -10212,22 +10190,13 @@
               <a:buChar char="•"/>
             </a:pPr>
             <a:r>
+              <a:rPr lang="de-DE" dirty="0" err="1"/>
+              <a:t>BaseX</a:t>
+            </a:r>
+            <a:r>
               <a:rPr lang="de-DE" dirty="0"/>
-              <a:t>Keine doppelten </a:t>
-            </a:r>
-            <a:r>
-              <a:rPr lang="de-DE" dirty="0" err="1"/>
-              <a:t>replaces</a:t>
-            </a:r>
-            <a:r>
-              <a:rPr lang="de-DE" dirty="0"/>
-              <a:t> in einem </a:t>
-            </a:r>
-            <a:r>
-              <a:rPr lang="de-DE" dirty="0" err="1"/>
-              <a:t>return</a:t>
-            </a:r>
-            <a:endParaRPr lang="de-DE" dirty="0"/>
+              <a:t> als Datenbank</a:t>
+            </a:r>
           </a:p>
           <a:p>
             <a:pPr marL="285750" indent="-285750">
@@ -10235,30 +10204,21 @@
               <a:buChar char="•"/>
             </a:pPr>
             <a:r>
+              <a:rPr lang="de-DE" dirty="0" err="1"/>
+              <a:t>XQuery</a:t>
+            </a:r>
+            <a:r>
               <a:rPr lang="de-DE" dirty="0"/>
-              <a:t>Letzter </a:t>
+              <a:t> als funktionale Sprache die </a:t>
             </a:r>
             <a:r>
               <a:rPr lang="de-DE" dirty="0" err="1"/>
-              <a:t>spieler</a:t>
+              <a:t>Queries</a:t>
             </a:r>
             <a:r>
               <a:rPr lang="de-DE" dirty="0"/>
-              <a:t> wählt </a:t>
-            </a:r>
-            <a:r>
-              <a:rPr lang="de-DE" dirty="0" err="1"/>
-              <a:t>hit</a:t>
-            </a:r>
-            <a:r>
-              <a:rPr lang="de-DE" dirty="0"/>
-              <a:t> und </a:t>
-            </a:r>
-            <a:r>
-              <a:rPr lang="de-DE" dirty="0" err="1"/>
-              <a:t>busted</a:t>
-            </a:r>
-            <a:endParaRPr lang="de-DE" dirty="0"/>
+              <a:t> auf XML Datenbanken ausführt</a:t>
+            </a:r>
           </a:p>
           <a:p>
             <a:pPr marL="285750" indent="-285750">
@@ -10267,7 +10227,7 @@
             </a:pPr>
             <a:r>
               <a:rPr lang="de-DE" dirty="0"/>
-              <a:t>Dealer zieht im selben Zug</a:t>
+              <a:t>Zeichnet sich durch FLOWR-Ausdrücke aus</a:t>
             </a:r>
           </a:p>
           <a:p>
@@ -10276,40 +10236,14 @@
               <a:buChar char="•"/>
             </a:pPr>
             <a:r>
+              <a:rPr lang="de-DE" dirty="0" err="1"/>
+              <a:t>XQuery</a:t>
+            </a:r>
+            <a:r>
               <a:rPr lang="de-DE" dirty="0"/>
-              <a:t>Lösung: Dealer zieht bevor den Spielern</a:t>
-            </a:r>
-          </a:p>
-          <a:p>
-            <a:endParaRPr lang="de-DE" dirty="0"/>
-          </a:p>
-        </p:txBody>
-      </p:sp>
-      <p:sp>
-        <p:nvSpPr>
-          <p:cNvPr id="7" name="Inhaltsplatzhalter 6">
-            <a:extLst>
-              <a:ext uri="{FF2B5EF4-FFF2-40B4-BE49-F238E27FC236}">
-                <a16:creationId xmlns:a16="http://schemas.microsoft.com/office/drawing/2014/main" id="{E38FA5CA-A50F-4A7A-8D5A-E4755333CAE4}"/>
-              </a:ext>
-            </a:extLst>
-          </p:cNvPr>
-          <p:cNvSpPr>
-            <a:spLocks noGrp="1"/>
-          </p:cNvSpPr>
-          <p:nvPr>
-            <p:ph idx="15"/>
-          </p:nvPr>
-        </p:nvSpPr>
-        <p:spPr>
-          <a:xfrm>
-            <a:off x="4644001" y="2659310"/>
-            <a:ext cx="4184087" cy="3790258"/>
-          </a:xfrm>
-        </p:spPr>
-        <p:txBody>
-          <a:bodyPr/>
-          <a:lstStyle/>
+              <a:t> selbst kann nur von Datenbank lesen</a:t>
+            </a:r>
+          </a:p>
           <a:p>
             <a:pPr marL="285750" indent="-285750">
               <a:buFont typeface="Arial" panose="020B0604020202020204" pitchFamily="34" charset="0"/>
@@ -10317,98 +10251,16 @@
             </a:pPr>
             <a:r>
               <a:rPr lang="de-DE" dirty="0"/>
-              <a:t>Updates von Elementen erst nach dem kompletten ausführen eines </a:t>
+              <a:t>Deswegen </a:t>
             </a:r>
             <a:r>
               <a:rPr lang="de-DE" dirty="0" err="1"/>
-              <a:t>return</a:t>
+              <a:t>XQuery</a:t>
             </a:r>
             <a:r>
               <a:rPr lang="de-DE" dirty="0"/>
-              <a:t> </a:t>
-            </a:r>
-            <a:r>
-              <a:rPr lang="de-DE" dirty="0" err="1"/>
-              <a:t>statement</a:t>
-            </a:r>
-            <a:r>
-              <a:rPr lang="de-DE" dirty="0"/>
-              <a:t> in der Datenbank</a:t>
-            </a:r>
-          </a:p>
-          <a:p>
-            <a:pPr marL="285750" indent="-285750">
-              <a:buFont typeface="Arial" panose="020B0604020202020204" pitchFamily="34" charset="0"/>
-              <a:buChar char="•"/>
-            </a:pPr>
-            <a:r>
-              <a:rPr lang="de-DE" dirty="0"/>
-              <a:t>Letzter Spieler </a:t>
-            </a:r>
-            <a:r>
-              <a:rPr lang="de-DE" dirty="0" err="1"/>
-              <a:t>doublet</a:t>
-            </a:r>
-            <a:r>
-              <a:rPr lang="de-DE" dirty="0"/>
-              <a:t> oder </a:t>
-            </a:r>
-            <a:r>
-              <a:rPr lang="de-DE" dirty="0" err="1"/>
-              <a:t>busted</a:t>
-            </a:r>
-            <a:endParaRPr lang="de-DE" dirty="0"/>
-          </a:p>
-          <a:p>
-            <a:pPr marL="285750" indent="-285750">
-              <a:buFont typeface="Arial" panose="020B0604020202020204" pitchFamily="34" charset="0"/>
-              <a:buChar char="•"/>
-            </a:pPr>
-            <a:r>
-              <a:rPr lang="de-DE" dirty="0"/>
-              <a:t>Seine Hand noch nicht aktualisiert aber </a:t>
-            </a:r>
-            <a:r>
-              <a:rPr lang="de-DE" dirty="0" err="1"/>
-              <a:t>evaluate</a:t>
-            </a:r>
-            <a:r>
-              <a:rPr lang="de-DE" dirty="0"/>
-              <a:t> wird schon aufgerufen</a:t>
-            </a:r>
-          </a:p>
-          <a:p>
-            <a:pPr marL="285750" indent="-285750">
-              <a:buFont typeface="Arial" panose="020B0604020202020204" pitchFamily="34" charset="0"/>
-              <a:buChar char="•"/>
-            </a:pPr>
-            <a:r>
-              <a:rPr lang="de-DE" dirty="0"/>
-              <a:t>Lösung: Beim Aufrufen von </a:t>
-            </a:r>
-            <a:r>
-              <a:rPr lang="de-DE" dirty="0" err="1"/>
-              <a:t>evaluate</a:t>
-            </a:r>
-            <a:r>
-              <a:rPr lang="de-DE" dirty="0"/>
-              <a:t> mitteilen was die letzte Aktion war und in </a:t>
-            </a:r>
-            <a:r>
-              <a:rPr lang="de-DE" dirty="0" err="1"/>
-              <a:t>evaluate</a:t>
-            </a:r>
-            <a:r>
-              <a:rPr lang="de-DE" dirty="0"/>
-              <a:t> beachten</a:t>
-            </a:r>
-          </a:p>
-          <a:p>
-            <a:pPr marL="285750" indent="-285750">
-              <a:buFont typeface="Arial" panose="020B0604020202020204" pitchFamily="34" charset="0"/>
-              <a:buChar char="•"/>
-            </a:pPr>
-            <a:endParaRPr lang="de-DE" dirty="0"/>
+              <a:t> Update Facility</a:t>
+            </a:r>
           </a:p>
         </p:txBody>
       </p:sp>
@@ -10417,7 +10269,7 @@
           <p:cNvPr id="3" name="Foliennummernplatzhalter 2">
             <a:extLst>
               <a:ext uri="{FF2B5EF4-FFF2-40B4-BE49-F238E27FC236}">
-                <a16:creationId xmlns:a16="http://schemas.microsoft.com/office/drawing/2014/main" id="{53BD56A1-3671-4214-B9B1-D1396FC17C8B}"/>
+                <a16:creationId xmlns:a16="http://schemas.microsoft.com/office/drawing/2014/main" id="{31772658-6DB8-4140-BDD4-05D879326A72}"/>
               </a:ext>
             </a:extLst>
           </p:cNvPr>
@@ -10425,7 +10277,7 @@
             <a:spLocks noGrp="1"/>
           </p:cNvSpPr>
           <p:nvPr>
-            <p:ph type="sldNum" sz="quarter" idx="16"/>
+            <p:ph type="sldNum" sz="quarter" idx="11"/>
           </p:nvPr>
         </p:nvSpPr>
         <p:spPr/>
@@ -10447,7 +10299,7 @@
           <p:cNvPr id="4" name="Fußzeilenplatzhalter 3">
             <a:extLst>
               <a:ext uri="{FF2B5EF4-FFF2-40B4-BE49-F238E27FC236}">
-                <a16:creationId xmlns:a16="http://schemas.microsoft.com/office/drawing/2014/main" id="{C56C636A-F879-429E-9888-BCDD840DB93B}"/>
+                <a16:creationId xmlns:a16="http://schemas.microsoft.com/office/drawing/2014/main" id="{0F5FC549-12A2-49EA-94CD-7CA8F667B81C}"/>
               </a:ext>
             </a:extLst>
           </p:cNvPr>
@@ -10455,7 +10307,7 @@
             <a:spLocks noGrp="1"/>
           </p:cNvSpPr>
           <p:nvPr>
-            <p:ph type="ftr" sz="quarter" idx="17"/>
+            <p:ph type="ftr" sz="quarter" idx="12"/>
           </p:nvPr>
         </p:nvSpPr>
         <p:spPr/>
@@ -10476,7 +10328,7 @@
           <p:cNvPr id="5" name="Titel 4">
             <a:extLst>
               <a:ext uri="{FF2B5EF4-FFF2-40B4-BE49-F238E27FC236}">
-                <a16:creationId xmlns:a16="http://schemas.microsoft.com/office/drawing/2014/main" id="{5329FADE-F83D-4549-B9ED-F031FFA9B2D1}"/>
+                <a16:creationId xmlns:a16="http://schemas.microsoft.com/office/drawing/2014/main" id="{BBD62AF3-48A3-446F-8E3B-3F9602C3602A}"/>
               </a:ext>
             </a:extLst>
           </p:cNvPr>
@@ -10494,92 +10346,24 @@
           <a:p>
             <a:r>
               <a:rPr lang="de-DE" dirty="0" err="1"/>
-              <a:t>XQuery</a:t>
+              <a:t>Xquery</a:t>
             </a:r>
             <a:r>
               <a:rPr lang="de-DE" dirty="0"/>
-              <a:t> Update Facility</a:t>
-            </a:r>
-          </a:p>
-        </p:txBody>
-      </p:sp>
-      <p:sp>
-        <p:nvSpPr>
-          <p:cNvPr id="9" name="Textfeld 8">
-            <a:extLst>
-              <a:ext uri="{FF2B5EF4-FFF2-40B4-BE49-F238E27FC236}">
-                <a16:creationId xmlns:a16="http://schemas.microsoft.com/office/drawing/2014/main" id="{847C34C0-8C57-46B9-A708-10ED106F9623}"/>
-              </a:ext>
-            </a:extLst>
-          </p:cNvPr>
-          <p:cNvSpPr txBox="1"/>
-          <p:nvPr/>
-        </p:nvSpPr>
-        <p:spPr>
-          <a:xfrm>
-            <a:off x="595618" y="1652631"/>
-            <a:ext cx="5958362" cy="537968"/>
-          </a:xfrm>
-          <a:prstGeom prst="rect">
-            <a:avLst/>
-          </a:prstGeom>
-          <a:noFill/>
-        </p:spPr>
-        <p:txBody>
-          <a:bodyPr wrap="none" lIns="0" tIns="0" rIns="0" bIns="0" rtlCol="0">
-            <a:spAutoFit/>
-          </a:bodyPr>
-          <a:lstStyle/>
-          <a:p>
-            <a:pPr>
-              <a:lnSpc>
-                <a:spcPct val="114000"/>
-              </a:lnSpc>
-            </a:pPr>
-            <a:r>
-              <a:rPr lang="de-DE" sz="1600" dirty="0">
-                <a:latin typeface="+mn-lt"/>
-              </a:rPr>
-              <a:t>Ziel: angenehmes Spielgefühl mit wenig User </a:t>
-            </a:r>
-            <a:r>
-              <a:rPr lang="de-DE" sz="1600" dirty="0" err="1">
-                <a:latin typeface="+mn-lt"/>
-              </a:rPr>
-              <a:t>input</a:t>
-            </a:r>
-            <a:r>
-              <a:rPr lang="de-DE" sz="1600" dirty="0">
-                <a:latin typeface="+mn-lt"/>
-              </a:rPr>
-              <a:t> -&gt;</a:t>
-            </a:r>
-          </a:p>
-          <a:p>
-            <a:pPr>
-              <a:lnSpc>
-                <a:spcPct val="114000"/>
-              </a:lnSpc>
-            </a:pPr>
-            <a:r>
-              <a:rPr lang="de-DE" sz="1600" dirty="0" err="1">
-                <a:latin typeface="+mn-lt"/>
-              </a:rPr>
-              <a:t>Bust</a:t>
-            </a:r>
-            <a:r>
-              <a:rPr lang="de-DE" sz="1600" dirty="0">
-                <a:latin typeface="+mn-lt"/>
-              </a:rPr>
-              <a:t> und Double beenden automatisch den Spielzug des Spielers</a:t>
-            </a:r>
+              <a:t> &amp; </a:t>
+            </a:r>
+            <a:r>
+              <a:rPr lang="de-DE" dirty="0" err="1"/>
+              <a:t>BaseX</a:t>
+            </a:r>
+            <a:endParaRPr lang="de-DE" dirty="0"/>
           </a:p>
         </p:txBody>
       </p:sp>
     </p:spTree>
     <p:extLst>
       <p:ext uri="{BB962C8B-B14F-4D97-AF65-F5344CB8AC3E}">
-        <p14:creationId xmlns:p14="http://schemas.microsoft.com/office/powerpoint/2010/main" val="3888416019"/>
+        <p14:creationId xmlns:p14="http://schemas.microsoft.com/office/powerpoint/2010/main" val="2621557832"/>
       </p:ext>
     </p:extLst>
   </p:cSld>
@@ -10608,65 +10392,249 @@
       </p:grpSpPr>
       <p:sp>
         <p:nvSpPr>
-          <p:cNvPr id="2" name="Inhaltsplatzhalter 1"/>
-          <p:cNvSpPr>
-            <a:spLocks noGrp="1"/>
-          </p:cNvSpPr>
-          <p:nvPr>
-            <p:ph idx="1"/>
-          </p:nvPr>
-        </p:nvSpPr>
-        <p:spPr/>
+          <p:cNvPr id="6" name="Inhaltsplatzhalter 5">
+            <a:extLst>
+              <a:ext uri="{FF2B5EF4-FFF2-40B4-BE49-F238E27FC236}">
+                <a16:creationId xmlns:a16="http://schemas.microsoft.com/office/drawing/2014/main" id="{BABB6F26-3E11-437C-9364-6A158AE67743}"/>
+              </a:ext>
+            </a:extLst>
+          </p:cNvPr>
+          <p:cNvSpPr>
+            <a:spLocks noGrp="1"/>
+          </p:cNvSpPr>
+          <p:nvPr>
+            <p:ph idx="14"/>
+          </p:nvPr>
+        </p:nvSpPr>
+        <p:spPr>
+          <a:xfrm>
+            <a:off x="319090" y="2659310"/>
+            <a:ext cx="4180911" cy="3790257"/>
+          </a:xfrm>
+        </p:spPr>
         <p:txBody>
           <a:bodyPr/>
           <a:lstStyle/>
           <a:p>
-            <a:r>
-              <a:rPr dirty="0" err="1"/>
-              <a:t>Dieser</a:t>
-            </a:r>
-            <a:r>
-              <a:rPr dirty="0"/>
-              <a:t> Folienmaster gilt bei offiziellen Präsentationen im Rahmen der TUM.</a:t>
-            </a:r>
-            <a:br>
-              <a:rPr dirty="0"/>
-            </a:br>
-            <a:r>
-              <a:rPr dirty="0"/>
-              <a:t>Es ist darauf zu achten, dass wir uns in einem durchgängigen Layout </a:t>
-            </a:r>
-            <a:r>
-              <a:rPr dirty="0" err="1"/>
-              <a:t>präsentieren</a:t>
-            </a:r>
-            <a:r>
-              <a:rPr dirty="0"/>
-              <a:t>.</a:t>
-            </a:r>
-          </a:p>
-          <a:p>
+            <a:pPr marL="285750" indent="-285750">
+              <a:buFont typeface="Arial" panose="020B0604020202020204" pitchFamily="34" charset="0"/>
+              <a:buChar char="•"/>
+            </a:pPr>
             <a:r>
               <a:rPr lang="de-DE" dirty="0"/>
-              <a:t>Abweichungen vom vorgegebenen Layout bitte auf ein Minimum reduzieren.</a:t>
-            </a:r>
-          </a:p>
-          <a:p>
-            <a:endParaRPr dirty="0"/>
-          </a:p>
-          <a:p>
-            <a:endParaRPr sz="2200" dirty="0"/>
-          </a:p>
-        </p:txBody>
-      </p:sp>
-      <p:sp>
-        <p:nvSpPr>
-          <p:cNvPr id="4" name="Foliennummernplatzhalter 3"/>
-          <p:cNvSpPr>
-            <a:spLocks noGrp="1"/>
-          </p:cNvSpPr>
-          <p:nvPr>
-            <p:ph type="sldNum" sz="quarter" idx="11"/>
+              <a:t>Keine doppelten </a:t>
+            </a:r>
+            <a:r>
+              <a:rPr lang="de-DE" dirty="0" err="1"/>
+              <a:t>replaces</a:t>
+            </a:r>
+            <a:r>
+              <a:rPr lang="de-DE" dirty="0"/>
+              <a:t> in einem </a:t>
+            </a:r>
+            <a:r>
+              <a:rPr lang="de-DE" dirty="0" err="1"/>
+              <a:t>return</a:t>
+            </a:r>
+            <a:endParaRPr lang="de-DE" dirty="0"/>
+          </a:p>
+          <a:p>
+            <a:pPr marL="285750" indent="-285750">
+              <a:buFont typeface="Arial" panose="020B0604020202020204" pitchFamily="34" charset="0"/>
+              <a:buChar char="•"/>
+            </a:pPr>
+            <a:r>
+              <a:rPr lang="de-DE" dirty="0"/>
+              <a:t>Letzter </a:t>
+            </a:r>
+            <a:r>
+              <a:rPr lang="de-DE" dirty="0" err="1"/>
+              <a:t>spieler</a:t>
+            </a:r>
+            <a:r>
+              <a:rPr lang="de-DE" dirty="0"/>
+              <a:t> wählt </a:t>
+            </a:r>
+            <a:r>
+              <a:rPr lang="de-DE" dirty="0" err="1"/>
+              <a:t>hit</a:t>
+            </a:r>
+            <a:r>
+              <a:rPr lang="de-DE" dirty="0"/>
+              <a:t> und </a:t>
+            </a:r>
+            <a:r>
+              <a:rPr lang="de-DE" dirty="0" err="1"/>
+              <a:t>busted</a:t>
+            </a:r>
+            <a:endParaRPr lang="de-DE" dirty="0"/>
+          </a:p>
+          <a:p>
+            <a:pPr marL="285750" indent="-285750">
+              <a:buFont typeface="Arial" panose="020B0604020202020204" pitchFamily="34" charset="0"/>
+              <a:buChar char="•"/>
+            </a:pPr>
+            <a:r>
+              <a:rPr lang="de-DE" dirty="0"/>
+              <a:t>Dealer zieht im selben Zug</a:t>
+            </a:r>
+          </a:p>
+          <a:p>
+            <a:pPr marL="285750" indent="-285750">
+              <a:buFont typeface="Arial" panose="020B0604020202020204" pitchFamily="34" charset="0"/>
+              <a:buChar char="•"/>
+            </a:pPr>
+            <a:r>
+              <a:rPr lang="de-DE" dirty="0"/>
+              <a:t>Lösung: Dealer zieht bevor den Spielern</a:t>
+            </a:r>
+          </a:p>
+          <a:p>
+            <a:endParaRPr lang="de-DE" dirty="0"/>
+          </a:p>
+        </p:txBody>
+      </p:sp>
+      <p:sp>
+        <p:nvSpPr>
+          <p:cNvPr id="7" name="Inhaltsplatzhalter 6">
+            <a:extLst>
+              <a:ext uri="{FF2B5EF4-FFF2-40B4-BE49-F238E27FC236}">
+                <a16:creationId xmlns:a16="http://schemas.microsoft.com/office/drawing/2014/main" id="{E38FA5CA-A50F-4A7A-8D5A-E4755333CAE4}"/>
+              </a:ext>
+            </a:extLst>
+          </p:cNvPr>
+          <p:cNvSpPr>
+            <a:spLocks noGrp="1"/>
+          </p:cNvSpPr>
+          <p:nvPr>
+            <p:ph idx="15"/>
+          </p:nvPr>
+        </p:nvSpPr>
+        <p:spPr>
+          <a:xfrm>
+            <a:off x="4644001" y="2659310"/>
+            <a:ext cx="4184087" cy="3790258"/>
+          </a:xfrm>
+        </p:spPr>
+        <p:txBody>
+          <a:bodyPr/>
+          <a:lstStyle/>
+          <a:p>
+            <a:pPr marL="285750" indent="-285750">
+              <a:buFont typeface="Arial" panose="020B0604020202020204" pitchFamily="34" charset="0"/>
+              <a:buChar char="•"/>
+            </a:pPr>
+            <a:r>
+              <a:rPr lang="de-DE" dirty="0"/>
+              <a:t>Updates von Elementen erst nach dem kompletten ausführen eines </a:t>
+            </a:r>
+            <a:r>
+              <a:rPr lang="de-DE" dirty="0" err="1"/>
+              <a:t>return</a:t>
+            </a:r>
+            <a:r>
+              <a:rPr lang="de-DE" dirty="0"/>
+              <a:t> </a:t>
+            </a:r>
+            <a:r>
+              <a:rPr lang="de-DE" dirty="0" err="1"/>
+              <a:t>statement</a:t>
+            </a:r>
+            <a:r>
+              <a:rPr lang="de-DE" dirty="0"/>
+              <a:t> in der Datenbank</a:t>
+            </a:r>
+          </a:p>
+          <a:p>
+            <a:pPr marL="285750" indent="-285750">
+              <a:buFont typeface="Arial" panose="020B0604020202020204" pitchFamily="34" charset="0"/>
+              <a:buChar char="•"/>
+            </a:pPr>
+            <a:r>
+              <a:rPr lang="de-DE" dirty="0"/>
+              <a:t>Letzter Spieler </a:t>
+            </a:r>
+            <a:r>
+              <a:rPr lang="de-DE" dirty="0" err="1"/>
+              <a:t>doubled</a:t>
+            </a:r>
+            <a:r>
+              <a:rPr lang="de-DE" dirty="0"/>
+              <a:t> oder </a:t>
+            </a:r>
+            <a:r>
+              <a:rPr lang="de-DE" dirty="0" err="1"/>
+              <a:t>busted</a:t>
+            </a:r>
+            <a:endParaRPr lang="de-DE" dirty="0"/>
+          </a:p>
+          <a:p>
+            <a:pPr marL="285750" indent="-285750">
+              <a:buFont typeface="Arial" panose="020B0604020202020204" pitchFamily="34" charset="0"/>
+              <a:buChar char="•"/>
+            </a:pPr>
+            <a:r>
+              <a:rPr lang="de-DE" dirty="0"/>
+              <a:t>Seine Hand noch nicht aktualisiert aber </a:t>
+            </a:r>
+            <a:r>
+              <a:rPr lang="de-DE" dirty="0" err="1"/>
+              <a:t>evaluate</a:t>
+            </a:r>
+            <a:r>
+              <a:rPr lang="de-DE" dirty="0"/>
+              <a:t> wird schon aufgerufen</a:t>
+            </a:r>
+          </a:p>
+          <a:p>
+            <a:pPr marL="285750" indent="-285750">
+              <a:buFont typeface="Arial" panose="020B0604020202020204" pitchFamily="34" charset="0"/>
+              <a:buChar char="•"/>
+            </a:pPr>
+            <a:r>
+              <a:rPr lang="de-DE" dirty="0"/>
+              <a:t>Lösung: Beim Aufrufen von </a:t>
+            </a:r>
+            <a:r>
+              <a:rPr lang="de-DE" dirty="0" err="1"/>
+              <a:t>evaluate</a:t>
+            </a:r>
+            <a:r>
+              <a:rPr lang="de-DE" dirty="0"/>
+              <a:t> mitteilen was die letzte Aktion war und in </a:t>
+            </a:r>
+            <a:r>
+              <a:rPr lang="de-DE" dirty="0" err="1"/>
+              <a:t>evaluate</a:t>
+            </a:r>
+            <a:r>
+              <a:rPr lang="de-DE" dirty="0"/>
+              <a:t> beachten</a:t>
+            </a:r>
+          </a:p>
+          <a:p>
+            <a:pPr marL="285750" indent="-285750">
+              <a:buFont typeface="Arial" panose="020B0604020202020204" pitchFamily="34" charset="0"/>
+              <a:buChar char="•"/>
+            </a:pPr>
+            <a:endParaRPr lang="de-DE" dirty="0"/>
+          </a:p>
+        </p:txBody>
+      </p:sp>
+      <p:sp>
+        <p:nvSpPr>
+          <p:cNvPr id="3" name="Foliennummernplatzhalter 2">
+            <a:extLst>
+              <a:ext uri="{FF2B5EF4-FFF2-40B4-BE49-F238E27FC236}">
+                <a16:creationId xmlns:a16="http://schemas.microsoft.com/office/drawing/2014/main" id="{53BD56A1-3671-4214-B9B1-D1396FC17C8B}"/>
+              </a:ext>
+            </a:extLst>
+          </p:cNvPr>
+          <p:cNvSpPr>
+            <a:spLocks noGrp="1"/>
+          </p:cNvSpPr>
+          <p:nvPr>
+            <p:ph type="sldNum" sz="quarter" idx="16"/>
           </p:nvPr>
         </p:nvSpPr>
         <p:spPr/>
@@ -10685,12 +10653,18 @@
       </p:sp>
       <p:sp>
         <p:nvSpPr>
-          <p:cNvPr id="7" name="Fußzeilenplatzhalter 4"/>
-          <p:cNvSpPr>
-            <a:spLocks noGrp="1"/>
-          </p:cNvSpPr>
-          <p:nvPr>
-            <p:ph type="ftr" sz="quarter" idx="12"/>
+          <p:cNvPr id="4" name="Fußzeilenplatzhalter 3">
+            <a:extLst>
+              <a:ext uri="{FF2B5EF4-FFF2-40B4-BE49-F238E27FC236}">
+                <a16:creationId xmlns:a16="http://schemas.microsoft.com/office/drawing/2014/main" id="{C56C636A-F879-429E-9888-BCDD840DB93B}"/>
+              </a:ext>
+            </a:extLst>
+          </p:cNvPr>
+          <p:cNvSpPr>
+            <a:spLocks noGrp="1"/>
+          </p:cNvSpPr>
+          <p:nvPr>
+            <p:ph type="ftr" sz="quarter" idx="17"/>
           </p:nvPr>
         </p:nvSpPr>
         <p:spPr/>
@@ -10708,7 +10682,13 @@
       </p:sp>
       <p:sp>
         <p:nvSpPr>
-          <p:cNvPr id="3" name="Titel 2"/>
+          <p:cNvPr id="5" name="Titel 4">
+            <a:extLst>
+              <a:ext uri="{FF2B5EF4-FFF2-40B4-BE49-F238E27FC236}">
+                <a16:creationId xmlns:a16="http://schemas.microsoft.com/office/drawing/2014/main" id="{5329FADE-F83D-4549-B9ED-F031FFA9B2D1}"/>
+              </a:ext>
+            </a:extLst>
+          </p:cNvPr>
           <p:cNvSpPr>
             <a:spLocks noGrp="1"/>
           </p:cNvSpPr>
@@ -10716,24 +10696,101 @@
             <p:ph type="title"/>
           </p:nvPr>
         </p:nvSpPr>
+        <p:spPr/>
+        <p:txBody>
+          <a:bodyPr/>
+          <a:lstStyle/>
+          <a:p>
+            <a:r>
+              <a:rPr lang="de-DE" dirty="0" err="1"/>
+              <a:t>XQuery</a:t>
+            </a:r>
+            <a:r>
+              <a:rPr lang="de-DE" dirty="0"/>
+              <a:t> Update Facility</a:t>
+            </a:r>
+          </a:p>
+        </p:txBody>
+      </p:sp>
+      <p:sp>
+        <p:nvSpPr>
+          <p:cNvPr id="9" name="Textfeld 8">
+            <a:extLst>
+              <a:ext uri="{FF2B5EF4-FFF2-40B4-BE49-F238E27FC236}">
+                <a16:creationId xmlns:a16="http://schemas.microsoft.com/office/drawing/2014/main" id="{847C34C0-8C57-46B9-A708-10ED106F9623}"/>
+              </a:ext>
+            </a:extLst>
+          </p:cNvPr>
+          <p:cNvSpPr txBox="1"/>
+          <p:nvPr/>
+        </p:nvSpPr>
         <p:spPr>
+          <a:xfrm>
+            <a:off x="595618" y="1652631"/>
+            <a:ext cx="5958362" cy="537968"/>
+          </a:xfrm>
           <a:prstGeom prst="rect">
             <a:avLst/>
           </a:prstGeom>
+          <a:noFill/>
         </p:spPr>
         <p:txBody>
-          <a:bodyPr/>
+          <a:bodyPr wrap="none" lIns="0" tIns="0" rIns="0" bIns="0" rtlCol="0">
+            <a:spAutoFit/>
+          </a:bodyPr>
           <a:lstStyle/>
           <a:p>
-            <a:r>
-              <a:rPr sz="3000" dirty="0"/>
-              <a:t>Gültigkeit der Masterfolien</a:t>
-            </a:r>
-            <a:endParaRPr lang="de-DE" sz="3000" dirty="0"/>
+            <a:pPr>
+              <a:lnSpc>
+                <a:spcPct val="114000"/>
+              </a:lnSpc>
+            </a:pPr>
+            <a:r>
+              <a:rPr lang="de-DE" sz="1600" dirty="0">
+                <a:latin typeface="+mn-lt"/>
+              </a:rPr>
+              <a:t>Ziel: angenehmes Spielgefühl mit wenig User </a:t>
+            </a:r>
+            <a:r>
+              <a:rPr lang="de-DE" sz="1600" dirty="0" err="1">
+                <a:latin typeface="+mn-lt"/>
+              </a:rPr>
+              <a:t>input</a:t>
+            </a:r>
+            <a:r>
+              <a:rPr lang="de-DE" sz="1600" dirty="0">
+                <a:latin typeface="+mn-lt"/>
+              </a:rPr>
+              <a:t> -&gt;</a:t>
+            </a:r>
+          </a:p>
+          <a:p>
+            <a:pPr>
+              <a:lnSpc>
+                <a:spcPct val="114000"/>
+              </a:lnSpc>
+            </a:pPr>
+            <a:r>
+              <a:rPr lang="de-DE" sz="1600" dirty="0" err="1">
+                <a:latin typeface="+mn-lt"/>
+              </a:rPr>
+              <a:t>Bust</a:t>
+            </a:r>
+            <a:r>
+              <a:rPr lang="de-DE" sz="1600" dirty="0">
+                <a:latin typeface="+mn-lt"/>
+              </a:rPr>
+              <a:t> und Double beenden automatisch den Spielzug des Spielers</a:t>
+            </a:r>
           </a:p>
         </p:txBody>
       </p:sp>
     </p:spTree>
+    <p:extLst>
+      <p:ext uri="{BB962C8B-B14F-4D97-AF65-F5344CB8AC3E}">
+        <p14:creationId xmlns:p14="http://schemas.microsoft.com/office/powerpoint/2010/main" val="3888416019"/>
+      </p:ext>
+    </p:extLst>
   </p:cSld>
   <p:clrMapOvr>
     <a:masterClrMapping/>
@@ -10774,16 +10831,40 @@
           <a:lstStyle/>
           <a:p>
             <a:r>
+              <a:rPr dirty="0" err="1"/>
+              <a:t>Dieser</a:t>
+            </a:r>
+            <a:r>
               <a:rPr dirty="0"/>
-              <a:t>Als Grundlage dient der Corporate Design Style Guide der TUM.</a:t>
+              <a:t> Folienmaster gilt bei offiziellen Präsentationen im Rahmen der TUM.</a:t>
             </a:r>
             <a:br>
               <a:rPr dirty="0"/>
             </a:br>
             <a:r>
               <a:rPr dirty="0"/>
-              <a:t>Die Präsentationsvorlage ist auf gute Lesbarkeit und klare Darstellung von Informationen optimiert.</a:t>
-            </a:r>
+              <a:t>Es ist darauf zu achten, dass wir uns in einem durchgängigen Layout </a:t>
+            </a:r>
+            <a:r>
+              <a:rPr dirty="0" err="1"/>
+              <a:t>präsentieren</a:t>
+            </a:r>
+            <a:r>
+              <a:rPr dirty="0"/>
+              <a:t>.</a:t>
+            </a:r>
+          </a:p>
+          <a:p>
+            <a:r>
+              <a:rPr lang="de-DE" dirty="0"/>
+              <a:t>Abweichungen vom vorgegebenen Layout bitte auf ein Minimum reduzieren.</a:t>
+            </a:r>
+          </a:p>
+          <a:p>
+            <a:endParaRPr dirty="0"/>
+          </a:p>
+          <a:p>
+            <a:endParaRPr sz="2200" dirty="0"/>
           </a:p>
         </p:txBody>
       </p:sp>
@@ -10813,7 +10894,7 @@
       </p:sp>
       <p:sp>
         <p:nvSpPr>
-          <p:cNvPr id="6" name="Fußzeilenplatzhalter 4"/>
+          <p:cNvPr id="7" name="Fußzeilenplatzhalter 4"/>
           <p:cNvSpPr>
             <a:spLocks noGrp="1"/>
           </p:cNvSpPr>
@@ -10855,7 +10936,7 @@
           <a:p>
             <a:r>
               <a:rPr sz="3000" dirty="0"/>
-              <a:t>Grundlage der Masterfolien</a:t>
+              <a:t>Gültigkeit der Masterfolien</a:t>
             </a:r>
             <a:endParaRPr lang="de-DE" sz="3000" dirty="0"/>
           </a:p>
@@ -10896,12 +10977,7 @@
             <p:ph idx="1"/>
           </p:nvPr>
         </p:nvSpPr>
-        <p:spPr>
-          <a:xfrm>
-            <a:off x="319090" y="2105024"/>
-            <a:ext cx="8508999" cy="4356735"/>
-          </a:xfrm>
-        </p:spPr>
+        <p:spPr/>
         <p:txBody>
           <a:bodyPr/>
           <a:lstStyle/>
@@ -10978,10 +11054,6 @@
           </p:nvPr>
         </p:nvSpPr>
         <p:spPr>
-          <a:xfrm>
-            <a:off x="319090" y="994334"/>
-            <a:ext cx="8508999" cy="820738"/>
-          </a:xfrm>
           <a:prstGeom prst="rect">
             <a:avLst/>
           </a:prstGeom>
@@ -10991,16 +11063,10 @@
           <a:lstStyle/>
           <a:p>
             <a:r>
-              <a:rPr lang="de-DE" dirty="0"/>
-              <a:t>Hier steht eine Überschrift</a:t>
-            </a:r>
-            <a:br>
-              <a:rPr lang="de-DE" dirty="0"/>
-            </a:br>
-            <a:r>
-              <a:rPr lang="de-DE" dirty="0"/>
-              <a:t>max. 2-zeilig</a:t>
-            </a:r>
+              <a:rPr sz="3000" dirty="0"/>
+              <a:t>Grundlage der Masterfolien</a:t>
+            </a:r>
+            <a:endParaRPr lang="de-DE" sz="3000" dirty="0"/>
           </a:p>
         </p:txBody>
       </p:sp>
@@ -11039,106 +11105,26 @@
             <p:ph idx="1"/>
           </p:nvPr>
         </p:nvSpPr>
-        <p:spPr/>
+        <p:spPr>
+          <a:xfrm>
+            <a:off x="319090" y="2105024"/>
+            <a:ext cx="8508999" cy="4356735"/>
+          </a:xfrm>
+        </p:spPr>
         <p:txBody>
           <a:bodyPr/>
           <a:lstStyle/>
           <a:p>
             <a:r>
               <a:rPr dirty="0"/>
-              <a:t>Das Grundprinzip ist, Informationen bestmöglich zu transportieren. Dazu muss vor allem die Schrift einheitlich und für alle im Raum lesbar sein. </a:t>
-            </a:r>
-          </a:p>
-          <a:p>
-            <a:endParaRPr dirty="0"/>
-          </a:p>
-          <a:p>
-            <a:r>
-              <a:rPr dirty="0" err="1"/>
-              <a:t>Schriftart</a:t>
-            </a:r>
-            <a:r>
+              <a:t>Als Grundlage dient der Corporate Design Style Guide der TUM.</a:t>
+            </a:r>
+            <a:br>
               <a:rPr dirty="0"/>
-              <a:t>: Arial</a:t>
-            </a:r>
-          </a:p>
-          <a:p>
-            <a:endParaRPr dirty="0"/>
-          </a:p>
-          <a:p>
-            <a:r>
-              <a:rPr dirty="0" err="1"/>
-              <a:t>Schriftgr</a:t>
-            </a:r>
-            <a:r>
-              <a:rPr lang="de-DE" dirty="0" err="1"/>
-              <a:t>ößen</a:t>
-            </a:r>
+            </a:br>
             <a:r>
               <a:rPr dirty="0"/>
-              <a:t>:</a:t>
-            </a:r>
-            <a:r>
-              <a:rPr lang="de-DE" dirty="0"/>
-              <a:t>30 | 22 | 16 | 12</a:t>
-            </a:r>
-            <a:endParaRPr dirty="0"/>
-          </a:p>
-          <a:p>
-            <a:endParaRPr dirty="0"/>
-          </a:p>
-          <a:p>
-            <a:r>
-              <a:rPr dirty="0" err="1"/>
-              <a:t>Zeilenabstand</a:t>
-            </a:r>
-            <a:r>
-              <a:rPr dirty="0"/>
-              <a:t>: 1,15mm</a:t>
-            </a:r>
-          </a:p>
-          <a:p>
-            <a:endParaRPr dirty="0"/>
-          </a:p>
-          <a:p>
-            <a:r>
-              <a:rPr dirty="0"/>
-              <a:t>Die Einstellungen sind in den Textfeldern und Textfeldvorlagen dieses ppt-Masters als Standard eingestellt. Bei Diagrammen und Tabellen muss die Schriftgröße ggf. angepasst werden.</a:t>
-            </a:r>
-            <a:r>
-              <a:rPr lang="de-DE" dirty="0"/>
-              <a:t> Für Auszeichnungen im Fließtext kann auch </a:t>
-            </a:r>
-            <a:r>
-              <a:rPr lang="de-DE" b="1" dirty="0"/>
-              <a:t>fett </a:t>
-            </a:r>
-            <a:r>
-              <a:rPr lang="de-DE" dirty="0"/>
-              <a:t>markiert werden.</a:t>
-            </a:r>
-            <a:endParaRPr dirty="0"/>
-          </a:p>
-          <a:p>
-            <a:r>
-              <a:rPr dirty="0"/>
-              <a:t>Bei großer Distanz bzw. </a:t>
-            </a:r>
-            <a:r>
-              <a:rPr dirty="0" err="1"/>
-              <a:t>kleinem</a:t>
-            </a:r>
-            <a:r>
-              <a:rPr dirty="0"/>
-              <a:t> </a:t>
-            </a:r>
-            <a:r>
-              <a:rPr dirty="0" err="1"/>
-              <a:t>Präsentationsmedium</a:t>
-            </a:r>
-            <a:r>
-              <a:rPr dirty="0"/>
-              <a:t> kann der Schriftgrad notfalls proportional erhöht werden.</a:t>
+              <a:t>Die Präsentationsvorlage ist auf gute Lesbarkeit und klare Darstellung von Informationen optimiert.</a:t>
             </a:r>
           </a:p>
         </p:txBody>
@@ -11153,11 +11139,7 @@
             <p:ph type="sldNum" sz="quarter" idx="11"/>
           </p:nvPr>
         </p:nvSpPr>
-        <p:spPr>
-          <a:prstGeom prst="rect">
-            <a:avLst/>
-          </a:prstGeom>
-        </p:spPr>
+        <p:spPr/>
         <p:txBody>
           <a:bodyPr/>
           <a:lstStyle/>
@@ -11205,6 +11187,10 @@
           </p:nvPr>
         </p:nvSpPr>
         <p:spPr>
+          <a:xfrm>
+            <a:off x="319090" y="994334"/>
+            <a:ext cx="8508999" cy="820738"/>
+          </a:xfrm>
           <a:prstGeom prst="rect">
             <a:avLst/>
           </a:prstGeom>
@@ -11214,10 +11200,16 @@
           <a:lstStyle/>
           <a:p>
             <a:r>
-              <a:rPr sz="3000" dirty="0"/>
-              <a:t>Schrift</a:t>
-            </a:r>
-            <a:endParaRPr lang="de-DE" sz="3000" dirty="0"/>
+              <a:rPr lang="de-DE" dirty="0"/>
+              <a:t>Hier steht eine Überschrift</a:t>
+            </a:r>
+            <a:br>
+              <a:rPr lang="de-DE" dirty="0"/>
+            </a:br>
+            <a:r>
+              <a:rPr lang="de-DE" dirty="0"/>
+              <a:t>max. 2-zeilig</a:t>
+            </a:r>
           </a:p>
         </p:txBody>
       </p:sp>
@@ -11263,82 +11255,100 @@
           <a:p>
             <a:r>
               <a:rPr dirty="0"/>
-              <a:t>Als erstes soll mit schwarz und weiß gearbeitet werden.</a:t>
-            </a:r>
-            <a:br>
+              <a:t>Das Grundprinzip ist, Informationen bestmöglich zu transportieren. Dazu muss vor allem die Schrift einheitlich und für alle im Raum lesbar sein. </a:t>
+            </a:r>
+          </a:p>
+          <a:p>
+            <a:endParaRPr dirty="0"/>
+          </a:p>
+          <a:p>
+            <a:r>
+              <a:rPr dirty="0" err="1"/>
+              <a:t>Schriftart</a:t>
+            </a:r>
+            <a:r>
               <a:rPr dirty="0"/>
-            </a:br>
+              <a:t>: Arial</a:t>
+            </a:r>
+          </a:p>
+          <a:p>
+            <a:endParaRPr dirty="0"/>
+          </a:p>
+          <a:p>
+            <a:r>
+              <a:rPr dirty="0" err="1"/>
+              <a:t>Schriftgr</a:t>
+            </a:r>
+            <a:r>
+              <a:rPr lang="de-DE" dirty="0" err="1"/>
+              <a:t>ößen</a:t>
+            </a:r>
             <a:r>
               <a:rPr dirty="0"/>
-              <a:t>Für Aufwändigere Darstellungen sind Farben mit Bedacht und in möglichst geringem Umfang einzusetzen.</a:t>
-            </a:r>
-            <a:br>
+              <a:t>:</a:t>
+            </a:r>
+            <a:r>
+              <a:rPr lang="de-DE" dirty="0"/>
+              <a:t>30 | 22 | 16 | 12</a:t>
+            </a:r>
+            <a:endParaRPr dirty="0"/>
+          </a:p>
+          <a:p>
+            <a:endParaRPr dirty="0"/>
+          </a:p>
+          <a:p>
+            <a:r>
+              <a:rPr dirty="0" err="1"/>
+              <a:t>Zeilenabstand</a:t>
+            </a:r>
+            <a:r>
               <a:rPr dirty="0"/>
-            </a:br>
+              <a:t>: 1,15mm</a:t>
+            </a:r>
+          </a:p>
+          <a:p>
             <a:endParaRPr dirty="0"/>
           </a:p>
           <a:p>
             <a:r>
               <a:rPr dirty="0"/>
-              <a:t>In diesem Folienmaster ist die Farbpalette festgelegt.</a:t>
-            </a:r>
-          </a:p>
-          <a:p>
+              <a:t>Die Einstellungen sind in den Textfeldern und Textfeldvorlagen dieses ppt-Masters als Standard eingestellt. Bei Diagrammen und Tabellen muss die Schriftgröße ggf. angepasst werden.</a:t>
+            </a:r>
+            <a:r>
+              <a:rPr lang="de-DE" dirty="0"/>
+              <a:t> Für Auszeichnungen im Fließtext kann auch </a:t>
+            </a:r>
+            <a:r>
+              <a:rPr lang="de-DE" b="1" dirty="0"/>
+              <a:t>fett </a:t>
+            </a:r>
+            <a:r>
+              <a:rPr lang="de-DE" dirty="0"/>
+              <a:t>markiert werden.</a:t>
+            </a:r>
             <a:endParaRPr dirty="0"/>
           </a:p>
           <a:p>
             <a:r>
               <a:rPr dirty="0"/>
-              <a:t>Zuerst mit </a:t>
-            </a:r>
-            <a:r>
-              <a:rPr lang="de-DE" dirty="0"/>
-              <a:t>den Primärfarben </a:t>
+              <a:t>Bei großer Distanz bzw. </a:t>
+            </a:r>
+            <a:r>
+              <a:rPr dirty="0" err="1"/>
+              <a:t>kleinem</a:t>
             </a:r>
             <a:r>
               <a:rPr dirty="0"/>
-              <a:t>arbeiten</a:t>
-            </a:r>
-            <a:r>
-              <a:rPr lang="de-DE" dirty="0"/>
-              <a:t>.</a:t>
-            </a:r>
-          </a:p>
-          <a:p>
-            <a:endParaRPr lang="de-DE" dirty="0"/>
-          </a:p>
-          <a:p>
-            <a:endParaRPr lang="de-DE" dirty="0"/>
-          </a:p>
-          <a:p>
+              <a:t> </a:t>
+            </a:r>
+            <a:r>
+              <a:rPr dirty="0" err="1"/>
+              <a:t>Präsentationsmedium</a:t>
+            </a:r>
             <a:r>
               <a:rPr dirty="0"/>
-              <a:t>Für z.B. komplexe Diagramme stehen noch</a:t>
-            </a:r>
-            <a:r>
-              <a:rPr lang="de-DE" dirty="0"/>
-              <a:t>Sekundärfarben </a:t>
-            </a:r>
-            <a:r>
-              <a:rPr dirty="0"/>
-              <a:t>zur Verfügung.</a:t>
-            </a:r>
-          </a:p>
-          <a:p>
-            <a:endParaRPr dirty="0"/>
-          </a:p>
-          <a:p>
-            <a:endParaRPr dirty="0"/>
-          </a:p>
-          <a:p>
-            <a:r>
-              <a:rPr lang="de-DE" dirty="0"/>
-              <a:t>Gering im Einsatz sind die Akzentfarben.</a:t>
-            </a:r>
-            <a:endParaRPr dirty="0"/>
-          </a:p>
-          <a:p>
-            <a:endParaRPr dirty="0"/>
+              <a:t> kann der Schriftgrad notfalls proportional erhöht werden.</a:t>
+            </a:r>
           </a:p>
         </p:txBody>
       </p:sp>
@@ -11365,6 +11375,205 @@
               <a:rPr lang="de-DE" smtClean="0"/>
               <a:pPr/>
               <a:t>16</a:t>
+            </a:fld>
+            <a:endParaRPr lang="de-DE" dirty="0"/>
+          </a:p>
+        </p:txBody>
+      </p:sp>
+      <p:sp>
+        <p:nvSpPr>
+          <p:cNvPr id="6" name="Fußzeilenplatzhalter 4"/>
+          <p:cNvSpPr>
+            <a:spLocks noGrp="1"/>
+          </p:cNvSpPr>
+          <p:nvPr>
+            <p:ph type="ftr" sz="quarter" idx="12"/>
+          </p:nvPr>
+        </p:nvSpPr>
+        <p:spPr/>
+        <p:txBody>
+          <a:bodyPr/>
+          <a:lstStyle/>
+          <a:p>
+            <a:r>
+              <a:rPr lang="de-DE"/>
+              <a:t>Dr. rer. nat. Erika Mustermann (TUM) | kann beliebig erweitert werden | Infos mit Strich trennen</a:t>
+            </a:r>
+            <a:endParaRPr lang="en-US" dirty="0"/>
+          </a:p>
+        </p:txBody>
+      </p:sp>
+      <p:sp>
+        <p:nvSpPr>
+          <p:cNvPr id="3" name="Titel 2"/>
+          <p:cNvSpPr>
+            <a:spLocks noGrp="1"/>
+          </p:cNvSpPr>
+          <p:nvPr>
+            <p:ph type="title"/>
+          </p:nvPr>
+        </p:nvSpPr>
+        <p:spPr>
+          <a:prstGeom prst="rect">
+            <a:avLst/>
+          </a:prstGeom>
+        </p:spPr>
+        <p:txBody>
+          <a:bodyPr/>
+          <a:lstStyle/>
+          <a:p>
+            <a:r>
+              <a:rPr sz="3000" dirty="0"/>
+              <a:t>Schrift</a:t>
+            </a:r>
+            <a:endParaRPr lang="de-DE" sz="3000" dirty="0"/>
+          </a:p>
+        </p:txBody>
+      </p:sp>
+    </p:spTree>
+  </p:cSld>
+  <p:clrMapOvr>
+    <a:masterClrMapping/>
+  </p:clrMapOvr>
+</p:sld>
+</file>
+
+<file path=ppt/slides/slide17.xml><?xml version="1.0" encoding="utf-8"?>
+<p:sld xmlns:a="http://schemas.openxmlformats.org/drawingml/2006/main" xmlns:r="http://schemas.openxmlformats.org/officeDocument/2006/relationships" xmlns:p="http://schemas.openxmlformats.org/presentationml/2006/main">
+  <p:cSld>
+    <p:spTree>
+      <p:nvGrpSpPr>
+        <p:cNvPr id="1" name=""/>
+        <p:cNvGrpSpPr/>
+        <p:nvPr/>
+      </p:nvGrpSpPr>
+      <p:grpSpPr>
+        <a:xfrm>
+          <a:off x="0" y="0"/>
+          <a:ext cx="0" cy="0"/>
+          <a:chOff x="0" y="0"/>
+          <a:chExt cx="0" cy="0"/>
+        </a:xfrm>
+      </p:grpSpPr>
+      <p:sp>
+        <p:nvSpPr>
+          <p:cNvPr id="2" name="Inhaltsplatzhalter 1"/>
+          <p:cNvSpPr>
+            <a:spLocks noGrp="1"/>
+          </p:cNvSpPr>
+          <p:nvPr>
+            <p:ph idx="1"/>
+          </p:nvPr>
+        </p:nvSpPr>
+        <p:spPr/>
+        <p:txBody>
+          <a:bodyPr/>
+          <a:lstStyle/>
+          <a:p>
+            <a:r>
+              <a:rPr dirty="0"/>
+              <a:t>Als erstes soll mit schwarz und weiß gearbeitet werden.</a:t>
+            </a:r>
+            <a:br>
+              <a:rPr dirty="0"/>
+            </a:br>
+            <a:r>
+              <a:rPr dirty="0"/>
+              <a:t>Für Aufwändigere Darstellungen sind Farben mit Bedacht und in möglichst geringem Umfang einzusetzen.</a:t>
+            </a:r>
+            <a:br>
+              <a:rPr dirty="0"/>
+            </a:br>
+            <a:endParaRPr dirty="0"/>
+          </a:p>
+          <a:p>
+            <a:r>
+              <a:rPr dirty="0"/>
+              <a:t>In diesem Folienmaster ist die Farbpalette festgelegt.</a:t>
+            </a:r>
+          </a:p>
+          <a:p>
+            <a:endParaRPr dirty="0"/>
+          </a:p>
+          <a:p>
+            <a:r>
+              <a:rPr dirty="0"/>
+              <a:t>Zuerst mit </a:t>
+            </a:r>
+            <a:r>
+              <a:rPr lang="de-DE" dirty="0"/>
+              <a:t>den Primärfarben </a:t>
+            </a:r>
+            <a:r>
+              <a:rPr dirty="0"/>
+              <a:t>arbeiten</a:t>
+            </a:r>
+            <a:r>
+              <a:rPr lang="de-DE" dirty="0"/>
+              <a:t>.</a:t>
+            </a:r>
+          </a:p>
+          <a:p>
+            <a:endParaRPr lang="de-DE" dirty="0"/>
+          </a:p>
+          <a:p>
+            <a:endParaRPr lang="de-DE" dirty="0"/>
+          </a:p>
+          <a:p>
+            <a:r>
+              <a:rPr dirty="0"/>
+              <a:t>Für z.B. komplexe Diagramme stehen noch</a:t>
+            </a:r>
+            <a:r>
+              <a:rPr lang="de-DE" dirty="0"/>
+              <a:t>Sekundärfarben </a:t>
+            </a:r>
+            <a:r>
+              <a:rPr dirty="0"/>
+              <a:t>zur Verfügung.</a:t>
+            </a:r>
+          </a:p>
+          <a:p>
+            <a:endParaRPr dirty="0"/>
+          </a:p>
+          <a:p>
+            <a:endParaRPr dirty="0"/>
+          </a:p>
+          <a:p>
+            <a:r>
+              <a:rPr lang="de-DE" dirty="0"/>
+              <a:t>Gering im Einsatz sind die Akzentfarben.</a:t>
+            </a:r>
+            <a:endParaRPr dirty="0"/>
+          </a:p>
+          <a:p>
+            <a:endParaRPr dirty="0"/>
+          </a:p>
+        </p:txBody>
+      </p:sp>
+      <p:sp>
+        <p:nvSpPr>
+          <p:cNvPr id="4" name="Foliennummernplatzhalter 3"/>
+          <p:cNvSpPr>
+            <a:spLocks noGrp="1"/>
+          </p:cNvSpPr>
+          <p:nvPr>
+            <p:ph type="sldNum" sz="quarter" idx="11"/>
+          </p:nvPr>
+        </p:nvSpPr>
+        <p:spPr>
+          <a:prstGeom prst="rect">
+            <a:avLst/>
+          </a:prstGeom>
+        </p:spPr>
+        <p:txBody>
+          <a:bodyPr/>
+          <a:lstStyle/>
+          <a:p>
+            <a:fld id="{CE58CB1E-F828-4F11-99E0-327109AF9DA4}" type="slidenum">
+              <a:rPr lang="de-DE" smtClean="0"/>
+              <a:pPr/>
+              <a:t>17</a:t>
             </a:fld>
             <a:endParaRPr lang="de-DE" dirty="0"/>
           </a:p>
@@ -11992,139 +12201,6 @@
 </p:sld>
 </file>
 
-<file path=ppt/slides/slide17.xml><?xml version="1.0" encoding="utf-8"?>
-<p:sld xmlns:a="http://schemas.openxmlformats.org/drawingml/2006/main" xmlns:r="http://schemas.openxmlformats.org/officeDocument/2006/relationships" xmlns:p="http://schemas.openxmlformats.org/presentationml/2006/main">
-  <p:cSld>
-    <p:spTree>
-      <p:nvGrpSpPr>
-        <p:cNvPr id="1" name=""/>
-        <p:cNvGrpSpPr/>
-        <p:nvPr/>
-      </p:nvGrpSpPr>
-      <p:grpSpPr>
-        <a:xfrm>
-          <a:off x="0" y="0"/>
-          <a:ext cx="0" cy="0"/>
-          <a:chOff x="0" y="0"/>
-          <a:chExt cx="0" cy="0"/>
-        </a:xfrm>
-      </p:grpSpPr>
-      <p:sp>
-        <p:nvSpPr>
-          <p:cNvPr id="2" name="Inhaltsplatzhalter 1"/>
-          <p:cNvSpPr>
-            <a:spLocks noGrp="1"/>
-          </p:cNvSpPr>
-          <p:nvPr>
-            <p:ph idx="1"/>
-          </p:nvPr>
-        </p:nvSpPr>
-        <p:spPr/>
-        <p:txBody>
-          <a:bodyPr/>
-          <a:lstStyle/>
-          <a:p>
-            <a:r>
-              <a:t>Kurze und knappe Texte, Fließtexte linksbündig, kein Blocksatz</a:t>
-            </a:r>
-          </a:p>
-          <a:p>
-            <a:endParaRPr/>
-          </a:p>
-          <a:p>
-            <a:r>
-              <a:t>Beispiel:</a:t>
-            </a:r>
-          </a:p>
-          <a:p>
-            <a:r>
-              <a:t>Tem soluptam, nisi as verum ereprehendam at acculpa quidisq uissit volupta tusdant utem as etur, odi odis es doluptiae dem nimaion con nossinctenis pora quam voloria consenimus blabore everfer epeliquo maio etur.</a:t>
-            </a:r>
-          </a:p>
-        </p:txBody>
-      </p:sp>
-      <p:sp>
-        <p:nvSpPr>
-          <p:cNvPr id="4" name="Foliennummernplatzhalter 3"/>
-          <p:cNvSpPr>
-            <a:spLocks noGrp="1"/>
-          </p:cNvSpPr>
-          <p:nvPr>
-            <p:ph type="sldNum" sz="quarter" idx="11"/>
-          </p:nvPr>
-        </p:nvSpPr>
-        <p:spPr/>
-        <p:txBody>
-          <a:bodyPr/>
-          <a:lstStyle/>
-          <a:p>
-            <a:fld id="{CE58CB1E-F828-4F11-99E0-327109AF9DA4}" type="slidenum">
-              <a:rPr lang="de-DE" smtClean="0"/>
-              <a:pPr/>
-              <a:t>17</a:t>
-            </a:fld>
-            <a:endParaRPr lang="de-DE" dirty="0"/>
-          </a:p>
-        </p:txBody>
-      </p:sp>
-      <p:sp>
-        <p:nvSpPr>
-          <p:cNvPr id="6" name="Fußzeilenplatzhalter 4"/>
-          <p:cNvSpPr>
-            <a:spLocks noGrp="1"/>
-          </p:cNvSpPr>
-          <p:nvPr>
-            <p:ph type="ftr" sz="quarter" idx="12"/>
-          </p:nvPr>
-        </p:nvSpPr>
-        <p:spPr/>
-        <p:txBody>
-          <a:bodyPr/>
-          <a:lstStyle/>
-          <a:p>
-            <a:r>
-              <a:rPr lang="de-DE"/>
-              <a:t>Dr. rer. nat. Erika Mustermann (TUM) | kann beliebig erweitert werden | Infos mit Strich trennen</a:t>
-            </a:r>
-            <a:endParaRPr lang="en-US" dirty="0"/>
-          </a:p>
-        </p:txBody>
-      </p:sp>
-      <p:sp>
-        <p:nvSpPr>
-          <p:cNvPr id="3" name="Titel 2"/>
-          <p:cNvSpPr>
-            <a:spLocks noGrp="1"/>
-          </p:cNvSpPr>
-          <p:nvPr>
-            <p:ph type="title"/>
-          </p:nvPr>
-        </p:nvSpPr>
-        <p:spPr>
-          <a:prstGeom prst="rect">
-            <a:avLst/>
-          </a:prstGeom>
-        </p:spPr>
-        <p:txBody>
-          <a:bodyPr/>
-          <a:lstStyle/>
-          <a:p>
-            <a:r>
-              <a:rPr dirty="0"/>
-              <a:t>Texte</a:t>
-            </a:r>
-            <a:endParaRPr lang="de-DE" dirty="0"/>
-          </a:p>
-        </p:txBody>
-      </p:sp>
-    </p:spTree>
-  </p:cSld>
-  <p:clrMapOvr>
-    <a:masterClrMapping/>
-  </p:clrMapOvr>
-</p:sld>
-</file>
-
 <file path=ppt/slides/slide18.xml><?xml version="1.0" encoding="utf-8"?>
 <p:sld xmlns:a="http://schemas.openxmlformats.org/drawingml/2006/main" xmlns:r="http://schemas.openxmlformats.org/officeDocument/2006/relationships" xmlns:p="http://schemas.openxmlformats.org/presentationml/2006/main">
   <p:cSld>
@@ -12158,94 +12234,21 @@
           <a:lstStyle/>
           <a:p>
             <a:r>
-              <a:rPr lang="de-DE"/>
-              <a:t>Bei kleinen Aufzählungen auf Aufzählungszeichen verzichten und ggf. zusätzliche Leerzeile</a:t>
-            </a:r>
-          </a:p>
-          <a:p>
-            <a:r>
-              <a:rPr lang="de-DE"/>
-              <a:t>Nur die wesentlichen Punkte nennen und Themen auf verschiedene Seiten splitten.</a:t>
-            </a:r>
-          </a:p>
-          <a:p>
-            <a:endParaRPr lang="de-DE"/>
-          </a:p>
-          <a:p>
-            <a:r>
-              <a:rPr lang="de-DE"/>
-              <a:t>Punkt 1</a:t>
-            </a:r>
-          </a:p>
-          <a:p>
-            <a:endParaRPr lang="de-DE"/>
-          </a:p>
-          <a:p>
-            <a:r>
-              <a:rPr lang="de-DE"/>
-              <a:t>Punkt 2</a:t>
-            </a:r>
-          </a:p>
-          <a:p>
-            <a:endParaRPr lang="de-DE"/>
-          </a:p>
-          <a:p>
-            <a:r>
-              <a:rPr lang="de-DE"/>
-              <a:t>Wenn Unterpunkte in einer Aufzählung nötig sind ist ein Einrücken mit – möglich</a:t>
-            </a:r>
-          </a:p>
-          <a:p>
-            <a:pPr lvl="1"/>
-            <a:r>
-              <a:rPr lang="de-DE"/>
-              <a:t>Unterpunkt 1</a:t>
-            </a:r>
-          </a:p>
-          <a:p>
-            <a:pPr lvl="2"/>
-            <a:r>
-              <a:rPr lang="de-DE"/>
-              <a:t>Unterpunkt 1</a:t>
-            </a:r>
-          </a:p>
-          <a:p>
-            <a:pPr lvl="2"/>
-            <a:r>
-              <a:rPr lang="de-DE"/>
-              <a:t>Unterpunkt 2</a:t>
-            </a:r>
-          </a:p>
-          <a:p>
-            <a:endParaRPr lang="de-DE"/>
-          </a:p>
-          <a:p>
-            <a:r>
-              <a:rPr lang="de-DE"/>
-              <a:t>Bei größeren Listen die Standardeinstellung • verwenden</a:t>
-            </a:r>
-          </a:p>
-          <a:p>
-            <a:pPr lvl="1"/>
-            <a:r>
-              <a:rPr lang="de-DE"/>
-              <a:t>Unterpunkt 1</a:t>
-            </a:r>
-          </a:p>
-          <a:p>
-            <a:pPr lvl="1"/>
-            <a:r>
-              <a:rPr lang="de-DE"/>
-              <a:t>Unterpunkt 2</a:t>
-            </a:r>
-          </a:p>
-          <a:p>
-            <a:pPr lvl="1"/>
-            <a:r>
-              <a:rPr lang="de-DE"/>
-              <a:t>Unterpunkt 3</a:t>
-            </a:r>
-            <a:endParaRPr lang="de-DE" dirty="0"/>
+              <a:t>Kurze und knappe Texte, Fließtexte linksbündig, kein Blocksatz</a:t>
+            </a:r>
+          </a:p>
+          <a:p>
+            <a:endParaRPr/>
+          </a:p>
+          <a:p>
+            <a:r>
+              <a:t>Beispiel:</a:t>
+            </a:r>
+          </a:p>
+          <a:p>
+            <a:r>
+              <a:t>Tem soluptam, nisi as verum ereprehendam at acculpa quidisq uissit volupta tusdant utem as etur, odi odis es doluptiae dem nimaion con nossinctenis pora quam voloria consenimus blabore everfer epeliquo maio etur.</a:t>
+            </a:r>
           </a:p>
         </p:txBody>
       </p:sp>
@@ -12275,7 +12278,7 @@
       </p:sp>
       <p:sp>
         <p:nvSpPr>
-          <p:cNvPr id="5" name="Fußzeilenplatzhalter 4"/>
+          <p:cNvPr id="6" name="Fußzeilenplatzhalter 4"/>
           <p:cNvSpPr>
             <a:spLocks noGrp="1"/>
           </p:cNvSpPr>
@@ -12306,14 +12309,18 @@
             <p:ph type="title"/>
           </p:nvPr>
         </p:nvSpPr>
-        <p:spPr/>
+        <p:spPr>
+          <a:prstGeom prst="rect">
+            <a:avLst/>
+          </a:prstGeom>
+        </p:spPr>
         <p:txBody>
           <a:bodyPr/>
           <a:lstStyle/>
           <a:p>
             <a:r>
-              <a:rPr lang="de-DE"/>
-              <a:t>Aufzählung</a:t>
+              <a:rPr dirty="0"/>
+              <a:t>Texte</a:t>
             </a:r>
             <a:endParaRPr lang="de-DE" dirty="0"/>
           </a:p>
@@ -12360,27 +12367,94 @@
           <a:lstStyle/>
           <a:p>
             <a:r>
-              <a:t>schlichte Darstellung von Informationen</a:t>
-            </a:r>
-          </a:p>
-          <a:p>
-            <a:endParaRPr/>
-          </a:p>
-          <a:p>
-            <a:r>
-              <a:t>reduzierte Farben</a:t>
-            </a:r>
-          </a:p>
-          <a:p>
-            <a:endParaRPr/>
-          </a:p>
-          <a:p>
-            <a:r>
-              <a:t>Rahmen und Überlagerungen nach Möglichkeit vermeiden</a:t>
-            </a:r>
-          </a:p>
-          <a:p>
-            <a:endParaRPr dirty="0"/>
+              <a:rPr lang="de-DE"/>
+              <a:t>Bei kleinen Aufzählungen auf Aufzählungszeichen verzichten und ggf. zusätzliche Leerzeile</a:t>
+            </a:r>
+          </a:p>
+          <a:p>
+            <a:r>
+              <a:rPr lang="de-DE"/>
+              <a:t>Nur die wesentlichen Punkte nennen und Themen auf verschiedene Seiten splitten.</a:t>
+            </a:r>
+          </a:p>
+          <a:p>
+            <a:endParaRPr lang="de-DE"/>
+          </a:p>
+          <a:p>
+            <a:r>
+              <a:rPr lang="de-DE"/>
+              <a:t>Punkt 1</a:t>
+            </a:r>
+          </a:p>
+          <a:p>
+            <a:endParaRPr lang="de-DE"/>
+          </a:p>
+          <a:p>
+            <a:r>
+              <a:rPr lang="de-DE"/>
+              <a:t>Punkt 2</a:t>
+            </a:r>
+          </a:p>
+          <a:p>
+            <a:endParaRPr lang="de-DE"/>
+          </a:p>
+          <a:p>
+            <a:r>
+              <a:rPr lang="de-DE"/>
+              <a:t>Wenn Unterpunkte in einer Aufzählung nötig sind ist ein Einrücken mit – möglich</a:t>
+            </a:r>
+          </a:p>
+          <a:p>
+            <a:pPr lvl="1"/>
+            <a:r>
+              <a:rPr lang="de-DE"/>
+              <a:t>Unterpunkt 1</a:t>
+            </a:r>
+          </a:p>
+          <a:p>
+            <a:pPr lvl="2"/>
+            <a:r>
+              <a:rPr lang="de-DE"/>
+              <a:t>Unterpunkt 1</a:t>
+            </a:r>
+          </a:p>
+          <a:p>
+            <a:pPr lvl="2"/>
+            <a:r>
+              <a:rPr lang="de-DE"/>
+              <a:t>Unterpunkt 2</a:t>
+            </a:r>
+          </a:p>
+          <a:p>
+            <a:endParaRPr lang="de-DE"/>
+          </a:p>
+          <a:p>
+            <a:r>
+              <a:rPr lang="de-DE"/>
+              <a:t>Bei größeren Listen die Standardeinstellung • verwenden</a:t>
+            </a:r>
+          </a:p>
+          <a:p>
+            <a:pPr lvl="1"/>
+            <a:r>
+              <a:rPr lang="de-DE"/>
+              <a:t>Unterpunkt 1</a:t>
+            </a:r>
+          </a:p>
+          <a:p>
+            <a:pPr lvl="1"/>
+            <a:r>
+              <a:rPr lang="de-DE"/>
+              <a:t>Unterpunkt 2</a:t>
+            </a:r>
+          </a:p>
+          <a:p>
+            <a:pPr lvl="1"/>
+            <a:r>
+              <a:rPr lang="de-DE"/>
+              <a:t>Unterpunkt 3</a:t>
+            </a:r>
+            <a:endParaRPr lang="de-DE" dirty="0"/>
           </a:p>
         </p:txBody>
       </p:sp>
@@ -12410,7 +12484,7 @@
       </p:sp>
       <p:sp>
         <p:nvSpPr>
-          <p:cNvPr id="6" name="Fußzeilenplatzhalter 4"/>
+          <p:cNvPr id="5" name="Fußzeilenplatzhalter 4"/>
           <p:cNvSpPr>
             <a:spLocks noGrp="1"/>
           </p:cNvSpPr>
@@ -12441,20 +12515,16 @@
             <p:ph type="title"/>
           </p:nvPr>
         </p:nvSpPr>
-        <p:spPr>
-          <a:prstGeom prst="rect">
-            <a:avLst/>
-          </a:prstGeom>
-        </p:spPr>
+        <p:spPr/>
         <p:txBody>
           <a:bodyPr/>
           <a:lstStyle/>
           <a:p>
             <a:r>
-              <a:rPr sz="3000"/>
-              <a:t>Bilder - Allgemein</a:t>
-            </a:r>
-            <a:endParaRPr lang="de-DE" sz="3000" dirty="0"/>
+              <a:rPr lang="de-DE"/>
+              <a:t>Aufzählung</a:t>
+            </a:r>
+            <a:endParaRPr lang="de-DE" dirty="0"/>
           </a:p>
         </p:txBody>
       </p:sp>
@@ -12557,12 +12627,12 @@
       </p:grpSpPr>
       <p:sp>
         <p:nvSpPr>
-          <p:cNvPr id="3" name="Textplatzhalter 2"/>
-          <p:cNvSpPr>
-            <a:spLocks noGrp="1"/>
-          </p:cNvSpPr>
-          <p:nvPr>
-            <p:ph type="body" sz="quarter" idx="13"/>
+          <p:cNvPr id="2" name="Inhaltsplatzhalter 1"/>
+          <p:cNvSpPr>
+            <a:spLocks noGrp="1"/>
+          </p:cNvSpPr>
+          <p:nvPr>
+            <p:ph idx="1"/>
           </p:nvPr>
         </p:nvSpPr>
         <p:spPr/>
@@ -12571,27 +12641,38 @@
           <a:lstStyle/>
           <a:p>
             <a:r>
-              <a:rPr lang="de-DE"/>
-              <a:t>Bildbeschreibung</a:t>
-            </a:r>
-            <a:br>
-              <a:rPr lang="de-DE"/>
-            </a:br>
-            <a:r>
-              <a:rPr lang="de-DE"/>
-              <a:t>oberer Bildrand: Begrenzung durch Text</a:t>
-            </a:r>
-          </a:p>
-        </p:txBody>
-      </p:sp>
-      <p:sp>
-        <p:nvSpPr>
-          <p:cNvPr id="5" name="Foliennummernplatzhalter 4"/>
-          <p:cNvSpPr>
-            <a:spLocks noGrp="1"/>
-          </p:cNvSpPr>
-          <p:nvPr>
-            <p:ph type="sldNum" sz="quarter" idx="15"/>
+              <a:t>schlichte Darstellung von Informationen</a:t>
+            </a:r>
+          </a:p>
+          <a:p>
+            <a:endParaRPr/>
+          </a:p>
+          <a:p>
+            <a:r>
+              <a:t>reduzierte Farben</a:t>
+            </a:r>
+          </a:p>
+          <a:p>
+            <a:endParaRPr/>
+          </a:p>
+          <a:p>
+            <a:r>
+              <a:t>Rahmen und Überlagerungen nach Möglichkeit vermeiden</a:t>
+            </a:r>
+          </a:p>
+          <a:p>
+            <a:endParaRPr dirty="0"/>
+          </a:p>
+        </p:txBody>
+      </p:sp>
+      <p:sp>
+        <p:nvSpPr>
+          <p:cNvPr id="4" name="Foliennummernplatzhalter 3"/>
+          <p:cNvSpPr>
+            <a:spLocks noGrp="1"/>
+          </p:cNvSpPr>
+          <p:nvPr>
+            <p:ph type="sldNum" sz="quarter" idx="11"/>
           </p:nvPr>
         </p:nvSpPr>
         <p:spPr/>
@@ -12610,12 +12691,12 @@
       </p:sp>
       <p:sp>
         <p:nvSpPr>
-          <p:cNvPr id="10" name="Fußzeilenplatzhalter 4"/>
-          <p:cNvSpPr>
-            <a:spLocks noGrp="1"/>
-          </p:cNvSpPr>
-          <p:nvPr>
-            <p:ph type="ftr" sz="quarter" idx="16"/>
+          <p:cNvPr id="6" name="Fußzeilenplatzhalter 4"/>
+          <p:cNvSpPr>
+            <a:spLocks noGrp="1"/>
+          </p:cNvSpPr>
+          <p:nvPr>
+            <p:ph type="ftr" sz="quarter" idx="12"/>
           </p:nvPr>
         </p:nvSpPr>
         <p:spPr/>
@@ -12633,55 +12714,28 @@
       </p:sp>
       <p:sp>
         <p:nvSpPr>
-          <p:cNvPr id="22" name="Inhaltsplatzhalter 21"/>
-          <p:cNvSpPr>
-            <a:spLocks noGrp="1"/>
-          </p:cNvSpPr>
-          <p:nvPr>
-            <p:ph sz="quarter" idx="18"/>
-          </p:nvPr>
-        </p:nvSpPr>
-        <p:spPr/>
+          <p:cNvPr id="3" name="Titel 2"/>
+          <p:cNvSpPr>
+            <a:spLocks noGrp="1"/>
+          </p:cNvSpPr>
+          <p:nvPr>
+            <p:ph type="title"/>
+          </p:nvPr>
+        </p:nvSpPr>
+        <p:spPr>
+          <a:prstGeom prst="rect">
+            <a:avLst/>
+          </a:prstGeom>
+        </p:spPr>
         <p:txBody>
           <a:bodyPr/>
           <a:lstStyle/>
           <a:p>
-            <a:endParaRPr lang="de-DE"/>
-          </a:p>
-        </p:txBody>
-      </p:sp>
-      <p:sp>
-        <p:nvSpPr>
-          <p:cNvPr id="21" name="Bildplatzhalter 20"/>
-          <p:cNvSpPr>
-            <a:spLocks noGrp="1"/>
-          </p:cNvSpPr>
-          <p:nvPr>
-            <p:ph type="pic" sz="quarter" idx="14"/>
-          </p:nvPr>
-        </p:nvSpPr>
-        <p:spPr/>
-      </p:sp>
-      <p:sp>
-        <p:nvSpPr>
-          <p:cNvPr id="4" name="Titel 3"/>
-          <p:cNvSpPr>
-            <a:spLocks noGrp="1"/>
-          </p:cNvSpPr>
-          <p:nvPr>
-            <p:ph type="title"/>
-          </p:nvPr>
-        </p:nvSpPr>
-        <p:spPr/>
-        <p:txBody>
-          <a:bodyPr/>
-          <a:lstStyle/>
-          <a:p>
-            <a:r>
-              <a:rPr lang="de-DE"/>
-              <a:t>Bilder</a:t>
-            </a:r>
-            <a:endParaRPr lang="de-DE" dirty="0"/>
+            <a:r>
+              <a:rPr sz="3000"/>
+              <a:t>Bilder - Allgemein</a:t>
+            </a:r>
+            <a:endParaRPr lang="de-DE" sz="3000" dirty="0"/>
           </a:p>
         </p:txBody>
       </p:sp>
@@ -12717,7 +12771,7 @@
             <a:spLocks noGrp="1"/>
           </p:cNvSpPr>
           <p:nvPr>
-            <p:ph idx="14"/>
+            <p:ph type="body" sz="quarter" idx="13"/>
           </p:nvPr>
         </p:nvSpPr>
         <p:spPr/>
@@ -12726,76 +12780,16 @@
           <a:lstStyle/>
           <a:p>
             <a:r>
-              <a:rPr lang="de-DE" dirty="0"/>
-              <a:t>Überschrift 2</a:t>
-            </a:r>
-          </a:p>
-          <a:p>
-            <a:r>
-              <a:rPr lang="de-DE" dirty="0"/>
-              <a:t>Hier steht ein einleitender oder beschreibender Fließtext und nach Wunsch eine Aufzählung</a:t>
-            </a:r>
-          </a:p>
-          <a:p>
-            <a:endParaRPr lang="de-DE" dirty="0"/>
-          </a:p>
-          <a:p>
-            <a:r>
-              <a:rPr lang="de-DE" dirty="0"/>
-              <a:t>Punkt 1</a:t>
-            </a:r>
-          </a:p>
-          <a:p>
-            <a:endParaRPr lang="de-DE" dirty="0"/>
-          </a:p>
-          <a:p>
-            <a:r>
-              <a:rPr lang="de-DE" dirty="0"/>
-              <a:t>Punkt 2</a:t>
-            </a:r>
-          </a:p>
-          <a:p>
-            <a:endParaRPr lang="de-DE" dirty="0"/>
-          </a:p>
-          <a:p>
-            <a:r>
-              <a:rPr lang="de-DE" dirty="0"/>
-              <a:t>Punkt 3</a:t>
-            </a:r>
-          </a:p>
-          <a:p>
-            <a:endParaRPr lang="de-DE" dirty="0"/>
-          </a:p>
-          <a:p>
-            <a:r>
-              <a:rPr lang="de-DE" dirty="0"/>
-              <a:t>Punkt 4</a:t>
-            </a:r>
-          </a:p>
-          <a:p>
-            <a:endParaRPr lang="de-DE" dirty="0"/>
-          </a:p>
-          <a:p>
-            <a:endParaRPr lang="de-DE" dirty="0"/>
-          </a:p>
-        </p:txBody>
-      </p:sp>
-      <p:sp>
-        <p:nvSpPr>
-          <p:cNvPr id="18" name="Inhaltsplatzhalter 17"/>
-          <p:cNvSpPr>
-            <a:spLocks noGrp="1"/>
-          </p:cNvSpPr>
-          <p:nvPr>
-            <p:ph idx="15"/>
-          </p:nvPr>
-        </p:nvSpPr>
-        <p:spPr/>
-        <p:txBody>
-          <a:bodyPr/>
-          <a:lstStyle/>
-          <a:p>
-            <a:endParaRPr lang="de-DE"/>
+              <a:rPr lang="de-DE"/>
+              <a:t>Bildbeschreibung</a:t>
+            </a:r>
+            <a:br>
+              <a:rPr lang="de-DE"/>
+            </a:br>
+            <a:r>
+              <a:rPr lang="de-DE"/>
+              <a:t>oberer Bildrand: Begrenzung durch Text</a:t>
+            </a:r>
           </a:p>
         </p:txBody>
       </p:sp>
@@ -12806,7 +12800,7 @@
             <a:spLocks noGrp="1"/>
           </p:cNvSpPr>
           <p:nvPr>
-            <p:ph type="sldNum" sz="quarter" idx="16"/>
+            <p:ph type="sldNum" sz="quarter" idx="15"/>
           </p:nvPr>
         </p:nvSpPr>
         <p:spPr/>
@@ -12825,12 +12819,12 @@
       </p:sp>
       <p:sp>
         <p:nvSpPr>
-          <p:cNvPr id="7" name="Fußzeilenplatzhalter 4"/>
-          <p:cNvSpPr>
-            <a:spLocks noGrp="1"/>
-          </p:cNvSpPr>
-          <p:nvPr>
-            <p:ph type="ftr" sz="quarter" idx="17"/>
+          <p:cNvPr id="10" name="Fußzeilenplatzhalter 4"/>
+          <p:cNvSpPr>
+            <a:spLocks noGrp="1"/>
+          </p:cNvSpPr>
+          <p:nvPr>
+            <p:ph type="ftr" sz="quarter" idx="16"/>
           </p:nvPr>
         </p:nvSpPr>
         <p:spPr/>
@@ -12845,6 +12839,37 @@
             <a:endParaRPr lang="en-US" dirty="0"/>
           </a:p>
         </p:txBody>
+      </p:sp>
+      <p:sp>
+        <p:nvSpPr>
+          <p:cNvPr id="22" name="Inhaltsplatzhalter 21"/>
+          <p:cNvSpPr>
+            <a:spLocks noGrp="1"/>
+          </p:cNvSpPr>
+          <p:nvPr>
+            <p:ph sz="quarter" idx="18"/>
+          </p:nvPr>
+        </p:nvSpPr>
+        <p:spPr/>
+        <p:txBody>
+          <a:bodyPr/>
+          <a:lstStyle/>
+          <a:p>
+            <a:endParaRPr lang="de-DE"/>
+          </a:p>
+        </p:txBody>
+      </p:sp>
+      <p:sp>
+        <p:nvSpPr>
+          <p:cNvPr id="21" name="Bildplatzhalter 20"/>
+          <p:cNvSpPr>
+            <a:spLocks noGrp="1"/>
+          </p:cNvSpPr>
+          <p:nvPr>
+            <p:ph type="pic" sz="quarter" idx="14"/>
+          </p:nvPr>
+        </p:nvSpPr>
+        <p:spPr/>
       </p:sp>
       <p:sp>
         <p:nvSpPr>
@@ -12896,12 +12921,12 @@
       </p:grpSpPr>
       <p:sp>
         <p:nvSpPr>
-          <p:cNvPr id="18" name="Inhaltsplatzhalter 17"/>
-          <p:cNvSpPr>
-            <a:spLocks noGrp="1"/>
-          </p:cNvSpPr>
-          <p:nvPr>
-            <p:ph idx="1"/>
+          <p:cNvPr id="3" name="Textplatzhalter 2"/>
+          <p:cNvSpPr>
+            <a:spLocks noGrp="1"/>
+          </p:cNvSpPr>
+          <p:nvPr>
+            <p:ph idx="14"/>
           </p:nvPr>
         </p:nvSpPr>
         <p:spPr/>
@@ -12909,6 +12934,76 @@
           <a:bodyPr/>
           <a:lstStyle/>
           <a:p>
+            <a:r>
+              <a:rPr lang="de-DE" dirty="0"/>
+              <a:t>Überschrift 2</a:t>
+            </a:r>
+          </a:p>
+          <a:p>
+            <a:r>
+              <a:rPr lang="de-DE" dirty="0"/>
+              <a:t>Hier steht ein einleitender oder beschreibender Fließtext und nach Wunsch eine Aufzählung</a:t>
+            </a:r>
+          </a:p>
+          <a:p>
+            <a:endParaRPr lang="de-DE" dirty="0"/>
+          </a:p>
+          <a:p>
+            <a:r>
+              <a:rPr lang="de-DE" dirty="0"/>
+              <a:t>Punkt 1</a:t>
+            </a:r>
+          </a:p>
+          <a:p>
+            <a:endParaRPr lang="de-DE" dirty="0"/>
+          </a:p>
+          <a:p>
+            <a:r>
+              <a:rPr lang="de-DE" dirty="0"/>
+              <a:t>Punkt 2</a:t>
+            </a:r>
+          </a:p>
+          <a:p>
+            <a:endParaRPr lang="de-DE" dirty="0"/>
+          </a:p>
+          <a:p>
+            <a:r>
+              <a:rPr lang="de-DE" dirty="0"/>
+              <a:t>Punkt 3</a:t>
+            </a:r>
+          </a:p>
+          <a:p>
+            <a:endParaRPr lang="de-DE" dirty="0"/>
+          </a:p>
+          <a:p>
+            <a:r>
+              <a:rPr lang="de-DE" dirty="0"/>
+              <a:t>Punkt 4</a:t>
+            </a:r>
+          </a:p>
+          <a:p>
+            <a:endParaRPr lang="de-DE" dirty="0"/>
+          </a:p>
+          <a:p>
+            <a:endParaRPr lang="de-DE" dirty="0"/>
+          </a:p>
+        </p:txBody>
+      </p:sp>
+      <p:sp>
+        <p:nvSpPr>
+          <p:cNvPr id="18" name="Inhaltsplatzhalter 17"/>
+          <p:cNvSpPr>
+            <a:spLocks noGrp="1"/>
+          </p:cNvSpPr>
+          <p:nvPr>
+            <p:ph idx="15"/>
+          </p:nvPr>
+        </p:nvSpPr>
+        <p:spPr/>
+        <p:txBody>
+          <a:bodyPr/>
+          <a:lstStyle/>
+          <a:p>
             <a:endParaRPr lang="de-DE"/>
           </a:p>
         </p:txBody>
@@ -12920,7 +13015,7 @@
             <a:spLocks noGrp="1"/>
           </p:cNvSpPr>
           <p:nvPr>
-            <p:ph type="sldNum" sz="quarter" idx="11"/>
+            <p:ph type="sldNum" sz="quarter" idx="16"/>
           </p:nvPr>
         </p:nvSpPr>
         <p:spPr/>
@@ -12939,12 +13034,12 @@
       </p:sp>
       <p:sp>
         <p:nvSpPr>
-          <p:cNvPr id="8" name="Fußzeilenplatzhalter 4"/>
-          <p:cNvSpPr>
-            <a:spLocks noGrp="1"/>
-          </p:cNvSpPr>
-          <p:nvPr>
-            <p:ph type="ftr" sz="quarter" idx="12"/>
+          <p:cNvPr id="7" name="Fußzeilenplatzhalter 4"/>
+          <p:cNvSpPr>
+            <a:spLocks noGrp="1"/>
+          </p:cNvSpPr>
+          <p:nvPr>
+            <p:ph type="ftr" sz="quarter" idx="17"/>
           </p:nvPr>
         </p:nvSpPr>
         <p:spPr/>
@@ -12957,35 +13052,6 @@
               <a:t>Dr. rer. nat. Erika Mustermann (TUM) | kann beliebig erweitert werden | Infos mit Strich trennen</a:t>
             </a:r>
             <a:endParaRPr lang="en-US" dirty="0"/>
-          </a:p>
-        </p:txBody>
-      </p:sp>
-      <p:sp>
-        <p:nvSpPr>
-          <p:cNvPr id="3" name="Textplatzhalter 2"/>
-          <p:cNvSpPr>
-            <a:spLocks noGrp="1"/>
-          </p:cNvSpPr>
-          <p:nvPr>
-            <p:ph type="body" sz="quarter" idx="13"/>
-          </p:nvPr>
-        </p:nvSpPr>
-        <p:spPr/>
-        <p:txBody>
-          <a:bodyPr/>
-          <a:lstStyle/>
-          <a:p>
-            <a:r>
-              <a:rPr lang="de-DE"/>
-              <a:t>Bildbeschreibung</a:t>
-            </a:r>
-            <a:br>
-              <a:rPr lang="de-DE"/>
-            </a:br>
-            <a:r>
-              <a:rPr lang="de-DE"/>
-              <a:t>oberer Bildrand: Begrenzung durch Text</a:t>
-            </a:r>
           </a:p>
         </p:txBody>
       </p:sp>
@@ -13039,12 +13105,12 @@
       </p:grpSpPr>
       <p:sp>
         <p:nvSpPr>
-          <p:cNvPr id="3" name="Textplatzhalter 2"/>
-          <p:cNvSpPr>
-            <a:spLocks noGrp="1"/>
-          </p:cNvSpPr>
-          <p:nvPr>
-            <p:ph type="body" sz="quarter" idx="13"/>
+          <p:cNvPr id="18" name="Inhaltsplatzhalter 17"/>
+          <p:cNvSpPr>
+            <a:spLocks noGrp="1"/>
+          </p:cNvSpPr>
+          <p:nvPr>
+            <p:ph idx="1"/>
           </p:nvPr>
         </p:nvSpPr>
         <p:spPr/>
@@ -13052,17 +13118,7 @@
           <a:bodyPr/>
           <a:lstStyle/>
           <a:p>
-            <a:r>
-              <a:rPr lang="de-DE"/>
-              <a:t>Bildbeschreibung</a:t>
-            </a:r>
-            <a:br>
-              <a:rPr lang="de-DE"/>
-            </a:br>
-            <a:r>
-              <a:rPr lang="de-DE"/>
-              <a:t>oberer Bildrand: Begrenzung durch Text</a:t>
-            </a:r>
+            <a:endParaRPr lang="de-DE"/>
           </a:p>
         </p:txBody>
       </p:sp>
@@ -13073,7 +13129,7 @@
             <a:spLocks noGrp="1"/>
           </p:cNvSpPr>
           <p:nvPr>
-            <p:ph type="sldNum" sz="quarter" idx="15"/>
+            <p:ph type="sldNum" sz="quarter" idx="11"/>
           </p:nvPr>
         </p:nvSpPr>
         <p:spPr/>
@@ -13092,12 +13148,12 @@
       </p:sp>
       <p:sp>
         <p:nvSpPr>
-          <p:cNvPr id="6" name="Fußzeilenplatzhalter 5"/>
-          <p:cNvSpPr>
-            <a:spLocks noGrp="1"/>
-          </p:cNvSpPr>
-          <p:nvPr>
-            <p:ph type="ftr" sz="quarter" idx="16"/>
+          <p:cNvPr id="8" name="Fußzeilenplatzhalter 4"/>
+          <p:cNvSpPr>
+            <a:spLocks noGrp="1"/>
+          </p:cNvSpPr>
+          <p:nvPr>
+            <p:ph type="ftr" sz="quarter" idx="12"/>
           </p:nvPr>
         </p:nvSpPr>
         <p:spPr/>
@@ -13106,23 +13162,41 @@
           <a:lstStyle/>
           <a:p>
             <a:r>
-              <a:rPr lang="de-DE" noProof="0"/>
+              <a:rPr lang="de-DE"/>
               <a:t>Dr. rer. nat. Erika Mustermann (TUM) | kann beliebig erweitert werden | Infos mit Strich trennen</a:t>
             </a:r>
-          </a:p>
-        </p:txBody>
-      </p:sp>
-      <p:sp>
-        <p:nvSpPr>
-          <p:cNvPr id="17" name="Bildplatzhalter 16"/>
-          <p:cNvSpPr>
-            <a:spLocks noGrp="1"/>
-          </p:cNvSpPr>
-          <p:nvPr>
-            <p:ph type="pic" sz="quarter" idx="17"/>
+            <a:endParaRPr lang="en-US" dirty="0"/>
+          </a:p>
+        </p:txBody>
+      </p:sp>
+      <p:sp>
+        <p:nvSpPr>
+          <p:cNvPr id="3" name="Textplatzhalter 2"/>
+          <p:cNvSpPr>
+            <a:spLocks noGrp="1"/>
+          </p:cNvSpPr>
+          <p:nvPr>
+            <p:ph type="body" sz="quarter" idx="13"/>
           </p:nvPr>
         </p:nvSpPr>
         <p:spPr/>
+        <p:txBody>
+          <a:bodyPr/>
+          <a:lstStyle/>
+          <a:p>
+            <a:r>
+              <a:rPr lang="de-DE"/>
+              <a:t>Bildbeschreibung</a:t>
+            </a:r>
+            <a:br>
+              <a:rPr lang="de-DE"/>
+            </a:br>
+            <a:r>
+              <a:rPr lang="de-DE"/>
+              <a:t>oberer Bildrand: Begrenzung durch Text</a:t>
+            </a:r>
+          </a:p>
+        </p:txBody>
       </p:sp>
       <p:sp>
         <p:nvSpPr>
@@ -13189,16 +13263,15 @@
           <a:p>
             <a:r>
               <a:rPr lang="de-DE"/>
-              <a:t>Weißer bzw. transparenter Hintergrund</a:t>
+              <a:t>Bildbeschreibung</a:t>
             </a:r>
             <a:br>
               <a:rPr lang="de-DE"/>
             </a:br>
             <a:r>
               <a:rPr lang="de-DE"/>
-              <a:t>mit genug Freiraum anordnen</a:t>
-            </a:r>
-            <a:endParaRPr lang="de-DE" dirty="0"/>
+              <a:t>oberer Bildrand: Begrenzung durch Text</a:t>
+            </a:r>
           </a:p>
         </p:txBody>
       </p:sp>
@@ -13228,7 +13301,7 @@
       </p:sp>
       <p:sp>
         <p:nvSpPr>
-          <p:cNvPr id="10" name="Fußzeilenplatzhalter 4"/>
+          <p:cNvPr id="6" name="Fußzeilenplatzhalter 5"/>
           <p:cNvSpPr>
             <a:spLocks noGrp="1"/>
           </p:cNvSpPr>
@@ -13242,16 +13315,15 @@
           <a:lstStyle/>
           <a:p>
             <a:r>
-              <a:rPr lang="de-DE"/>
+              <a:rPr lang="de-DE" noProof="0"/>
               <a:t>Dr. rer. nat. Erika Mustermann (TUM) | kann beliebig erweitert werden | Infos mit Strich trennen</a:t>
             </a:r>
-            <a:endParaRPr lang="en-US" dirty="0"/>
-          </a:p>
-        </p:txBody>
-      </p:sp>
-      <p:sp>
-        <p:nvSpPr>
-          <p:cNvPr id="18" name="Bildplatzhalter 17"/>
+          </a:p>
+        </p:txBody>
+      </p:sp>
+      <p:sp>
+        <p:nvSpPr>
+          <p:cNvPr id="17" name="Bildplatzhalter 16"/>
           <p:cNvSpPr>
             <a:spLocks noGrp="1"/>
           </p:cNvSpPr>
@@ -13278,7 +13350,7 @@
           <a:p>
             <a:r>
               <a:rPr lang="de-DE"/>
-              <a:t>Nicht formatfüllende Bilder</a:t>
+              <a:t>Bilder</a:t>
             </a:r>
             <a:endParaRPr lang="de-DE" dirty="0"/>
           </a:p>
@@ -13311,19 +13383,37 @@
       </p:grpSpPr>
       <p:sp>
         <p:nvSpPr>
-          <p:cNvPr id="14" name="Bildplatzhalter 13"/>
-          <p:cNvSpPr>
-            <a:spLocks noGrp="1"/>
-          </p:cNvSpPr>
-          <p:nvPr>
-            <p:ph type="pic" sz="quarter" idx="14"/>
+          <p:cNvPr id="3" name="Textplatzhalter 2"/>
+          <p:cNvSpPr>
+            <a:spLocks noGrp="1"/>
+          </p:cNvSpPr>
+          <p:nvPr>
+            <p:ph type="body" sz="quarter" idx="13"/>
           </p:nvPr>
         </p:nvSpPr>
         <p:spPr/>
-      </p:sp>
-      <p:sp>
-        <p:nvSpPr>
-          <p:cNvPr id="4" name="Foliennummernplatzhalter 3"/>
+        <p:txBody>
+          <a:bodyPr/>
+          <a:lstStyle/>
+          <a:p>
+            <a:r>
+              <a:rPr lang="de-DE"/>
+              <a:t>Weißer bzw. transparenter Hintergrund</a:t>
+            </a:r>
+            <a:br>
+              <a:rPr lang="de-DE"/>
+            </a:br>
+            <a:r>
+              <a:rPr lang="de-DE"/>
+              <a:t>mit genug Freiraum anordnen</a:t>
+            </a:r>
+            <a:endParaRPr lang="de-DE" dirty="0"/>
+          </a:p>
+        </p:txBody>
+      </p:sp>
+      <p:sp>
+        <p:nvSpPr>
+          <p:cNvPr id="5" name="Foliennummernplatzhalter 4"/>
           <p:cNvSpPr>
             <a:spLocks noGrp="1"/>
           </p:cNvSpPr>
@@ -13347,7 +13437,7 @@
       </p:sp>
       <p:sp>
         <p:nvSpPr>
-          <p:cNvPr id="5" name="Fußzeilenplatzhalter 4"/>
+          <p:cNvPr id="10" name="Fußzeilenplatzhalter 4"/>
           <p:cNvSpPr>
             <a:spLocks noGrp="1"/>
           </p:cNvSpPr>
@@ -13370,7 +13460,19 @@
       </p:sp>
       <p:sp>
         <p:nvSpPr>
-          <p:cNvPr id="3" name="Titel 2"/>
+          <p:cNvPr id="18" name="Bildplatzhalter 17"/>
+          <p:cNvSpPr>
+            <a:spLocks noGrp="1"/>
+          </p:cNvSpPr>
+          <p:nvPr>
+            <p:ph type="pic" sz="quarter" idx="17"/>
+          </p:nvPr>
+        </p:nvSpPr>
+        <p:spPr/>
+      </p:sp>
+      <p:sp>
+        <p:nvSpPr>
+          <p:cNvPr id="4" name="Titel 3"/>
           <p:cNvSpPr>
             <a:spLocks noGrp="1"/>
           </p:cNvSpPr>
@@ -13385,7 +13487,7 @@
           <a:p>
             <a:r>
               <a:rPr lang="de-DE"/>
-              <a:t>Bilder Format füllend - maximale Bildgröße</a:t>
+              <a:t>Nicht formatfüllende Bilder</a:t>
             </a:r>
             <a:endParaRPr lang="de-DE" dirty="0"/>
           </a:p>
@@ -13418,31 +13520,15 @@
       </p:grpSpPr>
       <p:sp>
         <p:nvSpPr>
-          <p:cNvPr id="2" name="Textplatzhalter 1"/>
-          <p:cNvSpPr>
-            <a:spLocks noGrp="1"/>
-          </p:cNvSpPr>
-          <p:nvPr>
-            <p:ph type="body" sz="quarter" idx="13"/>
+          <p:cNvPr id="14" name="Bildplatzhalter 13"/>
+          <p:cNvSpPr>
+            <a:spLocks noGrp="1"/>
+          </p:cNvSpPr>
+          <p:nvPr>
+            <p:ph type="pic" sz="quarter" idx="14"/>
           </p:nvPr>
         </p:nvSpPr>
         <p:spPr/>
-        <p:txBody>
-          <a:bodyPr/>
-          <a:lstStyle/>
-          <a:p>
-            <a:r>
-              <a:rPr lang="de-DE"/>
-              <a:t>Alternativ mit formatfüllendem Hintergrund: 5 % schwarz</a:t>
-            </a:r>
-          </a:p>
-          <a:p>
-            <a:r>
-              <a:rPr lang="de-DE"/>
-              <a:t>Beschriftungen können zusätzlich neben den Bildern angebracht werden</a:t>
-            </a:r>
-          </a:p>
-        </p:txBody>
       </p:sp>
       <p:sp>
         <p:nvSpPr>
@@ -13470,7 +13556,7 @@
       </p:sp>
       <p:sp>
         <p:nvSpPr>
-          <p:cNvPr id="11" name="Fußzeilenplatzhalter 4"/>
+          <p:cNvPr id="5" name="Fußzeilenplatzhalter 4"/>
           <p:cNvSpPr>
             <a:spLocks noGrp="1"/>
           </p:cNvSpPr>
@@ -13493,12 +13579,12 @@
       </p:sp>
       <p:sp>
         <p:nvSpPr>
-          <p:cNvPr id="7" name="Inhaltsplatzhalter 6"/>
-          <p:cNvSpPr>
-            <a:spLocks noGrp="1"/>
-          </p:cNvSpPr>
-          <p:nvPr>
-            <p:ph sz="quarter" idx="18"/>
+          <p:cNvPr id="3" name="Titel 2"/>
+          <p:cNvSpPr>
+            <a:spLocks noGrp="1"/>
+          </p:cNvSpPr>
+          <p:nvPr>
+            <p:ph type="title"/>
           </p:nvPr>
         </p:nvSpPr>
         <p:spPr/>
@@ -13508,42 +13594,7 @@
           <a:p>
             <a:r>
               <a:rPr lang="de-DE"/>
-              <a:t>Bilderklärung</a:t>
-            </a:r>
-            <a:endParaRPr lang="de-DE" dirty="0"/>
-          </a:p>
-        </p:txBody>
-      </p:sp>
-      <p:sp>
-        <p:nvSpPr>
-          <p:cNvPr id="21" name="Bildplatzhalter 20"/>
-          <p:cNvSpPr>
-            <a:spLocks noGrp="1"/>
-          </p:cNvSpPr>
-          <p:nvPr>
-            <p:ph type="pic" sz="quarter" idx="14"/>
-          </p:nvPr>
-        </p:nvSpPr>
-        <p:spPr/>
-      </p:sp>
-      <p:sp>
-        <p:nvSpPr>
-          <p:cNvPr id="3" name="Titel 2"/>
-          <p:cNvSpPr>
-            <a:spLocks noGrp="1"/>
-          </p:cNvSpPr>
-          <p:nvPr>
-            <p:ph type="title"/>
-          </p:nvPr>
-        </p:nvSpPr>
-        <p:spPr/>
-        <p:txBody>
-          <a:bodyPr/>
-          <a:lstStyle/>
-          <a:p>
-            <a:r>
-              <a:rPr lang="de-DE"/>
-              <a:t>Nicht Format füllende Bilder</a:t>
+              <a:t>Bilder Format füllend - maximale Bildgröße</a:t>
             </a:r>
             <a:endParaRPr lang="de-DE" dirty="0"/>
           </a:p>
@@ -13558,6 +13609,164 @@
 </file>
 
 <file path=ppt/slides/slide27.xml><?xml version="1.0" encoding="utf-8"?>
+<p:sld xmlns:a="http://schemas.openxmlformats.org/drawingml/2006/main" xmlns:r="http://schemas.openxmlformats.org/officeDocument/2006/relationships" xmlns:p="http://schemas.openxmlformats.org/presentationml/2006/main">
+  <p:cSld>
+    <p:spTree>
+      <p:nvGrpSpPr>
+        <p:cNvPr id="1" name=""/>
+        <p:cNvGrpSpPr/>
+        <p:nvPr/>
+      </p:nvGrpSpPr>
+      <p:grpSpPr>
+        <a:xfrm>
+          <a:off x="0" y="0"/>
+          <a:ext cx="0" cy="0"/>
+          <a:chOff x="0" y="0"/>
+          <a:chExt cx="0" cy="0"/>
+        </a:xfrm>
+      </p:grpSpPr>
+      <p:sp>
+        <p:nvSpPr>
+          <p:cNvPr id="2" name="Textplatzhalter 1"/>
+          <p:cNvSpPr>
+            <a:spLocks noGrp="1"/>
+          </p:cNvSpPr>
+          <p:nvPr>
+            <p:ph type="body" sz="quarter" idx="13"/>
+          </p:nvPr>
+        </p:nvSpPr>
+        <p:spPr/>
+        <p:txBody>
+          <a:bodyPr/>
+          <a:lstStyle/>
+          <a:p>
+            <a:r>
+              <a:rPr lang="de-DE"/>
+              <a:t>Alternativ mit formatfüllendem Hintergrund: 5 % schwarz</a:t>
+            </a:r>
+          </a:p>
+          <a:p>
+            <a:r>
+              <a:rPr lang="de-DE"/>
+              <a:t>Beschriftungen können zusätzlich neben den Bildern angebracht werden</a:t>
+            </a:r>
+          </a:p>
+        </p:txBody>
+      </p:sp>
+      <p:sp>
+        <p:nvSpPr>
+          <p:cNvPr id="4" name="Foliennummernplatzhalter 3"/>
+          <p:cNvSpPr>
+            <a:spLocks noGrp="1"/>
+          </p:cNvSpPr>
+          <p:nvPr>
+            <p:ph type="sldNum" sz="quarter" idx="15"/>
+          </p:nvPr>
+        </p:nvSpPr>
+        <p:spPr/>
+        <p:txBody>
+          <a:bodyPr/>
+          <a:lstStyle/>
+          <a:p>
+            <a:fld id="{CE58CB1E-F828-4F11-99E0-327109AF9DA4}" type="slidenum">
+              <a:rPr lang="de-DE" smtClean="0"/>
+              <a:pPr/>
+              <a:t>27</a:t>
+            </a:fld>
+            <a:endParaRPr lang="de-DE" dirty="0"/>
+          </a:p>
+        </p:txBody>
+      </p:sp>
+      <p:sp>
+        <p:nvSpPr>
+          <p:cNvPr id="11" name="Fußzeilenplatzhalter 4"/>
+          <p:cNvSpPr>
+            <a:spLocks noGrp="1"/>
+          </p:cNvSpPr>
+          <p:nvPr>
+            <p:ph type="ftr" sz="quarter" idx="16"/>
+          </p:nvPr>
+        </p:nvSpPr>
+        <p:spPr/>
+        <p:txBody>
+          <a:bodyPr/>
+          <a:lstStyle/>
+          <a:p>
+            <a:r>
+              <a:rPr lang="de-DE"/>
+              <a:t>Dr. rer. nat. Erika Mustermann (TUM) | kann beliebig erweitert werden | Infos mit Strich trennen</a:t>
+            </a:r>
+            <a:endParaRPr lang="en-US" dirty="0"/>
+          </a:p>
+        </p:txBody>
+      </p:sp>
+      <p:sp>
+        <p:nvSpPr>
+          <p:cNvPr id="7" name="Inhaltsplatzhalter 6"/>
+          <p:cNvSpPr>
+            <a:spLocks noGrp="1"/>
+          </p:cNvSpPr>
+          <p:nvPr>
+            <p:ph sz="quarter" idx="18"/>
+          </p:nvPr>
+        </p:nvSpPr>
+        <p:spPr/>
+        <p:txBody>
+          <a:bodyPr/>
+          <a:lstStyle/>
+          <a:p>
+            <a:r>
+              <a:rPr lang="de-DE"/>
+              <a:t>Bilderklärung</a:t>
+            </a:r>
+            <a:endParaRPr lang="de-DE" dirty="0"/>
+          </a:p>
+        </p:txBody>
+      </p:sp>
+      <p:sp>
+        <p:nvSpPr>
+          <p:cNvPr id="21" name="Bildplatzhalter 20"/>
+          <p:cNvSpPr>
+            <a:spLocks noGrp="1"/>
+          </p:cNvSpPr>
+          <p:nvPr>
+            <p:ph type="pic" sz="quarter" idx="14"/>
+          </p:nvPr>
+        </p:nvSpPr>
+        <p:spPr/>
+      </p:sp>
+      <p:sp>
+        <p:nvSpPr>
+          <p:cNvPr id="3" name="Titel 2"/>
+          <p:cNvSpPr>
+            <a:spLocks noGrp="1"/>
+          </p:cNvSpPr>
+          <p:nvPr>
+            <p:ph type="title"/>
+          </p:nvPr>
+        </p:nvSpPr>
+        <p:spPr/>
+        <p:txBody>
+          <a:bodyPr/>
+          <a:lstStyle/>
+          <a:p>
+            <a:r>
+              <a:rPr lang="de-DE"/>
+              <a:t>Nicht Format füllende Bilder</a:t>
+            </a:r>
+            <a:endParaRPr lang="de-DE" dirty="0"/>
+          </a:p>
+        </p:txBody>
+      </p:sp>
+    </p:spTree>
+  </p:cSld>
+  <p:clrMapOvr>
+    <a:masterClrMapping/>
+  </p:clrMapOvr>
+</p:sld>
+</file>
+
+<file path=ppt/slides/slide28.xml><?xml version="1.0" encoding="utf-8"?>
 <p:sld xmlns:a="http://schemas.openxmlformats.org/drawingml/2006/main" xmlns:r="http://schemas.openxmlformats.org/officeDocument/2006/relationships" xmlns:p="http://schemas.openxmlformats.org/presentationml/2006/main">
   <p:cSld>
     <p:spTree>
@@ -14207,7 +14416,7 @@
             <a:fld id="{CE58CB1E-F828-4F11-99E0-327109AF9DA4}" type="slidenum">
               <a:rPr lang="de-DE" smtClean="0"/>
               <a:pPr/>
-              <a:t>27</a:t>
+              <a:t>28</a:t>
             </a:fld>
             <a:endParaRPr lang="de-DE" dirty="0"/>
           </a:p>
@@ -14297,7 +14506,7 @@
 </p:sld>
 </file>
 
-<file path=ppt/slides/slide28.xml><?xml version="1.0" encoding="utf-8"?>
+<file path=ppt/slides/slide29.xml><?xml version="1.0" encoding="utf-8"?>
 <p:sld xmlns:a="http://schemas.openxmlformats.org/drawingml/2006/main" xmlns:r="http://schemas.openxmlformats.org/officeDocument/2006/relationships" xmlns:p="http://schemas.openxmlformats.org/presentationml/2006/main">
   <p:cSld>
     <p:spTree>
@@ -14737,7 +14946,7 @@
             <a:fld id="{CE58CB1E-F828-4F11-99E0-327109AF9DA4}" type="slidenum">
               <a:rPr lang="de-DE" smtClean="0"/>
               <a:pPr/>
-              <a:t>28</a:t>
+              <a:t>29</a:t>
             </a:fld>
             <a:endParaRPr lang="de-DE" dirty="0"/>
           </a:p>
@@ -14819,146 +15028,6 @@
           </a:p>
         </p:txBody>
       </p:sp>
-    </p:spTree>
-  </p:cSld>
-  <p:clrMapOvr>
-    <a:masterClrMapping/>
-  </p:clrMapOvr>
-</p:sld>
-</file>
-
-<file path=ppt/slides/slide29.xml><?xml version="1.0" encoding="utf-8"?>
-<p:sld xmlns:a="http://schemas.openxmlformats.org/drawingml/2006/main" xmlns:r="http://schemas.openxmlformats.org/officeDocument/2006/relationships" xmlns:p="http://schemas.openxmlformats.org/presentationml/2006/main">
-  <p:cSld>
-    <p:spTree>
-      <p:nvGrpSpPr>
-        <p:cNvPr id="1" name=""/>
-        <p:cNvGrpSpPr/>
-        <p:nvPr/>
-      </p:nvGrpSpPr>
-      <p:grpSpPr>
-        <a:xfrm>
-          <a:off x="0" y="0"/>
-          <a:ext cx="0" cy="0"/>
-          <a:chOff x="0" y="0"/>
-          <a:chExt cx="0" cy="0"/>
-        </a:xfrm>
-      </p:grpSpPr>
-      <p:sp>
-        <p:nvSpPr>
-          <p:cNvPr id="5" name="Foliennummernplatzhalter 4"/>
-          <p:cNvSpPr>
-            <a:spLocks noGrp="1"/>
-          </p:cNvSpPr>
-          <p:nvPr>
-            <p:ph type="sldNum" sz="quarter" idx="11"/>
-          </p:nvPr>
-        </p:nvSpPr>
-        <p:spPr/>
-        <p:txBody>
-          <a:bodyPr/>
-          <a:lstStyle/>
-          <a:p>
-            <a:fld id="{CE58CB1E-F828-4F11-99E0-327109AF9DA4}" type="slidenum">
-              <a:rPr lang="de-DE" smtClean="0"/>
-              <a:pPr/>
-              <a:t>29</a:t>
-            </a:fld>
-            <a:endParaRPr lang="de-DE" dirty="0"/>
-          </a:p>
-        </p:txBody>
-      </p:sp>
-      <p:sp>
-        <p:nvSpPr>
-          <p:cNvPr id="9" name="Fußzeilenplatzhalter 4"/>
-          <p:cNvSpPr>
-            <a:spLocks noGrp="1"/>
-          </p:cNvSpPr>
-          <p:nvPr>
-            <p:ph type="ftr" sz="quarter" idx="12"/>
-          </p:nvPr>
-        </p:nvSpPr>
-        <p:spPr/>
-        <p:txBody>
-          <a:bodyPr/>
-          <a:lstStyle/>
-          <a:p>
-            <a:r>
-              <a:rPr lang="de-DE"/>
-              <a:t>Dr. rer. nat. Erika Mustermann (TUM) | kann beliebig erweitert werden | Infos mit Strich trennen</a:t>
-            </a:r>
-            <a:endParaRPr lang="en-US" dirty="0"/>
-          </a:p>
-        </p:txBody>
-      </p:sp>
-      <p:sp>
-        <p:nvSpPr>
-          <p:cNvPr id="3" name="Textplatzhalter 2"/>
-          <p:cNvSpPr>
-            <a:spLocks noGrp="1"/>
-          </p:cNvSpPr>
-          <p:nvPr>
-            <p:ph type="body" sz="quarter" idx="13"/>
-          </p:nvPr>
-        </p:nvSpPr>
-        <p:spPr/>
-        <p:txBody>
-          <a:bodyPr/>
-          <a:lstStyle/>
-          <a:p>
-            <a:r>
-              <a:rPr lang="de-DE" dirty="0"/>
-              <a:t>Nach Möglichkeit linksbündig bleiben</a:t>
-            </a:r>
-            <a:br>
-              <a:rPr lang="de-DE" dirty="0"/>
-            </a:br>
-            <a:r>
-              <a:rPr lang="de-DE" dirty="0"/>
-              <a:t>Unnötige Striche und Balken vermeiden</a:t>
-            </a:r>
-          </a:p>
-        </p:txBody>
-      </p:sp>
-      <p:sp>
-        <p:nvSpPr>
-          <p:cNvPr id="4" name="Titel 3"/>
-          <p:cNvSpPr>
-            <a:spLocks noGrp="1"/>
-          </p:cNvSpPr>
-          <p:nvPr>
-            <p:ph type="title"/>
-          </p:nvPr>
-        </p:nvSpPr>
-        <p:spPr/>
-        <p:txBody>
-          <a:bodyPr/>
-          <a:lstStyle/>
-          <a:p>
-            <a:r>
-              <a:rPr lang="de-DE"/>
-              <a:t>Diagramme – Beispiel 1</a:t>
-            </a:r>
-            <a:endParaRPr lang="de-DE" dirty="0"/>
-          </a:p>
-        </p:txBody>
-      </p:sp>
-      <p:graphicFrame>
-        <p:nvGraphicFramePr>
-          <p:cNvPr id="14" name="Diagramm 13"/>
-          <p:cNvGraphicFramePr/>
-          <p:nvPr/>
-        </p:nvGraphicFramePr>
-        <p:xfrm>
-          <a:off x="209868" y="2388199"/>
-          <a:ext cx="8515032" cy="4207865"/>
-        </p:xfrm>
-        <a:graphic>
-          <a:graphicData uri="http://schemas.openxmlformats.org/drawingml/2006/chart">
-            <c:chart xmlns:c="http://schemas.openxmlformats.org/drawingml/2006/chart" xmlns:r="http://schemas.openxmlformats.org/officeDocument/2006/relationships" r:id="rId2"/>
-          </a:graphicData>
-        </a:graphic>
-      </p:graphicFrame>
     </p:spTree>
   </p:cSld>
   <p:clrMapOvr>
@@ -15057,6 +15126,146 @@
           <a:chExt cx="0" cy="0"/>
         </a:xfrm>
       </p:grpSpPr>
+      <p:sp>
+        <p:nvSpPr>
+          <p:cNvPr id="5" name="Foliennummernplatzhalter 4"/>
+          <p:cNvSpPr>
+            <a:spLocks noGrp="1"/>
+          </p:cNvSpPr>
+          <p:nvPr>
+            <p:ph type="sldNum" sz="quarter" idx="11"/>
+          </p:nvPr>
+        </p:nvSpPr>
+        <p:spPr/>
+        <p:txBody>
+          <a:bodyPr/>
+          <a:lstStyle/>
+          <a:p>
+            <a:fld id="{CE58CB1E-F828-4F11-99E0-327109AF9DA4}" type="slidenum">
+              <a:rPr lang="de-DE" smtClean="0"/>
+              <a:pPr/>
+              <a:t>30</a:t>
+            </a:fld>
+            <a:endParaRPr lang="de-DE" dirty="0"/>
+          </a:p>
+        </p:txBody>
+      </p:sp>
+      <p:sp>
+        <p:nvSpPr>
+          <p:cNvPr id="9" name="Fußzeilenplatzhalter 4"/>
+          <p:cNvSpPr>
+            <a:spLocks noGrp="1"/>
+          </p:cNvSpPr>
+          <p:nvPr>
+            <p:ph type="ftr" sz="quarter" idx="12"/>
+          </p:nvPr>
+        </p:nvSpPr>
+        <p:spPr/>
+        <p:txBody>
+          <a:bodyPr/>
+          <a:lstStyle/>
+          <a:p>
+            <a:r>
+              <a:rPr lang="de-DE"/>
+              <a:t>Dr. rer. nat. Erika Mustermann (TUM) | kann beliebig erweitert werden | Infos mit Strich trennen</a:t>
+            </a:r>
+            <a:endParaRPr lang="en-US" dirty="0"/>
+          </a:p>
+        </p:txBody>
+      </p:sp>
+      <p:sp>
+        <p:nvSpPr>
+          <p:cNvPr id="3" name="Textplatzhalter 2"/>
+          <p:cNvSpPr>
+            <a:spLocks noGrp="1"/>
+          </p:cNvSpPr>
+          <p:nvPr>
+            <p:ph type="body" sz="quarter" idx="13"/>
+          </p:nvPr>
+        </p:nvSpPr>
+        <p:spPr/>
+        <p:txBody>
+          <a:bodyPr/>
+          <a:lstStyle/>
+          <a:p>
+            <a:r>
+              <a:rPr lang="de-DE" dirty="0"/>
+              <a:t>Nach Möglichkeit linksbündig bleiben</a:t>
+            </a:r>
+            <a:br>
+              <a:rPr lang="de-DE" dirty="0"/>
+            </a:br>
+            <a:r>
+              <a:rPr lang="de-DE" dirty="0"/>
+              <a:t>Unnötige Striche und Balken vermeiden</a:t>
+            </a:r>
+          </a:p>
+        </p:txBody>
+      </p:sp>
+      <p:sp>
+        <p:nvSpPr>
+          <p:cNvPr id="4" name="Titel 3"/>
+          <p:cNvSpPr>
+            <a:spLocks noGrp="1"/>
+          </p:cNvSpPr>
+          <p:nvPr>
+            <p:ph type="title"/>
+          </p:nvPr>
+        </p:nvSpPr>
+        <p:spPr/>
+        <p:txBody>
+          <a:bodyPr/>
+          <a:lstStyle/>
+          <a:p>
+            <a:r>
+              <a:rPr lang="de-DE"/>
+              <a:t>Diagramme – Beispiel 1</a:t>
+            </a:r>
+            <a:endParaRPr lang="de-DE" dirty="0"/>
+          </a:p>
+        </p:txBody>
+      </p:sp>
+      <p:graphicFrame>
+        <p:nvGraphicFramePr>
+          <p:cNvPr id="14" name="Diagramm 13"/>
+          <p:cNvGraphicFramePr/>
+          <p:nvPr/>
+        </p:nvGraphicFramePr>
+        <p:xfrm>
+          <a:off x="209868" y="2388199"/>
+          <a:ext cx="8515032" cy="4207865"/>
+        </p:xfrm>
+        <a:graphic>
+          <a:graphicData uri="http://schemas.openxmlformats.org/drawingml/2006/chart">
+            <c:chart xmlns:c="http://schemas.openxmlformats.org/drawingml/2006/chart" xmlns:r="http://schemas.openxmlformats.org/officeDocument/2006/relationships" r:id="rId2"/>
+          </a:graphicData>
+        </a:graphic>
+      </p:graphicFrame>
+    </p:spTree>
+  </p:cSld>
+  <p:clrMapOvr>
+    <a:masterClrMapping/>
+  </p:clrMapOvr>
+</p:sld>
+</file>
+
+<file path=ppt/slides/slide31.xml><?xml version="1.0" encoding="utf-8"?>
+<p:sld xmlns:a="http://schemas.openxmlformats.org/drawingml/2006/main" xmlns:r="http://schemas.openxmlformats.org/officeDocument/2006/relationships" xmlns:p="http://schemas.openxmlformats.org/presentationml/2006/main">
+  <p:cSld>
+    <p:spTree>
+      <p:nvGrpSpPr>
+        <p:cNvPr id="1" name=""/>
+        <p:cNvGrpSpPr/>
+        <p:nvPr/>
+      </p:nvGrpSpPr>
+      <p:grpSpPr>
+        <a:xfrm>
+          <a:off x="0" y="0"/>
+          <a:ext cx="0" cy="0"/>
+          <a:chOff x="0" y="0"/>
+          <a:chExt cx="0" cy="0"/>
+        </a:xfrm>
+      </p:grpSpPr>
       <p:graphicFrame>
         <p:nvGraphicFramePr>
           <p:cNvPr id="6" name="Inhaltsplatzhalter 5"/>
@@ -15100,7 +15309,7 @@
             <a:fld id="{CE58CB1E-F828-4F11-99E0-327109AF9DA4}" type="slidenum">
               <a:rPr lang="de-DE" smtClean="0"/>
               <a:pPr/>
-              <a:t>30</a:t>
+              <a:t>31</a:t>
             </a:fld>
             <a:endParaRPr lang="de-DE" dirty="0"/>
           </a:p>
@@ -15363,12 +15572,99 @@
           <a:chExt cx="0" cy="0"/>
         </a:xfrm>
       </p:grpSpPr>
+      <p:sp>
+        <p:nvSpPr>
+          <p:cNvPr id="3" name="Foliennummernplatzhalter 2">
+            <a:extLst>
+              <a:ext uri="{FF2B5EF4-FFF2-40B4-BE49-F238E27FC236}">
+                <a16:creationId xmlns:a16="http://schemas.microsoft.com/office/drawing/2014/main" id="{3273F3B6-E5B2-4B8B-9B63-9B0B6CCBCE06}"/>
+              </a:ext>
+            </a:extLst>
+          </p:cNvPr>
+          <p:cNvSpPr>
+            <a:spLocks noGrp="1"/>
+          </p:cNvSpPr>
+          <p:nvPr>
+            <p:ph type="sldNum" sz="quarter" idx="11"/>
+          </p:nvPr>
+        </p:nvSpPr>
+        <p:spPr/>
+        <p:txBody>
+          <a:bodyPr/>
+          <a:lstStyle/>
+          <a:p>
+            <a:fld id="{CE58CB1E-F828-4F11-99E0-327109AF9DA4}" type="slidenum">
+              <a:rPr lang="de-DE" smtClean="0"/>
+              <a:pPr/>
+              <a:t>5</a:t>
+            </a:fld>
+            <a:endParaRPr lang="de-DE" dirty="0"/>
+          </a:p>
+        </p:txBody>
+      </p:sp>
+      <p:sp>
+        <p:nvSpPr>
+          <p:cNvPr id="4" name="Fußzeilenplatzhalter 3">
+            <a:extLst>
+              <a:ext uri="{FF2B5EF4-FFF2-40B4-BE49-F238E27FC236}">
+                <a16:creationId xmlns:a16="http://schemas.microsoft.com/office/drawing/2014/main" id="{52DA284E-DC98-4622-9FF5-9BCE2119F11A}"/>
+              </a:ext>
+            </a:extLst>
+          </p:cNvPr>
+          <p:cNvSpPr>
+            <a:spLocks noGrp="1"/>
+          </p:cNvSpPr>
+          <p:nvPr>
+            <p:ph type="ftr" sz="quarter" idx="12"/>
+          </p:nvPr>
+        </p:nvSpPr>
+        <p:spPr/>
+        <p:txBody>
+          <a:bodyPr/>
+          <a:lstStyle/>
+          <a:p>
+            <a:r>
+              <a:rPr lang="de-DE"/>
+              <a:t>Dr. rer. nat. Erika Mustermann (TUM) | kann beliebig erweitert werden | Infos mit Strich trennen</a:t>
+            </a:r>
+            <a:endParaRPr lang="en-US" dirty="0"/>
+          </a:p>
+        </p:txBody>
+      </p:sp>
+      <p:sp>
+        <p:nvSpPr>
+          <p:cNvPr id="5" name="Titel 4">
+            <a:extLst>
+              <a:ext uri="{FF2B5EF4-FFF2-40B4-BE49-F238E27FC236}">
+                <a16:creationId xmlns:a16="http://schemas.microsoft.com/office/drawing/2014/main" id="{BA07BC16-0D05-4442-ADA3-9D154BBD2484}"/>
+              </a:ext>
+            </a:extLst>
+          </p:cNvPr>
+          <p:cNvSpPr>
+            <a:spLocks noGrp="1"/>
+          </p:cNvSpPr>
+          <p:nvPr>
+            <p:ph type="title"/>
+          </p:nvPr>
+        </p:nvSpPr>
+        <p:spPr/>
+        <p:txBody>
+          <a:bodyPr/>
+          <a:lstStyle/>
+          <a:p>
+            <a:r>
+              <a:rPr lang="de-DE" dirty="0"/>
+              <a:t>UML Klassendiagram</a:t>
+            </a:r>
+          </a:p>
+        </p:txBody>
+      </p:sp>
       <p:pic>
         <p:nvPicPr>
-          <p:cNvPr id="7" name="Inhaltsplatzhalter 6" descr="Ein Bild, das Text, Karte enthält.&#10;&#10;Automatisch generierte Beschreibung">
+          <p:cNvPr id="9" name="Inhaltsplatzhalter 8" descr="Ein Bild, das Text, Karte enthält.&#10;&#10;Automatisch generierte Beschreibung">
             <a:extLst>
               <a:ext uri="{FF2B5EF4-FFF2-40B4-BE49-F238E27FC236}">
-                <a16:creationId xmlns:a16="http://schemas.microsoft.com/office/drawing/2014/main" id="{E777BD71-DF0D-4856-A779-DA2686029380}"/>
+                <a16:creationId xmlns:a16="http://schemas.microsoft.com/office/drawing/2014/main" id="{4DBADF42-C17D-44E6-B0A9-918FCC0BC112}"/>
               </a:ext>
             </a:extLst>
           </p:cNvPr>
@@ -15387,98 +15683,11 @@
         </p:blipFill>
         <p:spPr>
           <a:xfrm>
-            <a:off x="1878146" y="1774313"/>
+            <a:off x="1879734" y="1762125"/>
             <a:ext cx="5387708" cy="4699000"/>
           </a:xfrm>
         </p:spPr>
       </p:pic>
-      <p:sp>
-        <p:nvSpPr>
-          <p:cNvPr id="3" name="Foliennummernplatzhalter 2">
-            <a:extLst>
-              <a:ext uri="{FF2B5EF4-FFF2-40B4-BE49-F238E27FC236}">
-                <a16:creationId xmlns:a16="http://schemas.microsoft.com/office/drawing/2014/main" id="{3273F3B6-E5B2-4B8B-9B63-9B0B6CCBCE06}"/>
-              </a:ext>
-            </a:extLst>
-          </p:cNvPr>
-          <p:cNvSpPr>
-            <a:spLocks noGrp="1"/>
-          </p:cNvSpPr>
-          <p:nvPr>
-            <p:ph type="sldNum" sz="quarter" idx="11"/>
-          </p:nvPr>
-        </p:nvSpPr>
-        <p:spPr/>
-        <p:txBody>
-          <a:bodyPr/>
-          <a:lstStyle/>
-          <a:p>
-            <a:fld id="{CE58CB1E-F828-4F11-99E0-327109AF9DA4}" type="slidenum">
-              <a:rPr lang="de-DE" smtClean="0"/>
-              <a:pPr/>
-              <a:t>5</a:t>
-            </a:fld>
-            <a:endParaRPr lang="de-DE" dirty="0"/>
-          </a:p>
-        </p:txBody>
-      </p:sp>
-      <p:sp>
-        <p:nvSpPr>
-          <p:cNvPr id="4" name="Fußzeilenplatzhalter 3">
-            <a:extLst>
-              <a:ext uri="{FF2B5EF4-FFF2-40B4-BE49-F238E27FC236}">
-                <a16:creationId xmlns:a16="http://schemas.microsoft.com/office/drawing/2014/main" id="{52DA284E-DC98-4622-9FF5-9BCE2119F11A}"/>
-              </a:ext>
-            </a:extLst>
-          </p:cNvPr>
-          <p:cNvSpPr>
-            <a:spLocks noGrp="1"/>
-          </p:cNvSpPr>
-          <p:nvPr>
-            <p:ph type="ftr" sz="quarter" idx="12"/>
-          </p:nvPr>
-        </p:nvSpPr>
-        <p:spPr/>
-        <p:txBody>
-          <a:bodyPr/>
-          <a:lstStyle/>
-          <a:p>
-            <a:r>
-              <a:rPr lang="de-DE"/>
-              <a:t>Dr. rer. nat. Erika Mustermann (TUM) | kann beliebig erweitert werden | Infos mit Strich trennen</a:t>
-            </a:r>
-            <a:endParaRPr lang="en-US" dirty="0"/>
-          </a:p>
-        </p:txBody>
-      </p:sp>
-      <p:sp>
-        <p:nvSpPr>
-          <p:cNvPr id="5" name="Titel 4">
-            <a:extLst>
-              <a:ext uri="{FF2B5EF4-FFF2-40B4-BE49-F238E27FC236}">
-                <a16:creationId xmlns:a16="http://schemas.microsoft.com/office/drawing/2014/main" id="{BA07BC16-0D05-4442-ADA3-9D154BBD2484}"/>
-              </a:ext>
-            </a:extLst>
-          </p:cNvPr>
-          <p:cNvSpPr>
-            <a:spLocks noGrp="1"/>
-          </p:cNvSpPr>
-          <p:nvPr>
-            <p:ph type="title"/>
-          </p:nvPr>
-        </p:nvSpPr>
-        <p:spPr/>
-        <p:txBody>
-          <a:bodyPr/>
-          <a:lstStyle/>
-          <a:p>
-            <a:r>
-              <a:rPr lang="de-DE" dirty="0"/>
-              <a:t>UML Klassendiagram</a:t>
-            </a:r>
-          </a:p>
-        </p:txBody>
-      </p:sp>
     </p:spTree>
     <p:extLst>
       <p:ext uri="{BB962C8B-B14F-4D97-AF65-F5344CB8AC3E}">
@@ -15522,7 +15731,7 @@
             <a:spLocks noGrp="1"/>
           </p:cNvSpPr>
           <p:nvPr>
-            <p:ph idx="1"/>
+            <p:ph idx="14"/>
           </p:nvPr>
         </p:nvSpPr>
         <p:spPr/>
@@ -15586,6 +15795,35 @@
           </a:p>
         </p:txBody>
       </p:sp>
+      <p:pic>
+        <p:nvPicPr>
+          <p:cNvPr id="9" name="Bildplatzhalter 8" descr="Ein Bild, das Screenshot enthält.&#10;&#10;Automatisch generierte Beschreibung">
+            <a:extLst>
+              <a:ext uri="{FF2B5EF4-FFF2-40B4-BE49-F238E27FC236}">
+                <a16:creationId xmlns:a16="http://schemas.microsoft.com/office/drawing/2014/main" id="{96EDE67A-1647-4A86-B490-E3F4B936FE0E}"/>
+              </a:ext>
+            </a:extLst>
+          </p:cNvPr>
+          <p:cNvPicPr>
+            <a:picLocks noGrp="1" noChangeAspect="1"/>
+          </p:cNvPicPr>
+          <p:nvPr>
+            <p:ph idx="15"/>
+          </p:nvPr>
+        </p:nvPicPr>
+        <p:blipFill>
+          <a:blip r:embed="rId2"/>
+          <a:stretch>
+            <a:fillRect/>
+          </a:stretch>
+        </p:blipFill>
+        <p:spPr>
+          <a:xfrm>
+            <a:off x="5809968" y="1762188"/>
+            <a:ext cx="1991003" cy="1867161"/>
+          </a:xfrm>
+        </p:spPr>
+      </p:pic>
       <p:sp>
         <p:nvSpPr>
           <p:cNvPr id="3" name="Foliennummernplatzhalter 2">
@@ -15599,7 +15837,7 @@
             <a:spLocks noGrp="1"/>
           </p:cNvSpPr>
           <p:nvPr>
-            <p:ph type="sldNum" sz="quarter" idx="11"/>
+            <p:ph type="sldNum" sz="quarter" idx="16"/>
           </p:nvPr>
         </p:nvSpPr>
         <p:spPr/>
@@ -15629,7 +15867,7 @@
             <a:spLocks noGrp="1"/>
           </p:cNvSpPr>
           <p:nvPr>
-            <p:ph type="ftr" sz="quarter" idx="12"/>
+            <p:ph type="ftr" sz="quarter" idx="17"/>
           </p:nvPr>
         </p:nvSpPr>
         <p:spPr/>
@@ -15716,7 +15954,7 @@
             <a:spLocks noGrp="1"/>
           </p:cNvSpPr>
           <p:nvPr>
-            <p:ph idx="1"/>
+            <p:ph idx="14"/>
           </p:nvPr>
         </p:nvSpPr>
         <p:spPr/>
@@ -15816,34 +16054,39 @@
             </a:r>
           </a:p>
           <a:p>
-            <a:pPr marL="285750" indent="-285750">
-              <a:buFont typeface="Arial" panose="020B0604020202020204" pitchFamily="34" charset="0"/>
-              <a:buChar char="•"/>
-            </a:pPr>
-            <a:r>
-              <a:rPr lang="de-DE" dirty="0"/>
-              <a:t>Dealer hat das Deck</a:t>
-            </a:r>
-          </a:p>
-          <a:p>
-            <a:pPr marL="285750" indent="-285750">
-              <a:buFont typeface="Arial" panose="020B0604020202020204" pitchFamily="34" charset="0"/>
-              <a:buChar char="•"/>
-            </a:pPr>
-            <a:r>
-              <a:rPr lang="de-DE" dirty="0"/>
-              <a:t>Unterschiede zur Player Klasse</a:t>
-            </a:r>
-          </a:p>
-          <a:p>
-            <a:pPr marL="285750" indent="-285750">
-              <a:buFont typeface="Arial" panose="020B0604020202020204" pitchFamily="34" charset="0"/>
-              <a:buChar char="•"/>
-            </a:pPr>
             <a:endParaRPr lang="de-DE" dirty="0"/>
           </a:p>
         </p:txBody>
       </p:sp>
+      <p:pic>
+        <p:nvPicPr>
+          <p:cNvPr id="8" name="Inhaltsplatzhalter 7" descr="Ein Bild, das Screenshot enthält.&#10;&#10;Automatisch generierte Beschreibung">
+            <a:extLst>
+              <a:ext uri="{FF2B5EF4-FFF2-40B4-BE49-F238E27FC236}">
+                <a16:creationId xmlns:a16="http://schemas.microsoft.com/office/drawing/2014/main" id="{2323238E-B959-44A9-AD1D-ACFE58D1B583}"/>
+              </a:ext>
+            </a:extLst>
+          </p:cNvPr>
+          <p:cNvPicPr>
+            <a:picLocks noGrp="1" noChangeAspect="1"/>
+          </p:cNvPicPr>
+          <p:nvPr>
+            <p:ph idx="15"/>
+          </p:nvPr>
+        </p:nvPicPr>
+        <p:blipFill>
+          <a:blip r:embed="rId2"/>
+          <a:stretch>
+            <a:fillRect/>
+          </a:stretch>
+        </p:blipFill>
+        <p:spPr>
+          <a:xfrm>
+            <a:off x="5783810" y="1762125"/>
+            <a:ext cx="1907080" cy="4687888"/>
+          </a:xfrm>
+        </p:spPr>
+      </p:pic>
       <p:sp>
         <p:nvSpPr>
           <p:cNvPr id="3" name="Foliennummernplatzhalter 2">
@@ -15857,7 +16100,7 @@
             <a:spLocks noGrp="1"/>
           </p:cNvSpPr>
           <p:nvPr>
-            <p:ph type="sldNum" sz="quarter" idx="11"/>
+            <p:ph type="sldNum" sz="quarter" idx="16"/>
           </p:nvPr>
         </p:nvSpPr>
         <p:spPr/>
@@ -15887,7 +16130,7 @@
             <a:spLocks noGrp="1"/>
           </p:cNvSpPr>
           <p:nvPr>
-            <p:ph type="ftr" sz="quarter" idx="12"/>
+            <p:ph type="ftr" sz="quarter" idx="17"/>
           </p:nvPr>
         </p:nvSpPr>
         <p:spPr/>
@@ -15970,7 +16213,7 @@
           <p:cNvPr id="2" name="Inhaltsplatzhalter 1">
             <a:extLst>
               <a:ext uri="{FF2B5EF4-FFF2-40B4-BE49-F238E27FC236}">
-                <a16:creationId xmlns:a16="http://schemas.microsoft.com/office/drawing/2014/main" id="{8F91A5C9-007F-4E52-9B41-C482B0B3A6D7}"/>
+                <a16:creationId xmlns:a16="http://schemas.microsoft.com/office/drawing/2014/main" id="{98E478E7-93FC-4F48-B612-8EFD7909BDE4}"/>
               </a:ext>
             </a:extLst>
           </p:cNvPr>
@@ -15978,7 +16221,7 @@
             <a:spLocks noGrp="1"/>
           </p:cNvSpPr>
           <p:nvPr>
-            <p:ph idx="1"/>
+            <p:ph idx="14"/>
           </p:nvPr>
         </p:nvSpPr>
         <p:spPr/>
@@ -15992,7 +16235,7 @@
             </a:pPr>
             <a:r>
               <a:rPr lang="de-DE" dirty="0"/>
-              <a:t>Deck besitzt alle nicht gezogenen Karten („realistisches Deck“)</a:t>
+              <a:t>Dealer hat das Deck</a:t>
             </a:r>
           </a:p>
           <a:p>
@@ -16002,83 +16245,57 @@
             </a:pPr>
             <a:r>
               <a:rPr lang="de-DE" dirty="0"/>
-              <a:t>Funktionalität: Mischen und Karten ziehen</a:t>
-            </a:r>
-          </a:p>
-          <a:p>
-            <a:pPr marL="285750" indent="-285750">
-              <a:buFont typeface="Arial" panose="020B0604020202020204" pitchFamily="34" charset="0"/>
-              <a:buChar char="•"/>
-            </a:pPr>
-            <a:r>
-              <a:rPr lang="de-DE" dirty="0"/>
-              <a:t>Mögliche Erweiterung: mehrere Decks (</a:t>
-            </a:r>
-            <a:r>
-              <a:rPr lang="de-DE" dirty="0" err="1"/>
-              <a:t>zB</a:t>
-            </a:r>
-            <a:r>
-              <a:rPr lang="de-DE" dirty="0"/>
-              <a:t>. Für jeden Spieler ein eigenes)</a:t>
-            </a:r>
-          </a:p>
-          <a:p>
-            <a:pPr marL="285750" indent="-285750">
-              <a:buFont typeface="Arial" panose="020B0604020202020204" pitchFamily="34" charset="0"/>
-              <a:buChar char="•"/>
-            </a:pPr>
-            <a:r>
-              <a:rPr lang="de-DE" dirty="0"/>
-              <a:t>Hand hat alle Karten des Spieler/Dealers</a:t>
-            </a:r>
-          </a:p>
-          <a:p>
-            <a:pPr marL="285750" indent="-285750">
-              <a:buFont typeface="Arial" panose="020B0604020202020204" pitchFamily="34" charset="0"/>
-              <a:buChar char="•"/>
-            </a:pPr>
-            <a:r>
-              <a:rPr lang="de-DE" dirty="0"/>
-              <a:t>Funktionalität: einfache Auswertung der Karten eines Spielers/Dealers</a:t>
-            </a:r>
-          </a:p>
-          <a:p>
-            <a:pPr marL="285750" indent="-285750">
-              <a:buFont typeface="Arial" panose="020B0604020202020204" pitchFamily="34" charset="0"/>
-              <a:buChar char="•"/>
-            </a:pPr>
-            <a:r>
-              <a:rPr lang="de-DE" dirty="0"/>
-              <a:t>Mögliche Erweiterung: Implementierung von Split -&gt; 2 Hände</a:t>
-            </a:r>
-          </a:p>
-          <a:p>
-            <a:pPr marL="285750" indent="-285750">
-              <a:buFont typeface="Arial" panose="020B0604020202020204" pitchFamily="34" charset="0"/>
-              <a:buChar char="•"/>
-            </a:pPr>
-            <a:r>
-              <a:rPr lang="de-DE" dirty="0"/>
-              <a:t>Card besitzt Value und Farbe</a:t>
-            </a:r>
-          </a:p>
-        </p:txBody>
-      </p:sp>
-      <p:sp>
-        <p:nvSpPr>
-          <p:cNvPr id="3" name="Foliennummernplatzhalter 2">
+              <a:t>Unterschiede zur Player Klasse</a:t>
+            </a:r>
+          </a:p>
+          <a:p>
+            <a:endParaRPr lang="de-DE" dirty="0"/>
+          </a:p>
+        </p:txBody>
+      </p:sp>
+      <p:pic>
+        <p:nvPicPr>
+          <p:cNvPr id="8" name="Inhaltsplatzhalter 7" descr="Ein Bild, das Screenshot enthält.&#10;&#10;Automatisch generierte Beschreibung">
             <a:extLst>
               <a:ext uri="{FF2B5EF4-FFF2-40B4-BE49-F238E27FC236}">
-                <a16:creationId xmlns:a16="http://schemas.microsoft.com/office/drawing/2014/main" id="{F6FC8C6C-ACDA-4AB3-8A1F-D50331A9D70D}"/>
+                <a16:creationId xmlns:a16="http://schemas.microsoft.com/office/drawing/2014/main" id="{E06D121D-F4A4-4F53-B0D8-61E4B3E7F74F}"/>
               </a:ext>
             </a:extLst>
           </p:cNvPr>
-          <p:cNvSpPr>
-            <a:spLocks noGrp="1"/>
-          </p:cNvSpPr>
-          <p:nvPr>
-            <p:ph type="sldNum" sz="quarter" idx="11"/>
+          <p:cNvPicPr>
+            <a:picLocks noGrp="1" noChangeAspect="1"/>
+          </p:cNvPicPr>
+          <p:nvPr>
+            <p:ph idx="15"/>
+          </p:nvPr>
+        </p:nvPicPr>
+        <p:blipFill>
+          <a:blip r:embed="rId2"/>
+          <a:stretch>
+            <a:fillRect/>
+          </a:stretch>
+        </p:blipFill>
+        <p:spPr>
+          <a:xfrm>
+            <a:off x="6046170" y="3348375"/>
+            <a:ext cx="1457528" cy="1181265"/>
+          </a:xfrm>
+        </p:spPr>
+      </p:pic>
+      <p:sp>
+        <p:nvSpPr>
+          <p:cNvPr id="4" name="Foliennummernplatzhalter 3">
+            <a:extLst>
+              <a:ext uri="{FF2B5EF4-FFF2-40B4-BE49-F238E27FC236}">
+                <a16:creationId xmlns:a16="http://schemas.microsoft.com/office/drawing/2014/main" id="{DF19DEBD-7037-4014-827A-490DD4CB0164}"/>
+              </a:ext>
+            </a:extLst>
+          </p:cNvPr>
+          <p:cNvSpPr>
+            <a:spLocks noGrp="1"/>
+          </p:cNvSpPr>
+          <p:nvPr>
+            <p:ph type="sldNum" sz="quarter" idx="16"/>
           </p:nvPr>
         </p:nvSpPr>
         <p:spPr/>
@@ -16097,10 +16314,10 @@
       </p:sp>
       <p:sp>
         <p:nvSpPr>
-          <p:cNvPr id="4" name="Fußzeilenplatzhalter 3">
+          <p:cNvPr id="5" name="Fußzeilenplatzhalter 4">
             <a:extLst>
               <a:ext uri="{FF2B5EF4-FFF2-40B4-BE49-F238E27FC236}">
-                <a16:creationId xmlns:a16="http://schemas.microsoft.com/office/drawing/2014/main" id="{A493D086-94ED-4D8F-A1B4-E43E25BC8974}"/>
+                <a16:creationId xmlns:a16="http://schemas.microsoft.com/office/drawing/2014/main" id="{CA388F7C-52DD-440E-B621-3BB14FADE536}"/>
               </a:ext>
             </a:extLst>
           </p:cNvPr>
@@ -16108,7 +16325,7 @@
             <a:spLocks noGrp="1"/>
           </p:cNvSpPr>
           <p:nvPr>
-            <p:ph type="ftr" sz="quarter" idx="12"/>
+            <p:ph type="ftr" sz="quarter" idx="17"/>
           </p:nvPr>
         </p:nvSpPr>
         <p:spPr/>
@@ -16126,10 +16343,10 @@
       </p:sp>
       <p:sp>
         <p:nvSpPr>
-          <p:cNvPr id="5" name="Titel 4">
+          <p:cNvPr id="6" name="Titel 5">
             <a:extLst>
               <a:ext uri="{FF2B5EF4-FFF2-40B4-BE49-F238E27FC236}">
-                <a16:creationId xmlns:a16="http://schemas.microsoft.com/office/drawing/2014/main" id="{C538F3DC-4113-4FE7-8D93-77CED857B634}"/>
+                <a16:creationId xmlns:a16="http://schemas.microsoft.com/office/drawing/2014/main" id="{725E3D07-D449-4DDD-87F6-1386462B9302}"/>
               </a:ext>
             </a:extLst>
           </p:cNvPr>
@@ -16146,8 +16363,12 @@
           <a:lstStyle/>
           <a:p>
             <a:r>
+              <a:rPr lang="de-DE" dirty="0" err="1"/>
+              <a:t>Usr</a:t>
+            </a:r>
+            <a:r>
               <a:rPr lang="de-DE" dirty="0"/>
-              <a:t>Deck &amp; Hand &amp; Card</a:t>
+              <a:t> &amp; Player &amp; Dealer</a:t>
             </a:r>
           </a:p>
         </p:txBody>
@@ -16155,7 +16376,7 @@
     </p:spTree>
     <p:extLst>
       <p:ext uri="{BB962C8B-B14F-4D97-AF65-F5344CB8AC3E}">
-        <p14:creationId xmlns:p14="http://schemas.microsoft.com/office/powerpoint/2010/main" val="1165790011"/>
+        <p14:creationId xmlns:p14="http://schemas.microsoft.com/office/powerpoint/2010/main" val="468698100"/>
       </p:ext>
     </p:extLst>
   </p:cSld>
@@ -16187,7 +16408,7 @@
           <p:cNvPr id="2" name="Inhaltsplatzhalter 1">
             <a:extLst>
               <a:ext uri="{FF2B5EF4-FFF2-40B4-BE49-F238E27FC236}">
-                <a16:creationId xmlns:a16="http://schemas.microsoft.com/office/drawing/2014/main" id="{DB7CA37A-7A2C-41B9-B688-25C8CC3A05A6}"/>
+                <a16:creationId xmlns:a16="http://schemas.microsoft.com/office/drawing/2014/main" id="{8F91A5C9-007F-4E52-9B41-C482B0B3A6D7}"/>
               </a:ext>
             </a:extLst>
           </p:cNvPr>
@@ -16195,7 +16416,7 @@
             <a:spLocks noGrp="1"/>
           </p:cNvSpPr>
           <p:nvPr>
-            <p:ph idx="1"/>
+            <p:ph idx="14"/>
           </p:nvPr>
         </p:nvSpPr>
         <p:spPr/>
@@ -16209,7 +16430,7 @@
             </a:pPr>
             <a:r>
               <a:rPr lang="de-DE" dirty="0"/>
-              <a:t>Extra Feature</a:t>
+              <a:t>Deck besitzt alle nicht gezogenen Karten („realistisches Deck“)</a:t>
             </a:r>
           </a:p>
           <a:p>
@@ -16219,7 +16440,7 @@
             </a:pPr>
             <a:r>
               <a:rPr lang="de-DE" dirty="0"/>
-              <a:t>Sinnvoll da Multiplayer über lokales Netzwerk</a:t>
+              <a:t>Funktionalität: Mischen und Karten ziehen</a:t>
             </a:r>
           </a:p>
           <a:p>
@@ -16229,7 +16450,15 @@
             </a:pPr>
             <a:r>
               <a:rPr lang="de-DE" dirty="0"/>
-              <a:t>Spieler können miteinander kommunizieren</a:t>
+              <a:t>Mögliche Erweiterung: mehrere Decks (</a:t>
+            </a:r>
+            <a:r>
+              <a:rPr lang="de-DE" dirty="0" err="1"/>
+              <a:t>zB</a:t>
+            </a:r>
+            <a:r>
+              <a:rPr lang="de-DE" dirty="0"/>
+              <a:t>. Für jeden Spieler ein eigenes)</a:t>
             </a:r>
           </a:p>
           <a:p>
@@ -16239,17 +16468,76 @@
             </a:pPr>
             <a:r>
               <a:rPr lang="de-DE" dirty="0"/>
-              <a:t>Information wenn andere Spieler beitreten oder das Spiel verlassen</a:t>
-            </a:r>
-          </a:p>
-        </p:txBody>
-      </p:sp>
+              <a:t>Hand hat alle Karten des Spieler/Dealers</a:t>
+            </a:r>
+          </a:p>
+          <a:p>
+            <a:pPr marL="285750" indent="-285750">
+              <a:buFont typeface="Arial" panose="020B0604020202020204" pitchFamily="34" charset="0"/>
+              <a:buChar char="•"/>
+            </a:pPr>
+            <a:r>
+              <a:rPr lang="de-DE" dirty="0"/>
+              <a:t>Funktionalität: einfache Auswertung der Karten eines Spielers/Dealers</a:t>
+            </a:r>
+          </a:p>
+          <a:p>
+            <a:pPr marL="285750" indent="-285750">
+              <a:buFont typeface="Arial" panose="020B0604020202020204" pitchFamily="34" charset="0"/>
+              <a:buChar char="•"/>
+            </a:pPr>
+            <a:r>
+              <a:rPr lang="de-DE" dirty="0"/>
+              <a:t>Mögliche Erweiterung: Implementierung von Split -&gt; 2 Hände</a:t>
+            </a:r>
+          </a:p>
+          <a:p>
+            <a:pPr marL="285750" indent="-285750">
+              <a:buFont typeface="Arial" panose="020B0604020202020204" pitchFamily="34" charset="0"/>
+              <a:buChar char="•"/>
+            </a:pPr>
+            <a:r>
+              <a:rPr lang="de-DE" dirty="0"/>
+              <a:t>Card besitzt Value und Farbe</a:t>
+            </a:r>
+          </a:p>
+        </p:txBody>
+      </p:sp>
+      <p:pic>
+        <p:nvPicPr>
+          <p:cNvPr id="8" name="Inhaltsplatzhalter 7" descr="Ein Bild, das Screenshot enthält.&#10;&#10;Automatisch generierte Beschreibung">
+            <a:extLst>
+              <a:ext uri="{FF2B5EF4-FFF2-40B4-BE49-F238E27FC236}">
+                <a16:creationId xmlns:a16="http://schemas.microsoft.com/office/drawing/2014/main" id="{29001AB5-1A5C-4D75-B799-841C2F04FB7B}"/>
+              </a:ext>
+            </a:extLst>
+          </p:cNvPr>
+          <p:cNvPicPr>
+            <a:picLocks noGrp="1" noChangeAspect="1"/>
+          </p:cNvPicPr>
+          <p:nvPr>
+            <p:ph idx="15"/>
+          </p:nvPr>
+        </p:nvPicPr>
+        <p:blipFill>
+          <a:blip r:embed="rId2"/>
+          <a:stretch>
+            <a:fillRect/>
+          </a:stretch>
+        </p:blipFill>
+        <p:spPr>
+          <a:xfrm>
+            <a:off x="4684426" y="2377040"/>
+            <a:ext cx="4105848" cy="3458058"/>
+          </a:xfrm>
+        </p:spPr>
+      </p:pic>
       <p:sp>
         <p:nvSpPr>
           <p:cNvPr id="3" name="Foliennummernplatzhalter 2">
             <a:extLst>
               <a:ext uri="{FF2B5EF4-FFF2-40B4-BE49-F238E27FC236}">
-                <a16:creationId xmlns:a16="http://schemas.microsoft.com/office/drawing/2014/main" id="{AD81C2EF-FD85-4A18-8F03-A0DBBCD700AD}"/>
+                <a16:creationId xmlns:a16="http://schemas.microsoft.com/office/drawing/2014/main" id="{F6FC8C6C-ACDA-4AB3-8A1F-D50331A9D70D}"/>
               </a:ext>
             </a:extLst>
           </p:cNvPr>
@@ -16257,7 +16545,7 @@
             <a:spLocks noGrp="1"/>
           </p:cNvSpPr>
           <p:nvPr>
-            <p:ph type="sldNum" sz="quarter" idx="11"/>
+            <p:ph type="sldNum" sz="quarter" idx="16"/>
           </p:nvPr>
         </p:nvSpPr>
         <p:spPr/>
@@ -16279,7 +16567,7 @@
           <p:cNvPr id="4" name="Fußzeilenplatzhalter 3">
             <a:extLst>
               <a:ext uri="{FF2B5EF4-FFF2-40B4-BE49-F238E27FC236}">
-                <a16:creationId xmlns:a16="http://schemas.microsoft.com/office/drawing/2014/main" id="{E82CB60E-E2AB-41CB-8A71-7BFD43B8921B}"/>
+                <a16:creationId xmlns:a16="http://schemas.microsoft.com/office/drawing/2014/main" id="{A493D086-94ED-4D8F-A1B4-E43E25BC8974}"/>
               </a:ext>
             </a:extLst>
           </p:cNvPr>
@@ -16287,7 +16575,7 @@
             <a:spLocks noGrp="1"/>
           </p:cNvSpPr>
           <p:nvPr>
-            <p:ph type="ftr" sz="quarter" idx="12"/>
+            <p:ph type="ftr" sz="quarter" idx="17"/>
           </p:nvPr>
         </p:nvSpPr>
         <p:spPr/>
@@ -16308,7 +16596,7 @@
           <p:cNvPr id="5" name="Titel 4">
             <a:extLst>
               <a:ext uri="{FF2B5EF4-FFF2-40B4-BE49-F238E27FC236}">
-                <a16:creationId xmlns:a16="http://schemas.microsoft.com/office/drawing/2014/main" id="{38CE14CC-717B-4282-83BB-3662A9B1DD62}"/>
+                <a16:creationId xmlns:a16="http://schemas.microsoft.com/office/drawing/2014/main" id="{C538F3DC-4113-4FE7-8D93-77CED857B634}"/>
               </a:ext>
             </a:extLst>
           </p:cNvPr>
@@ -16326,7 +16614,7 @@
           <a:p>
             <a:r>
               <a:rPr lang="de-DE" dirty="0"/>
-              <a:t>Chat &amp; Message</a:t>
+              <a:t>Deck &amp; Hand &amp; Card</a:t>
             </a:r>
           </a:p>
         </p:txBody>
@@ -16334,7 +16622,7 @@
     </p:spTree>
     <p:extLst>
       <p:ext uri="{BB962C8B-B14F-4D97-AF65-F5344CB8AC3E}">
-        <p14:creationId xmlns:p14="http://schemas.microsoft.com/office/powerpoint/2010/main" val="1120331300"/>
+        <p14:creationId xmlns:p14="http://schemas.microsoft.com/office/powerpoint/2010/main" val="1165790011"/>
       </p:ext>
     </p:extLst>
   </p:cSld>

--- a/presentation/Präsentation.pptx
+++ b/presentation/Präsentation.pptx
@@ -1055,7 +1055,7 @@
               <a:pPr>
                 <a:defRPr/>
               </a:pPr>
-              <a:t>09/08/2019</a:t>
+              <a:t>12/08/2019</a:t>
             </a:fld>
             <a:endParaRPr lang="en-GB" dirty="0"/>
           </a:p>
@@ -1274,7 +1274,7 @@
               <a:pPr>
                 <a:defRPr/>
               </a:pPr>
-              <a:t>09/08/2019</a:t>
+              <a:t>12/08/2019</a:t>
             </a:fld>
             <a:endParaRPr lang="en-GB"/>
           </a:p>
@@ -15661,10 +15661,10 @@
       </p:sp>
       <p:pic>
         <p:nvPicPr>
-          <p:cNvPr id="9" name="Inhaltsplatzhalter 8" descr="Ein Bild, das Text, Karte enthält.&#10;&#10;Automatisch generierte Beschreibung">
+          <p:cNvPr id="8" name="Inhaltsplatzhalter 7" descr="Ein Bild, das Text, Karte enthält.&#10;&#10;Automatisch generierte Beschreibung">
             <a:extLst>
               <a:ext uri="{FF2B5EF4-FFF2-40B4-BE49-F238E27FC236}">
-                <a16:creationId xmlns:a16="http://schemas.microsoft.com/office/drawing/2014/main" id="{4DBADF42-C17D-44E6-B0A9-918FCC0BC112}"/>
+                <a16:creationId xmlns:a16="http://schemas.microsoft.com/office/drawing/2014/main" id="{A568010D-9180-4E9B-B6DE-E401AF75D5F6}"/>
               </a:ext>
             </a:extLst>
           </p:cNvPr>
@@ -15683,8 +15683,8 @@
         </p:blipFill>
         <p:spPr>
           <a:xfrm>
-            <a:off x="1879734" y="1762125"/>
-            <a:ext cx="5387708" cy="4699000"/>
+            <a:off x="1883840" y="1762125"/>
+            <a:ext cx="5379495" cy="4699000"/>
           </a:xfrm>
         </p:spPr>
       </p:pic>
@@ -16058,21 +16058,110 @@
           </a:p>
         </p:txBody>
       </p:sp>
+      <p:sp>
+        <p:nvSpPr>
+          <p:cNvPr id="3" name="Foliennummernplatzhalter 2">
+            <a:extLst>
+              <a:ext uri="{FF2B5EF4-FFF2-40B4-BE49-F238E27FC236}">
+                <a16:creationId xmlns:a16="http://schemas.microsoft.com/office/drawing/2014/main" id="{78C38F1D-943A-419F-A6E0-D18F3CB8451A}"/>
+              </a:ext>
+            </a:extLst>
+          </p:cNvPr>
+          <p:cNvSpPr>
+            <a:spLocks noGrp="1"/>
+          </p:cNvSpPr>
+          <p:nvPr>
+            <p:ph type="sldNum" sz="quarter" idx="16"/>
+          </p:nvPr>
+        </p:nvSpPr>
+        <p:spPr/>
+        <p:txBody>
+          <a:bodyPr/>
+          <a:lstStyle/>
+          <a:p>
+            <a:fld id="{CE58CB1E-F828-4F11-99E0-327109AF9DA4}" type="slidenum">
+              <a:rPr lang="de-DE" smtClean="0"/>
+              <a:pPr/>
+              <a:t>7</a:t>
+            </a:fld>
+            <a:endParaRPr lang="de-DE" dirty="0"/>
+          </a:p>
+        </p:txBody>
+      </p:sp>
+      <p:sp>
+        <p:nvSpPr>
+          <p:cNvPr id="4" name="Fußzeilenplatzhalter 3">
+            <a:extLst>
+              <a:ext uri="{FF2B5EF4-FFF2-40B4-BE49-F238E27FC236}">
+                <a16:creationId xmlns:a16="http://schemas.microsoft.com/office/drawing/2014/main" id="{76953924-FAB8-4268-8EE9-4D1C1A827178}"/>
+              </a:ext>
+            </a:extLst>
+          </p:cNvPr>
+          <p:cNvSpPr>
+            <a:spLocks noGrp="1"/>
+          </p:cNvSpPr>
+          <p:nvPr>
+            <p:ph type="ftr" sz="quarter" idx="17"/>
+          </p:nvPr>
+        </p:nvSpPr>
+        <p:spPr/>
+        <p:txBody>
+          <a:bodyPr/>
+          <a:lstStyle/>
+          <a:p>
+            <a:r>
+              <a:rPr lang="de-DE"/>
+              <a:t>Dr. rer. nat. Erika Mustermann (TUM) | kann beliebig erweitert werden | Infos mit Strich trennen</a:t>
+            </a:r>
+            <a:endParaRPr lang="en-US" dirty="0"/>
+          </a:p>
+        </p:txBody>
+      </p:sp>
+      <p:sp>
+        <p:nvSpPr>
+          <p:cNvPr id="5" name="Titel 4">
+            <a:extLst>
+              <a:ext uri="{FF2B5EF4-FFF2-40B4-BE49-F238E27FC236}">
+                <a16:creationId xmlns:a16="http://schemas.microsoft.com/office/drawing/2014/main" id="{1B8E4F84-A7E1-4260-B93F-2BE334470B32}"/>
+              </a:ext>
+            </a:extLst>
+          </p:cNvPr>
+          <p:cNvSpPr>
+            <a:spLocks noGrp="1"/>
+          </p:cNvSpPr>
+          <p:nvPr>
+            <p:ph type="title"/>
+          </p:nvPr>
+        </p:nvSpPr>
+        <p:spPr/>
+        <p:txBody>
+          <a:bodyPr/>
+          <a:lstStyle/>
+          <a:p>
+            <a:r>
+              <a:rPr lang="de-DE" dirty="0" err="1"/>
+              <a:t>Usr</a:t>
+            </a:r>
+            <a:r>
+              <a:rPr lang="de-DE" dirty="0"/>
+              <a:t> &amp; Player &amp; Dealer</a:t>
+            </a:r>
+          </a:p>
+        </p:txBody>
+      </p:sp>
       <p:pic>
         <p:nvPicPr>
-          <p:cNvPr id="8" name="Inhaltsplatzhalter 7" descr="Ein Bild, das Screenshot enthält.&#10;&#10;Automatisch generierte Beschreibung">
+          <p:cNvPr id="7" name="Grafik 6" descr="Ein Bild, das Screenshot enthält.&#10;&#10;Automatisch generierte Beschreibung">
             <a:extLst>
               <a:ext uri="{FF2B5EF4-FFF2-40B4-BE49-F238E27FC236}">
-                <a16:creationId xmlns:a16="http://schemas.microsoft.com/office/drawing/2014/main" id="{2323238E-B959-44A9-AD1D-ACFE58D1B583}"/>
+                <a16:creationId xmlns:a16="http://schemas.microsoft.com/office/drawing/2014/main" id="{74D55D4F-3896-4DF5-B415-0F2372E699A8}"/>
               </a:ext>
             </a:extLst>
           </p:cNvPr>
           <p:cNvPicPr>
-            <a:picLocks noGrp="1" noChangeAspect="1"/>
+            <a:picLocks noChangeAspect="1"/>
           </p:cNvPicPr>
-          <p:nvPr>
-            <p:ph idx="15"/>
-          </p:nvPr>
+          <p:nvPr/>
         </p:nvPicPr>
         <p:blipFill>
           <a:blip r:embed="rId2"/>
@@ -16082,17 +16171,20 @@
         </p:blipFill>
         <p:spPr>
           <a:xfrm>
-            <a:off x="5783810" y="1762125"/>
-            <a:ext cx="1907080" cy="4687888"/>
+            <a:off x="5921571" y="1428003"/>
+            <a:ext cx="1879400" cy="4831714"/>
           </a:xfrm>
+          <a:prstGeom prst="rect">
+            <a:avLst/>
+          </a:prstGeom>
         </p:spPr>
       </p:pic>
       <p:sp>
         <p:nvSpPr>
-          <p:cNvPr id="3" name="Foliennummernplatzhalter 2">
+          <p:cNvPr id="10" name="Inhaltsplatzhalter 9">
             <a:extLst>
               <a:ext uri="{FF2B5EF4-FFF2-40B4-BE49-F238E27FC236}">
-                <a16:creationId xmlns:a16="http://schemas.microsoft.com/office/drawing/2014/main" id="{78C38F1D-943A-419F-A6E0-D18F3CB8451A}"/>
+                <a16:creationId xmlns:a16="http://schemas.microsoft.com/office/drawing/2014/main" id="{3FF50593-7736-4855-8CA4-92901D752AF8}"/>
               </a:ext>
             </a:extLst>
           </p:cNvPr>
@@ -16100,7 +16192,7 @@
             <a:spLocks noGrp="1"/>
           </p:cNvSpPr>
           <p:nvPr>
-            <p:ph type="sldNum" sz="quarter" idx="16"/>
+            <p:ph idx="15"/>
           </p:nvPr>
         </p:nvSpPr>
         <p:spPr/>
@@ -16108,73 +16200,7 @@
           <a:bodyPr/>
           <a:lstStyle/>
           <a:p>
-            <a:fld id="{CE58CB1E-F828-4F11-99E0-327109AF9DA4}" type="slidenum">
-              <a:rPr lang="de-DE" smtClean="0"/>
-              <a:pPr/>
-              <a:t>7</a:t>
-            </a:fld>
             <a:endParaRPr lang="de-DE" dirty="0"/>
-          </a:p>
-        </p:txBody>
-      </p:sp>
-      <p:sp>
-        <p:nvSpPr>
-          <p:cNvPr id="4" name="Fußzeilenplatzhalter 3">
-            <a:extLst>
-              <a:ext uri="{FF2B5EF4-FFF2-40B4-BE49-F238E27FC236}">
-                <a16:creationId xmlns:a16="http://schemas.microsoft.com/office/drawing/2014/main" id="{76953924-FAB8-4268-8EE9-4D1C1A827178}"/>
-              </a:ext>
-            </a:extLst>
-          </p:cNvPr>
-          <p:cNvSpPr>
-            <a:spLocks noGrp="1"/>
-          </p:cNvSpPr>
-          <p:nvPr>
-            <p:ph type="ftr" sz="quarter" idx="17"/>
-          </p:nvPr>
-        </p:nvSpPr>
-        <p:spPr/>
-        <p:txBody>
-          <a:bodyPr/>
-          <a:lstStyle/>
-          <a:p>
-            <a:r>
-              <a:rPr lang="de-DE"/>
-              <a:t>Dr. rer. nat. Erika Mustermann (TUM) | kann beliebig erweitert werden | Infos mit Strich trennen</a:t>
-            </a:r>
-            <a:endParaRPr lang="en-US" dirty="0"/>
-          </a:p>
-        </p:txBody>
-      </p:sp>
-      <p:sp>
-        <p:nvSpPr>
-          <p:cNvPr id="5" name="Titel 4">
-            <a:extLst>
-              <a:ext uri="{FF2B5EF4-FFF2-40B4-BE49-F238E27FC236}">
-                <a16:creationId xmlns:a16="http://schemas.microsoft.com/office/drawing/2014/main" id="{1B8E4F84-A7E1-4260-B93F-2BE334470B32}"/>
-              </a:ext>
-            </a:extLst>
-          </p:cNvPr>
-          <p:cNvSpPr>
-            <a:spLocks noGrp="1"/>
-          </p:cNvSpPr>
-          <p:nvPr>
-            <p:ph type="title"/>
-          </p:nvPr>
-        </p:nvSpPr>
-        <p:spPr/>
-        <p:txBody>
-          <a:bodyPr/>
-          <a:lstStyle/>
-          <a:p>
-            <a:r>
-              <a:rPr lang="de-DE" dirty="0" err="1"/>
-              <a:t>Usr</a:t>
-            </a:r>
-            <a:r>
-              <a:rPr lang="de-DE" dirty="0"/>
-              <a:t> &amp; Player &amp; Dealer</a:t>
-            </a:r>
           </a:p>
         </p:txBody>
       </p:sp>
@@ -16235,7 +16261,7 @@
             </a:pPr>
             <a:r>
               <a:rPr lang="de-DE" dirty="0"/>
-              <a:t>Dealer hat das Deck</a:t>
+              <a:t>Dealer hat das Deck und eigene Hand</a:t>
             </a:r>
           </a:p>
           <a:p>
@@ -16246,6 +16272,16 @@
             <a:r>
               <a:rPr lang="de-DE" dirty="0"/>
               <a:t>Unterschiede zur Player Klasse</a:t>
+            </a:r>
+          </a:p>
+          <a:p>
+            <a:pPr marL="285750" indent="-285750">
+              <a:buFont typeface="Arial" panose="020B0604020202020204" pitchFamily="34" charset="0"/>
+              <a:buChar char="•"/>
+            </a:pPr>
+            <a:r>
+              <a:rPr lang="de-DE" dirty="0"/>
+              <a:t>Funktionalität: Karten austeilen und Insurance evaluieren</a:t>
             </a:r>
           </a:p>
           <a:p>

--- a/presentation/Präsentation.pptx
+++ b/presentation/Präsentation.pptx
@@ -10,43 +10,21 @@
     <p:sldMasterId id="2147483697" r:id="rId6"/>
   </p:sldMasterIdLst>
   <p:notesMasterIdLst>
-    <p:notesMasterId r:id="rId38"/>
+    <p:notesMasterId r:id="rId16"/>
   </p:notesMasterIdLst>
   <p:handoutMasterIdLst>
-    <p:handoutMasterId r:id="rId39"/>
+    <p:handoutMasterId r:id="rId17"/>
   </p:handoutMasterIdLst>
   <p:sldIdLst>
-    <p:sldId id="355" r:id="rId7"/>
-    <p:sldId id="357" r:id="rId8"/>
-    <p:sldId id="356" r:id="rId9"/>
-    <p:sldId id="406" r:id="rId10"/>
-    <p:sldId id="404" r:id="rId11"/>
-    <p:sldId id="400" r:id="rId12"/>
-    <p:sldId id="401" r:id="rId13"/>
-    <p:sldId id="407" r:id="rId14"/>
-    <p:sldId id="402" r:id="rId15"/>
-    <p:sldId id="403" r:id="rId16"/>
-    <p:sldId id="398" r:id="rId17"/>
-    <p:sldId id="405" r:id="rId18"/>
-    <p:sldId id="369" r:id="rId19"/>
-    <p:sldId id="370" r:id="rId20"/>
-    <p:sldId id="392" r:id="rId21"/>
-    <p:sldId id="371" r:id="rId22"/>
-    <p:sldId id="372" r:id="rId23"/>
-    <p:sldId id="373" r:id="rId24"/>
-    <p:sldId id="394" r:id="rId25"/>
-    <p:sldId id="375" r:id="rId26"/>
-    <p:sldId id="376" r:id="rId27"/>
-    <p:sldId id="393" r:id="rId28"/>
-    <p:sldId id="391" r:id="rId29"/>
-    <p:sldId id="390" r:id="rId30"/>
-    <p:sldId id="378" r:id="rId31"/>
-    <p:sldId id="377" r:id="rId32"/>
-    <p:sldId id="389" r:id="rId33"/>
-    <p:sldId id="379" r:id="rId34"/>
-    <p:sldId id="395" r:id="rId35"/>
-    <p:sldId id="380" r:id="rId36"/>
-    <p:sldId id="381" r:id="rId37"/>
+    <p:sldId id="406" r:id="rId7"/>
+    <p:sldId id="404" r:id="rId8"/>
+    <p:sldId id="400" r:id="rId9"/>
+    <p:sldId id="401" r:id="rId10"/>
+    <p:sldId id="407" r:id="rId11"/>
+    <p:sldId id="402" r:id="rId12"/>
+    <p:sldId id="403" r:id="rId13"/>
+    <p:sldId id="398" r:id="rId14"/>
+    <p:sldId id="405" r:id="rId15"/>
   </p:sldIdLst>
   <p:sldSz cx="9144000" cy="6858000" type="screen4x3"/>
   <p:notesSz cx="9925050" cy="6665913"/>
@@ -208,744 +186,6 @@
 </p:presentation>
 </file>
 
-<file path=ppt/charts/chart1.xml><?xml version="1.0" encoding="utf-8"?>
-<c:chartSpace xmlns:c="http://schemas.openxmlformats.org/drawingml/2006/chart" xmlns:a="http://schemas.openxmlformats.org/drawingml/2006/main" xmlns:r="http://schemas.openxmlformats.org/officeDocument/2006/relationships" xmlns:c16r2="http://schemas.microsoft.com/office/drawing/2015/06/chart">
-  <c:date1904 val="0"/>
-  <c:lang val="de-DE"/>
-  <c:roundedCorners val="0"/>
-  <mc:AlternateContent xmlns:mc="http://schemas.openxmlformats.org/markup-compatibility/2006">
-    <mc:Choice xmlns:c14="http://schemas.microsoft.com/office/drawing/2007/8/2/chart" Requires="c14">
-      <c14:style val="102"/>
-    </mc:Choice>
-    <mc:Fallback>
-      <c:style val="2"/>
-    </mc:Fallback>
-  </mc:AlternateContent>
-  <c:chart>
-    <c:autoTitleDeleted val="0"/>
-    <c:plotArea>
-      <c:layout>
-        <c:manualLayout>
-          <c:layoutTarget val="inner"/>
-          <c:xMode val="edge"/>
-          <c:yMode val="edge"/>
-          <c:x val="0.16284448490622305"/>
-          <c:y val="2.9692476916371611E-3"/>
-          <c:w val="0.4620606955380589"/>
-          <c:h val="0.84285219742549367"/>
-        </c:manualLayout>
-      </c:layout>
-      <c:barChart>
-        <c:barDir val="bar"/>
-        <c:grouping val="clustered"/>
-        <c:varyColors val="0"/>
-        <c:ser>
-          <c:idx val="0"/>
-          <c:order val="0"/>
-          <c:tx>
-            <c:strRef>
-              <c:f>Tabelle1!$B$1</c:f>
-              <c:strCache>
-                <c:ptCount val="1"/>
-                <c:pt idx="0">
-                  <c:v>Datenreihe 1</c:v>
-                </c:pt>
-              </c:strCache>
-            </c:strRef>
-          </c:tx>
-          <c:invertIfNegative val="0"/>
-          <c:cat>
-            <c:strRef>
-              <c:f>Tabelle1!$A$2:$A$5</c:f>
-              <c:strCache>
-                <c:ptCount val="4"/>
-                <c:pt idx="0">
-                  <c:v>Kategorie 1</c:v>
-                </c:pt>
-                <c:pt idx="1">
-                  <c:v>Kategorie 2</c:v>
-                </c:pt>
-                <c:pt idx="2">
-                  <c:v>Kategorie 3</c:v>
-                </c:pt>
-                <c:pt idx="3">
-                  <c:v>Kategorie 4</c:v>
-                </c:pt>
-              </c:strCache>
-            </c:strRef>
-          </c:cat>
-          <c:val>
-            <c:numRef>
-              <c:f>Tabelle1!$B$2:$B$5</c:f>
-              <c:numCache>
-                <c:formatCode>General</c:formatCode>
-                <c:ptCount val="4"/>
-                <c:pt idx="0">
-                  <c:v>4.3</c:v>
-                </c:pt>
-                <c:pt idx="1">
-                  <c:v>2.5</c:v>
-                </c:pt>
-                <c:pt idx="2">
-                  <c:v>3.5</c:v>
-                </c:pt>
-                <c:pt idx="3">
-                  <c:v>4.5</c:v>
-                </c:pt>
-              </c:numCache>
-            </c:numRef>
-          </c:val>
-          <c:extLst>
-            <c:ext xmlns:c16="http://schemas.microsoft.com/office/drawing/2014/chart" uri="{C3380CC4-5D6E-409C-BE32-E72D297353CC}">
-              <c16:uniqueId val="{00000000-4442-C244-89D2-262F246194FE}"/>
-            </c:ext>
-          </c:extLst>
-        </c:ser>
-        <c:ser>
-          <c:idx val="1"/>
-          <c:order val="1"/>
-          <c:tx>
-            <c:strRef>
-              <c:f>Tabelle1!$C$1</c:f>
-              <c:strCache>
-                <c:ptCount val="1"/>
-                <c:pt idx="0">
-                  <c:v>Datenreihe 2</c:v>
-                </c:pt>
-              </c:strCache>
-            </c:strRef>
-          </c:tx>
-          <c:invertIfNegative val="0"/>
-          <c:cat>
-            <c:strRef>
-              <c:f>Tabelle1!$A$2:$A$5</c:f>
-              <c:strCache>
-                <c:ptCount val="4"/>
-                <c:pt idx="0">
-                  <c:v>Kategorie 1</c:v>
-                </c:pt>
-                <c:pt idx="1">
-                  <c:v>Kategorie 2</c:v>
-                </c:pt>
-                <c:pt idx="2">
-                  <c:v>Kategorie 3</c:v>
-                </c:pt>
-                <c:pt idx="3">
-                  <c:v>Kategorie 4</c:v>
-                </c:pt>
-              </c:strCache>
-            </c:strRef>
-          </c:cat>
-          <c:val>
-            <c:numRef>
-              <c:f>Tabelle1!$C$2:$C$5</c:f>
-              <c:numCache>
-                <c:formatCode>General</c:formatCode>
-                <c:ptCount val="4"/>
-                <c:pt idx="0">
-                  <c:v>2.4</c:v>
-                </c:pt>
-                <c:pt idx="1">
-                  <c:v>4.4000000000000004</c:v>
-                </c:pt>
-                <c:pt idx="2">
-                  <c:v>1.8</c:v>
-                </c:pt>
-                <c:pt idx="3">
-                  <c:v>2.8</c:v>
-                </c:pt>
-              </c:numCache>
-            </c:numRef>
-          </c:val>
-          <c:extLst>
-            <c:ext xmlns:c16="http://schemas.microsoft.com/office/drawing/2014/chart" uri="{C3380CC4-5D6E-409C-BE32-E72D297353CC}">
-              <c16:uniqueId val="{00000001-4442-C244-89D2-262F246194FE}"/>
-            </c:ext>
-          </c:extLst>
-        </c:ser>
-        <c:ser>
-          <c:idx val="2"/>
-          <c:order val="2"/>
-          <c:tx>
-            <c:strRef>
-              <c:f>Tabelle1!$D$1</c:f>
-              <c:strCache>
-                <c:ptCount val="1"/>
-                <c:pt idx="0">
-                  <c:v>Datenreihe 3</c:v>
-                </c:pt>
-              </c:strCache>
-            </c:strRef>
-          </c:tx>
-          <c:invertIfNegative val="0"/>
-          <c:cat>
-            <c:strRef>
-              <c:f>Tabelle1!$A$2:$A$5</c:f>
-              <c:strCache>
-                <c:ptCount val="4"/>
-                <c:pt idx="0">
-                  <c:v>Kategorie 1</c:v>
-                </c:pt>
-                <c:pt idx="1">
-                  <c:v>Kategorie 2</c:v>
-                </c:pt>
-                <c:pt idx="2">
-                  <c:v>Kategorie 3</c:v>
-                </c:pt>
-                <c:pt idx="3">
-                  <c:v>Kategorie 4</c:v>
-                </c:pt>
-              </c:strCache>
-            </c:strRef>
-          </c:cat>
-          <c:val>
-            <c:numRef>
-              <c:f>Tabelle1!$D$2:$D$5</c:f>
-              <c:numCache>
-                <c:formatCode>General</c:formatCode>
-                <c:ptCount val="4"/>
-                <c:pt idx="0">
-                  <c:v>2</c:v>
-                </c:pt>
-                <c:pt idx="1">
-                  <c:v>2</c:v>
-                </c:pt>
-                <c:pt idx="2">
-                  <c:v>3</c:v>
-                </c:pt>
-                <c:pt idx="3">
-                  <c:v>5</c:v>
-                </c:pt>
-              </c:numCache>
-            </c:numRef>
-          </c:val>
-          <c:extLst>
-            <c:ext xmlns:c16="http://schemas.microsoft.com/office/drawing/2014/chart" uri="{C3380CC4-5D6E-409C-BE32-E72D297353CC}">
-              <c16:uniqueId val="{00000002-4442-C244-89D2-262F246194FE}"/>
-            </c:ext>
-          </c:extLst>
-        </c:ser>
-        <c:dLbls>
-          <c:showLegendKey val="0"/>
-          <c:showVal val="0"/>
-          <c:showCatName val="0"/>
-          <c:showSerName val="0"/>
-          <c:showPercent val="0"/>
-          <c:showBubbleSize val="0"/>
-        </c:dLbls>
-        <c:gapWidth val="150"/>
-        <c:axId val="49980160"/>
-        <c:axId val="49981696"/>
-      </c:barChart>
-      <c:catAx>
-        <c:axId val="49980160"/>
-        <c:scaling>
-          <c:orientation val="maxMin"/>
-        </c:scaling>
-        <c:delete val="0"/>
-        <c:axPos val="l"/>
-        <c:numFmt formatCode="General" sourceLinked="0"/>
-        <c:majorTickMark val="out"/>
-        <c:minorTickMark val="none"/>
-        <c:tickLblPos val="nextTo"/>
-        <c:spPr>
-          <a:ln>
-            <a:noFill/>
-          </a:ln>
-        </c:spPr>
-        <c:crossAx val="49981696"/>
-        <c:crosses val="autoZero"/>
-        <c:auto val="1"/>
-        <c:lblAlgn val="ctr"/>
-        <c:lblOffset val="100"/>
-        <c:noMultiLvlLbl val="0"/>
-      </c:catAx>
-      <c:valAx>
-        <c:axId val="49981696"/>
-        <c:scaling>
-          <c:orientation val="minMax"/>
-        </c:scaling>
-        <c:delete val="1"/>
-        <c:axPos val="t"/>
-        <c:numFmt formatCode="General" sourceLinked="1"/>
-        <c:majorTickMark val="out"/>
-        <c:minorTickMark val="none"/>
-        <c:tickLblPos val="none"/>
-        <c:crossAx val="49980160"/>
-        <c:crosses val="autoZero"/>
-        <c:crossBetween val="between"/>
-      </c:valAx>
-      <c:spPr>
-        <a:noFill/>
-        <a:ln w="25400">
-          <a:noFill/>
-        </a:ln>
-      </c:spPr>
-    </c:plotArea>
-    <c:legend>
-      <c:legendPos val="r"/>
-      <c:layout>
-        <c:manualLayout>
-          <c:xMode val="edge"/>
-          <c:yMode val="edge"/>
-          <c:x val="0.12911754177788201"/>
-          <c:y val="0.88845197256189412"/>
-          <c:w val="0.63252645439265498"/>
-          <c:h val="4.7614212345838999E-2"/>
-        </c:manualLayout>
-      </c:layout>
-      <c:overlay val="0"/>
-    </c:legend>
-    <c:plotVisOnly val="1"/>
-    <c:dispBlanksAs val="gap"/>
-    <c:showDLblsOverMax val="0"/>
-  </c:chart>
-  <c:txPr>
-    <a:bodyPr/>
-    <a:lstStyle/>
-    <a:p>
-      <a:pPr>
-        <a:defRPr sz="1600"/>
-      </a:pPr>
-      <a:endParaRPr lang="de-DE"/>
-    </a:p>
-  </c:txPr>
-  <c:externalData r:id="rId1">
-    <c:autoUpdate val="0"/>
-  </c:externalData>
-</c:chartSpace>
-</file>
-
-<file path=ppt/charts/chart2.xml><?xml version="1.0" encoding="utf-8"?>
-<c:chartSpace xmlns:c="http://schemas.openxmlformats.org/drawingml/2006/chart" xmlns:a="http://schemas.openxmlformats.org/drawingml/2006/main" xmlns:r="http://schemas.openxmlformats.org/officeDocument/2006/relationships" xmlns:c16r2="http://schemas.microsoft.com/office/drawing/2015/06/chart">
-  <c:date1904 val="0"/>
-  <c:lang val="de-DE"/>
-  <c:roundedCorners val="0"/>
-  <mc:AlternateContent xmlns:mc="http://schemas.openxmlformats.org/markup-compatibility/2006">
-    <mc:Choice xmlns:c14="http://schemas.microsoft.com/office/drawing/2007/8/2/chart" Requires="c14">
-      <c14:style val="102"/>
-    </mc:Choice>
-    <mc:Fallback>
-      <c:style val="2"/>
-    </mc:Fallback>
-  </mc:AlternateContent>
-  <c:chart>
-    <c:autoTitleDeleted val="1"/>
-    <c:plotArea>
-      <c:layout/>
-      <c:barChart>
-        <c:barDir val="col"/>
-        <c:grouping val="clustered"/>
-        <c:varyColors val="0"/>
-        <c:ser>
-          <c:idx val="0"/>
-          <c:order val="0"/>
-          <c:tx>
-            <c:strRef>
-              <c:f>Tabelle1!$B$1</c:f>
-              <c:strCache>
-                <c:ptCount val="1"/>
-                <c:pt idx="0">
-                  <c:v>Datenreihe 1</c:v>
-                </c:pt>
-              </c:strCache>
-            </c:strRef>
-          </c:tx>
-          <c:spPr>
-            <a:solidFill>
-              <a:schemeClr val="accent1"/>
-            </a:solidFill>
-            <a:ln>
-              <a:noFill/>
-            </a:ln>
-            <a:effectLst/>
-          </c:spPr>
-          <c:invertIfNegative val="0"/>
-          <c:cat>
-            <c:strRef>
-              <c:f>Tabelle1!$A$2:$A$5</c:f>
-              <c:strCache>
-                <c:ptCount val="4"/>
-                <c:pt idx="0">
-                  <c:v>Kategorie 1</c:v>
-                </c:pt>
-                <c:pt idx="1">
-                  <c:v>Kategorie 2</c:v>
-                </c:pt>
-                <c:pt idx="2">
-                  <c:v>Kategorie 3</c:v>
-                </c:pt>
-                <c:pt idx="3">
-                  <c:v>Kategorie 4</c:v>
-                </c:pt>
-              </c:strCache>
-            </c:strRef>
-          </c:cat>
-          <c:val>
-            <c:numRef>
-              <c:f>Tabelle1!$B$2:$B$5</c:f>
-              <c:numCache>
-                <c:formatCode>General</c:formatCode>
-                <c:ptCount val="4"/>
-                <c:pt idx="0">
-                  <c:v>4.3</c:v>
-                </c:pt>
-                <c:pt idx="1">
-                  <c:v>2.5</c:v>
-                </c:pt>
-                <c:pt idx="2">
-                  <c:v>3.5</c:v>
-                </c:pt>
-                <c:pt idx="3">
-                  <c:v>4.5</c:v>
-                </c:pt>
-              </c:numCache>
-            </c:numRef>
-          </c:val>
-          <c:extLst>
-            <c:ext xmlns:c16="http://schemas.microsoft.com/office/drawing/2014/chart" uri="{C3380CC4-5D6E-409C-BE32-E72D297353CC}">
-              <c16:uniqueId val="{00000000-864A-BE4E-BE37-093C989B9D1D}"/>
-            </c:ext>
-          </c:extLst>
-        </c:ser>
-        <c:ser>
-          <c:idx val="1"/>
-          <c:order val="1"/>
-          <c:tx>
-            <c:strRef>
-              <c:f>Tabelle1!$C$1</c:f>
-              <c:strCache>
-                <c:ptCount val="1"/>
-                <c:pt idx="0">
-                  <c:v>Datenreihe 2</c:v>
-                </c:pt>
-              </c:strCache>
-            </c:strRef>
-          </c:tx>
-          <c:spPr>
-            <a:solidFill>
-              <a:schemeClr val="accent2"/>
-            </a:solidFill>
-            <a:ln>
-              <a:noFill/>
-            </a:ln>
-            <a:effectLst/>
-          </c:spPr>
-          <c:invertIfNegative val="0"/>
-          <c:cat>
-            <c:strRef>
-              <c:f>Tabelle1!$A$2:$A$5</c:f>
-              <c:strCache>
-                <c:ptCount val="4"/>
-                <c:pt idx="0">
-                  <c:v>Kategorie 1</c:v>
-                </c:pt>
-                <c:pt idx="1">
-                  <c:v>Kategorie 2</c:v>
-                </c:pt>
-                <c:pt idx="2">
-                  <c:v>Kategorie 3</c:v>
-                </c:pt>
-                <c:pt idx="3">
-                  <c:v>Kategorie 4</c:v>
-                </c:pt>
-              </c:strCache>
-            </c:strRef>
-          </c:cat>
-          <c:val>
-            <c:numRef>
-              <c:f>Tabelle1!$C$2:$C$5</c:f>
-              <c:numCache>
-                <c:formatCode>General</c:formatCode>
-                <c:ptCount val="4"/>
-                <c:pt idx="0">
-                  <c:v>2.4</c:v>
-                </c:pt>
-                <c:pt idx="1">
-                  <c:v>4.4000000000000004</c:v>
-                </c:pt>
-                <c:pt idx="2">
-                  <c:v>1.8</c:v>
-                </c:pt>
-                <c:pt idx="3">
-                  <c:v>2.8</c:v>
-                </c:pt>
-              </c:numCache>
-            </c:numRef>
-          </c:val>
-          <c:extLst>
-            <c:ext xmlns:c16="http://schemas.microsoft.com/office/drawing/2014/chart" uri="{C3380CC4-5D6E-409C-BE32-E72D297353CC}">
-              <c16:uniqueId val="{00000001-864A-BE4E-BE37-093C989B9D1D}"/>
-            </c:ext>
-          </c:extLst>
-        </c:ser>
-        <c:ser>
-          <c:idx val="2"/>
-          <c:order val="2"/>
-          <c:tx>
-            <c:strRef>
-              <c:f>Tabelle1!$D$1</c:f>
-              <c:strCache>
-                <c:ptCount val="1"/>
-                <c:pt idx="0">
-                  <c:v>Datenreihe 3</c:v>
-                </c:pt>
-              </c:strCache>
-            </c:strRef>
-          </c:tx>
-          <c:spPr>
-            <a:solidFill>
-              <a:schemeClr val="accent3"/>
-            </a:solidFill>
-            <a:ln>
-              <a:noFill/>
-            </a:ln>
-            <a:effectLst/>
-          </c:spPr>
-          <c:invertIfNegative val="0"/>
-          <c:cat>
-            <c:strRef>
-              <c:f>Tabelle1!$A$2:$A$5</c:f>
-              <c:strCache>
-                <c:ptCount val="4"/>
-                <c:pt idx="0">
-                  <c:v>Kategorie 1</c:v>
-                </c:pt>
-                <c:pt idx="1">
-                  <c:v>Kategorie 2</c:v>
-                </c:pt>
-                <c:pt idx="2">
-                  <c:v>Kategorie 3</c:v>
-                </c:pt>
-                <c:pt idx="3">
-                  <c:v>Kategorie 4</c:v>
-                </c:pt>
-              </c:strCache>
-            </c:strRef>
-          </c:cat>
-          <c:val>
-            <c:numRef>
-              <c:f>Tabelle1!$D$2:$D$5</c:f>
-              <c:numCache>
-                <c:formatCode>General</c:formatCode>
-                <c:ptCount val="4"/>
-                <c:pt idx="0">
-                  <c:v>2</c:v>
-                </c:pt>
-                <c:pt idx="1">
-                  <c:v>2</c:v>
-                </c:pt>
-                <c:pt idx="2">
-                  <c:v>3</c:v>
-                </c:pt>
-                <c:pt idx="3">
-                  <c:v>5</c:v>
-                </c:pt>
-              </c:numCache>
-            </c:numRef>
-          </c:val>
-          <c:extLst>
-            <c:ext xmlns:c16="http://schemas.microsoft.com/office/drawing/2014/chart" uri="{C3380CC4-5D6E-409C-BE32-E72D297353CC}">
-              <c16:uniqueId val="{00000002-864A-BE4E-BE37-093C989B9D1D}"/>
-            </c:ext>
-          </c:extLst>
-        </c:ser>
-        <c:dLbls>
-          <c:showLegendKey val="0"/>
-          <c:showVal val="0"/>
-          <c:showCatName val="0"/>
-          <c:showSerName val="0"/>
-          <c:showPercent val="0"/>
-          <c:showBubbleSize val="0"/>
-        </c:dLbls>
-        <c:gapWidth val="219"/>
-        <c:overlap val="-27"/>
-        <c:axId val="50529792"/>
-        <c:axId val="50531328"/>
-      </c:barChart>
-      <c:catAx>
-        <c:axId val="50529792"/>
-        <c:scaling>
-          <c:orientation val="minMax"/>
-        </c:scaling>
-        <c:delete val="0"/>
-        <c:axPos val="b"/>
-        <c:numFmt formatCode="General" sourceLinked="1"/>
-        <c:majorTickMark val="none"/>
-        <c:minorTickMark val="none"/>
-        <c:tickLblPos val="nextTo"/>
-        <c:spPr>
-          <a:noFill/>
-          <a:ln w="9525" cap="flat" cmpd="sng" algn="ctr">
-            <a:solidFill>
-              <a:schemeClr val="tx1">
-                <a:lumMod val="15000"/>
-                <a:lumOff val="85000"/>
-              </a:schemeClr>
-            </a:solidFill>
-            <a:round/>
-          </a:ln>
-          <a:effectLst/>
-        </c:spPr>
-        <c:txPr>
-          <a:bodyPr rot="-60000000" spcFirstLastPara="1" vertOverflow="ellipsis" vert="horz" wrap="square" anchor="ctr" anchorCtr="1"/>
-          <a:lstStyle/>
-          <a:p>
-            <a:pPr>
-              <a:defRPr sz="1400" b="0" i="0" u="none" strike="noStrike" kern="1200" baseline="0">
-                <a:solidFill>
-                  <a:schemeClr val="tx1">
-                    <a:lumMod val="65000"/>
-                    <a:lumOff val="35000"/>
-                  </a:schemeClr>
-                </a:solidFill>
-                <a:latin typeface="+mn-lt"/>
-                <a:ea typeface="+mn-ea"/>
-                <a:cs typeface="+mn-cs"/>
-              </a:defRPr>
-            </a:pPr>
-            <a:endParaRPr lang="de-DE"/>
-          </a:p>
-        </c:txPr>
-        <c:crossAx val="50531328"/>
-        <c:crosses val="autoZero"/>
-        <c:auto val="1"/>
-        <c:lblAlgn val="ctr"/>
-        <c:lblOffset val="100"/>
-        <c:noMultiLvlLbl val="0"/>
-      </c:catAx>
-      <c:valAx>
-        <c:axId val="50531328"/>
-        <c:scaling>
-          <c:orientation val="minMax"/>
-        </c:scaling>
-        <c:delete val="0"/>
-        <c:axPos val="l"/>
-        <c:majorGridlines>
-          <c:spPr>
-            <a:ln w="9525" cap="flat" cmpd="sng" algn="ctr">
-              <a:solidFill>
-                <a:schemeClr val="tx1">
-                  <a:lumMod val="15000"/>
-                  <a:lumOff val="85000"/>
-                </a:schemeClr>
-              </a:solidFill>
-              <a:round/>
-            </a:ln>
-            <a:effectLst/>
-          </c:spPr>
-        </c:majorGridlines>
-        <c:numFmt formatCode="General" sourceLinked="1"/>
-        <c:majorTickMark val="none"/>
-        <c:minorTickMark val="none"/>
-        <c:tickLblPos val="nextTo"/>
-        <c:spPr>
-          <a:noFill/>
-          <a:ln>
-            <a:noFill/>
-          </a:ln>
-          <a:effectLst/>
-        </c:spPr>
-        <c:txPr>
-          <a:bodyPr rot="-60000000" spcFirstLastPara="1" vertOverflow="ellipsis" vert="horz" wrap="square" anchor="ctr" anchorCtr="1"/>
-          <a:lstStyle/>
-          <a:p>
-            <a:pPr>
-              <a:defRPr sz="1197" b="0" i="0" u="none" strike="noStrike" kern="1200" baseline="0">
-                <a:solidFill>
-                  <a:schemeClr val="tx1">
-                    <a:lumMod val="65000"/>
-                    <a:lumOff val="35000"/>
-                  </a:schemeClr>
-                </a:solidFill>
-                <a:latin typeface="+mn-lt"/>
-                <a:ea typeface="+mn-ea"/>
-                <a:cs typeface="+mn-cs"/>
-              </a:defRPr>
-            </a:pPr>
-            <a:endParaRPr lang="de-DE"/>
-          </a:p>
-        </c:txPr>
-        <c:crossAx val="50529792"/>
-        <c:crosses val="autoZero"/>
-        <c:crossBetween val="between"/>
-      </c:valAx>
-      <c:spPr>
-        <a:noFill/>
-        <a:ln>
-          <a:noFill/>
-        </a:ln>
-        <a:effectLst/>
-      </c:spPr>
-    </c:plotArea>
-    <c:legend>
-      <c:legendPos val="b"/>
-      <c:layout>
-        <c:manualLayout>
-          <c:xMode val="edge"/>
-          <c:yMode val="edge"/>
-          <c:x val="0.28357421553649131"/>
-          <c:y val="0.94919412095734657"/>
-          <c:w val="0.43285156892702098"/>
-          <c:h val="5.0805879042652886E-2"/>
-        </c:manualLayout>
-      </c:layout>
-      <c:overlay val="0"/>
-      <c:spPr>
-        <a:noFill/>
-        <a:ln>
-          <a:noFill/>
-        </a:ln>
-        <a:effectLst/>
-      </c:spPr>
-      <c:txPr>
-        <a:bodyPr rot="0" spcFirstLastPara="1" vertOverflow="ellipsis" vert="horz" wrap="square" anchor="ctr" anchorCtr="1"/>
-        <a:lstStyle/>
-        <a:p>
-          <a:pPr>
-            <a:defRPr sz="1400" b="0" i="0" u="none" strike="noStrike" kern="1200" baseline="0">
-              <a:solidFill>
-                <a:schemeClr val="tx1">
-                  <a:lumMod val="65000"/>
-                  <a:lumOff val="35000"/>
-                </a:schemeClr>
-              </a:solidFill>
-              <a:latin typeface="+mn-lt"/>
-              <a:ea typeface="+mn-ea"/>
-              <a:cs typeface="+mn-cs"/>
-            </a:defRPr>
-          </a:pPr>
-          <a:endParaRPr lang="de-DE"/>
-        </a:p>
-      </c:txPr>
-    </c:legend>
-    <c:plotVisOnly val="1"/>
-    <c:dispBlanksAs val="gap"/>
-    <c:showDLblsOverMax val="0"/>
-  </c:chart>
-  <c:spPr>
-    <a:noFill/>
-    <a:ln>
-      <a:noFill/>
-    </a:ln>
-    <a:effectLst/>
-  </c:spPr>
-  <c:txPr>
-    <a:bodyPr/>
-    <a:lstStyle/>
-    <a:p>
-      <a:pPr>
-        <a:defRPr/>
-      </a:pPr>
-      <a:endParaRPr lang="de-DE"/>
-    </a:p>
-  </c:txPr>
-  <c:externalData r:id="rId1">
-    <c:autoUpdate val="0"/>
-  </c:externalData>
-</c:chartSpace>
-</file>
-
 <file path=ppt/handoutMasters/handoutMaster1.xml><?xml version="1.0" encoding="utf-8"?>
 <p:handoutMaster xmlns:a="http://schemas.openxmlformats.org/drawingml/2006/main" xmlns:r="http://schemas.openxmlformats.org/officeDocument/2006/relationships" xmlns:p="http://schemas.openxmlformats.org/presentationml/2006/main">
   <p:cSld>
@@ -1055,7 +295,7 @@
               <a:pPr>
                 <a:defRPr/>
               </a:pPr>
-              <a:t>12/08/2019</a:t>
+              <a:t>14/08/2019</a:t>
             </a:fld>
             <a:endParaRPr lang="en-GB" dirty="0"/>
           </a:p>
@@ -1148,7 +388,7 @@
               <a:pPr>
                 <a:defRPr/>
               </a:pPr>
-              <a:t>‹Nr.›</a:t>
+              <a:t>‹#›</a:t>
             </a:fld>
             <a:endParaRPr lang="en-GB"/>
           </a:p>
@@ -1274,7 +514,7 @@
               <a:pPr>
                 <a:defRPr/>
               </a:pPr>
-              <a:t>12/08/2019</a:t>
+              <a:t>14/08/2019</a:t>
             </a:fld>
             <a:endParaRPr lang="en-GB"/>
           </a:p>
@@ -1466,7 +706,7 @@
               <a:pPr>
                 <a:defRPr/>
               </a:pPr>
-              <a:t>‹Nr.›</a:t>
+              <a:t>‹#›</a:t>
             </a:fld>
             <a:endParaRPr lang="en-GB"/>
           </a:p>
@@ -1613,93 +853,6 @@
 </p:notesMaster>
 </file>
 
-<file path=ppt/notesSlides/notesSlide1.xml><?xml version="1.0" encoding="utf-8"?>
-<p:notes xmlns:a="http://schemas.openxmlformats.org/drawingml/2006/main" xmlns:r="http://schemas.openxmlformats.org/officeDocument/2006/relationships" xmlns:p="http://schemas.openxmlformats.org/presentationml/2006/main">
-  <p:cSld>
-    <p:spTree>
-      <p:nvGrpSpPr>
-        <p:cNvPr id="1" name=""/>
-        <p:cNvGrpSpPr/>
-        <p:nvPr/>
-      </p:nvGrpSpPr>
-      <p:grpSpPr>
-        <a:xfrm>
-          <a:off x="0" y="0"/>
-          <a:ext cx="0" cy="0"/>
-          <a:chOff x="0" y="0"/>
-          <a:chExt cx="0" cy="0"/>
-        </a:xfrm>
-      </p:grpSpPr>
-      <p:sp>
-        <p:nvSpPr>
-          <p:cNvPr id="2" name="Folienbildplatzhalter 1"/>
-          <p:cNvSpPr>
-            <a:spLocks noGrp="1" noRot="1" noChangeAspect="1"/>
-          </p:cNvSpPr>
-          <p:nvPr>
-            <p:ph type="sldImg"/>
-          </p:nvPr>
-        </p:nvSpPr>
-        <p:spPr/>
-      </p:sp>
-      <p:sp>
-        <p:nvSpPr>
-          <p:cNvPr id="3" name="Notizenplatzhalter 2"/>
-          <p:cNvSpPr>
-            <a:spLocks noGrp="1"/>
-          </p:cNvSpPr>
-          <p:nvPr>
-            <p:ph type="body" idx="1"/>
-          </p:nvPr>
-        </p:nvSpPr>
-        <p:spPr/>
-        <p:txBody>
-          <a:bodyPr>
-            <a:normAutofit/>
-          </a:bodyPr>
-          <a:lstStyle/>
-          <a:p>
-            <a:endParaRPr lang="de-DE" dirty="0"/>
-          </a:p>
-        </p:txBody>
-      </p:sp>
-      <p:sp>
-        <p:nvSpPr>
-          <p:cNvPr id="4" name="Foliennummernplatzhalter 3"/>
-          <p:cNvSpPr>
-            <a:spLocks noGrp="1"/>
-          </p:cNvSpPr>
-          <p:nvPr>
-            <p:ph type="sldNum" sz="quarter" idx="10"/>
-          </p:nvPr>
-        </p:nvSpPr>
-        <p:spPr/>
-        <p:txBody>
-          <a:bodyPr/>
-          <a:lstStyle/>
-          <a:p>
-            <a:pPr>
-              <a:defRPr/>
-            </a:pPr>
-            <a:fld id="{00AFC6D0-44D5-4EB7-828F-6F464F83D79A}" type="slidenum">
-              <a:rPr lang="en-GB" smtClean="0"/>
-              <a:pPr>
-                <a:defRPr/>
-              </a:pPr>
-              <a:t>1</a:t>
-            </a:fld>
-            <a:endParaRPr lang="en-GB"/>
-          </a:p>
-        </p:txBody>
-      </p:sp>
-    </p:spTree>
-  </p:cSld>
-  <p:clrMapOvr>
-    <a:masterClrMapping/>
-  </p:clrMapOvr>
-</p:notes>
-</file>
-
 <file path=ppt/slideLayouts/slideLayout1.xml><?xml version="1.0" encoding="utf-8"?>
 <p:sldLayout xmlns:a="http://schemas.openxmlformats.org/drawingml/2006/main" xmlns:r="http://schemas.openxmlformats.org/officeDocument/2006/relationships" xmlns:p="http://schemas.openxmlformats.org/presentationml/2006/main" preserve="1" userDrawn="1">
   <p:cSld name="Start">
@@ -1857,7 +1010,7 @@
             <a:fld id="{CE58CB1E-F828-4F11-99E0-327109AF9DA4}" type="slidenum">
               <a:rPr lang="de-DE" smtClean="0"/>
               <a:pPr/>
-              <a:t>‹Nr.›</a:t>
+              <a:t>‹#›</a:t>
             </a:fld>
             <a:endParaRPr lang="de-DE" dirty="0"/>
           </a:p>
@@ -2076,7 +1229,7 @@
             <a:fld id="{CE58CB1E-F828-4F11-99E0-327109AF9DA4}" type="slidenum">
               <a:rPr lang="de-DE" smtClean="0"/>
               <a:pPr/>
-              <a:t>‹Nr.›</a:t>
+              <a:t>‹#›</a:t>
             </a:fld>
             <a:endParaRPr lang="de-DE" dirty="0"/>
           </a:p>
@@ -2421,7 +1574,7 @@
             <a:fld id="{CE58CB1E-F828-4F11-99E0-327109AF9DA4}" type="slidenum">
               <a:rPr lang="de-DE" smtClean="0"/>
               <a:pPr/>
-              <a:t>‹Nr.›</a:t>
+              <a:t>‹#›</a:t>
             </a:fld>
             <a:endParaRPr lang="de-DE" dirty="0"/>
           </a:p>
@@ -2620,7 +1773,7 @@
             <a:fld id="{CE58CB1E-F828-4F11-99E0-327109AF9DA4}" type="slidenum">
               <a:rPr lang="de-DE" smtClean="0"/>
               <a:pPr/>
-              <a:t>‹Nr.›</a:t>
+              <a:t>‹#›</a:t>
             </a:fld>
             <a:endParaRPr lang="de-DE" dirty="0"/>
           </a:p>
@@ -2819,7 +1972,7 @@
             <a:fld id="{CE58CB1E-F828-4F11-99E0-327109AF9DA4}" type="slidenum">
               <a:rPr lang="de-DE" smtClean="0"/>
               <a:pPr/>
-              <a:t>‹Nr.›</a:t>
+              <a:t>‹#›</a:t>
             </a:fld>
             <a:endParaRPr lang="de-DE" dirty="0"/>
           </a:p>
@@ -3140,7 +2293,7 @@
             <a:fld id="{CE58CB1E-F828-4F11-99E0-327109AF9DA4}" type="slidenum">
               <a:rPr lang="de-DE" smtClean="0"/>
               <a:pPr/>
-              <a:t>‹Nr.›</a:t>
+              <a:t>‹#›</a:t>
             </a:fld>
             <a:endParaRPr lang="de-DE" dirty="0"/>
           </a:p>
@@ -3316,7 +2469,7 @@
             <a:fld id="{CE58CB1E-F828-4F11-99E0-327109AF9DA4}" type="slidenum">
               <a:rPr lang="de-DE" smtClean="0"/>
               <a:pPr/>
-              <a:t>‹Nr.›</a:t>
+              <a:t>‹#›</a:t>
             </a:fld>
             <a:endParaRPr lang="de-DE" dirty="0"/>
           </a:p>
@@ -3631,7 +2784,7 @@
             <a:fld id="{CE58CB1E-F828-4F11-99E0-327109AF9DA4}" type="slidenum">
               <a:rPr lang="de-DE" smtClean="0"/>
               <a:pPr/>
-              <a:t>‹Nr.›</a:t>
+              <a:t>‹#›</a:t>
             </a:fld>
             <a:endParaRPr lang="de-DE" dirty="0"/>
           </a:p>
@@ -3903,7 +3056,7 @@
             <a:fld id="{CE58CB1E-F828-4F11-99E0-327109AF9DA4}" type="slidenum">
               <a:rPr lang="de-DE" smtClean="0"/>
               <a:pPr/>
-              <a:t>‹Nr.›</a:t>
+              <a:t>‹#›</a:t>
             </a:fld>
             <a:endParaRPr lang="de-DE" dirty="0"/>
           </a:p>
@@ -4090,7 +3243,7 @@
             <a:fld id="{CE58CB1E-F828-4F11-99E0-327109AF9DA4}" type="slidenum">
               <a:rPr lang="de-DE" smtClean="0"/>
               <a:pPr/>
-              <a:t>‹Nr.›</a:t>
+              <a:t>‹#›</a:t>
             </a:fld>
             <a:endParaRPr lang="de-DE" dirty="0"/>
           </a:p>
@@ -4289,7 +3442,7 @@
             <a:fld id="{CE58CB1E-F828-4F11-99E0-327109AF9DA4}" type="slidenum">
               <a:rPr lang="de-DE" smtClean="0"/>
               <a:pPr/>
-              <a:t>‹Nr.›</a:t>
+              <a:t>‹#›</a:t>
             </a:fld>
             <a:endParaRPr lang="de-DE" dirty="0"/>
           </a:p>
@@ -4490,7 +3643,7 @@
             <a:fld id="{CE58CB1E-F828-4F11-99E0-327109AF9DA4}" type="slidenum">
               <a:rPr lang="de-DE" smtClean="0"/>
               <a:pPr/>
-              <a:t>‹Nr.›</a:t>
+              <a:t>‹#›</a:t>
             </a:fld>
             <a:endParaRPr lang="de-DE" dirty="0"/>
           </a:p>
@@ -4583,7 +3736,7 @@
             <a:fld id="{CE58CB1E-F828-4F11-99E0-327109AF9DA4}" type="slidenum">
               <a:rPr lang="de-DE" smtClean="0"/>
               <a:pPr/>
-              <a:t>‹Nr.›</a:t>
+              <a:t>‹#›</a:t>
             </a:fld>
             <a:endParaRPr lang="de-DE" dirty="0"/>
           </a:p>
@@ -4866,7 +4019,7 @@
             <a:fld id="{CE58CB1E-F828-4F11-99E0-327109AF9DA4}" type="slidenum">
               <a:rPr lang="de-DE" smtClean="0"/>
               <a:pPr/>
-              <a:t>‹Nr.›</a:t>
+              <a:t>‹#›</a:t>
             </a:fld>
             <a:endParaRPr lang="de-DE" dirty="0"/>
           </a:p>
@@ -5065,7 +4218,7 @@
             <a:fld id="{CE58CB1E-F828-4F11-99E0-327109AF9DA4}" type="slidenum">
               <a:rPr lang="de-DE" smtClean="0"/>
               <a:pPr/>
-              <a:t>‹Nr.›</a:t>
+              <a:t>‹#›</a:t>
             </a:fld>
             <a:endParaRPr lang="de-DE" dirty="0"/>
           </a:p>
@@ -5241,7 +4394,7 @@
             <a:fld id="{CE58CB1E-F828-4F11-99E0-327109AF9DA4}" type="slidenum">
               <a:rPr lang="de-DE" smtClean="0"/>
               <a:pPr/>
-              <a:t>‹Nr.›</a:t>
+              <a:t>‹#›</a:t>
             </a:fld>
             <a:endParaRPr lang="de-DE" dirty="0"/>
           </a:p>
@@ -5610,7 +4763,7 @@
             <a:fld id="{CE58CB1E-F828-4F11-99E0-327109AF9DA4}" type="slidenum">
               <a:rPr lang="de-DE" smtClean="0"/>
               <a:pPr/>
-              <a:t>‹Nr.›</a:t>
+              <a:t>‹#›</a:t>
             </a:fld>
             <a:endParaRPr lang="de-DE" dirty="0"/>
           </a:p>
@@ -5809,7 +4962,7 @@
             <a:fld id="{CE58CB1E-F828-4F11-99E0-327109AF9DA4}" type="slidenum">
               <a:rPr lang="de-DE" smtClean="0"/>
               <a:pPr/>
-              <a:t>‹Nr.›</a:t>
+              <a:t>‹#›</a:t>
             </a:fld>
             <a:endParaRPr lang="de-DE" dirty="0"/>
           </a:p>
@@ -6033,7 +5186,7 @@
             <a:fld id="{CE58CB1E-F828-4F11-99E0-327109AF9DA4}" type="slidenum">
               <a:rPr lang="de-DE" smtClean="0"/>
               <a:pPr/>
-              <a:t>‹Nr.›</a:t>
+              <a:t>‹#›</a:t>
             </a:fld>
             <a:endParaRPr lang="de-DE" dirty="0"/>
           </a:p>
@@ -6220,7 +5373,7 @@
             <a:fld id="{CE58CB1E-F828-4F11-99E0-327109AF9DA4}" type="slidenum">
               <a:rPr lang="de-DE" smtClean="0"/>
               <a:pPr/>
-              <a:t>‹Nr.›</a:t>
+              <a:t>‹#›</a:t>
             </a:fld>
             <a:endParaRPr lang="de-DE" dirty="0"/>
           </a:p>
@@ -6431,7 +5584,7 @@
             <a:fld id="{CE58CB1E-F828-4F11-99E0-327109AF9DA4}" type="slidenum">
               <a:rPr lang="de-DE" smtClean="0"/>
               <a:pPr/>
-              <a:t>‹Nr.›</a:t>
+              <a:t>‹#›</a:t>
             </a:fld>
             <a:endParaRPr lang="de-DE" dirty="0"/>
           </a:p>
@@ -6908,7 +6061,7 @@
                   <a:spcPct val="114000"/>
                 </a:lnSpc>
               </a:pPr>
-              <a:t>‹Nr.›</a:t>
+              <a:t>‹#›</a:t>
             </a:fld>
             <a:endParaRPr lang="de-DE" sz="1200" dirty="0">
               <a:latin typeface="+mn-lt"/>
@@ -7000,7 +6153,7 @@
             <a:fld id="{CE58CB1E-F828-4F11-99E0-327109AF9DA4}" type="slidenum">
               <a:rPr lang="de-DE" noProof="0" smtClean="0"/>
               <a:pPr/>
-              <a:t>‹Nr.›</a:t>
+              <a:t>‹#›</a:t>
             </a:fld>
             <a:endParaRPr lang="de-DE" noProof="0"/>
           </a:p>
@@ -7514,7 +6667,7 @@
             <a:fld id="{CE58CB1E-F828-4F11-99E0-327109AF9DA4}" type="slidenum">
               <a:rPr lang="de-DE" smtClean="0"/>
               <a:pPr/>
-              <a:t>‹Nr.›</a:t>
+              <a:t>‹#›</a:t>
             </a:fld>
             <a:endParaRPr lang="de-DE" dirty="0"/>
           </a:p>
@@ -8172,7 +7325,7 @@
             <a:fld id="{CE58CB1E-F828-4F11-99E0-327109AF9DA4}" type="slidenum">
               <a:rPr lang="de-DE" smtClean="0"/>
               <a:pPr/>
-              <a:t>‹Nr.›</a:t>
+              <a:t>‹#›</a:t>
             </a:fld>
             <a:endParaRPr lang="de-DE" dirty="0"/>
           </a:p>
@@ -8769,7 +7922,7 @@
             <a:fld id="{CE58CB1E-F828-4F11-99E0-327109AF9DA4}" type="slidenum">
               <a:rPr lang="de-DE" smtClean="0"/>
               <a:pPr/>
-              <a:t>‹Nr.›</a:t>
+              <a:t>‹#›</a:t>
             </a:fld>
             <a:endParaRPr lang="de-DE" dirty="0"/>
           </a:p>
@@ -9366,7 +8519,7 @@
             <a:fld id="{CE58CB1E-F828-4F11-99E0-327109AF9DA4}" type="slidenum">
               <a:rPr lang="de-DE" smtClean="0"/>
               <a:pPr/>
-              <a:t>‹Nr.›</a:t>
+              <a:t>‹#›</a:t>
             </a:fld>
             <a:endParaRPr lang="de-DE" dirty="0"/>
           </a:p>
@@ -9843,125 +8996,10 @@
       </p:grpSpPr>
       <p:sp>
         <p:nvSpPr>
-          <p:cNvPr id="3" name="Inhaltsplatzhalter 2"/>
-          <p:cNvSpPr>
-            <a:spLocks noGrp="1"/>
-          </p:cNvSpPr>
-          <p:nvPr>
-            <p:ph idx="10"/>
-          </p:nvPr>
-        </p:nvSpPr>
-        <p:spPr/>
-        <p:txBody>
-          <a:bodyPr/>
-          <a:lstStyle/>
-          <a:p>
-            <a:r>
-              <a:rPr lang="de-DE" dirty="0"/>
-              <a:t>Referent</a:t>
-            </a:r>
-          </a:p>
-          <a:p>
-            <a:r>
-              <a:rPr lang="de-DE" dirty="0"/>
-              <a:t>Technische Universität München</a:t>
-            </a:r>
-          </a:p>
-          <a:p>
-            <a:r>
-              <a:rPr lang="de-DE" dirty="0"/>
-              <a:t>Fakultät für Muster</a:t>
-            </a:r>
-          </a:p>
-          <a:p>
-            <a:r>
-              <a:rPr lang="de-DE" dirty="0"/>
-              <a:t>Lehrstuhl für Muster</a:t>
-            </a:r>
-          </a:p>
-          <a:p>
-            <a:r>
-              <a:rPr lang="de-DE" dirty="0"/>
-              <a:t>Ort, Datum (Schreibweise: 00. Januar 2015)</a:t>
-            </a:r>
-            <a:endParaRPr dirty="0"/>
-          </a:p>
-        </p:txBody>
-      </p:sp>
-      <p:sp>
-        <p:nvSpPr>
-          <p:cNvPr id="7" name="Titel 6"/>
-          <p:cNvSpPr>
-            <a:spLocks noGrp="1"/>
-          </p:cNvSpPr>
-          <p:nvPr>
-            <p:ph type="title"/>
-          </p:nvPr>
-        </p:nvSpPr>
-        <p:spPr/>
-        <p:txBody>
-          <a:bodyPr/>
-          <a:lstStyle/>
-          <a:p>
-            <a:endParaRPr lang="de-DE"/>
-          </a:p>
-        </p:txBody>
-      </p:sp>
-      <p:pic>
-        <p:nvPicPr>
-          <p:cNvPr id="5" name="Bild 4" descr="TUM_Glockenturm.tif"/>
-          <p:cNvPicPr>
-            <a:picLocks noChangeAspect="1"/>
-          </p:cNvPicPr>
-          <p:nvPr/>
-        </p:nvPicPr>
-        <p:blipFill>
-          <a:blip r:embed="rId3"/>
-          <a:stretch>
-            <a:fillRect/>
-          </a:stretch>
-        </p:blipFill>
-        <p:spPr>
-          <a:xfrm>
-            <a:off x="4927101" y="3051360"/>
-            <a:ext cx="3892489" cy="3397419"/>
-          </a:xfrm>
-          <a:prstGeom prst="rect">
-            <a:avLst/>
-          </a:prstGeom>
-        </p:spPr>
-      </p:pic>
-    </p:spTree>
-  </p:cSld>
-  <p:clrMapOvr>
-    <a:masterClrMapping/>
-  </p:clrMapOvr>
-</p:sld>
-</file>
-
-<file path=ppt/slides/slide10.xml><?xml version="1.0" encoding="utf-8"?>
-<p:sld xmlns:a="http://schemas.openxmlformats.org/drawingml/2006/main" xmlns:r="http://schemas.openxmlformats.org/officeDocument/2006/relationships" xmlns:p="http://schemas.openxmlformats.org/presentationml/2006/main">
-  <p:cSld>
-    <p:spTree>
-      <p:nvGrpSpPr>
-        <p:cNvPr id="1" name=""/>
-        <p:cNvGrpSpPr/>
-        <p:nvPr/>
-      </p:nvGrpSpPr>
-      <p:grpSpPr>
-        <a:xfrm>
-          <a:off x="0" y="0"/>
-          <a:ext cx="0" cy="0"/>
-          <a:chOff x="0" y="0"/>
-          <a:chExt cx="0" cy="0"/>
-        </a:xfrm>
-      </p:grpSpPr>
-      <p:sp>
-        <p:nvSpPr>
           <p:cNvPr id="2" name="Inhaltsplatzhalter 1">
             <a:extLst>
               <a:ext uri="{FF2B5EF4-FFF2-40B4-BE49-F238E27FC236}">
-                <a16:creationId xmlns:a16="http://schemas.microsoft.com/office/drawing/2014/main" id="{DB7CA37A-7A2C-41B9-B688-25C8CC3A05A6}"/>
+                <a16:creationId xmlns:a16="http://schemas.microsoft.com/office/drawing/2014/main" id="{7E2F9CE0-CA87-4361-8996-7E3CC459F21C}"/>
               </a:ext>
             </a:extLst>
           </p:cNvPr>
@@ -9969,7 +9007,7 @@
             <a:spLocks noGrp="1"/>
           </p:cNvSpPr>
           <p:nvPr>
-            <p:ph idx="14"/>
+            <p:ph idx="1"/>
           </p:nvPr>
         </p:nvSpPr>
         <p:spPr/>
@@ -9983,7 +9021,7 @@
             </a:pPr>
             <a:r>
               <a:rPr lang="de-DE" dirty="0"/>
-              <a:t>Extra Feature</a:t>
+              <a:t>Aufgabe Daten zu speichern und updaten</a:t>
             </a:r>
           </a:p>
           <a:p>
@@ -9993,7 +9031,7 @@
             </a:pPr>
             <a:r>
               <a:rPr lang="de-DE" dirty="0"/>
-              <a:t>Sinnvoll da Multiplayer über lokales Netzwerk</a:t>
+              <a:t>Objekt orientierter Ansatz</a:t>
             </a:r>
           </a:p>
           <a:p>
@@ -10003,7 +9041,7 @@
             </a:pPr>
             <a:r>
               <a:rPr lang="de-DE" dirty="0"/>
-              <a:t>Spieler können miteinander kommunizieren</a:t>
+              <a:t>Viele kleine Klassen anstatt wenig große</a:t>
             </a:r>
           </a:p>
           <a:p>
@@ -10013,603 +9051,7 @@
             </a:pPr>
             <a:r>
               <a:rPr lang="de-DE" dirty="0"/>
-              <a:t>Information wenn andere Spieler beitreten oder das Spiel verlassen</a:t>
-            </a:r>
-          </a:p>
-        </p:txBody>
-      </p:sp>
-      <p:sp>
-        <p:nvSpPr>
-          <p:cNvPr id="3" name="Foliennummernplatzhalter 2">
-            <a:extLst>
-              <a:ext uri="{FF2B5EF4-FFF2-40B4-BE49-F238E27FC236}">
-                <a16:creationId xmlns:a16="http://schemas.microsoft.com/office/drawing/2014/main" id="{AD81C2EF-FD85-4A18-8F03-A0DBBCD700AD}"/>
-              </a:ext>
-            </a:extLst>
-          </p:cNvPr>
-          <p:cNvSpPr>
-            <a:spLocks noGrp="1"/>
-          </p:cNvSpPr>
-          <p:nvPr>
-            <p:ph type="sldNum" sz="quarter" idx="16"/>
-          </p:nvPr>
-        </p:nvSpPr>
-        <p:spPr/>
-        <p:txBody>
-          <a:bodyPr/>
-          <a:lstStyle/>
-          <a:p>
-            <a:fld id="{CE58CB1E-F828-4F11-99E0-327109AF9DA4}" type="slidenum">
-              <a:rPr lang="de-DE" smtClean="0"/>
-              <a:pPr/>
-              <a:t>10</a:t>
-            </a:fld>
-            <a:endParaRPr lang="de-DE" dirty="0"/>
-          </a:p>
-        </p:txBody>
-      </p:sp>
-      <p:sp>
-        <p:nvSpPr>
-          <p:cNvPr id="4" name="Fußzeilenplatzhalter 3">
-            <a:extLst>
-              <a:ext uri="{FF2B5EF4-FFF2-40B4-BE49-F238E27FC236}">
-                <a16:creationId xmlns:a16="http://schemas.microsoft.com/office/drawing/2014/main" id="{E82CB60E-E2AB-41CB-8A71-7BFD43B8921B}"/>
-              </a:ext>
-            </a:extLst>
-          </p:cNvPr>
-          <p:cNvSpPr>
-            <a:spLocks noGrp="1"/>
-          </p:cNvSpPr>
-          <p:nvPr>
-            <p:ph type="ftr" sz="quarter" idx="17"/>
-          </p:nvPr>
-        </p:nvSpPr>
-        <p:spPr/>
-        <p:txBody>
-          <a:bodyPr/>
-          <a:lstStyle/>
-          <a:p>
-            <a:r>
-              <a:rPr lang="de-DE"/>
-              <a:t>Dr. rer. nat. Erika Mustermann (TUM) | kann beliebig erweitert werden | Infos mit Strich trennen</a:t>
-            </a:r>
-            <a:endParaRPr lang="en-US" dirty="0"/>
-          </a:p>
-        </p:txBody>
-      </p:sp>
-      <p:sp>
-        <p:nvSpPr>
-          <p:cNvPr id="5" name="Titel 4">
-            <a:extLst>
-              <a:ext uri="{FF2B5EF4-FFF2-40B4-BE49-F238E27FC236}">
-                <a16:creationId xmlns:a16="http://schemas.microsoft.com/office/drawing/2014/main" id="{38CE14CC-717B-4282-83BB-3662A9B1DD62}"/>
-              </a:ext>
-            </a:extLst>
-          </p:cNvPr>
-          <p:cNvSpPr>
-            <a:spLocks noGrp="1"/>
-          </p:cNvSpPr>
-          <p:nvPr>
-            <p:ph type="title"/>
-          </p:nvPr>
-        </p:nvSpPr>
-        <p:spPr/>
-        <p:txBody>
-          <a:bodyPr/>
-          <a:lstStyle/>
-          <a:p>
-            <a:r>
-              <a:rPr lang="de-DE" dirty="0"/>
-              <a:t>Chat &amp; Message</a:t>
-            </a:r>
-          </a:p>
-        </p:txBody>
-      </p:sp>
-      <p:pic>
-        <p:nvPicPr>
-          <p:cNvPr id="12" name="Inhaltsplatzhalter 11" descr="Ein Bild, das Screenshot enthält.&#10;&#10;Automatisch generierte Beschreibung">
-            <a:extLst>
-              <a:ext uri="{FF2B5EF4-FFF2-40B4-BE49-F238E27FC236}">
-                <a16:creationId xmlns:a16="http://schemas.microsoft.com/office/drawing/2014/main" id="{44272838-579E-4B01-A5E4-4AD4895C3D24}"/>
-              </a:ext>
-            </a:extLst>
-          </p:cNvPr>
-          <p:cNvPicPr>
-            <a:picLocks noGrp="1" noChangeAspect="1"/>
-          </p:cNvPicPr>
-          <p:nvPr>
-            <p:ph idx="15"/>
-          </p:nvPr>
-        </p:nvPicPr>
-        <p:blipFill>
-          <a:blip r:embed="rId2"/>
-          <a:stretch>
-            <a:fillRect/>
-          </a:stretch>
-        </p:blipFill>
-        <p:spPr>
-          <a:xfrm>
-            <a:off x="4860663" y="2677119"/>
-            <a:ext cx="3753374" cy="2857899"/>
-          </a:xfrm>
-        </p:spPr>
-      </p:pic>
-    </p:spTree>
-    <p:extLst>
-      <p:ext uri="{BB962C8B-B14F-4D97-AF65-F5344CB8AC3E}">
-        <p14:creationId xmlns:p14="http://schemas.microsoft.com/office/powerpoint/2010/main" val="1120331300"/>
-      </p:ext>
-    </p:extLst>
-  </p:cSld>
-  <p:clrMapOvr>
-    <a:masterClrMapping/>
-  </p:clrMapOvr>
-</p:sld>
-</file>
-
-<file path=ppt/slides/slide11.xml><?xml version="1.0" encoding="utf-8"?>
-<p:sld xmlns:a="http://schemas.openxmlformats.org/drawingml/2006/main" xmlns:r="http://schemas.openxmlformats.org/officeDocument/2006/relationships" xmlns:p="http://schemas.openxmlformats.org/presentationml/2006/main">
-  <p:cSld>
-    <p:spTree>
-      <p:nvGrpSpPr>
-        <p:cNvPr id="1" name=""/>
-        <p:cNvGrpSpPr/>
-        <p:nvPr/>
-      </p:nvGrpSpPr>
-      <p:grpSpPr>
-        <a:xfrm>
-          <a:off x="0" y="0"/>
-          <a:ext cx="0" cy="0"/>
-          <a:chOff x="0" y="0"/>
-          <a:chExt cx="0" cy="0"/>
-        </a:xfrm>
-      </p:grpSpPr>
-      <p:sp>
-        <p:nvSpPr>
-          <p:cNvPr id="2" name="Inhaltsplatzhalter 1">
-            <a:extLst>
-              <a:ext uri="{FF2B5EF4-FFF2-40B4-BE49-F238E27FC236}">
-                <a16:creationId xmlns:a16="http://schemas.microsoft.com/office/drawing/2014/main" id="{AE523D49-BDC2-429A-8195-E6EC189B30AA}"/>
-              </a:ext>
-            </a:extLst>
-          </p:cNvPr>
-          <p:cNvSpPr>
-            <a:spLocks noGrp="1"/>
-          </p:cNvSpPr>
-          <p:nvPr>
-            <p:ph idx="1"/>
-          </p:nvPr>
-        </p:nvSpPr>
-        <p:spPr/>
-        <p:txBody>
-          <a:bodyPr/>
-          <a:lstStyle/>
-          <a:p>
-            <a:pPr marL="285750" indent="-285750">
-              <a:buFont typeface="Arial" panose="020B0604020202020204" pitchFamily="34" charset="0"/>
-              <a:buChar char="•"/>
-            </a:pPr>
-            <a:r>
-              <a:rPr lang="de-DE" dirty="0" err="1"/>
-              <a:t>BaseX</a:t>
-            </a:r>
-            <a:r>
-              <a:rPr lang="de-DE" dirty="0"/>
-              <a:t> als Datenbank</a:t>
-            </a:r>
-          </a:p>
-          <a:p>
-            <a:pPr marL="285750" indent="-285750">
-              <a:buFont typeface="Arial" panose="020B0604020202020204" pitchFamily="34" charset="0"/>
-              <a:buChar char="•"/>
-            </a:pPr>
-            <a:r>
-              <a:rPr lang="de-DE" dirty="0" err="1"/>
-              <a:t>XQuery</a:t>
-            </a:r>
-            <a:r>
-              <a:rPr lang="de-DE" dirty="0"/>
-              <a:t> als funktionale Sprache die </a:t>
-            </a:r>
-            <a:r>
-              <a:rPr lang="de-DE" dirty="0" err="1"/>
-              <a:t>Queries</a:t>
-            </a:r>
-            <a:r>
-              <a:rPr lang="de-DE" dirty="0"/>
-              <a:t> auf XML Datenbanken ausführt</a:t>
-            </a:r>
-          </a:p>
-          <a:p>
-            <a:pPr marL="285750" indent="-285750">
-              <a:buFont typeface="Arial" panose="020B0604020202020204" pitchFamily="34" charset="0"/>
-              <a:buChar char="•"/>
-            </a:pPr>
-            <a:r>
-              <a:rPr lang="de-DE" dirty="0"/>
-              <a:t>Zeichnet sich durch FLOWR-Ausdrücke aus</a:t>
-            </a:r>
-          </a:p>
-          <a:p>
-            <a:pPr marL="285750" indent="-285750">
-              <a:buFont typeface="Arial" panose="020B0604020202020204" pitchFamily="34" charset="0"/>
-              <a:buChar char="•"/>
-            </a:pPr>
-            <a:r>
-              <a:rPr lang="de-DE" dirty="0" err="1"/>
-              <a:t>XQuery</a:t>
-            </a:r>
-            <a:r>
-              <a:rPr lang="de-DE" dirty="0"/>
-              <a:t> selbst kann nur von Datenbank lesen</a:t>
-            </a:r>
-          </a:p>
-          <a:p>
-            <a:pPr marL="285750" indent="-285750">
-              <a:buFont typeface="Arial" panose="020B0604020202020204" pitchFamily="34" charset="0"/>
-              <a:buChar char="•"/>
-            </a:pPr>
-            <a:r>
-              <a:rPr lang="de-DE" dirty="0"/>
-              <a:t>Deswegen </a:t>
-            </a:r>
-            <a:r>
-              <a:rPr lang="de-DE" dirty="0" err="1"/>
-              <a:t>XQuery</a:t>
-            </a:r>
-            <a:r>
-              <a:rPr lang="de-DE" dirty="0"/>
-              <a:t> Update Facility</a:t>
-            </a:r>
-          </a:p>
-        </p:txBody>
-      </p:sp>
-      <p:sp>
-        <p:nvSpPr>
-          <p:cNvPr id="3" name="Foliennummernplatzhalter 2">
-            <a:extLst>
-              <a:ext uri="{FF2B5EF4-FFF2-40B4-BE49-F238E27FC236}">
-                <a16:creationId xmlns:a16="http://schemas.microsoft.com/office/drawing/2014/main" id="{31772658-6DB8-4140-BDD4-05D879326A72}"/>
-              </a:ext>
-            </a:extLst>
-          </p:cNvPr>
-          <p:cNvSpPr>
-            <a:spLocks noGrp="1"/>
-          </p:cNvSpPr>
-          <p:nvPr>
-            <p:ph type="sldNum" sz="quarter" idx="11"/>
-          </p:nvPr>
-        </p:nvSpPr>
-        <p:spPr/>
-        <p:txBody>
-          <a:bodyPr/>
-          <a:lstStyle/>
-          <a:p>
-            <a:fld id="{CE58CB1E-F828-4F11-99E0-327109AF9DA4}" type="slidenum">
-              <a:rPr lang="de-DE" smtClean="0"/>
-              <a:pPr/>
-              <a:t>11</a:t>
-            </a:fld>
-            <a:endParaRPr lang="de-DE" dirty="0"/>
-          </a:p>
-        </p:txBody>
-      </p:sp>
-      <p:sp>
-        <p:nvSpPr>
-          <p:cNvPr id="4" name="Fußzeilenplatzhalter 3">
-            <a:extLst>
-              <a:ext uri="{FF2B5EF4-FFF2-40B4-BE49-F238E27FC236}">
-                <a16:creationId xmlns:a16="http://schemas.microsoft.com/office/drawing/2014/main" id="{0F5FC549-12A2-49EA-94CD-7CA8F667B81C}"/>
-              </a:ext>
-            </a:extLst>
-          </p:cNvPr>
-          <p:cNvSpPr>
-            <a:spLocks noGrp="1"/>
-          </p:cNvSpPr>
-          <p:nvPr>
-            <p:ph type="ftr" sz="quarter" idx="12"/>
-          </p:nvPr>
-        </p:nvSpPr>
-        <p:spPr/>
-        <p:txBody>
-          <a:bodyPr/>
-          <a:lstStyle/>
-          <a:p>
-            <a:r>
-              <a:rPr lang="de-DE"/>
-              <a:t>Dr. rer. nat. Erika Mustermann (TUM) | kann beliebig erweitert werden | Infos mit Strich trennen</a:t>
-            </a:r>
-            <a:endParaRPr lang="en-US" dirty="0"/>
-          </a:p>
-        </p:txBody>
-      </p:sp>
-      <p:sp>
-        <p:nvSpPr>
-          <p:cNvPr id="5" name="Titel 4">
-            <a:extLst>
-              <a:ext uri="{FF2B5EF4-FFF2-40B4-BE49-F238E27FC236}">
-                <a16:creationId xmlns:a16="http://schemas.microsoft.com/office/drawing/2014/main" id="{BBD62AF3-48A3-446F-8E3B-3F9602C3602A}"/>
-              </a:ext>
-            </a:extLst>
-          </p:cNvPr>
-          <p:cNvSpPr>
-            <a:spLocks noGrp="1"/>
-          </p:cNvSpPr>
-          <p:nvPr>
-            <p:ph type="title"/>
-          </p:nvPr>
-        </p:nvSpPr>
-        <p:spPr/>
-        <p:txBody>
-          <a:bodyPr/>
-          <a:lstStyle/>
-          <a:p>
-            <a:r>
-              <a:rPr lang="de-DE" dirty="0" err="1"/>
-              <a:t>Xquery</a:t>
-            </a:r>
-            <a:r>
-              <a:rPr lang="de-DE" dirty="0"/>
-              <a:t> &amp; </a:t>
-            </a:r>
-            <a:r>
-              <a:rPr lang="de-DE" dirty="0" err="1"/>
-              <a:t>BaseX</a:t>
-            </a:r>
-            <a:endParaRPr lang="de-DE" dirty="0"/>
-          </a:p>
-        </p:txBody>
-      </p:sp>
-    </p:spTree>
-    <p:extLst>
-      <p:ext uri="{BB962C8B-B14F-4D97-AF65-F5344CB8AC3E}">
-        <p14:creationId xmlns:p14="http://schemas.microsoft.com/office/powerpoint/2010/main" val="2621557832"/>
-      </p:ext>
-    </p:extLst>
-  </p:cSld>
-  <p:clrMapOvr>
-    <a:masterClrMapping/>
-  </p:clrMapOvr>
-</p:sld>
-</file>
-
-<file path=ppt/slides/slide12.xml><?xml version="1.0" encoding="utf-8"?>
-<p:sld xmlns:a="http://schemas.openxmlformats.org/drawingml/2006/main" xmlns:r="http://schemas.openxmlformats.org/officeDocument/2006/relationships" xmlns:p="http://schemas.openxmlformats.org/presentationml/2006/main">
-  <p:cSld>
-    <p:spTree>
-      <p:nvGrpSpPr>
-        <p:cNvPr id="1" name=""/>
-        <p:cNvGrpSpPr/>
-        <p:nvPr/>
-      </p:nvGrpSpPr>
-      <p:grpSpPr>
-        <a:xfrm>
-          <a:off x="0" y="0"/>
-          <a:ext cx="0" cy="0"/>
-          <a:chOff x="0" y="0"/>
-          <a:chExt cx="0" cy="0"/>
-        </a:xfrm>
-      </p:grpSpPr>
-      <p:sp>
-        <p:nvSpPr>
-          <p:cNvPr id="6" name="Inhaltsplatzhalter 5">
-            <a:extLst>
-              <a:ext uri="{FF2B5EF4-FFF2-40B4-BE49-F238E27FC236}">
-                <a16:creationId xmlns:a16="http://schemas.microsoft.com/office/drawing/2014/main" id="{BABB6F26-3E11-437C-9364-6A158AE67743}"/>
-              </a:ext>
-            </a:extLst>
-          </p:cNvPr>
-          <p:cNvSpPr>
-            <a:spLocks noGrp="1"/>
-          </p:cNvSpPr>
-          <p:nvPr>
-            <p:ph idx="14"/>
-          </p:nvPr>
-        </p:nvSpPr>
-        <p:spPr>
-          <a:xfrm>
-            <a:off x="319090" y="2659310"/>
-            <a:ext cx="4180911" cy="3790257"/>
-          </a:xfrm>
-        </p:spPr>
-        <p:txBody>
-          <a:bodyPr/>
-          <a:lstStyle/>
-          <a:p>
-            <a:pPr marL="285750" indent="-285750">
-              <a:buFont typeface="Arial" panose="020B0604020202020204" pitchFamily="34" charset="0"/>
-              <a:buChar char="•"/>
-            </a:pPr>
-            <a:r>
-              <a:rPr lang="de-DE" dirty="0"/>
-              <a:t>Keine doppelten </a:t>
-            </a:r>
-            <a:r>
-              <a:rPr lang="de-DE" dirty="0" err="1"/>
-              <a:t>replaces</a:t>
-            </a:r>
-            <a:r>
-              <a:rPr lang="de-DE" dirty="0"/>
-              <a:t> in einem </a:t>
-            </a:r>
-            <a:r>
-              <a:rPr lang="de-DE" dirty="0" err="1"/>
-              <a:t>return</a:t>
-            </a:r>
-            <a:endParaRPr lang="de-DE" dirty="0"/>
-          </a:p>
-          <a:p>
-            <a:pPr marL="285750" indent="-285750">
-              <a:buFont typeface="Arial" panose="020B0604020202020204" pitchFamily="34" charset="0"/>
-              <a:buChar char="•"/>
-            </a:pPr>
-            <a:r>
-              <a:rPr lang="de-DE" dirty="0"/>
-              <a:t>Letzter </a:t>
-            </a:r>
-            <a:r>
-              <a:rPr lang="de-DE" dirty="0" err="1"/>
-              <a:t>spieler</a:t>
-            </a:r>
-            <a:r>
-              <a:rPr lang="de-DE" dirty="0"/>
-              <a:t> wählt </a:t>
-            </a:r>
-            <a:r>
-              <a:rPr lang="de-DE" dirty="0" err="1"/>
-              <a:t>hit</a:t>
-            </a:r>
-            <a:r>
-              <a:rPr lang="de-DE" dirty="0"/>
-              <a:t> und </a:t>
-            </a:r>
-            <a:r>
-              <a:rPr lang="de-DE" dirty="0" err="1"/>
-              <a:t>busted</a:t>
-            </a:r>
-            <a:endParaRPr lang="de-DE" dirty="0"/>
-          </a:p>
-          <a:p>
-            <a:pPr marL="285750" indent="-285750">
-              <a:buFont typeface="Arial" panose="020B0604020202020204" pitchFamily="34" charset="0"/>
-              <a:buChar char="•"/>
-            </a:pPr>
-            <a:r>
-              <a:rPr lang="de-DE" dirty="0"/>
-              <a:t>Dealer zieht im selben Zug</a:t>
-            </a:r>
-          </a:p>
-          <a:p>
-            <a:pPr marL="285750" indent="-285750">
-              <a:buFont typeface="Arial" panose="020B0604020202020204" pitchFamily="34" charset="0"/>
-              <a:buChar char="•"/>
-            </a:pPr>
-            <a:r>
-              <a:rPr lang="de-DE" dirty="0"/>
-              <a:t>Lösung: Dealer zieht bevor den Spielern</a:t>
-            </a:r>
-          </a:p>
-          <a:p>
-            <a:endParaRPr lang="de-DE" dirty="0"/>
-          </a:p>
-        </p:txBody>
-      </p:sp>
-      <p:sp>
-        <p:nvSpPr>
-          <p:cNvPr id="7" name="Inhaltsplatzhalter 6">
-            <a:extLst>
-              <a:ext uri="{FF2B5EF4-FFF2-40B4-BE49-F238E27FC236}">
-                <a16:creationId xmlns:a16="http://schemas.microsoft.com/office/drawing/2014/main" id="{E38FA5CA-A50F-4A7A-8D5A-E4755333CAE4}"/>
-              </a:ext>
-            </a:extLst>
-          </p:cNvPr>
-          <p:cNvSpPr>
-            <a:spLocks noGrp="1"/>
-          </p:cNvSpPr>
-          <p:nvPr>
-            <p:ph idx="15"/>
-          </p:nvPr>
-        </p:nvSpPr>
-        <p:spPr>
-          <a:xfrm>
-            <a:off x="4644001" y="2659310"/>
-            <a:ext cx="4184087" cy="3790258"/>
-          </a:xfrm>
-        </p:spPr>
-        <p:txBody>
-          <a:bodyPr/>
-          <a:lstStyle/>
-          <a:p>
-            <a:pPr marL="285750" indent="-285750">
-              <a:buFont typeface="Arial" panose="020B0604020202020204" pitchFamily="34" charset="0"/>
-              <a:buChar char="•"/>
-            </a:pPr>
-            <a:r>
-              <a:rPr lang="de-DE" dirty="0"/>
-              <a:t>Updates von Elementen erst nach dem kompletten ausführen eines </a:t>
-            </a:r>
-            <a:r>
-              <a:rPr lang="de-DE" dirty="0" err="1"/>
-              <a:t>return</a:t>
-            </a:r>
-            <a:r>
-              <a:rPr lang="de-DE" dirty="0"/>
-              <a:t> </a:t>
-            </a:r>
-            <a:r>
-              <a:rPr lang="de-DE" dirty="0" err="1"/>
-              <a:t>statement</a:t>
-            </a:r>
-            <a:r>
-              <a:rPr lang="de-DE" dirty="0"/>
-              <a:t> in der Datenbank</a:t>
-            </a:r>
-          </a:p>
-          <a:p>
-            <a:pPr marL="285750" indent="-285750">
-              <a:buFont typeface="Arial" panose="020B0604020202020204" pitchFamily="34" charset="0"/>
-              <a:buChar char="•"/>
-            </a:pPr>
-            <a:r>
-              <a:rPr lang="de-DE" dirty="0"/>
-              <a:t>Letzter Spieler </a:t>
-            </a:r>
-            <a:r>
-              <a:rPr lang="de-DE" dirty="0" err="1"/>
-              <a:t>doubled</a:t>
-            </a:r>
-            <a:r>
-              <a:rPr lang="de-DE" dirty="0"/>
-              <a:t> oder </a:t>
-            </a:r>
-            <a:r>
-              <a:rPr lang="de-DE" dirty="0" err="1"/>
-              <a:t>busted</a:t>
-            </a:r>
-            <a:endParaRPr lang="de-DE" dirty="0"/>
-          </a:p>
-          <a:p>
-            <a:pPr marL="285750" indent="-285750">
-              <a:buFont typeface="Arial" panose="020B0604020202020204" pitchFamily="34" charset="0"/>
-              <a:buChar char="•"/>
-            </a:pPr>
-            <a:r>
-              <a:rPr lang="de-DE" dirty="0"/>
-              <a:t>Seine Hand noch nicht aktualisiert aber </a:t>
-            </a:r>
-            <a:r>
-              <a:rPr lang="de-DE" dirty="0" err="1"/>
-              <a:t>evaluate</a:t>
-            </a:r>
-            <a:r>
-              <a:rPr lang="de-DE" dirty="0"/>
-              <a:t> wird schon aufgerufen</a:t>
-            </a:r>
-          </a:p>
-          <a:p>
-            <a:pPr marL="285750" indent="-285750">
-              <a:buFont typeface="Arial" panose="020B0604020202020204" pitchFamily="34" charset="0"/>
-              <a:buChar char="•"/>
-            </a:pPr>
-            <a:r>
-              <a:rPr lang="de-DE" dirty="0"/>
-              <a:t>Lösung: Beim Aufrufen von </a:t>
-            </a:r>
-            <a:r>
-              <a:rPr lang="de-DE" dirty="0" err="1"/>
-              <a:t>evaluate</a:t>
-            </a:r>
-            <a:r>
-              <a:rPr lang="de-DE" dirty="0"/>
-              <a:t> mitteilen was die letzte Aktion war und in </a:t>
-            </a:r>
-            <a:r>
-              <a:rPr lang="de-DE" dirty="0" err="1"/>
-              <a:t>evaluate</a:t>
-            </a:r>
-            <a:r>
-              <a:rPr lang="de-DE" dirty="0"/>
-              <a:t> beachten</a:t>
+              <a:t>Dadurch Struktur des Codes, Lesbarkeit, kein redundanter Code, leichter Erweiterbar</a:t>
             </a:r>
           </a:p>
           <a:p>
@@ -10626,7 +9068,7 @@
           <p:cNvPr id="3" name="Foliennummernplatzhalter 2">
             <a:extLst>
               <a:ext uri="{FF2B5EF4-FFF2-40B4-BE49-F238E27FC236}">
-                <a16:creationId xmlns:a16="http://schemas.microsoft.com/office/drawing/2014/main" id="{53BD56A1-3671-4214-B9B1-D1396FC17C8B}"/>
+                <a16:creationId xmlns:a16="http://schemas.microsoft.com/office/drawing/2014/main" id="{1AEAEB45-889C-46BC-9870-411B5B1B2119}"/>
               </a:ext>
             </a:extLst>
           </p:cNvPr>
@@ -10634,7 +9076,7 @@
             <a:spLocks noGrp="1"/>
           </p:cNvSpPr>
           <p:nvPr>
-            <p:ph type="sldNum" sz="quarter" idx="16"/>
+            <p:ph type="sldNum" sz="quarter" idx="11"/>
           </p:nvPr>
         </p:nvSpPr>
         <p:spPr/>
@@ -10645,7 +9087,7 @@
             <a:fld id="{CE58CB1E-F828-4F11-99E0-327109AF9DA4}" type="slidenum">
               <a:rPr lang="de-DE" smtClean="0"/>
               <a:pPr/>
-              <a:t>12</a:t>
+              <a:t>1</a:t>
             </a:fld>
             <a:endParaRPr lang="de-DE" dirty="0"/>
           </a:p>
@@ -10656,7 +9098,7 @@
           <p:cNvPr id="4" name="Fußzeilenplatzhalter 3">
             <a:extLst>
               <a:ext uri="{FF2B5EF4-FFF2-40B4-BE49-F238E27FC236}">
-                <a16:creationId xmlns:a16="http://schemas.microsoft.com/office/drawing/2014/main" id="{C56C636A-F879-429E-9888-BCDD840DB93B}"/>
+                <a16:creationId xmlns:a16="http://schemas.microsoft.com/office/drawing/2014/main" id="{498A48AB-A91F-4BEF-B878-33ED16197A5B}"/>
               </a:ext>
             </a:extLst>
           </p:cNvPr>
@@ -10664,7 +9106,7 @@
             <a:spLocks noGrp="1"/>
           </p:cNvSpPr>
           <p:nvPr>
-            <p:ph type="ftr" sz="quarter" idx="17"/>
+            <p:ph type="ftr" sz="quarter" idx="12"/>
           </p:nvPr>
         </p:nvSpPr>
         <p:spPr/>
@@ -10685,7 +9127,7 @@
           <p:cNvPr id="5" name="Titel 4">
             <a:extLst>
               <a:ext uri="{FF2B5EF4-FFF2-40B4-BE49-F238E27FC236}">
-                <a16:creationId xmlns:a16="http://schemas.microsoft.com/office/drawing/2014/main" id="{5329FADE-F83D-4549-B9ED-F031FFA9B2D1}"/>
+                <a16:creationId xmlns:a16="http://schemas.microsoft.com/office/drawing/2014/main" id="{68AC732B-79EC-4A99-92EE-8D17E71F4D13}"/>
               </a:ext>
             </a:extLst>
           </p:cNvPr>
@@ -10702,85 +9144,8 @@
           <a:lstStyle/>
           <a:p>
             <a:r>
-              <a:rPr lang="de-DE" dirty="0" err="1"/>
-              <a:t>XQuery</a:t>
-            </a:r>
-            <a:r>
               <a:rPr lang="de-DE" dirty="0"/>
-              <a:t> Update Facility</a:t>
-            </a:r>
-          </a:p>
-        </p:txBody>
-      </p:sp>
-      <p:sp>
-        <p:nvSpPr>
-          <p:cNvPr id="9" name="Textfeld 8">
-            <a:extLst>
-              <a:ext uri="{FF2B5EF4-FFF2-40B4-BE49-F238E27FC236}">
-                <a16:creationId xmlns:a16="http://schemas.microsoft.com/office/drawing/2014/main" id="{847C34C0-8C57-46B9-A708-10ED106F9623}"/>
-              </a:ext>
-            </a:extLst>
-          </p:cNvPr>
-          <p:cNvSpPr txBox="1"/>
-          <p:nvPr/>
-        </p:nvSpPr>
-        <p:spPr>
-          <a:xfrm>
-            <a:off x="595618" y="1652631"/>
-            <a:ext cx="5958362" cy="537968"/>
-          </a:xfrm>
-          <a:prstGeom prst="rect">
-            <a:avLst/>
-          </a:prstGeom>
-          <a:noFill/>
-        </p:spPr>
-        <p:txBody>
-          <a:bodyPr wrap="none" lIns="0" tIns="0" rIns="0" bIns="0" rtlCol="0">
-            <a:spAutoFit/>
-          </a:bodyPr>
-          <a:lstStyle/>
-          <a:p>
-            <a:pPr>
-              <a:lnSpc>
-                <a:spcPct val="114000"/>
-              </a:lnSpc>
-            </a:pPr>
-            <a:r>
-              <a:rPr lang="de-DE" sz="1600" dirty="0">
-                <a:latin typeface="+mn-lt"/>
-              </a:rPr>
-              <a:t>Ziel: angenehmes Spielgefühl mit wenig User </a:t>
-            </a:r>
-            <a:r>
-              <a:rPr lang="de-DE" sz="1600" dirty="0" err="1">
-                <a:latin typeface="+mn-lt"/>
-              </a:rPr>
-              <a:t>input</a:t>
-            </a:r>
-            <a:r>
-              <a:rPr lang="de-DE" sz="1600" dirty="0">
-                <a:latin typeface="+mn-lt"/>
-              </a:rPr>
-              <a:t> -&gt;</a:t>
-            </a:r>
-          </a:p>
-          <a:p>
-            <a:pPr>
-              <a:lnSpc>
-                <a:spcPct val="114000"/>
-              </a:lnSpc>
-            </a:pPr>
-            <a:r>
-              <a:rPr lang="de-DE" sz="1600" dirty="0" err="1">
-                <a:latin typeface="+mn-lt"/>
-              </a:rPr>
-              <a:t>Bust</a:t>
-            </a:r>
-            <a:r>
-              <a:rPr lang="de-DE" sz="1600" dirty="0">
-                <a:latin typeface="+mn-lt"/>
-              </a:rPr>
-              <a:t> und Double beenden automatisch den Spielzug des Spielers</a:t>
+              <a:t>Komponente Model</a:t>
             </a:r>
           </a:p>
         </p:txBody>
@@ -10788,1747 +9153,9 @@
     </p:spTree>
     <p:extLst>
       <p:ext uri="{BB962C8B-B14F-4D97-AF65-F5344CB8AC3E}">
-        <p14:creationId xmlns:p14="http://schemas.microsoft.com/office/powerpoint/2010/main" val="3888416019"/>
+        <p14:creationId xmlns:p14="http://schemas.microsoft.com/office/powerpoint/2010/main" val="566080816"/>
       </p:ext>
     </p:extLst>
-  </p:cSld>
-  <p:clrMapOvr>
-    <a:masterClrMapping/>
-  </p:clrMapOvr>
-</p:sld>
-</file>
-
-<file path=ppt/slides/slide13.xml><?xml version="1.0" encoding="utf-8"?>
-<p:sld xmlns:a="http://schemas.openxmlformats.org/drawingml/2006/main" xmlns:r="http://schemas.openxmlformats.org/officeDocument/2006/relationships" xmlns:p="http://schemas.openxmlformats.org/presentationml/2006/main">
-  <p:cSld>
-    <p:spTree>
-      <p:nvGrpSpPr>
-        <p:cNvPr id="1" name=""/>
-        <p:cNvGrpSpPr/>
-        <p:nvPr/>
-      </p:nvGrpSpPr>
-      <p:grpSpPr>
-        <a:xfrm>
-          <a:off x="0" y="0"/>
-          <a:ext cx="0" cy="0"/>
-          <a:chOff x="0" y="0"/>
-          <a:chExt cx="0" cy="0"/>
-        </a:xfrm>
-      </p:grpSpPr>
-      <p:sp>
-        <p:nvSpPr>
-          <p:cNvPr id="2" name="Inhaltsplatzhalter 1"/>
-          <p:cNvSpPr>
-            <a:spLocks noGrp="1"/>
-          </p:cNvSpPr>
-          <p:nvPr>
-            <p:ph idx="1"/>
-          </p:nvPr>
-        </p:nvSpPr>
-        <p:spPr/>
-        <p:txBody>
-          <a:bodyPr/>
-          <a:lstStyle/>
-          <a:p>
-            <a:r>
-              <a:rPr dirty="0" err="1"/>
-              <a:t>Dieser</a:t>
-            </a:r>
-            <a:r>
-              <a:rPr dirty="0"/>
-              <a:t> Folienmaster gilt bei offiziellen Präsentationen im Rahmen der TUM.</a:t>
-            </a:r>
-            <a:br>
-              <a:rPr dirty="0"/>
-            </a:br>
-            <a:r>
-              <a:rPr dirty="0"/>
-              <a:t>Es ist darauf zu achten, dass wir uns in einem durchgängigen Layout </a:t>
-            </a:r>
-            <a:r>
-              <a:rPr dirty="0" err="1"/>
-              <a:t>präsentieren</a:t>
-            </a:r>
-            <a:r>
-              <a:rPr dirty="0"/>
-              <a:t>.</a:t>
-            </a:r>
-          </a:p>
-          <a:p>
-            <a:r>
-              <a:rPr lang="de-DE" dirty="0"/>
-              <a:t>Abweichungen vom vorgegebenen Layout bitte auf ein Minimum reduzieren.</a:t>
-            </a:r>
-          </a:p>
-          <a:p>
-            <a:endParaRPr dirty="0"/>
-          </a:p>
-          <a:p>
-            <a:endParaRPr sz="2200" dirty="0"/>
-          </a:p>
-        </p:txBody>
-      </p:sp>
-      <p:sp>
-        <p:nvSpPr>
-          <p:cNvPr id="4" name="Foliennummernplatzhalter 3"/>
-          <p:cNvSpPr>
-            <a:spLocks noGrp="1"/>
-          </p:cNvSpPr>
-          <p:nvPr>
-            <p:ph type="sldNum" sz="quarter" idx="11"/>
-          </p:nvPr>
-        </p:nvSpPr>
-        <p:spPr/>
-        <p:txBody>
-          <a:bodyPr/>
-          <a:lstStyle/>
-          <a:p>
-            <a:fld id="{CE58CB1E-F828-4F11-99E0-327109AF9DA4}" type="slidenum">
-              <a:rPr lang="de-DE" smtClean="0"/>
-              <a:pPr/>
-              <a:t>13</a:t>
-            </a:fld>
-            <a:endParaRPr lang="de-DE" dirty="0"/>
-          </a:p>
-        </p:txBody>
-      </p:sp>
-      <p:sp>
-        <p:nvSpPr>
-          <p:cNvPr id="7" name="Fußzeilenplatzhalter 4"/>
-          <p:cNvSpPr>
-            <a:spLocks noGrp="1"/>
-          </p:cNvSpPr>
-          <p:nvPr>
-            <p:ph type="ftr" sz="quarter" idx="12"/>
-          </p:nvPr>
-        </p:nvSpPr>
-        <p:spPr/>
-        <p:txBody>
-          <a:bodyPr/>
-          <a:lstStyle/>
-          <a:p>
-            <a:r>
-              <a:rPr lang="de-DE"/>
-              <a:t>Dr. rer. nat. Erika Mustermann (TUM) | kann beliebig erweitert werden | Infos mit Strich trennen</a:t>
-            </a:r>
-            <a:endParaRPr lang="en-US" dirty="0"/>
-          </a:p>
-        </p:txBody>
-      </p:sp>
-      <p:sp>
-        <p:nvSpPr>
-          <p:cNvPr id="3" name="Titel 2"/>
-          <p:cNvSpPr>
-            <a:spLocks noGrp="1"/>
-          </p:cNvSpPr>
-          <p:nvPr>
-            <p:ph type="title"/>
-          </p:nvPr>
-        </p:nvSpPr>
-        <p:spPr>
-          <a:prstGeom prst="rect">
-            <a:avLst/>
-          </a:prstGeom>
-        </p:spPr>
-        <p:txBody>
-          <a:bodyPr/>
-          <a:lstStyle/>
-          <a:p>
-            <a:r>
-              <a:rPr sz="3000" dirty="0"/>
-              <a:t>Gültigkeit der Masterfolien</a:t>
-            </a:r>
-            <a:endParaRPr lang="de-DE" sz="3000" dirty="0"/>
-          </a:p>
-        </p:txBody>
-      </p:sp>
-    </p:spTree>
-  </p:cSld>
-  <p:clrMapOvr>
-    <a:masterClrMapping/>
-  </p:clrMapOvr>
-</p:sld>
-</file>
-
-<file path=ppt/slides/slide14.xml><?xml version="1.0" encoding="utf-8"?>
-<p:sld xmlns:a="http://schemas.openxmlformats.org/drawingml/2006/main" xmlns:r="http://schemas.openxmlformats.org/officeDocument/2006/relationships" xmlns:p="http://schemas.openxmlformats.org/presentationml/2006/main">
-  <p:cSld>
-    <p:spTree>
-      <p:nvGrpSpPr>
-        <p:cNvPr id="1" name=""/>
-        <p:cNvGrpSpPr/>
-        <p:nvPr/>
-      </p:nvGrpSpPr>
-      <p:grpSpPr>
-        <a:xfrm>
-          <a:off x="0" y="0"/>
-          <a:ext cx="0" cy="0"/>
-          <a:chOff x="0" y="0"/>
-          <a:chExt cx="0" cy="0"/>
-        </a:xfrm>
-      </p:grpSpPr>
-      <p:sp>
-        <p:nvSpPr>
-          <p:cNvPr id="2" name="Inhaltsplatzhalter 1"/>
-          <p:cNvSpPr>
-            <a:spLocks noGrp="1"/>
-          </p:cNvSpPr>
-          <p:nvPr>
-            <p:ph idx="1"/>
-          </p:nvPr>
-        </p:nvSpPr>
-        <p:spPr/>
-        <p:txBody>
-          <a:bodyPr/>
-          <a:lstStyle/>
-          <a:p>
-            <a:r>
-              <a:rPr dirty="0"/>
-              <a:t>Als Grundlage dient der Corporate Design Style Guide der TUM.</a:t>
-            </a:r>
-            <a:br>
-              <a:rPr dirty="0"/>
-            </a:br>
-            <a:r>
-              <a:rPr dirty="0"/>
-              <a:t>Die Präsentationsvorlage ist auf gute Lesbarkeit und klare Darstellung von Informationen optimiert.</a:t>
-            </a:r>
-          </a:p>
-        </p:txBody>
-      </p:sp>
-      <p:sp>
-        <p:nvSpPr>
-          <p:cNvPr id="4" name="Foliennummernplatzhalter 3"/>
-          <p:cNvSpPr>
-            <a:spLocks noGrp="1"/>
-          </p:cNvSpPr>
-          <p:nvPr>
-            <p:ph type="sldNum" sz="quarter" idx="11"/>
-          </p:nvPr>
-        </p:nvSpPr>
-        <p:spPr/>
-        <p:txBody>
-          <a:bodyPr/>
-          <a:lstStyle/>
-          <a:p>
-            <a:fld id="{CE58CB1E-F828-4F11-99E0-327109AF9DA4}" type="slidenum">
-              <a:rPr lang="de-DE" smtClean="0"/>
-              <a:pPr/>
-              <a:t>14</a:t>
-            </a:fld>
-            <a:endParaRPr lang="de-DE" dirty="0"/>
-          </a:p>
-        </p:txBody>
-      </p:sp>
-      <p:sp>
-        <p:nvSpPr>
-          <p:cNvPr id="6" name="Fußzeilenplatzhalter 4"/>
-          <p:cNvSpPr>
-            <a:spLocks noGrp="1"/>
-          </p:cNvSpPr>
-          <p:nvPr>
-            <p:ph type="ftr" sz="quarter" idx="12"/>
-          </p:nvPr>
-        </p:nvSpPr>
-        <p:spPr/>
-        <p:txBody>
-          <a:bodyPr/>
-          <a:lstStyle/>
-          <a:p>
-            <a:r>
-              <a:rPr lang="de-DE"/>
-              <a:t>Dr. rer. nat. Erika Mustermann (TUM) | kann beliebig erweitert werden | Infos mit Strich trennen</a:t>
-            </a:r>
-            <a:endParaRPr lang="en-US" dirty="0"/>
-          </a:p>
-        </p:txBody>
-      </p:sp>
-      <p:sp>
-        <p:nvSpPr>
-          <p:cNvPr id="3" name="Titel 2"/>
-          <p:cNvSpPr>
-            <a:spLocks noGrp="1"/>
-          </p:cNvSpPr>
-          <p:nvPr>
-            <p:ph type="title"/>
-          </p:nvPr>
-        </p:nvSpPr>
-        <p:spPr>
-          <a:prstGeom prst="rect">
-            <a:avLst/>
-          </a:prstGeom>
-        </p:spPr>
-        <p:txBody>
-          <a:bodyPr/>
-          <a:lstStyle/>
-          <a:p>
-            <a:r>
-              <a:rPr sz="3000" dirty="0"/>
-              <a:t>Grundlage der Masterfolien</a:t>
-            </a:r>
-            <a:endParaRPr lang="de-DE" sz="3000" dirty="0"/>
-          </a:p>
-        </p:txBody>
-      </p:sp>
-    </p:spTree>
-  </p:cSld>
-  <p:clrMapOvr>
-    <a:masterClrMapping/>
-  </p:clrMapOvr>
-</p:sld>
-</file>
-
-<file path=ppt/slides/slide15.xml><?xml version="1.0" encoding="utf-8"?>
-<p:sld xmlns:a="http://schemas.openxmlformats.org/drawingml/2006/main" xmlns:r="http://schemas.openxmlformats.org/officeDocument/2006/relationships" xmlns:p="http://schemas.openxmlformats.org/presentationml/2006/main">
-  <p:cSld>
-    <p:spTree>
-      <p:nvGrpSpPr>
-        <p:cNvPr id="1" name=""/>
-        <p:cNvGrpSpPr/>
-        <p:nvPr/>
-      </p:nvGrpSpPr>
-      <p:grpSpPr>
-        <a:xfrm>
-          <a:off x="0" y="0"/>
-          <a:ext cx="0" cy="0"/>
-          <a:chOff x="0" y="0"/>
-          <a:chExt cx="0" cy="0"/>
-        </a:xfrm>
-      </p:grpSpPr>
-      <p:sp>
-        <p:nvSpPr>
-          <p:cNvPr id="2" name="Inhaltsplatzhalter 1"/>
-          <p:cNvSpPr>
-            <a:spLocks noGrp="1"/>
-          </p:cNvSpPr>
-          <p:nvPr>
-            <p:ph idx="1"/>
-          </p:nvPr>
-        </p:nvSpPr>
-        <p:spPr>
-          <a:xfrm>
-            <a:off x="319090" y="2105024"/>
-            <a:ext cx="8508999" cy="4356735"/>
-          </a:xfrm>
-        </p:spPr>
-        <p:txBody>
-          <a:bodyPr/>
-          <a:lstStyle/>
-          <a:p>
-            <a:r>
-              <a:rPr dirty="0"/>
-              <a:t>Als Grundlage dient der Corporate Design Style Guide der TUM.</a:t>
-            </a:r>
-            <a:br>
-              <a:rPr dirty="0"/>
-            </a:br>
-            <a:r>
-              <a:rPr dirty="0"/>
-              <a:t>Die Präsentationsvorlage ist auf gute Lesbarkeit und klare Darstellung von Informationen optimiert.</a:t>
-            </a:r>
-          </a:p>
-        </p:txBody>
-      </p:sp>
-      <p:sp>
-        <p:nvSpPr>
-          <p:cNvPr id="4" name="Foliennummernplatzhalter 3"/>
-          <p:cNvSpPr>
-            <a:spLocks noGrp="1"/>
-          </p:cNvSpPr>
-          <p:nvPr>
-            <p:ph type="sldNum" sz="quarter" idx="11"/>
-          </p:nvPr>
-        </p:nvSpPr>
-        <p:spPr/>
-        <p:txBody>
-          <a:bodyPr/>
-          <a:lstStyle/>
-          <a:p>
-            <a:fld id="{CE58CB1E-F828-4F11-99E0-327109AF9DA4}" type="slidenum">
-              <a:rPr lang="de-DE" smtClean="0"/>
-              <a:pPr/>
-              <a:t>15</a:t>
-            </a:fld>
-            <a:endParaRPr lang="de-DE" dirty="0"/>
-          </a:p>
-        </p:txBody>
-      </p:sp>
-      <p:sp>
-        <p:nvSpPr>
-          <p:cNvPr id="6" name="Fußzeilenplatzhalter 4"/>
-          <p:cNvSpPr>
-            <a:spLocks noGrp="1"/>
-          </p:cNvSpPr>
-          <p:nvPr>
-            <p:ph type="ftr" sz="quarter" idx="12"/>
-          </p:nvPr>
-        </p:nvSpPr>
-        <p:spPr/>
-        <p:txBody>
-          <a:bodyPr/>
-          <a:lstStyle/>
-          <a:p>
-            <a:r>
-              <a:rPr lang="de-DE"/>
-              <a:t>Dr. rer. nat. Erika Mustermann (TUM) | kann beliebig erweitert werden | Infos mit Strich trennen</a:t>
-            </a:r>
-            <a:endParaRPr lang="en-US" dirty="0"/>
-          </a:p>
-        </p:txBody>
-      </p:sp>
-      <p:sp>
-        <p:nvSpPr>
-          <p:cNvPr id="3" name="Titel 2"/>
-          <p:cNvSpPr>
-            <a:spLocks noGrp="1"/>
-          </p:cNvSpPr>
-          <p:nvPr>
-            <p:ph type="title"/>
-          </p:nvPr>
-        </p:nvSpPr>
-        <p:spPr>
-          <a:xfrm>
-            <a:off x="319090" y="994334"/>
-            <a:ext cx="8508999" cy="820738"/>
-          </a:xfrm>
-          <a:prstGeom prst="rect">
-            <a:avLst/>
-          </a:prstGeom>
-        </p:spPr>
-        <p:txBody>
-          <a:bodyPr/>
-          <a:lstStyle/>
-          <a:p>
-            <a:r>
-              <a:rPr lang="de-DE" dirty="0"/>
-              <a:t>Hier steht eine Überschrift</a:t>
-            </a:r>
-            <a:br>
-              <a:rPr lang="de-DE" dirty="0"/>
-            </a:br>
-            <a:r>
-              <a:rPr lang="de-DE" dirty="0"/>
-              <a:t>max. 2-zeilig</a:t>
-            </a:r>
-          </a:p>
-        </p:txBody>
-      </p:sp>
-    </p:spTree>
-  </p:cSld>
-  <p:clrMapOvr>
-    <a:masterClrMapping/>
-  </p:clrMapOvr>
-</p:sld>
-</file>
-
-<file path=ppt/slides/slide16.xml><?xml version="1.0" encoding="utf-8"?>
-<p:sld xmlns:a="http://schemas.openxmlformats.org/drawingml/2006/main" xmlns:r="http://schemas.openxmlformats.org/officeDocument/2006/relationships" xmlns:p="http://schemas.openxmlformats.org/presentationml/2006/main">
-  <p:cSld>
-    <p:spTree>
-      <p:nvGrpSpPr>
-        <p:cNvPr id="1" name=""/>
-        <p:cNvGrpSpPr/>
-        <p:nvPr/>
-      </p:nvGrpSpPr>
-      <p:grpSpPr>
-        <a:xfrm>
-          <a:off x="0" y="0"/>
-          <a:ext cx="0" cy="0"/>
-          <a:chOff x="0" y="0"/>
-          <a:chExt cx="0" cy="0"/>
-        </a:xfrm>
-      </p:grpSpPr>
-      <p:sp>
-        <p:nvSpPr>
-          <p:cNvPr id="2" name="Inhaltsplatzhalter 1"/>
-          <p:cNvSpPr>
-            <a:spLocks noGrp="1"/>
-          </p:cNvSpPr>
-          <p:nvPr>
-            <p:ph idx="1"/>
-          </p:nvPr>
-        </p:nvSpPr>
-        <p:spPr/>
-        <p:txBody>
-          <a:bodyPr/>
-          <a:lstStyle/>
-          <a:p>
-            <a:r>
-              <a:rPr dirty="0"/>
-              <a:t>Das Grundprinzip ist, Informationen bestmöglich zu transportieren. Dazu muss vor allem die Schrift einheitlich und für alle im Raum lesbar sein. </a:t>
-            </a:r>
-          </a:p>
-          <a:p>
-            <a:endParaRPr dirty="0"/>
-          </a:p>
-          <a:p>
-            <a:r>
-              <a:rPr dirty="0" err="1"/>
-              <a:t>Schriftart</a:t>
-            </a:r>
-            <a:r>
-              <a:rPr dirty="0"/>
-              <a:t>: Arial</a:t>
-            </a:r>
-          </a:p>
-          <a:p>
-            <a:endParaRPr dirty="0"/>
-          </a:p>
-          <a:p>
-            <a:r>
-              <a:rPr dirty="0" err="1"/>
-              <a:t>Schriftgr</a:t>
-            </a:r>
-            <a:r>
-              <a:rPr lang="de-DE" dirty="0" err="1"/>
-              <a:t>ößen</a:t>
-            </a:r>
-            <a:r>
-              <a:rPr dirty="0"/>
-              <a:t>:</a:t>
-            </a:r>
-            <a:r>
-              <a:rPr lang="de-DE" dirty="0"/>
-              <a:t>30 | 22 | 16 | 12</a:t>
-            </a:r>
-            <a:endParaRPr dirty="0"/>
-          </a:p>
-          <a:p>
-            <a:endParaRPr dirty="0"/>
-          </a:p>
-          <a:p>
-            <a:r>
-              <a:rPr dirty="0" err="1"/>
-              <a:t>Zeilenabstand</a:t>
-            </a:r>
-            <a:r>
-              <a:rPr dirty="0"/>
-              <a:t>: 1,15mm</a:t>
-            </a:r>
-          </a:p>
-          <a:p>
-            <a:endParaRPr dirty="0"/>
-          </a:p>
-          <a:p>
-            <a:r>
-              <a:rPr dirty="0"/>
-              <a:t>Die Einstellungen sind in den Textfeldern und Textfeldvorlagen dieses ppt-Masters als Standard eingestellt. Bei Diagrammen und Tabellen muss die Schriftgröße ggf. angepasst werden.</a:t>
-            </a:r>
-            <a:r>
-              <a:rPr lang="de-DE" dirty="0"/>
-              <a:t> Für Auszeichnungen im Fließtext kann auch </a:t>
-            </a:r>
-            <a:r>
-              <a:rPr lang="de-DE" b="1" dirty="0"/>
-              <a:t>fett </a:t>
-            </a:r>
-            <a:r>
-              <a:rPr lang="de-DE" dirty="0"/>
-              <a:t>markiert werden.</a:t>
-            </a:r>
-            <a:endParaRPr dirty="0"/>
-          </a:p>
-          <a:p>
-            <a:r>
-              <a:rPr dirty="0"/>
-              <a:t>Bei großer Distanz bzw. </a:t>
-            </a:r>
-            <a:r>
-              <a:rPr dirty="0" err="1"/>
-              <a:t>kleinem</a:t>
-            </a:r>
-            <a:r>
-              <a:rPr dirty="0"/>
-              <a:t> </a:t>
-            </a:r>
-            <a:r>
-              <a:rPr dirty="0" err="1"/>
-              <a:t>Präsentationsmedium</a:t>
-            </a:r>
-            <a:r>
-              <a:rPr dirty="0"/>
-              <a:t> kann der Schriftgrad notfalls proportional erhöht werden.</a:t>
-            </a:r>
-          </a:p>
-        </p:txBody>
-      </p:sp>
-      <p:sp>
-        <p:nvSpPr>
-          <p:cNvPr id="4" name="Foliennummernplatzhalter 3"/>
-          <p:cNvSpPr>
-            <a:spLocks noGrp="1"/>
-          </p:cNvSpPr>
-          <p:nvPr>
-            <p:ph type="sldNum" sz="quarter" idx="11"/>
-          </p:nvPr>
-        </p:nvSpPr>
-        <p:spPr>
-          <a:prstGeom prst="rect">
-            <a:avLst/>
-          </a:prstGeom>
-        </p:spPr>
-        <p:txBody>
-          <a:bodyPr/>
-          <a:lstStyle/>
-          <a:p>
-            <a:fld id="{CE58CB1E-F828-4F11-99E0-327109AF9DA4}" type="slidenum">
-              <a:rPr lang="de-DE" smtClean="0"/>
-              <a:pPr/>
-              <a:t>16</a:t>
-            </a:fld>
-            <a:endParaRPr lang="de-DE" dirty="0"/>
-          </a:p>
-        </p:txBody>
-      </p:sp>
-      <p:sp>
-        <p:nvSpPr>
-          <p:cNvPr id="6" name="Fußzeilenplatzhalter 4"/>
-          <p:cNvSpPr>
-            <a:spLocks noGrp="1"/>
-          </p:cNvSpPr>
-          <p:nvPr>
-            <p:ph type="ftr" sz="quarter" idx="12"/>
-          </p:nvPr>
-        </p:nvSpPr>
-        <p:spPr/>
-        <p:txBody>
-          <a:bodyPr/>
-          <a:lstStyle/>
-          <a:p>
-            <a:r>
-              <a:rPr lang="de-DE"/>
-              <a:t>Dr. rer. nat. Erika Mustermann (TUM) | kann beliebig erweitert werden | Infos mit Strich trennen</a:t>
-            </a:r>
-            <a:endParaRPr lang="en-US" dirty="0"/>
-          </a:p>
-        </p:txBody>
-      </p:sp>
-      <p:sp>
-        <p:nvSpPr>
-          <p:cNvPr id="3" name="Titel 2"/>
-          <p:cNvSpPr>
-            <a:spLocks noGrp="1"/>
-          </p:cNvSpPr>
-          <p:nvPr>
-            <p:ph type="title"/>
-          </p:nvPr>
-        </p:nvSpPr>
-        <p:spPr>
-          <a:prstGeom prst="rect">
-            <a:avLst/>
-          </a:prstGeom>
-        </p:spPr>
-        <p:txBody>
-          <a:bodyPr/>
-          <a:lstStyle/>
-          <a:p>
-            <a:r>
-              <a:rPr sz="3000" dirty="0"/>
-              <a:t>Schrift</a:t>
-            </a:r>
-            <a:endParaRPr lang="de-DE" sz="3000" dirty="0"/>
-          </a:p>
-        </p:txBody>
-      </p:sp>
-    </p:spTree>
-  </p:cSld>
-  <p:clrMapOvr>
-    <a:masterClrMapping/>
-  </p:clrMapOvr>
-</p:sld>
-</file>
-
-<file path=ppt/slides/slide17.xml><?xml version="1.0" encoding="utf-8"?>
-<p:sld xmlns:a="http://schemas.openxmlformats.org/drawingml/2006/main" xmlns:r="http://schemas.openxmlformats.org/officeDocument/2006/relationships" xmlns:p="http://schemas.openxmlformats.org/presentationml/2006/main">
-  <p:cSld>
-    <p:spTree>
-      <p:nvGrpSpPr>
-        <p:cNvPr id="1" name=""/>
-        <p:cNvGrpSpPr/>
-        <p:nvPr/>
-      </p:nvGrpSpPr>
-      <p:grpSpPr>
-        <a:xfrm>
-          <a:off x="0" y="0"/>
-          <a:ext cx="0" cy="0"/>
-          <a:chOff x="0" y="0"/>
-          <a:chExt cx="0" cy="0"/>
-        </a:xfrm>
-      </p:grpSpPr>
-      <p:sp>
-        <p:nvSpPr>
-          <p:cNvPr id="2" name="Inhaltsplatzhalter 1"/>
-          <p:cNvSpPr>
-            <a:spLocks noGrp="1"/>
-          </p:cNvSpPr>
-          <p:nvPr>
-            <p:ph idx="1"/>
-          </p:nvPr>
-        </p:nvSpPr>
-        <p:spPr/>
-        <p:txBody>
-          <a:bodyPr/>
-          <a:lstStyle/>
-          <a:p>
-            <a:r>
-              <a:rPr dirty="0"/>
-              <a:t>Als erstes soll mit schwarz und weiß gearbeitet werden.</a:t>
-            </a:r>
-            <a:br>
-              <a:rPr dirty="0"/>
-            </a:br>
-            <a:r>
-              <a:rPr dirty="0"/>
-              <a:t>Für Aufwändigere Darstellungen sind Farben mit Bedacht und in möglichst geringem Umfang einzusetzen.</a:t>
-            </a:r>
-            <a:br>
-              <a:rPr dirty="0"/>
-            </a:br>
-            <a:endParaRPr dirty="0"/>
-          </a:p>
-          <a:p>
-            <a:r>
-              <a:rPr dirty="0"/>
-              <a:t>In diesem Folienmaster ist die Farbpalette festgelegt.</a:t>
-            </a:r>
-          </a:p>
-          <a:p>
-            <a:endParaRPr dirty="0"/>
-          </a:p>
-          <a:p>
-            <a:r>
-              <a:rPr dirty="0"/>
-              <a:t>Zuerst mit </a:t>
-            </a:r>
-            <a:r>
-              <a:rPr lang="de-DE" dirty="0"/>
-              <a:t>den Primärfarben </a:t>
-            </a:r>
-            <a:r>
-              <a:rPr dirty="0"/>
-              <a:t>arbeiten</a:t>
-            </a:r>
-            <a:r>
-              <a:rPr lang="de-DE" dirty="0"/>
-              <a:t>.</a:t>
-            </a:r>
-          </a:p>
-          <a:p>
-            <a:endParaRPr lang="de-DE" dirty="0"/>
-          </a:p>
-          <a:p>
-            <a:endParaRPr lang="de-DE" dirty="0"/>
-          </a:p>
-          <a:p>
-            <a:r>
-              <a:rPr dirty="0"/>
-              <a:t>Für z.B. komplexe Diagramme stehen noch</a:t>
-            </a:r>
-            <a:r>
-              <a:rPr lang="de-DE" dirty="0"/>
-              <a:t>Sekundärfarben </a:t>
-            </a:r>
-            <a:r>
-              <a:rPr dirty="0"/>
-              <a:t>zur Verfügung.</a:t>
-            </a:r>
-          </a:p>
-          <a:p>
-            <a:endParaRPr dirty="0"/>
-          </a:p>
-          <a:p>
-            <a:endParaRPr dirty="0"/>
-          </a:p>
-          <a:p>
-            <a:r>
-              <a:rPr lang="de-DE" dirty="0"/>
-              <a:t>Gering im Einsatz sind die Akzentfarben.</a:t>
-            </a:r>
-            <a:endParaRPr dirty="0"/>
-          </a:p>
-          <a:p>
-            <a:endParaRPr dirty="0"/>
-          </a:p>
-        </p:txBody>
-      </p:sp>
-      <p:sp>
-        <p:nvSpPr>
-          <p:cNvPr id="4" name="Foliennummernplatzhalter 3"/>
-          <p:cNvSpPr>
-            <a:spLocks noGrp="1"/>
-          </p:cNvSpPr>
-          <p:nvPr>
-            <p:ph type="sldNum" sz="quarter" idx="11"/>
-          </p:nvPr>
-        </p:nvSpPr>
-        <p:spPr>
-          <a:prstGeom prst="rect">
-            <a:avLst/>
-          </a:prstGeom>
-        </p:spPr>
-        <p:txBody>
-          <a:bodyPr/>
-          <a:lstStyle/>
-          <a:p>
-            <a:fld id="{CE58CB1E-F828-4F11-99E0-327109AF9DA4}" type="slidenum">
-              <a:rPr lang="de-DE" smtClean="0"/>
-              <a:pPr/>
-              <a:t>17</a:t>
-            </a:fld>
-            <a:endParaRPr lang="de-DE" dirty="0"/>
-          </a:p>
-        </p:txBody>
-      </p:sp>
-      <p:sp>
-        <p:nvSpPr>
-          <p:cNvPr id="19" name="Fußzeilenplatzhalter 4"/>
-          <p:cNvSpPr>
-            <a:spLocks noGrp="1"/>
-          </p:cNvSpPr>
-          <p:nvPr>
-            <p:ph type="ftr" sz="quarter" idx="12"/>
-          </p:nvPr>
-        </p:nvSpPr>
-        <p:spPr/>
-        <p:txBody>
-          <a:bodyPr/>
-          <a:lstStyle/>
-          <a:p>
-            <a:r>
-              <a:rPr lang="de-DE"/>
-              <a:t>Dr. rer. nat. Erika Mustermann (TUM) | kann beliebig erweitert werden | Infos mit Strich trennen</a:t>
-            </a:r>
-            <a:endParaRPr lang="en-US" dirty="0"/>
-          </a:p>
-        </p:txBody>
-      </p:sp>
-      <p:sp>
-        <p:nvSpPr>
-          <p:cNvPr id="3" name="Titel 2"/>
-          <p:cNvSpPr>
-            <a:spLocks noGrp="1"/>
-          </p:cNvSpPr>
-          <p:nvPr>
-            <p:ph type="title"/>
-          </p:nvPr>
-        </p:nvSpPr>
-        <p:spPr>
-          <a:prstGeom prst="rect">
-            <a:avLst/>
-          </a:prstGeom>
-        </p:spPr>
-        <p:txBody>
-          <a:bodyPr/>
-          <a:lstStyle/>
-          <a:p>
-            <a:r>
-              <a:rPr sz="3000" dirty="0"/>
-              <a:t>Farben</a:t>
-            </a:r>
-            <a:endParaRPr lang="de-DE" sz="3000" dirty="0"/>
-          </a:p>
-        </p:txBody>
-      </p:sp>
-      <p:sp>
-        <p:nvSpPr>
-          <p:cNvPr id="14" name="Rechteck 13"/>
-          <p:cNvSpPr/>
-          <p:nvPr/>
-        </p:nvSpPr>
-        <p:spPr>
-          <a:xfrm>
-            <a:off x="321735" y="3843868"/>
-            <a:ext cx="855132" cy="245531"/>
-          </a:xfrm>
-          <a:prstGeom prst="rect">
-            <a:avLst/>
-          </a:prstGeom>
-          <a:solidFill>
-            <a:schemeClr val="bg2"/>
-          </a:solidFill>
-          <a:ln>
-            <a:noFill/>
-          </a:ln>
-        </p:spPr>
-        <p:style>
-          <a:lnRef idx="2">
-            <a:schemeClr val="accent1">
-              <a:shade val="50000"/>
-            </a:schemeClr>
-          </a:lnRef>
-          <a:fillRef idx="1">
-            <a:schemeClr val="accent1"/>
-          </a:fillRef>
-          <a:effectRef idx="0">
-            <a:schemeClr val="accent1"/>
-          </a:effectRef>
-          <a:fontRef idx="minor">
-            <a:schemeClr val="lt1"/>
-          </a:fontRef>
-        </p:style>
-        <p:txBody>
-          <a:bodyPr rot="0" spcFirstLastPara="0" vertOverflow="overflow" horzOverflow="overflow" vert="horz" wrap="square" lIns="91440" tIns="45720" rIns="91440" bIns="45720" numCol="1" spcCol="0" rtlCol="0" fromWordArt="0" anchor="t" anchorCtr="0" forceAA="0" compatLnSpc="1">
-            <a:prstTxWarp prst="textNoShape">
-              <a:avLst/>
-            </a:prstTxWarp>
-            <a:noAutofit/>
-          </a:bodyPr>
-          <a:lstStyle/>
-          <a:p>
-            <a:pPr algn="ctr">
-              <a:lnSpc>
-                <a:spcPct val="114000"/>
-              </a:lnSpc>
-            </a:pPr>
-            <a:endParaRPr lang="de-DE" dirty="0">
-              <a:solidFill>
-                <a:schemeClr val="accent1"/>
-              </a:solidFill>
-            </a:endParaRPr>
-          </a:p>
-        </p:txBody>
-      </p:sp>
-      <p:sp>
-        <p:nvSpPr>
-          <p:cNvPr id="24" name="Rechteck 23"/>
-          <p:cNvSpPr/>
-          <p:nvPr/>
-        </p:nvSpPr>
-        <p:spPr>
-          <a:xfrm>
-            <a:off x="1295402" y="3843868"/>
-            <a:ext cx="855132" cy="245531"/>
-          </a:xfrm>
-          <a:prstGeom prst="rect">
-            <a:avLst/>
-          </a:prstGeom>
-          <a:solidFill>
-            <a:schemeClr val="tx1"/>
-          </a:solidFill>
-          <a:ln>
-            <a:noFill/>
-          </a:ln>
-        </p:spPr>
-        <p:style>
-          <a:lnRef idx="2">
-            <a:schemeClr val="accent1">
-              <a:shade val="50000"/>
-            </a:schemeClr>
-          </a:lnRef>
-          <a:fillRef idx="1">
-            <a:schemeClr val="accent1"/>
-          </a:fillRef>
-          <a:effectRef idx="0">
-            <a:schemeClr val="accent1"/>
-          </a:effectRef>
-          <a:fontRef idx="minor">
-            <a:schemeClr val="lt1"/>
-          </a:fontRef>
-        </p:style>
-        <p:txBody>
-          <a:bodyPr rot="0" spcFirstLastPara="0" vertOverflow="overflow" horzOverflow="overflow" vert="horz" wrap="square" lIns="91440" tIns="45720" rIns="91440" bIns="45720" numCol="1" spcCol="0" rtlCol="0" fromWordArt="0" anchor="t" anchorCtr="0" forceAA="0" compatLnSpc="1">
-            <a:prstTxWarp prst="textNoShape">
-              <a:avLst/>
-            </a:prstTxWarp>
-            <a:noAutofit/>
-          </a:bodyPr>
-          <a:lstStyle/>
-          <a:p>
-            <a:pPr algn="ctr">
-              <a:lnSpc>
-                <a:spcPct val="114000"/>
-              </a:lnSpc>
-            </a:pPr>
-            <a:endParaRPr lang="de-DE" dirty="0">
-              <a:solidFill>
-                <a:schemeClr val="tx1"/>
-              </a:solidFill>
-            </a:endParaRPr>
-          </a:p>
-        </p:txBody>
-      </p:sp>
-      <p:sp>
-        <p:nvSpPr>
-          <p:cNvPr id="25" name="Rechteck 24"/>
-          <p:cNvSpPr/>
-          <p:nvPr/>
-        </p:nvSpPr>
-        <p:spPr>
-          <a:xfrm>
-            <a:off x="2260602" y="3843868"/>
-            <a:ext cx="855132" cy="245531"/>
-          </a:xfrm>
-          <a:prstGeom prst="rect">
-            <a:avLst/>
-          </a:prstGeom>
-          <a:solidFill>
-            <a:schemeClr val="bg1"/>
-          </a:solidFill>
-          <a:ln w="6350" cap="flat" cmpd="sng" algn="ctr">
-            <a:solidFill>
-              <a:schemeClr val="tx1"/>
-            </a:solidFill>
-            <a:prstDash val="solid"/>
-            <a:round/>
-            <a:headEnd type="none" w="med" len="med"/>
-            <a:tailEnd type="none" w="med" len="med"/>
-          </a:ln>
-        </p:spPr>
-        <p:style>
-          <a:lnRef idx="2">
-            <a:schemeClr val="accent1">
-              <a:shade val="50000"/>
-            </a:schemeClr>
-          </a:lnRef>
-          <a:fillRef idx="1">
-            <a:schemeClr val="accent1"/>
-          </a:fillRef>
-          <a:effectRef idx="0">
-            <a:schemeClr val="accent1"/>
-          </a:effectRef>
-          <a:fontRef idx="minor">
-            <a:schemeClr val="lt1"/>
-          </a:fontRef>
-        </p:style>
-        <p:txBody>
-          <a:bodyPr rot="0" spcFirstLastPara="0" vertOverflow="overflow" horzOverflow="overflow" vert="horz" wrap="square" lIns="91440" tIns="45720" rIns="91440" bIns="45720" numCol="1" spcCol="0" rtlCol="0" fromWordArt="0" anchor="t" anchorCtr="0" forceAA="0" compatLnSpc="1">
-            <a:prstTxWarp prst="textNoShape">
-              <a:avLst/>
-            </a:prstTxWarp>
-            <a:noAutofit/>
-          </a:bodyPr>
-          <a:lstStyle/>
-          <a:p>
-            <a:pPr algn="ctr">
-              <a:lnSpc>
-                <a:spcPct val="114000"/>
-              </a:lnSpc>
-            </a:pPr>
-            <a:endParaRPr lang="de-DE" dirty="0"/>
-          </a:p>
-        </p:txBody>
-      </p:sp>
-      <p:sp>
-        <p:nvSpPr>
-          <p:cNvPr id="26" name="Rechteck 25"/>
-          <p:cNvSpPr/>
-          <p:nvPr/>
-        </p:nvSpPr>
-        <p:spPr>
-          <a:xfrm>
-            <a:off x="321735" y="4665135"/>
-            <a:ext cx="855132" cy="245531"/>
-          </a:xfrm>
-          <a:prstGeom prst="rect">
-            <a:avLst/>
-          </a:prstGeom>
-          <a:solidFill>
-            <a:schemeClr val="accent1"/>
-          </a:solidFill>
-          <a:ln>
-            <a:noFill/>
-          </a:ln>
-        </p:spPr>
-        <p:style>
-          <a:lnRef idx="2">
-            <a:schemeClr val="accent1">
-              <a:shade val="50000"/>
-            </a:schemeClr>
-          </a:lnRef>
-          <a:fillRef idx="1">
-            <a:schemeClr val="accent1"/>
-          </a:fillRef>
-          <a:effectRef idx="0">
-            <a:schemeClr val="accent1"/>
-          </a:effectRef>
-          <a:fontRef idx="minor">
-            <a:schemeClr val="lt1"/>
-          </a:fontRef>
-        </p:style>
-        <p:txBody>
-          <a:bodyPr rot="0" spcFirstLastPara="0" vertOverflow="overflow" horzOverflow="overflow" vert="horz" wrap="square" lIns="91440" tIns="45720" rIns="91440" bIns="45720" numCol="1" spcCol="0" rtlCol="0" fromWordArt="0" anchor="t" anchorCtr="0" forceAA="0" compatLnSpc="1">
-            <a:prstTxWarp prst="textNoShape">
-              <a:avLst/>
-            </a:prstTxWarp>
-            <a:noAutofit/>
-          </a:bodyPr>
-          <a:lstStyle/>
-          <a:p>
-            <a:pPr algn="ctr">
-              <a:lnSpc>
-                <a:spcPct val="114000"/>
-              </a:lnSpc>
-            </a:pPr>
-            <a:endParaRPr lang="de-DE" dirty="0"/>
-          </a:p>
-        </p:txBody>
-      </p:sp>
-      <p:sp>
-        <p:nvSpPr>
-          <p:cNvPr id="27" name="Rechteck 26"/>
-          <p:cNvSpPr/>
-          <p:nvPr/>
-        </p:nvSpPr>
-        <p:spPr>
-          <a:xfrm>
-            <a:off x="1295402" y="4665135"/>
-            <a:ext cx="855132" cy="245531"/>
-          </a:xfrm>
-          <a:prstGeom prst="rect">
-            <a:avLst/>
-          </a:prstGeom>
-          <a:solidFill>
-            <a:schemeClr val="accent2"/>
-          </a:solidFill>
-          <a:ln>
-            <a:noFill/>
-          </a:ln>
-        </p:spPr>
-        <p:style>
-          <a:lnRef idx="2">
-            <a:schemeClr val="accent1">
-              <a:shade val="50000"/>
-            </a:schemeClr>
-          </a:lnRef>
-          <a:fillRef idx="1">
-            <a:schemeClr val="accent1"/>
-          </a:fillRef>
-          <a:effectRef idx="0">
-            <a:schemeClr val="accent1"/>
-          </a:effectRef>
-          <a:fontRef idx="minor">
-            <a:schemeClr val="lt1"/>
-          </a:fontRef>
-        </p:style>
-        <p:txBody>
-          <a:bodyPr rot="0" spcFirstLastPara="0" vertOverflow="overflow" horzOverflow="overflow" vert="horz" wrap="square" lIns="91440" tIns="45720" rIns="91440" bIns="45720" numCol="1" spcCol="0" rtlCol="0" fromWordArt="0" anchor="t" anchorCtr="0" forceAA="0" compatLnSpc="1">
-            <a:prstTxWarp prst="textNoShape">
-              <a:avLst/>
-            </a:prstTxWarp>
-            <a:noAutofit/>
-          </a:bodyPr>
-          <a:lstStyle/>
-          <a:p>
-            <a:pPr algn="ctr">
-              <a:lnSpc>
-                <a:spcPct val="114000"/>
-              </a:lnSpc>
-            </a:pPr>
-            <a:endParaRPr lang="de-DE" dirty="0"/>
-          </a:p>
-        </p:txBody>
-      </p:sp>
-      <p:sp>
-        <p:nvSpPr>
-          <p:cNvPr id="28" name="Rechteck 27"/>
-          <p:cNvSpPr/>
-          <p:nvPr/>
-        </p:nvSpPr>
-        <p:spPr>
-          <a:xfrm>
-            <a:off x="2260602" y="4665135"/>
-            <a:ext cx="855132" cy="245531"/>
-          </a:xfrm>
-          <a:prstGeom prst="rect">
-            <a:avLst/>
-          </a:prstGeom>
-          <a:solidFill>
-            <a:schemeClr val="accent3"/>
-          </a:solidFill>
-          <a:ln>
-            <a:noFill/>
-          </a:ln>
-        </p:spPr>
-        <p:style>
-          <a:lnRef idx="2">
-            <a:schemeClr val="accent1">
-              <a:shade val="50000"/>
-            </a:schemeClr>
-          </a:lnRef>
-          <a:fillRef idx="1">
-            <a:schemeClr val="accent1"/>
-          </a:fillRef>
-          <a:effectRef idx="0">
-            <a:schemeClr val="accent1"/>
-          </a:effectRef>
-          <a:fontRef idx="minor">
-            <a:schemeClr val="lt1"/>
-          </a:fontRef>
-        </p:style>
-        <p:txBody>
-          <a:bodyPr rot="0" spcFirstLastPara="0" vertOverflow="overflow" horzOverflow="overflow" vert="horz" wrap="square" lIns="91440" tIns="45720" rIns="91440" bIns="45720" numCol="1" spcCol="0" rtlCol="0" fromWordArt="0" anchor="t" anchorCtr="0" forceAA="0" compatLnSpc="1">
-            <a:prstTxWarp prst="textNoShape">
-              <a:avLst/>
-            </a:prstTxWarp>
-            <a:noAutofit/>
-          </a:bodyPr>
-          <a:lstStyle/>
-          <a:p>
-            <a:pPr algn="ctr">
-              <a:lnSpc>
-                <a:spcPct val="114000"/>
-              </a:lnSpc>
-            </a:pPr>
-            <a:endParaRPr lang="de-DE" dirty="0"/>
-          </a:p>
-        </p:txBody>
-      </p:sp>
-      <p:sp>
-        <p:nvSpPr>
-          <p:cNvPr id="29" name="Rechteck 28"/>
-          <p:cNvSpPr/>
-          <p:nvPr/>
-        </p:nvSpPr>
-        <p:spPr>
-          <a:xfrm>
-            <a:off x="3225802" y="4665135"/>
-            <a:ext cx="855132" cy="245531"/>
-          </a:xfrm>
-          <a:prstGeom prst="rect">
-            <a:avLst/>
-          </a:prstGeom>
-          <a:solidFill>
-            <a:srgbClr val="999999"/>
-          </a:solidFill>
-          <a:ln>
-            <a:noFill/>
-          </a:ln>
-        </p:spPr>
-        <p:style>
-          <a:lnRef idx="2">
-            <a:schemeClr val="accent1">
-              <a:shade val="50000"/>
-            </a:schemeClr>
-          </a:lnRef>
-          <a:fillRef idx="1">
-            <a:schemeClr val="accent1"/>
-          </a:fillRef>
-          <a:effectRef idx="0">
-            <a:schemeClr val="accent1"/>
-          </a:effectRef>
-          <a:fontRef idx="minor">
-            <a:schemeClr val="lt1"/>
-          </a:fontRef>
-        </p:style>
-        <p:txBody>
-          <a:bodyPr rot="0" spcFirstLastPara="0" vertOverflow="overflow" horzOverflow="overflow" vert="horz" wrap="square" lIns="91440" tIns="45720" rIns="91440" bIns="45720" numCol="1" spcCol="0" rtlCol="0" fromWordArt="0" anchor="t" anchorCtr="0" forceAA="0" compatLnSpc="1">
-            <a:prstTxWarp prst="textNoShape">
-              <a:avLst/>
-            </a:prstTxWarp>
-            <a:noAutofit/>
-          </a:bodyPr>
-          <a:lstStyle/>
-          <a:p>
-            <a:pPr algn="ctr">
-              <a:lnSpc>
-                <a:spcPct val="114000"/>
-              </a:lnSpc>
-            </a:pPr>
-            <a:endParaRPr lang="de-DE" dirty="0"/>
-          </a:p>
-        </p:txBody>
-      </p:sp>
-      <p:sp>
-        <p:nvSpPr>
-          <p:cNvPr id="36" name="Rechteck 35"/>
-          <p:cNvSpPr/>
-          <p:nvPr/>
-        </p:nvSpPr>
-        <p:spPr>
-          <a:xfrm>
-            <a:off x="321735" y="5529793"/>
-            <a:ext cx="855132" cy="245531"/>
-          </a:xfrm>
-          <a:prstGeom prst="rect">
-            <a:avLst/>
-          </a:prstGeom>
-          <a:solidFill>
-            <a:schemeClr val="accent5"/>
-          </a:solidFill>
-          <a:ln>
-            <a:noFill/>
-          </a:ln>
-        </p:spPr>
-        <p:style>
-          <a:lnRef idx="2">
-            <a:schemeClr val="accent1">
-              <a:shade val="50000"/>
-            </a:schemeClr>
-          </a:lnRef>
-          <a:fillRef idx="1">
-            <a:schemeClr val="accent1"/>
-          </a:fillRef>
-          <a:effectRef idx="0">
-            <a:schemeClr val="accent1"/>
-          </a:effectRef>
-          <a:fontRef idx="minor">
-            <a:schemeClr val="lt1"/>
-          </a:fontRef>
-        </p:style>
-        <p:txBody>
-          <a:bodyPr rot="0" spcFirstLastPara="0" vertOverflow="overflow" horzOverflow="overflow" vert="horz" wrap="square" lIns="91440" tIns="45720" rIns="91440" bIns="45720" numCol="1" spcCol="0" rtlCol="0" fromWordArt="0" anchor="t" anchorCtr="0" forceAA="0" compatLnSpc="1">
-            <a:prstTxWarp prst="textNoShape">
-              <a:avLst/>
-            </a:prstTxWarp>
-            <a:noAutofit/>
-          </a:bodyPr>
-          <a:lstStyle/>
-          <a:p>
-            <a:pPr algn="ctr">
-              <a:lnSpc>
-                <a:spcPct val="114000"/>
-              </a:lnSpc>
-            </a:pPr>
-            <a:endParaRPr lang="de-DE" dirty="0"/>
-          </a:p>
-        </p:txBody>
-      </p:sp>
-      <p:sp>
-        <p:nvSpPr>
-          <p:cNvPr id="37" name="Rechteck 36"/>
-          <p:cNvSpPr/>
-          <p:nvPr/>
-        </p:nvSpPr>
-        <p:spPr>
-          <a:xfrm>
-            <a:off x="1295402" y="5529793"/>
-            <a:ext cx="855132" cy="245531"/>
-          </a:xfrm>
-          <a:prstGeom prst="rect">
-            <a:avLst/>
-          </a:prstGeom>
-          <a:solidFill>
-            <a:schemeClr val="accent4"/>
-          </a:solidFill>
-          <a:ln>
-            <a:noFill/>
-          </a:ln>
-        </p:spPr>
-        <p:style>
-          <a:lnRef idx="2">
-            <a:schemeClr val="accent1">
-              <a:shade val="50000"/>
-            </a:schemeClr>
-          </a:lnRef>
-          <a:fillRef idx="1">
-            <a:schemeClr val="accent1"/>
-          </a:fillRef>
-          <a:effectRef idx="0">
-            <a:schemeClr val="accent1"/>
-          </a:effectRef>
-          <a:fontRef idx="minor">
-            <a:schemeClr val="lt1"/>
-          </a:fontRef>
-        </p:style>
-        <p:txBody>
-          <a:bodyPr rot="0" spcFirstLastPara="0" vertOverflow="overflow" horzOverflow="overflow" vert="horz" wrap="square" lIns="91440" tIns="45720" rIns="91440" bIns="45720" numCol="1" spcCol="0" rtlCol="0" fromWordArt="0" anchor="t" anchorCtr="0" forceAA="0" compatLnSpc="1">
-            <a:prstTxWarp prst="textNoShape">
-              <a:avLst/>
-            </a:prstTxWarp>
-            <a:noAutofit/>
-          </a:bodyPr>
-          <a:lstStyle/>
-          <a:p>
-            <a:pPr algn="ctr">
-              <a:lnSpc>
-                <a:spcPct val="114000"/>
-              </a:lnSpc>
-            </a:pPr>
-            <a:endParaRPr lang="de-DE" dirty="0"/>
-          </a:p>
-        </p:txBody>
-      </p:sp>
-      <p:sp>
-        <p:nvSpPr>
-          <p:cNvPr id="38" name="Rechteck 37"/>
-          <p:cNvSpPr/>
-          <p:nvPr/>
-        </p:nvSpPr>
-        <p:spPr>
-          <a:xfrm>
-            <a:off x="2260602" y="5529793"/>
-            <a:ext cx="855132" cy="245531"/>
-          </a:xfrm>
-          <a:prstGeom prst="rect">
-            <a:avLst/>
-          </a:prstGeom>
-          <a:solidFill>
-            <a:schemeClr val="accent6"/>
-          </a:solidFill>
-          <a:ln>
-            <a:noFill/>
-          </a:ln>
-        </p:spPr>
-        <p:style>
-          <a:lnRef idx="2">
-            <a:schemeClr val="accent1">
-              <a:shade val="50000"/>
-            </a:schemeClr>
-          </a:lnRef>
-          <a:fillRef idx="1">
-            <a:schemeClr val="accent1"/>
-          </a:fillRef>
-          <a:effectRef idx="0">
-            <a:schemeClr val="accent1"/>
-          </a:effectRef>
-          <a:fontRef idx="minor">
-            <a:schemeClr val="lt1"/>
-          </a:fontRef>
-        </p:style>
-        <p:txBody>
-          <a:bodyPr rot="0" spcFirstLastPara="0" vertOverflow="overflow" horzOverflow="overflow" vert="horz" wrap="square" lIns="91440" tIns="45720" rIns="91440" bIns="45720" numCol="1" spcCol="0" rtlCol="0" fromWordArt="0" anchor="t" anchorCtr="0" forceAA="0" compatLnSpc="1">
-            <a:prstTxWarp prst="textNoShape">
-              <a:avLst/>
-            </a:prstTxWarp>
-            <a:noAutofit/>
-          </a:bodyPr>
-          <a:lstStyle/>
-          <a:p>
-            <a:pPr algn="ctr">
-              <a:lnSpc>
-                <a:spcPct val="114000"/>
-              </a:lnSpc>
-            </a:pPr>
-            <a:endParaRPr lang="de-DE" dirty="0"/>
-          </a:p>
-        </p:txBody>
-      </p:sp>
-    </p:spTree>
-  </p:cSld>
-  <p:clrMapOvr>
-    <a:masterClrMapping/>
-  </p:clrMapOvr>
-</p:sld>
-</file>
-
-<file path=ppt/slides/slide18.xml><?xml version="1.0" encoding="utf-8"?>
-<p:sld xmlns:a="http://schemas.openxmlformats.org/drawingml/2006/main" xmlns:r="http://schemas.openxmlformats.org/officeDocument/2006/relationships" xmlns:p="http://schemas.openxmlformats.org/presentationml/2006/main">
-  <p:cSld>
-    <p:spTree>
-      <p:nvGrpSpPr>
-        <p:cNvPr id="1" name=""/>
-        <p:cNvGrpSpPr/>
-        <p:nvPr/>
-      </p:nvGrpSpPr>
-      <p:grpSpPr>
-        <a:xfrm>
-          <a:off x="0" y="0"/>
-          <a:ext cx="0" cy="0"/>
-          <a:chOff x="0" y="0"/>
-          <a:chExt cx="0" cy="0"/>
-        </a:xfrm>
-      </p:grpSpPr>
-      <p:sp>
-        <p:nvSpPr>
-          <p:cNvPr id="2" name="Inhaltsplatzhalter 1"/>
-          <p:cNvSpPr>
-            <a:spLocks noGrp="1"/>
-          </p:cNvSpPr>
-          <p:nvPr>
-            <p:ph idx="1"/>
-          </p:nvPr>
-        </p:nvSpPr>
-        <p:spPr/>
-        <p:txBody>
-          <a:bodyPr/>
-          <a:lstStyle/>
-          <a:p>
-            <a:r>
-              <a:t>Kurze und knappe Texte, Fließtexte linksbündig, kein Blocksatz</a:t>
-            </a:r>
-          </a:p>
-          <a:p>
-            <a:endParaRPr/>
-          </a:p>
-          <a:p>
-            <a:r>
-              <a:t>Beispiel:</a:t>
-            </a:r>
-          </a:p>
-          <a:p>
-            <a:r>
-              <a:t>Tem soluptam, nisi as verum ereprehendam at acculpa quidisq uissit volupta tusdant utem as etur, odi odis es doluptiae dem nimaion con nossinctenis pora quam voloria consenimus blabore everfer epeliquo maio etur.</a:t>
-            </a:r>
-          </a:p>
-        </p:txBody>
-      </p:sp>
-      <p:sp>
-        <p:nvSpPr>
-          <p:cNvPr id="4" name="Foliennummernplatzhalter 3"/>
-          <p:cNvSpPr>
-            <a:spLocks noGrp="1"/>
-          </p:cNvSpPr>
-          <p:nvPr>
-            <p:ph type="sldNum" sz="quarter" idx="11"/>
-          </p:nvPr>
-        </p:nvSpPr>
-        <p:spPr/>
-        <p:txBody>
-          <a:bodyPr/>
-          <a:lstStyle/>
-          <a:p>
-            <a:fld id="{CE58CB1E-F828-4F11-99E0-327109AF9DA4}" type="slidenum">
-              <a:rPr lang="de-DE" smtClean="0"/>
-              <a:pPr/>
-              <a:t>18</a:t>
-            </a:fld>
-            <a:endParaRPr lang="de-DE" dirty="0"/>
-          </a:p>
-        </p:txBody>
-      </p:sp>
-      <p:sp>
-        <p:nvSpPr>
-          <p:cNvPr id="6" name="Fußzeilenplatzhalter 4"/>
-          <p:cNvSpPr>
-            <a:spLocks noGrp="1"/>
-          </p:cNvSpPr>
-          <p:nvPr>
-            <p:ph type="ftr" sz="quarter" idx="12"/>
-          </p:nvPr>
-        </p:nvSpPr>
-        <p:spPr/>
-        <p:txBody>
-          <a:bodyPr/>
-          <a:lstStyle/>
-          <a:p>
-            <a:r>
-              <a:rPr lang="de-DE"/>
-              <a:t>Dr. rer. nat. Erika Mustermann (TUM) | kann beliebig erweitert werden | Infos mit Strich trennen</a:t>
-            </a:r>
-            <a:endParaRPr lang="en-US" dirty="0"/>
-          </a:p>
-        </p:txBody>
-      </p:sp>
-      <p:sp>
-        <p:nvSpPr>
-          <p:cNvPr id="3" name="Titel 2"/>
-          <p:cNvSpPr>
-            <a:spLocks noGrp="1"/>
-          </p:cNvSpPr>
-          <p:nvPr>
-            <p:ph type="title"/>
-          </p:nvPr>
-        </p:nvSpPr>
-        <p:spPr>
-          <a:prstGeom prst="rect">
-            <a:avLst/>
-          </a:prstGeom>
-        </p:spPr>
-        <p:txBody>
-          <a:bodyPr/>
-          <a:lstStyle/>
-          <a:p>
-            <a:r>
-              <a:rPr dirty="0"/>
-              <a:t>Texte</a:t>
-            </a:r>
-            <a:endParaRPr lang="de-DE" dirty="0"/>
-          </a:p>
-        </p:txBody>
-      </p:sp>
-    </p:spTree>
-  </p:cSld>
-  <p:clrMapOvr>
-    <a:masterClrMapping/>
-  </p:clrMapOvr>
-</p:sld>
-</file>
-
-<file path=ppt/slides/slide19.xml><?xml version="1.0" encoding="utf-8"?>
-<p:sld xmlns:a="http://schemas.openxmlformats.org/drawingml/2006/main" xmlns:r="http://schemas.openxmlformats.org/officeDocument/2006/relationships" xmlns:p="http://schemas.openxmlformats.org/presentationml/2006/main">
-  <p:cSld>
-    <p:spTree>
-      <p:nvGrpSpPr>
-        <p:cNvPr id="1" name=""/>
-        <p:cNvGrpSpPr/>
-        <p:nvPr/>
-      </p:nvGrpSpPr>
-      <p:grpSpPr>
-        <a:xfrm>
-          <a:off x="0" y="0"/>
-          <a:ext cx="0" cy="0"/>
-          <a:chOff x="0" y="0"/>
-          <a:chExt cx="0" cy="0"/>
-        </a:xfrm>
-      </p:grpSpPr>
-      <p:sp>
-        <p:nvSpPr>
-          <p:cNvPr id="2" name="Inhaltsplatzhalter 1"/>
-          <p:cNvSpPr>
-            <a:spLocks noGrp="1"/>
-          </p:cNvSpPr>
-          <p:nvPr>
-            <p:ph idx="1"/>
-          </p:nvPr>
-        </p:nvSpPr>
-        <p:spPr/>
-        <p:txBody>
-          <a:bodyPr/>
-          <a:lstStyle/>
-          <a:p>
-            <a:r>
-              <a:rPr lang="de-DE"/>
-              <a:t>Bei kleinen Aufzählungen auf Aufzählungszeichen verzichten und ggf. zusätzliche Leerzeile</a:t>
-            </a:r>
-          </a:p>
-          <a:p>
-            <a:r>
-              <a:rPr lang="de-DE"/>
-              <a:t>Nur die wesentlichen Punkte nennen und Themen auf verschiedene Seiten splitten.</a:t>
-            </a:r>
-          </a:p>
-          <a:p>
-            <a:endParaRPr lang="de-DE"/>
-          </a:p>
-          <a:p>
-            <a:r>
-              <a:rPr lang="de-DE"/>
-              <a:t>Punkt 1</a:t>
-            </a:r>
-          </a:p>
-          <a:p>
-            <a:endParaRPr lang="de-DE"/>
-          </a:p>
-          <a:p>
-            <a:r>
-              <a:rPr lang="de-DE"/>
-              <a:t>Punkt 2</a:t>
-            </a:r>
-          </a:p>
-          <a:p>
-            <a:endParaRPr lang="de-DE"/>
-          </a:p>
-          <a:p>
-            <a:r>
-              <a:rPr lang="de-DE"/>
-              <a:t>Wenn Unterpunkte in einer Aufzählung nötig sind ist ein Einrücken mit – möglich</a:t>
-            </a:r>
-          </a:p>
-          <a:p>
-            <a:pPr lvl="1"/>
-            <a:r>
-              <a:rPr lang="de-DE"/>
-              <a:t>Unterpunkt 1</a:t>
-            </a:r>
-          </a:p>
-          <a:p>
-            <a:pPr lvl="2"/>
-            <a:r>
-              <a:rPr lang="de-DE"/>
-              <a:t>Unterpunkt 1</a:t>
-            </a:r>
-          </a:p>
-          <a:p>
-            <a:pPr lvl="2"/>
-            <a:r>
-              <a:rPr lang="de-DE"/>
-              <a:t>Unterpunkt 2</a:t>
-            </a:r>
-          </a:p>
-          <a:p>
-            <a:endParaRPr lang="de-DE"/>
-          </a:p>
-          <a:p>
-            <a:r>
-              <a:rPr lang="de-DE"/>
-              <a:t>Bei größeren Listen die Standardeinstellung • verwenden</a:t>
-            </a:r>
-          </a:p>
-          <a:p>
-            <a:pPr lvl="1"/>
-            <a:r>
-              <a:rPr lang="de-DE"/>
-              <a:t>Unterpunkt 1</a:t>
-            </a:r>
-          </a:p>
-          <a:p>
-            <a:pPr lvl="1"/>
-            <a:r>
-              <a:rPr lang="de-DE"/>
-              <a:t>Unterpunkt 2</a:t>
-            </a:r>
-          </a:p>
-          <a:p>
-            <a:pPr lvl="1"/>
-            <a:r>
-              <a:rPr lang="de-DE"/>
-              <a:t>Unterpunkt 3</a:t>
-            </a:r>
-            <a:endParaRPr lang="de-DE" dirty="0"/>
-          </a:p>
-        </p:txBody>
-      </p:sp>
-      <p:sp>
-        <p:nvSpPr>
-          <p:cNvPr id="4" name="Foliennummernplatzhalter 3"/>
-          <p:cNvSpPr>
-            <a:spLocks noGrp="1"/>
-          </p:cNvSpPr>
-          <p:nvPr>
-            <p:ph type="sldNum" sz="quarter" idx="11"/>
-          </p:nvPr>
-        </p:nvSpPr>
-        <p:spPr/>
-        <p:txBody>
-          <a:bodyPr/>
-          <a:lstStyle/>
-          <a:p>
-            <a:fld id="{CE58CB1E-F828-4F11-99E0-327109AF9DA4}" type="slidenum">
-              <a:rPr lang="de-DE" smtClean="0"/>
-              <a:pPr/>
-              <a:t>19</a:t>
-            </a:fld>
-            <a:endParaRPr lang="de-DE" dirty="0"/>
-          </a:p>
-        </p:txBody>
-      </p:sp>
-      <p:sp>
-        <p:nvSpPr>
-          <p:cNvPr id="5" name="Fußzeilenplatzhalter 4"/>
-          <p:cNvSpPr>
-            <a:spLocks noGrp="1"/>
-          </p:cNvSpPr>
-          <p:nvPr>
-            <p:ph type="ftr" sz="quarter" idx="12"/>
-          </p:nvPr>
-        </p:nvSpPr>
-        <p:spPr/>
-        <p:txBody>
-          <a:bodyPr/>
-          <a:lstStyle/>
-          <a:p>
-            <a:r>
-              <a:rPr lang="de-DE"/>
-              <a:t>Dr. rer. nat. Erika Mustermann (TUM) | kann beliebig erweitert werden | Infos mit Strich trennen</a:t>
-            </a:r>
-            <a:endParaRPr lang="en-US" dirty="0"/>
-          </a:p>
-        </p:txBody>
-      </p:sp>
-      <p:sp>
-        <p:nvSpPr>
-          <p:cNvPr id="3" name="Titel 2"/>
-          <p:cNvSpPr>
-            <a:spLocks noGrp="1"/>
-          </p:cNvSpPr>
-          <p:nvPr>
-            <p:ph type="title"/>
-          </p:nvPr>
-        </p:nvSpPr>
-        <p:spPr/>
-        <p:txBody>
-          <a:bodyPr/>
-          <a:lstStyle/>
-          <a:p>
-            <a:r>
-              <a:rPr lang="de-DE"/>
-              <a:t>Aufzählung</a:t>
-            </a:r>
-            <a:endParaRPr lang="de-DE" dirty="0"/>
-          </a:p>
-        </p:txBody>
-      </p:sp>
-    </p:spTree>
   </p:cSld>
   <p:clrMapOvr>
     <a:masterClrMapping/>
@@ -12555,119 +9182,13 @@
       </p:grpSpPr>
       <p:sp>
         <p:nvSpPr>
-          <p:cNvPr id="3" name="Inhaltsplatzhalter 2"/>
-          <p:cNvSpPr>
-            <a:spLocks noGrp="1"/>
-          </p:cNvSpPr>
-          <p:nvPr>
-            <p:ph idx="10"/>
-          </p:nvPr>
-        </p:nvSpPr>
-        <p:spPr/>
-        <p:txBody>
-          <a:bodyPr/>
-          <a:lstStyle/>
-          <a:p>
-            <a:r>
-              <a:rPr dirty="0"/>
-              <a:t>Dr. rer. nat. Erika Mustermann</a:t>
-            </a:r>
-          </a:p>
-          <a:p>
-            <a:r>
-              <a:rPr dirty="0"/>
-              <a:t>München, 27. März 2015</a:t>
-            </a:r>
-          </a:p>
-        </p:txBody>
-      </p:sp>
-      <p:sp>
-        <p:nvSpPr>
-          <p:cNvPr id="7" name="Titel 6"/>
-          <p:cNvSpPr>
-            <a:spLocks noGrp="1"/>
-          </p:cNvSpPr>
-          <p:nvPr>
-            <p:ph type="title"/>
-          </p:nvPr>
-        </p:nvSpPr>
-        <p:spPr/>
-        <p:txBody>
-          <a:bodyPr/>
-          <a:lstStyle/>
-          <a:p>
-            <a:endParaRPr lang="de-DE"/>
-          </a:p>
-        </p:txBody>
-      </p:sp>
-    </p:spTree>
-  </p:cSld>
-  <p:clrMapOvr>
-    <a:masterClrMapping/>
-  </p:clrMapOvr>
-</p:sld>
-</file>
-
-<file path=ppt/slides/slide20.xml><?xml version="1.0" encoding="utf-8"?>
-<p:sld xmlns:a="http://schemas.openxmlformats.org/drawingml/2006/main" xmlns:r="http://schemas.openxmlformats.org/officeDocument/2006/relationships" xmlns:p="http://schemas.openxmlformats.org/presentationml/2006/main">
-  <p:cSld>
-    <p:spTree>
-      <p:nvGrpSpPr>
-        <p:cNvPr id="1" name=""/>
-        <p:cNvGrpSpPr/>
-        <p:nvPr/>
-      </p:nvGrpSpPr>
-      <p:grpSpPr>
-        <a:xfrm>
-          <a:off x="0" y="0"/>
-          <a:ext cx="0" cy="0"/>
-          <a:chOff x="0" y="0"/>
-          <a:chExt cx="0" cy="0"/>
-        </a:xfrm>
-      </p:grpSpPr>
-      <p:sp>
-        <p:nvSpPr>
-          <p:cNvPr id="2" name="Inhaltsplatzhalter 1"/>
-          <p:cNvSpPr>
-            <a:spLocks noGrp="1"/>
-          </p:cNvSpPr>
-          <p:nvPr>
-            <p:ph idx="1"/>
-          </p:nvPr>
-        </p:nvSpPr>
-        <p:spPr/>
-        <p:txBody>
-          <a:bodyPr/>
-          <a:lstStyle/>
-          <a:p>
-            <a:r>
-              <a:t>schlichte Darstellung von Informationen</a:t>
-            </a:r>
-          </a:p>
-          <a:p>
-            <a:endParaRPr/>
-          </a:p>
-          <a:p>
-            <a:r>
-              <a:t>reduzierte Farben</a:t>
-            </a:r>
-          </a:p>
-          <a:p>
-            <a:endParaRPr/>
-          </a:p>
-          <a:p>
-            <a:r>
-              <a:t>Rahmen und Überlagerungen nach Möglichkeit vermeiden</a:t>
-            </a:r>
-          </a:p>
-          <a:p>
-            <a:endParaRPr dirty="0"/>
-          </a:p>
-        </p:txBody>
-      </p:sp>
-      <p:sp>
-        <p:nvSpPr>
-          <p:cNvPr id="4" name="Foliennummernplatzhalter 3"/>
+          <p:cNvPr id="3" name="Foliennummernplatzhalter 2">
+            <a:extLst>
+              <a:ext uri="{FF2B5EF4-FFF2-40B4-BE49-F238E27FC236}">
+                <a16:creationId xmlns:a16="http://schemas.microsoft.com/office/drawing/2014/main" id="{3273F3B6-E5B2-4B8B-9B63-9B0B6CCBCE06}"/>
+              </a:ext>
+            </a:extLst>
+          </p:cNvPr>
           <p:cNvSpPr>
             <a:spLocks noGrp="1"/>
           </p:cNvSpPr>
@@ -12683,7 +9204,7 @@
             <a:fld id="{CE58CB1E-F828-4F11-99E0-327109AF9DA4}" type="slidenum">
               <a:rPr lang="de-DE" smtClean="0"/>
               <a:pPr/>
-              <a:t>20</a:t>
+              <a:t>2</a:t>
             </a:fld>
             <a:endParaRPr lang="de-DE" dirty="0"/>
           </a:p>
@@ -12691,7 +9212,13 @@
       </p:sp>
       <p:sp>
         <p:nvSpPr>
-          <p:cNvPr id="6" name="Fußzeilenplatzhalter 4"/>
+          <p:cNvPr id="4" name="Fußzeilenplatzhalter 3">
+            <a:extLst>
+              <a:ext uri="{FF2B5EF4-FFF2-40B4-BE49-F238E27FC236}">
+                <a16:creationId xmlns:a16="http://schemas.microsoft.com/office/drawing/2014/main" id="{52DA284E-DC98-4622-9FF5-9BCE2119F11A}"/>
+              </a:ext>
+            </a:extLst>
+          </p:cNvPr>
           <p:cNvSpPr>
             <a:spLocks noGrp="1"/>
           </p:cNvSpPr>
@@ -12714,7 +9241,13 @@
       </p:sp>
       <p:sp>
         <p:nvSpPr>
-          <p:cNvPr id="3" name="Titel 2"/>
+          <p:cNvPr id="5" name="Titel 4">
+            <a:extLst>
+              <a:ext uri="{FF2B5EF4-FFF2-40B4-BE49-F238E27FC236}">
+                <a16:creationId xmlns:a16="http://schemas.microsoft.com/office/drawing/2014/main" id="{BA07BC16-0D05-4442-ADA3-9D154BBD2484}"/>
+              </a:ext>
+            </a:extLst>
+          </p:cNvPr>
           <p:cNvSpPr>
             <a:spLocks noGrp="1"/>
           </p:cNvSpPr>
@@ -12722,2313 +9255,53 @@
             <p:ph type="title"/>
           </p:nvPr>
         </p:nvSpPr>
-        <p:spPr>
-          <a:prstGeom prst="rect">
-            <a:avLst/>
-          </a:prstGeom>
-        </p:spPr>
+        <p:spPr/>
         <p:txBody>
           <a:bodyPr/>
           <a:lstStyle/>
           <a:p>
             <a:r>
-              <a:rPr sz="3000"/>
-              <a:t>Bilder - Allgemein</a:t>
-            </a:r>
-            <a:endParaRPr lang="de-DE" sz="3000" dirty="0"/>
-          </a:p>
-        </p:txBody>
-      </p:sp>
+              <a:rPr lang="de-DE" dirty="0"/>
+              <a:t>UML Klassendiagram</a:t>
+            </a:r>
+          </a:p>
+        </p:txBody>
+      </p:sp>
+      <p:pic>
+        <p:nvPicPr>
+          <p:cNvPr id="9" name="Content Placeholder 8">
+            <a:extLst>
+              <a:ext uri="{FF2B5EF4-FFF2-40B4-BE49-F238E27FC236}">
+                <a16:creationId xmlns:a16="http://schemas.microsoft.com/office/drawing/2014/main" id="{8F936FBC-9F69-4B4C-B2E7-7C1E2FC1C29D}"/>
+              </a:ext>
+            </a:extLst>
+          </p:cNvPr>
+          <p:cNvPicPr>
+            <a:picLocks noGrp="1" noChangeAspect="1"/>
+          </p:cNvPicPr>
+          <p:nvPr>
+            <p:ph idx="1"/>
+          </p:nvPr>
+        </p:nvPicPr>
+        <p:blipFill>
+          <a:blip r:embed="rId2"/>
+          <a:stretch>
+            <a:fillRect/>
+          </a:stretch>
+        </p:blipFill>
+        <p:spPr>
+          <a:xfrm>
+            <a:off x="1879734" y="1762125"/>
+            <a:ext cx="5387708" cy="4699000"/>
+          </a:xfrm>
+        </p:spPr>
+      </p:pic>
     </p:spTree>
-  </p:cSld>
-  <p:clrMapOvr>
-    <a:masterClrMapping/>
-  </p:clrMapOvr>
-</p:sld>
-</file>
-
-<file path=ppt/slides/slide21.xml><?xml version="1.0" encoding="utf-8"?>
-<p:sld xmlns:a="http://schemas.openxmlformats.org/drawingml/2006/main" xmlns:r="http://schemas.openxmlformats.org/officeDocument/2006/relationships" xmlns:p="http://schemas.openxmlformats.org/presentationml/2006/main">
-  <p:cSld>
-    <p:spTree>
-      <p:nvGrpSpPr>
-        <p:cNvPr id="1" name=""/>
-        <p:cNvGrpSpPr/>
-        <p:nvPr/>
-      </p:nvGrpSpPr>
-      <p:grpSpPr>
-        <a:xfrm>
-          <a:off x="0" y="0"/>
-          <a:ext cx="0" cy="0"/>
-          <a:chOff x="0" y="0"/>
-          <a:chExt cx="0" cy="0"/>
-        </a:xfrm>
-      </p:grpSpPr>
-      <p:sp>
-        <p:nvSpPr>
-          <p:cNvPr id="3" name="Textplatzhalter 2"/>
-          <p:cNvSpPr>
-            <a:spLocks noGrp="1"/>
-          </p:cNvSpPr>
-          <p:nvPr>
-            <p:ph type="body" sz="quarter" idx="13"/>
-          </p:nvPr>
-        </p:nvSpPr>
-        <p:spPr/>
-        <p:txBody>
-          <a:bodyPr/>
-          <a:lstStyle/>
-          <a:p>
-            <a:r>
-              <a:rPr lang="de-DE"/>
-              <a:t>Bildbeschreibung</a:t>
-            </a:r>
-            <a:br>
-              <a:rPr lang="de-DE"/>
-            </a:br>
-            <a:r>
-              <a:rPr lang="de-DE"/>
-              <a:t>oberer Bildrand: Begrenzung durch Text</a:t>
-            </a:r>
-          </a:p>
-        </p:txBody>
-      </p:sp>
-      <p:sp>
-        <p:nvSpPr>
-          <p:cNvPr id="5" name="Foliennummernplatzhalter 4"/>
-          <p:cNvSpPr>
-            <a:spLocks noGrp="1"/>
-          </p:cNvSpPr>
-          <p:nvPr>
-            <p:ph type="sldNum" sz="quarter" idx="15"/>
-          </p:nvPr>
-        </p:nvSpPr>
-        <p:spPr/>
-        <p:txBody>
-          <a:bodyPr/>
-          <a:lstStyle/>
-          <a:p>
-            <a:fld id="{CE58CB1E-F828-4F11-99E0-327109AF9DA4}" type="slidenum">
-              <a:rPr lang="de-DE" smtClean="0"/>
-              <a:pPr/>
-              <a:t>21</a:t>
-            </a:fld>
-            <a:endParaRPr lang="de-DE" dirty="0"/>
-          </a:p>
-        </p:txBody>
-      </p:sp>
-      <p:sp>
-        <p:nvSpPr>
-          <p:cNvPr id="10" name="Fußzeilenplatzhalter 4"/>
-          <p:cNvSpPr>
-            <a:spLocks noGrp="1"/>
-          </p:cNvSpPr>
-          <p:nvPr>
-            <p:ph type="ftr" sz="quarter" idx="16"/>
-          </p:nvPr>
-        </p:nvSpPr>
-        <p:spPr/>
-        <p:txBody>
-          <a:bodyPr/>
-          <a:lstStyle/>
-          <a:p>
-            <a:r>
-              <a:rPr lang="de-DE"/>
-              <a:t>Dr. rer. nat. Erika Mustermann (TUM) | kann beliebig erweitert werden | Infos mit Strich trennen</a:t>
-            </a:r>
-            <a:endParaRPr lang="en-US" dirty="0"/>
-          </a:p>
-        </p:txBody>
-      </p:sp>
-      <p:sp>
-        <p:nvSpPr>
-          <p:cNvPr id="22" name="Inhaltsplatzhalter 21"/>
-          <p:cNvSpPr>
-            <a:spLocks noGrp="1"/>
-          </p:cNvSpPr>
-          <p:nvPr>
-            <p:ph sz="quarter" idx="18"/>
-          </p:nvPr>
-        </p:nvSpPr>
-        <p:spPr/>
-        <p:txBody>
-          <a:bodyPr/>
-          <a:lstStyle/>
-          <a:p>
-            <a:endParaRPr lang="de-DE"/>
-          </a:p>
-        </p:txBody>
-      </p:sp>
-      <p:sp>
-        <p:nvSpPr>
-          <p:cNvPr id="21" name="Bildplatzhalter 20"/>
-          <p:cNvSpPr>
-            <a:spLocks noGrp="1"/>
-          </p:cNvSpPr>
-          <p:nvPr>
-            <p:ph type="pic" sz="quarter" idx="14"/>
-          </p:nvPr>
-        </p:nvSpPr>
-        <p:spPr/>
-      </p:sp>
-      <p:sp>
-        <p:nvSpPr>
-          <p:cNvPr id="4" name="Titel 3"/>
-          <p:cNvSpPr>
-            <a:spLocks noGrp="1"/>
-          </p:cNvSpPr>
-          <p:nvPr>
-            <p:ph type="title"/>
-          </p:nvPr>
-        </p:nvSpPr>
-        <p:spPr/>
-        <p:txBody>
-          <a:bodyPr/>
-          <a:lstStyle/>
-          <a:p>
-            <a:r>
-              <a:rPr lang="de-DE"/>
-              <a:t>Bilder</a:t>
-            </a:r>
-            <a:endParaRPr lang="de-DE" dirty="0"/>
-          </a:p>
-        </p:txBody>
-      </p:sp>
-    </p:spTree>
-  </p:cSld>
-  <p:clrMapOvr>
-    <a:masterClrMapping/>
-  </p:clrMapOvr>
-</p:sld>
-</file>
-
-<file path=ppt/slides/slide22.xml><?xml version="1.0" encoding="utf-8"?>
-<p:sld xmlns:a="http://schemas.openxmlformats.org/drawingml/2006/main" xmlns:r="http://schemas.openxmlformats.org/officeDocument/2006/relationships" xmlns:p="http://schemas.openxmlformats.org/presentationml/2006/main">
-  <p:cSld>
-    <p:spTree>
-      <p:nvGrpSpPr>
-        <p:cNvPr id="1" name=""/>
-        <p:cNvGrpSpPr/>
-        <p:nvPr/>
-      </p:nvGrpSpPr>
-      <p:grpSpPr>
-        <a:xfrm>
-          <a:off x="0" y="0"/>
-          <a:ext cx="0" cy="0"/>
-          <a:chOff x="0" y="0"/>
-          <a:chExt cx="0" cy="0"/>
-        </a:xfrm>
-      </p:grpSpPr>
-      <p:sp>
-        <p:nvSpPr>
-          <p:cNvPr id="3" name="Textplatzhalter 2"/>
-          <p:cNvSpPr>
-            <a:spLocks noGrp="1"/>
-          </p:cNvSpPr>
-          <p:nvPr>
-            <p:ph idx="14"/>
-          </p:nvPr>
-        </p:nvSpPr>
-        <p:spPr/>
-        <p:txBody>
-          <a:bodyPr/>
-          <a:lstStyle/>
-          <a:p>
-            <a:r>
-              <a:rPr lang="de-DE" dirty="0"/>
-              <a:t>Überschrift 2</a:t>
-            </a:r>
-          </a:p>
-          <a:p>
-            <a:r>
-              <a:rPr lang="de-DE" dirty="0"/>
-              <a:t>Hier steht ein einleitender oder beschreibender Fließtext und nach Wunsch eine Aufzählung</a:t>
-            </a:r>
-          </a:p>
-          <a:p>
-            <a:endParaRPr lang="de-DE" dirty="0"/>
-          </a:p>
-          <a:p>
-            <a:r>
-              <a:rPr lang="de-DE" dirty="0"/>
-              <a:t>Punkt 1</a:t>
-            </a:r>
-          </a:p>
-          <a:p>
-            <a:endParaRPr lang="de-DE" dirty="0"/>
-          </a:p>
-          <a:p>
-            <a:r>
-              <a:rPr lang="de-DE" dirty="0"/>
-              <a:t>Punkt 2</a:t>
-            </a:r>
-          </a:p>
-          <a:p>
-            <a:endParaRPr lang="de-DE" dirty="0"/>
-          </a:p>
-          <a:p>
-            <a:r>
-              <a:rPr lang="de-DE" dirty="0"/>
-              <a:t>Punkt 3</a:t>
-            </a:r>
-          </a:p>
-          <a:p>
-            <a:endParaRPr lang="de-DE" dirty="0"/>
-          </a:p>
-          <a:p>
-            <a:r>
-              <a:rPr lang="de-DE" dirty="0"/>
-              <a:t>Punkt 4</a:t>
-            </a:r>
-          </a:p>
-          <a:p>
-            <a:endParaRPr lang="de-DE" dirty="0"/>
-          </a:p>
-          <a:p>
-            <a:endParaRPr lang="de-DE" dirty="0"/>
-          </a:p>
-        </p:txBody>
-      </p:sp>
-      <p:sp>
-        <p:nvSpPr>
-          <p:cNvPr id="18" name="Inhaltsplatzhalter 17"/>
-          <p:cNvSpPr>
-            <a:spLocks noGrp="1"/>
-          </p:cNvSpPr>
-          <p:nvPr>
-            <p:ph idx="15"/>
-          </p:nvPr>
-        </p:nvSpPr>
-        <p:spPr/>
-        <p:txBody>
-          <a:bodyPr/>
-          <a:lstStyle/>
-          <a:p>
-            <a:endParaRPr lang="de-DE"/>
-          </a:p>
-        </p:txBody>
-      </p:sp>
-      <p:sp>
-        <p:nvSpPr>
-          <p:cNvPr id="5" name="Foliennummernplatzhalter 4"/>
-          <p:cNvSpPr>
-            <a:spLocks noGrp="1"/>
-          </p:cNvSpPr>
-          <p:nvPr>
-            <p:ph type="sldNum" sz="quarter" idx="16"/>
-          </p:nvPr>
-        </p:nvSpPr>
-        <p:spPr/>
-        <p:txBody>
-          <a:bodyPr/>
-          <a:lstStyle/>
-          <a:p>
-            <a:fld id="{CE58CB1E-F828-4F11-99E0-327109AF9DA4}" type="slidenum">
-              <a:rPr lang="de-DE" smtClean="0"/>
-              <a:pPr/>
-              <a:t>22</a:t>
-            </a:fld>
-            <a:endParaRPr lang="de-DE" dirty="0"/>
-          </a:p>
-        </p:txBody>
-      </p:sp>
-      <p:sp>
-        <p:nvSpPr>
-          <p:cNvPr id="7" name="Fußzeilenplatzhalter 4"/>
-          <p:cNvSpPr>
-            <a:spLocks noGrp="1"/>
-          </p:cNvSpPr>
-          <p:nvPr>
-            <p:ph type="ftr" sz="quarter" idx="17"/>
-          </p:nvPr>
-        </p:nvSpPr>
-        <p:spPr/>
-        <p:txBody>
-          <a:bodyPr/>
-          <a:lstStyle/>
-          <a:p>
-            <a:r>
-              <a:rPr lang="de-DE"/>
-              <a:t>Dr. rer. nat. Erika Mustermann (TUM) | kann beliebig erweitert werden | Infos mit Strich trennen</a:t>
-            </a:r>
-            <a:endParaRPr lang="en-US" dirty="0"/>
-          </a:p>
-        </p:txBody>
-      </p:sp>
-      <p:sp>
-        <p:nvSpPr>
-          <p:cNvPr id="4" name="Titel 3"/>
-          <p:cNvSpPr>
-            <a:spLocks noGrp="1"/>
-          </p:cNvSpPr>
-          <p:nvPr>
-            <p:ph type="title"/>
-          </p:nvPr>
-        </p:nvSpPr>
-        <p:spPr/>
-        <p:txBody>
-          <a:bodyPr/>
-          <a:lstStyle/>
-          <a:p>
-            <a:r>
-              <a:rPr lang="de-DE"/>
-              <a:t>Bilder</a:t>
-            </a:r>
-            <a:endParaRPr lang="de-DE" dirty="0"/>
-          </a:p>
-        </p:txBody>
-      </p:sp>
-    </p:spTree>
-  </p:cSld>
-  <p:clrMapOvr>
-    <a:masterClrMapping/>
-  </p:clrMapOvr>
-</p:sld>
-</file>
-
-<file path=ppt/slides/slide23.xml><?xml version="1.0" encoding="utf-8"?>
-<p:sld xmlns:a="http://schemas.openxmlformats.org/drawingml/2006/main" xmlns:r="http://schemas.openxmlformats.org/officeDocument/2006/relationships" xmlns:p="http://schemas.openxmlformats.org/presentationml/2006/main">
-  <p:cSld>
-    <p:spTree>
-      <p:nvGrpSpPr>
-        <p:cNvPr id="1" name=""/>
-        <p:cNvGrpSpPr/>
-        <p:nvPr/>
-      </p:nvGrpSpPr>
-      <p:grpSpPr>
-        <a:xfrm>
-          <a:off x="0" y="0"/>
-          <a:ext cx="0" cy="0"/>
-          <a:chOff x="0" y="0"/>
-          <a:chExt cx="0" cy="0"/>
-        </a:xfrm>
-      </p:grpSpPr>
-      <p:sp>
-        <p:nvSpPr>
-          <p:cNvPr id="18" name="Inhaltsplatzhalter 17"/>
-          <p:cNvSpPr>
-            <a:spLocks noGrp="1"/>
-          </p:cNvSpPr>
-          <p:nvPr>
-            <p:ph idx="1"/>
-          </p:nvPr>
-        </p:nvSpPr>
-        <p:spPr/>
-        <p:txBody>
-          <a:bodyPr/>
-          <a:lstStyle/>
-          <a:p>
-            <a:endParaRPr lang="de-DE"/>
-          </a:p>
-        </p:txBody>
-      </p:sp>
-      <p:sp>
-        <p:nvSpPr>
-          <p:cNvPr id="5" name="Foliennummernplatzhalter 4"/>
-          <p:cNvSpPr>
-            <a:spLocks noGrp="1"/>
-          </p:cNvSpPr>
-          <p:nvPr>
-            <p:ph type="sldNum" sz="quarter" idx="11"/>
-          </p:nvPr>
-        </p:nvSpPr>
-        <p:spPr/>
-        <p:txBody>
-          <a:bodyPr/>
-          <a:lstStyle/>
-          <a:p>
-            <a:fld id="{CE58CB1E-F828-4F11-99E0-327109AF9DA4}" type="slidenum">
-              <a:rPr lang="de-DE" smtClean="0"/>
-              <a:pPr/>
-              <a:t>23</a:t>
-            </a:fld>
-            <a:endParaRPr lang="de-DE" dirty="0"/>
-          </a:p>
-        </p:txBody>
-      </p:sp>
-      <p:sp>
-        <p:nvSpPr>
-          <p:cNvPr id="8" name="Fußzeilenplatzhalter 4"/>
-          <p:cNvSpPr>
-            <a:spLocks noGrp="1"/>
-          </p:cNvSpPr>
-          <p:nvPr>
-            <p:ph type="ftr" sz="quarter" idx="12"/>
-          </p:nvPr>
-        </p:nvSpPr>
-        <p:spPr/>
-        <p:txBody>
-          <a:bodyPr/>
-          <a:lstStyle/>
-          <a:p>
-            <a:r>
-              <a:rPr lang="de-DE"/>
-              <a:t>Dr. rer. nat. Erika Mustermann (TUM) | kann beliebig erweitert werden | Infos mit Strich trennen</a:t>
-            </a:r>
-            <a:endParaRPr lang="en-US" dirty="0"/>
-          </a:p>
-        </p:txBody>
-      </p:sp>
-      <p:sp>
-        <p:nvSpPr>
-          <p:cNvPr id="3" name="Textplatzhalter 2"/>
-          <p:cNvSpPr>
-            <a:spLocks noGrp="1"/>
-          </p:cNvSpPr>
-          <p:nvPr>
-            <p:ph type="body" sz="quarter" idx="13"/>
-          </p:nvPr>
-        </p:nvSpPr>
-        <p:spPr/>
-        <p:txBody>
-          <a:bodyPr/>
-          <a:lstStyle/>
-          <a:p>
-            <a:r>
-              <a:rPr lang="de-DE"/>
-              <a:t>Bildbeschreibung</a:t>
-            </a:r>
-            <a:br>
-              <a:rPr lang="de-DE"/>
-            </a:br>
-            <a:r>
-              <a:rPr lang="de-DE"/>
-              <a:t>oberer Bildrand: Begrenzung durch Text</a:t>
-            </a:r>
-          </a:p>
-        </p:txBody>
-      </p:sp>
-      <p:sp>
-        <p:nvSpPr>
-          <p:cNvPr id="4" name="Titel 3"/>
-          <p:cNvSpPr>
-            <a:spLocks noGrp="1"/>
-          </p:cNvSpPr>
-          <p:nvPr>
-            <p:ph type="title"/>
-          </p:nvPr>
-        </p:nvSpPr>
-        <p:spPr/>
-        <p:txBody>
-          <a:bodyPr/>
-          <a:lstStyle/>
-          <a:p>
-            <a:r>
-              <a:rPr lang="de-DE"/>
-              <a:t>Bilder</a:t>
-            </a:r>
-            <a:endParaRPr lang="de-DE" dirty="0"/>
-          </a:p>
-        </p:txBody>
-      </p:sp>
-    </p:spTree>
-  </p:cSld>
-  <p:clrMapOvr>
-    <a:masterClrMapping/>
-  </p:clrMapOvr>
-</p:sld>
-</file>
-
-<file path=ppt/slides/slide24.xml><?xml version="1.0" encoding="utf-8"?>
-<p:sld xmlns:a="http://schemas.openxmlformats.org/drawingml/2006/main" xmlns:r="http://schemas.openxmlformats.org/officeDocument/2006/relationships" xmlns:p="http://schemas.openxmlformats.org/presentationml/2006/main">
-  <p:cSld>
-    <p:spTree>
-      <p:nvGrpSpPr>
-        <p:cNvPr id="1" name=""/>
-        <p:cNvGrpSpPr/>
-        <p:nvPr/>
-      </p:nvGrpSpPr>
-      <p:grpSpPr>
-        <a:xfrm>
-          <a:off x="0" y="0"/>
-          <a:ext cx="0" cy="0"/>
-          <a:chOff x="0" y="0"/>
-          <a:chExt cx="0" cy="0"/>
-        </a:xfrm>
-      </p:grpSpPr>
-      <p:sp>
-        <p:nvSpPr>
-          <p:cNvPr id="3" name="Textplatzhalter 2"/>
-          <p:cNvSpPr>
-            <a:spLocks noGrp="1"/>
-          </p:cNvSpPr>
-          <p:nvPr>
-            <p:ph type="body" sz="quarter" idx="13"/>
-          </p:nvPr>
-        </p:nvSpPr>
-        <p:spPr/>
-        <p:txBody>
-          <a:bodyPr/>
-          <a:lstStyle/>
-          <a:p>
-            <a:r>
-              <a:rPr lang="de-DE"/>
-              <a:t>Bildbeschreibung</a:t>
-            </a:r>
-            <a:br>
-              <a:rPr lang="de-DE"/>
-            </a:br>
-            <a:r>
-              <a:rPr lang="de-DE"/>
-              <a:t>oberer Bildrand: Begrenzung durch Text</a:t>
-            </a:r>
-          </a:p>
-        </p:txBody>
-      </p:sp>
-      <p:sp>
-        <p:nvSpPr>
-          <p:cNvPr id="5" name="Foliennummernplatzhalter 4"/>
-          <p:cNvSpPr>
-            <a:spLocks noGrp="1"/>
-          </p:cNvSpPr>
-          <p:nvPr>
-            <p:ph type="sldNum" sz="quarter" idx="15"/>
-          </p:nvPr>
-        </p:nvSpPr>
-        <p:spPr/>
-        <p:txBody>
-          <a:bodyPr/>
-          <a:lstStyle/>
-          <a:p>
-            <a:fld id="{CE58CB1E-F828-4F11-99E0-327109AF9DA4}" type="slidenum">
-              <a:rPr lang="de-DE" smtClean="0"/>
-              <a:pPr/>
-              <a:t>24</a:t>
-            </a:fld>
-            <a:endParaRPr lang="de-DE" dirty="0"/>
-          </a:p>
-        </p:txBody>
-      </p:sp>
-      <p:sp>
-        <p:nvSpPr>
-          <p:cNvPr id="6" name="Fußzeilenplatzhalter 5"/>
-          <p:cNvSpPr>
-            <a:spLocks noGrp="1"/>
-          </p:cNvSpPr>
-          <p:nvPr>
-            <p:ph type="ftr" sz="quarter" idx="16"/>
-          </p:nvPr>
-        </p:nvSpPr>
-        <p:spPr/>
-        <p:txBody>
-          <a:bodyPr/>
-          <a:lstStyle/>
-          <a:p>
-            <a:r>
-              <a:rPr lang="de-DE" noProof="0"/>
-              <a:t>Dr. rer. nat. Erika Mustermann (TUM) | kann beliebig erweitert werden | Infos mit Strich trennen</a:t>
-            </a:r>
-          </a:p>
-        </p:txBody>
-      </p:sp>
-      <p:sp>
-        <p:nvSpPr>
-          <p:cNvPr id="17" name="Bildplatzhalter 16"/>
-          <p:cNvSpPr>
-            <a:spLocks noGrp="1"/>
-          </p:cNvSpPr>
-          <p:nvPr>
-            <p:ph type="pic" sz="quarter" idx="17"/>
-          </p:nvPr>
-        </p:nvSpPr>
-        <p:spPr/>
-      </p:sp>
-      <p:sp>
-        <p:nvSpPr>
-          <p:cNvPr id="4" name="Titel 3"/>
-          <p:cNvSpPr>
-            <a:spLocks noGrp="1"/>
-          </p:cNvSpPr>
-          <p:nvPr>
-            <p:ph type="title"/>
-          </p:nvPr>
-        </p:nvSpPr>
-        <p:spPr/>
-        <p:txBody>
-          <a:bodyPr/>
-          <a:lstStyle/>
-          <a:p>
-            <a:r>
-              <a:rPr lang="de-DE"/>
-              <a:t>Bilder</a:t>
-            </a:r>
-            <a:endParaRPr lang="de-DE" dirty="0"/>
-          </a:p>
-        </p:txBody>
-      </p:sp>
-    </p:spTree>
-  </p:cSld>
-  <p:clrMapOvr>
-    <a:masterClrMapping/>
-  </p:clrMapOvr>
-</p:sld>
-</file>
-
-<file path=ppt/slides/slide25.xml><?xml version="1.0" encoding="utf-8"?>
-<p:sld xmlns:a="http://schemas.openxmlformats.org/drawingml/2006/main" xmlns:r="http://schemas.openxmlformats.org/officeDocument/2006/relationships" xmlns:p="http://schemas.openxmlformats.org/presentationml/2006/main">
-  <p:cSld>
-    <p:spTree>
-      <p:nvGrpSpPr>
-        <p:cNvPr id="1" name=""/>
-        <p:cNvGrpSpPr/>
-        <p:nvPr/>
-      </p:nvGrpSpPr>
-      <p:grpSpPr>
-        <a:xfrm>
-          <a:off x="0" y="0"/>
-          <a:ext cx="0" cy="0"/>
-          <a:chOff x="0" y="0"/>
-          <a:chExt cx="0" cy="0"/>
-        </a:xfrm>
-      </p:grpSpPr>
-      <p:sp>
-        <p:nvSpPr>
-          <p:cNvPr id="3" name="Textplatzhalter 2"/>
-          <p:cNvSpPr>
-            <a:spLocks noGrp="1"/>
-          </p:cNvSpPr>
-          <p:nvPr>
-            <p:ph type="body" sz="quarter" idx="13"/>
-          </p:nvPr>
-        </p:nvSpPr>
-        <p:spPr/>
-        <p:txBody>
-          <a:bodyPr/>
-          <a:lstStyle/>
-          <a:p>
-            <a:r>
-              <a:rPr lang="de-DE"/>
-              <a:t>Weißer bzw. transparenter Hintergrund</a:t>
-            </a:r>
-            <a:br>
-              <a:rPr lang="de-DE"/>
-            </a:br>
-            <a:r>
-              <a:rPr lang="de-DE"/>
-              <a:t>mit genug Freiraum anordnen</a:t>
-            </a:r>
-            <a:endParaRPr lang="de-DE" dirty="0"/>
-          </a:p>
-        </p:txBody>
-      </p:sp>
-      <p:sp>
-        <p:nvSpPr>
-          <p:cNvPr id="5" name="Foliennummernplatzhalter 4"/>
-          <p:cNvSpPr>
-            <a:spLocks noGrp="1"/>
-          </p:cNvSpPr>
-          <p:nvPr>
-            <p:ph type="sldNum" sz="quarter" idx="15"/>
-          </p:nvPr>
-        </p:nvSpPr>
-        <p:spPr/>
-        <p:txBody>
-          <a:bodyPr/>
-          <a:lstStyle/>
-          <a:p>
-            <a:fld id="{CE58CB1E-F828-4F11-99E0-327109AF9DA4}" type="slidenum">
-              <a:rPr lang="de-DE" smtClean="0"/>
-              <a:pPr/>
-              <a:t>25</a:t>
-            </a:fld>
-            <a:endParaRPr lang="de-DE" dirty="0"/>
-          </a:p>
-        </p:txBody>
-      </p:sp>
-      <p:sp>
-        <p:nvSpPr>
-          <p:cNvPr id="10" name="Fußzeilenplatzhalter 4"/>
-          <p:cNvSpPr>
-            <a:spLocks noGrp="1"/>
-          </p:cNvSpPr>
-          <p:nvPr>
-            <p:ph type="ftr" sz="quarter" idx="16"/>
-          </p:nvPr>
-        </p:nvSpPr>
-        <p:spPr/>
-        <p:txBody>
-          <a:bodyPr/>
-          <a:lstStyle/>
-          <a:p>
-            <a:r>
-              <a:rPr lang="de-DE"/>
-              <a:t>Dr. rer. nat. Erika Mustermann (TUM) | kann beliebig erweitert werden | Infos mit Strich trennen</a:t>
-            </a:r>
-            <a:endParaRPr lang="en-US" dirty="0"/>
-          </a:p>
-        </p:txBody>
-      </p:sp>
-      <p:sp>
-        <p:nvSpPr>
-          <p:cNvPr id="18" name="Bildplatzhalter 17"/>
-          <p:cNvSpPr>
-            <a:spLocks noGrp="1"/>
-          </p:cNvSpPr>
-          <p:nvPr>
-            <p:ph type="pic" sz="quarter" idx="17"/>
-          </p:nvPr>
-        </p:nvSpPr>
-        <p:spPr/>
-      </p:sp>
-      <p:sp>
-        <p:nvSpPr>
-          <p:cNvPr id="4" name="Titel 3"/>
-          <p:cNvSpPr>
-            <a:spLocks noGrp="1"/>
-          </p:cNvSpPr>
-          <p:nvPr>
-            <p:ph type="title"/>
-          </p:nvPr>
-        </p:nvSpPr>
-        <p:spPr/>
-        <p:txBody>
-          <a:bodyPr/>
-          <a:lstStyle/>
-          <a:p>
-            <a:r>
-              <a:rPr lang="de-DE"/>
-              <a:t>Nicht formatfüllende Bilder</a:t>
-            </a:r>
-            <a:endParaRPr lang="de-DE" dirty="0"/>
-          </a:p>
-        </p:txBody>
-      </p:sp>
-    </p:spTree>
-  </p:cSld>
-  <p:clrMapOvr>
-    <a:masterClrMapping/>
-  </p:clrMapOvr>
-</p:sld>
-</file>
-
-<file path=ppt/slides/slide26.xml><?xml version="1.0" encoding="utf-8"?>
-<p:sld xmlns:a="http://schemas.openxmlformats.org/drawingml/2006/main" xmlns:r="http://schemas.openxmlformats.org/officeDocument/2006/relationships" xmlns:p="http://schemas.openxmlformats.org/presentationml/2006/main">
-  <p:cSld>
-    <p:spTree>
-      <p:nvGrpSpPr>
-        <p:cNvPr id="1" name=""/>
-        <p:cNvGrpSpPr/>
-        <p:nvPr/>
-      </p:nvGrpSpPr>
-      <p:grpSpPr>
-        <a:xfrm>
-          <a:off x="0" y="0"/>
-          <a:ext cx="0" cy="0"/>
-          <a:chOff x="0" y="0"/>
-          <a:chExt cx="0" cy="0"/>
-        </a:xfrm>
-      </p:grpSpPr>
-      <p:sp>
-        <p:nvSpPr>
-          <p:cNvPr id="14" name="Bildplatzhalter 13"/>
-          <p:cNvSpPr>
-            <a:spLocks noGrp="1"/>
-          </p:cNvSpPr>
-          <p:nvPr>
-            <p:ph type="pic" sz="quarter" idx="14"/>
-          </p:nvPr>
-        </p:nvSpPr>
-        <p:spPr/>
-      </p:sp>
-      <p:sp>
-        <p:nvSpPr>
-          <p:cNvPr id="4" name="Foliennummernplatzhalter 3"/>
-          <p:cNvSpPr>
-            <a:spLocks noGrp="1"/>
-          </p:cNvSpPr>
-          <p:nvPr>
-            <p:ph type="sldNum" sz="quarter" idx="15"/>
-          </p:nvPr>
-        </p:nvSpPr>
-        <p:spPr/>
-        <p:txBody>
-          <a:bodyPr/>
-          <a:lstStyle/>
-          <a:p>
-            <a:fld id="{CE58CB1E-F828-4F11-99E0-327109AF9DA4}" type="slidenum">
-              <a:rPr lang="de-DE" smtClean="0"/>
-              <a:pPr/>
-              <a:t>26</a:t>
-            </a:fld>
-            <a:endParaRPr lang="de-DE" dirty="0"/>
-          </a:p>
-        </p:txBody>
-      </p:sp>
-      <p:sp>
-        <p:nvSpPr>
-          <p:cNvPr id="5" name="Fußzeilenplatzhalter 4"/>
-          <p:cNvSpPr>
-            <a:spLocks noGrp="1"/>
-          </p:cNvSpPr>
-          <p:nvPr>
-            <p:ph type="ftr" sz="quarter" idx="16"/>
-          </p:nvPr>
-        </p:nvSpPr>
-        <p:spPr/>
-        <p:txBody>
-          <a:bodyPr/>
-          <a:lstStyle/>
-          <a:p>
-            <a:r>
-              <a:rPr lang="de-DE"/>
-              <a:t>Dr. rer. nat. Erika Mustermann (TUM) | kann beliebig erweitert werden | Infos mit Strich trennen</a:t>
-            </a:r>
-            <a:endParaRPr lang="en-US" dirty="0"/>
-          </a:p>
-        </p:txBody>
-      </p:sp>
-      <p:sp>
-        <p:nvSpPr>
-          <p:cNvPr id="3" name="Titel 2"/>
-          <p:cNvSpPr>
-            <a:spLocks noGrp="1"/>
-          </p:cNvSpPr>
-          <p:nvPr>
-            <p:ph type="title"/>
-          </p:nvPr>
-        </p:nvSpPr>
-        <p:spPr/>
-        <p:txBody>
-          <a:bodyPr/>
-          <a:lstStyle/>
-          <a:p>
-            <a:r>
-              <a:rPr lang="de-DE"/>
-              <a:t>Bilder Format füllend - maximale Bildgröße</a:t>
-            </a:r>
-            <a:endParaRPr lang="de-DE" dirty="0"/>
-          </a:p>
-        </p:txBody>
-      </p:sp>
-    </p:spTree>
-  </p:cSld>
-  <p:clrMapOvr>
-    <a:masterClrMapping/>
-  </p:clrMapOvr>
-</p:sld>
-</file>
-
-<file path=ppt/slides/slide27.xml><?xml version="1.0" encoding="utf-8"?>
-<p:sld xmlns:a="http://schemas.openxmlformats.org/drawingml/2006/main" xmlns:r="http://schemas.openxmlformats.org/officeDocument/2006/relationships" xmlns:p="http://schemas.openxmlformats.org/presentationml/2006/main">
-  <p:cSld>
-    <p:spTree>
-      <p:nvGrpSpPr>
-        <p:cNvPr id="1" name=""/>
-        <p:cNvGrpSpPr/>
-        <p:nvPr/>
-      </p:nvGrpSpPr>
-      <p:grpSpPr>
-        <a:xfrm>
-          <a:off x="0" y="0"/>
-          <a:ext cx="0" cy="0"/>
-          <a:chOff x="0" y="0"/>
-          <a:chExt cx="0" cy="0"/>
-        </a:xfrm>
-      </p:grpSpPr>
-      <p:sp>
-        <p:nvSpPr>
-          <p:cNvPr id="2" name="Textplatzhalter 1"/>
-          <p:cNvSpPr>
-            <a:spLocks noGrp="1"/>
-          </p:cNvSpPr>
-          <p:nvPr>
-            <p:ph type="body" sz="quarter" idx="13"/>
-          </p:nvPr>
-        </p:nvSpPr>
-        <p:spPr/>
-        <p:txBody>
-          <a:bodyPr/>
-          <a:lstStyle/>
-          <a:p>
-            <a:r>
-              <a:rPr lang="de-DE"/>
-              <a:t>Alternativ mit formatfüllendem Hintergrund: 5 % schwarz</a:t>
-            </a:r>
-          </a:p>
-          <a:p>
-            <a:r>
-              <a:rPr lang="de-DE"/>
-              <a:t>Beschriftungen können zusätzlich neben den Bildern angebracht werden</a:t>
-            </a:r>
-          </a:p>
-        </p:txBody>
-      </p:sp>
-      <p:sp>
-        <p:nvSpPr>
-          <p:cNvPr id="4" name="Foliennummernplatzhalter 3"/>
-          <p:cNvSpPr>
-            <a:spLocks noGrp="1"/>
-          </p:cNvSpPr>
-          <p:nvPr>
-            <p:ph type="sldNum" sz="quarter" idx="15"/>
-          </p:nvPr>
-        </p:nvSpPr>
-        <p:spPr/>
-        <p:txBody>
-          <a:bodyPr/>
-          <a:lstStyle/>
-          <a:p>
-            <a:fld id="{CE58CB1E-F828-4F11-99E0-327109AF9DA4}" type="slidenum">
-              <a:rPr lang="de-DE" smtClean="0"/>
-              <a:pPr/>
-              <a:t>27</a:t>
-            </a:fld>
-            <a:endParaRPr lang="de-DE" dirty="0"/>
-          </a:p>
-        </p:txBody>
-      </p:sp>
-      <p:sp>
-        <p:nvSpPr>
-          <p:cNvPr id="11" name="Fußzeilenplatzhalter 4"/>
-          <p:cNvSpPr>
-            <a:spLocks noGrp="1"/>
-          </p:cNvSpPr>
-          <p:nvPr>
-            <p:ph type="ftr" sz="quarter" idx="16"/>
-          </p:nvPr>
-        </p:nvSpPr>
-        <p:spPr/>
-        <p:txBody>
-          <a:bodyPr/>
-          <a:lstStyle/>
-          <a:p>
-            <a:r>
-              <a:rPr lang="de-DE"/>
-              <a:t>Dr. rer. nat. Erika Mustermann (TUM) | kann beliebig erweitert werden | Infos mit Strich trennen</a:t>
-            </a:r>
-            <a:endParaRPr lang="en-US" dirty="0"/>
-          </a:p>
-        </p:txBody>
-      </p:sp>
-      <p:sp>
-        <p:nvSpPr>
-          <p:cNvPr id="7" name="Inhaltsplatzhalter 6"/>
-          <p:cNvSpPr>
-            <a:spLocks noGrp="1"/>
-          </p:cNvSpPr>
-          <p:nvPr>
-            <p:ph sz="quarter" idx="18"/>
-          </p:nvPr>
-        </p:nvSpPr>
-        <p:spPr/>
-        <p:txBody>
-          <a:bodyPr/>
-          <a:lstStyle/>
-          <a:p>
-            <a:r>
-              <a:rPr lang="de-DE"/>
-              <a:t>Bilderklärung</a:t>
-            </a:r>
-            <a:endParaRPr lang="de-DE" dirty="0"/>
-          </a:p>
-        </p:txBody>
-      </p:sp>
-      <p:sp>
-        <p:nvSpPr>
-          <p:cNvPr id="21" name="Bildplatzhalter 20"/>
-          <p:cNvSpPr>
-            <a:spLocks noGrp="1"/>
-          </p:cNvSpPr>
-          <p:nvPr>
-            <p:ph type="pic" sz="quarter" idx="14"/>
-          </p:nvPr>
-        </p:nvSpPr>
-        <p:spPr/>
-      </p:sp>
-      <p:sp>
-        <p:nvSpPr>
-          <p:cNvPr id="3" name="Titel 2"/>
-          <p:cNvSpPr>
-            <a:spLocks noGrp="1"/>
-          </p:cNvSpPr>
-          <p:nvPr>
-            <p:ph type="title"/>
-          </p:nvPr>
-        </p:nvSpPr>
-        <p:spPr/>
-        <p:txBody>
-          <a:bodyPr/>
-          <a:lstStyle/>
-          <a:p>
-            <a:r>
-              <a:rPr lang="de-DE"/>
-              <a:t>Nicht Format füllende Bilder</a:t>
-            </a:r>
-            <a:endParaRPr lang="de-DE" dirty="0"/>
-          </a:p>
-        </p:txBody>
-      </p:sp>
-    </p:spTree>
-  </p:cSld>
-  <p:clrMapOvr>
-    <a:masterClrMapping/>
-  </p:clrMapOvr>
-</p:sld>
-</file>
-
-<file path=ppt/slides/slide28.xml><?xml version="1.0" encoding="utf-8"?>
-<p:sld xmlns:a="http://schemas.openxmlformats.org/drawingml/2006/main" xmlns:r="http://schemas.openxmlformats.org/officeDocument/2006/relationships" xmlns:p="http://schemas.openxmlformats.org/presentationml/2006/main">
-  <p:cSld>
-    <p:spTree>
-      <p:nvGrpSpPr>
-        <p:cNvPr id="1" name=""/>
-        <p:cNvGrpSpPr/>
-        <p:nvPr/>
-      </p:nvGrpSpPr>
-      <p:grpSpPr>
-        <a:xfrm>
-          <a:off x="0" y="0"/>
-          <a:ext cx="0" cy="0"/>
-          <a:chOff x="0" y="0"/>
-          <a:chExt cx="0" cy="0"/>
-        </a:xfrm>
-      </p:grpSpPr>
-      <p:graphicFrame>
-        <p:nvGraphicFramePr>
-          <p:cNvPr id="7" name="Inhaltsplatzhalter 6"/>
-          <p:cNvGraphicFramePr>
-            <a:graphicFrameLocks noGrp="1"/>
-          </p:cNvGraphicFramePr>
-          <p:nvPr>
-            <p:ph idx="1"/>
-          </p:nvPr>
-        </p:nvGraphicFramePr>
-        <p:xfrm>
-          <a:off x="319088" y="2498725"/>
-          <a:ext cx="8509507" cy="2119200"/>
-        </p:xfrm>
-        <a:graphic>
-          <a:graphicData uri="http://schemas.openxmlformats.org/drawingml/2006/table">
-            <a:tbl>
-              <a:tblPr bandRow="1">
-                <a:tableStyleId>{5940675A-B579-460E-94D1-54222C63F5DA}</a:tableStyleId>
-              </a:tblPr>
-              <a:tblGrid>
-                <a:gridCol w="3493889">
-                  <a:extLst>
-                    <a:ext uri="{9D8B030D-6E8A-4147-A177-3AD203B41FA5}">
-                      <a16:colId xmlns:a16="http://schemas.microsoft.com/office/drawing/2014/main" val="20000"/>
-                    </a:ext>
-                  </a:extLst>
-                </a:gridCol>
-                <a:gridCol w="5015618">
-                  <a:extLst>
-                    <a:ext uri="{9D8B030D-6E8A-4147-A177-3AD203B41FA5}">
-                      <a16:colId xmlns:a16="http://schemas.microsoft.com/office/drawing/2014/main" val="20001"/>
-                    </a:ext>
-                  </a:extLst>
-                </a:gridCol>
-              </a:tblGrid>
-              <a:tr h="423840">
-                <a:tc>
-                  <a:txBody>
-                    <a:bodyPr/>
-                    <a:lstStyle/>
-                    <a:p>
-                      <a:pPr marL="0" marR="0" indent="0" algn="l" defTabSz="914400" rtl="0" eaLnBrk="1" fontAlgn="auto" latinLnBrk="0" hangingPunct="1">
-                        <a:lnSpc>
-                          <a:spcPct val="100000"/>
-                        </a:lnSpc>
-                        <a:spcBef>
-                          <a:spcPts val="0"/>
-                        </a:spcBef>
-                        <a:spcAft>
-                          <a:spcPts val="0"/>
-                        </a:spcAft>
-                        <a:buClrTx/>
-                        <a:buSzTx/>
-                        <a:buFontTx/>
-                        <a:buNone/>
-                        <a:tabLst/>
-                        <a:defRPr/>
-                      </a:pPr>
-                      <a:r>
-                        <a:rPr lang="de-DE" sz="1600" dirty="0"/>
-                        <a:t>Ø - Strecke</a:t>
-                      </a:r>
-                      <a:endParaRPr lang="de-DE" sz="1600" dirty="0">
-                        <a:latin typeface="+mn-lt"/>
-                      </a:endParaRPr>
-                    </a:p>
-                  </a:txBody>
-                  <a:tcPr marL="0" marR="0" marT="180000" marB="0" anchor="ctr">
-                    <a:lnL w="12700" cmpd="sng">
-                      <a:noFill/>
-                    </a:lnL>
-                    <a:lnR w="12700" cmpd="sng">
-                      <a:noFill/>
-                    </a:lnR>
-                    <a:lnT w="12700" cmpd="sng">
-                      <a:noFill/>
-                    </a:lnT>
-                    <a:lnB w="12700" cmpd="sng">
-                      <a:noFill/>
-                    </a:lnB>
-                    <a:lnTlToBr w="12700" cmpd="sng">
-                      <a:noFill/>
-                      <a:prstDash val="solid"/>
-                    </a:lnTlToBr>
-                    <a:lnBlToTr w="12700" cmpd="sng">
-                      <a:noFill/>
-                      <a:prstDash val="solid"/>
-                    </a:lnBlToTr>
-                  </a:tcPr>
-                </a:tc>
-                <a:tc>
-                  <a:txBody>
-                    <a:bodyPr/>
-                    <a:lstStyle/>
-                    <a:p>
-                      <a:pPr marL="0" marR="0" indent="0" algn="l" defTabSz="914400" rtl="0" eaLnBrk="1" fontAlgn="auto" latinLnBrk="0" hangingPunct="1">
-                        <a:lnSpc>
-                          <a:spcPct val="100000"/>
-                        </a:lnSpc>
-                        <a:spcBef>
-                          <a:spcPts val="0"/>
-                        </a:spcBef>
-                        <a:spcAft>
-                          <a:spcPts val="0"/>
-                        </a:spcAft>
-                        <a:buClrTx/>
-                        <a:buSzTx/>
-                        <a:buFontTx/>
-                        <a:buNone/>
-                        <a:tabLst/>
-                        <a:defRPr/>
-                      </a:pPr>
-                      <a:r>
-                        <a:rPr lang="de-DE" sz="1600" dirty="0"/>
-                        <a:t>39 km/Tag (14.360 km/Jahr)</a:t>
-                      </a:r>
-                      <a:endParaRPr lang="de-DE" sz="1600" dirty="0">
-                        <a:latin typeface="+mn-lt"/>
-                      </a:endParaRPr>
-                    </a:p>
-                  </a:txBody>
-                  <a:tcPr marL="0" marR="0" marT="180000" marB="0" anchor="ctr">
-                    <a:lnL w="12700" cmpd="sng">
-                      <a:noFill/>
-                    </a:lnL>
-                    <a:lnR w="12700" cmpd="sng">
-                      <a:noFill/>
-                    </a:lnR>
-                    <a:lnT w="12700" cmpd="sng">
-                      <a:noFill/>
-                    </a:lnT>
-                    <a:lnB w="12700" cmpd="sng">
-                      <a:noFill/>
-                    </a:lnB>
-                    <a:lnTlToBr w="12700" cmpd="sng">
-                      <a:noFill/>
-                      <a:prstDash val="solid"/>
-                    </a:lnTlToBr>
-                    <a:lnBlToTr w="12700" cmpd="sng">
-                      <a:noFill/>
-                      <a:prstDash val="solid"/>
-                    </a:lnBlToTr>
-                  </a:tcPr>
-                </a:tc>
-                <a:extLst>
-                  <a:ext uri="{0D108BD9-81ED-4DB2-BD59-A6C34878D82A}">
-                    <a16:rowId xmlns:a16="http://schemas.microsoft.com/office/drawing/2014/main" val="10000"/>
-                  </a:ext>
-                </a:extLst>
-              </a:tr>
-              <a:tr h="423840">
-                <a:tc>
-                  <a:txBody>
-                    <a:bodyPr/>
-                    <a:lstStyle/>
-                    <a:p>
-                      <a:pPr marL="0" marR="0" lvl="0" indent="0" algn="l" defTabSz="914400" rtl="0" eaLnBrk="1" fontAlgn="auto" latinLnBrk="0" hangingPunct="1">
-                        <a:lnSpc>
-                          <a:spcPct val="100000"/>
-                        </a:lnSpc>
-                        <a:spcBef>
-                          <a:spcPts val="0"/>
-                        </a:spcBef>
-                        <a:spcAft>
-                          <a:spcPts val="0"/>
-                        </a:spcAft>
-                        <a:buClrTx/>
-                        <a:buSzTx/>
-                        <a:buFontTx/>
-                        <a:buNone/>
-                        <a:tabLst/>
-                        <a:defRPr/>
-                      </a:pPr>
-                      <a:r>
-                        <a:rPr lang="de-DE" sz="1600" dirty="0"/>
-                        <a:t>Ø - Geschwindigkeit</a:t>
-                      </a:r>
-                      <a:endParaRPr lang="de-DE" sz="1600" dirty="0">
-                        <a:latin typeface="+mn-lt"/>
-                      </a:endParaRPr>
-                    </a:p>
-                  </a:txBody>
-                  <a:tcPr marL="0" marR="0" marT="180000" marB="0" anchor="ctr">
-                    <a:lnL w="12700" cmpd="sng">
-                      <a:noFill/>
-                    </a:lnL>
-                    <a:lnR w="12700" cmpd="sng">
-                      <a:noFill/>
-                    </a:lnR>
-                    <a:lnT w="12700" cmpd="sng">
-                      <a:noFill/>
-                    </a:lnT>
-                    <a:lnB w="12700" cmpd="sng">
-                      <a:noFill/>
-                    </a:lnB>
-                    <a:lnTlToBr w="12700" cmpd="sng">
-                      <a:noFill/>
-                      <a:prstDash val="solid"/>
-                    </a:lnTlToBr>
-                    <a:lnBlToTr w="12700" cmpd="sng">
-                      <a:noFill/>
-                      <a:prstDash val="solid"/>
-                    </a:lnBlToTr>
-                  </a:tcPr>
-                </a:tc>
-                <a:tc>
-                  <a:txBody>
-                    <a:bodyPr/>
-                    <a:lstStyle/>
-                    <a:p>
-                      <a:pPr marL="0" marR="0" indent="0" algn="l" defTabSz="914400" rtl="0" eaLnBrk="1" fontAlgn="auto" latinLnBrk="0" hangingPunct="1">
-                        <a:lnSpc>
-                          <a:spcPct val="100000"/>
-                        </a:lnSpc>
-                        <a:spcBef>
-                          <a:spcPts val="0"/>
-                        </a:spcBef>
-                        <a:spcAft>
-                          <a:spcPts val="0"/>
-                        </a:spcAft>
-                        <a:buClrTx/>
-                        <a:buSzTx/>
-                        <a:buFontTx/>
-                        <a:buNone/>
-                        <a:tabLst/>
-                        <a:defRPr/>
-                      </a:pPr>
-                      <a:r>
-                        <a:rPr lang="de-DE" sz="1600" dirty="0"/>
-                        <a:t>25 km/h</a:t>
-                      </a:r>
-                      <a:endParaRPr lang="de-DE" sz="1600" dirty="0">
-                        <a:latin typeface="+mn-lt"/>
-                      </a:endParaRPr>
-                    </a:p>
-                  </a:txBody>
-                  <a:tcPr marL="0" marR="0" marT="180000" marB="0" anchor="ctr">
-                    <a:lnL w="12700" cmpd="sng">
-                      <a:noFill/>
-                    </a:lnL>
-                    <a:lnR w="12700" cmpd="sng">
-                      <a:noFill/>
-                    </a:lnR>
-                    <a:lnT w="12700" cmpd="sng">
-                      <a:noFill/>
-                    </a:lnT>
-                    <a:lnB w="12700" cmpd="sng">
-                      <a:noFill/>
-                    </a:lnB>
-                    <a:lnTlToBr w="12700" cmpd="sng">
-                      <a:noFill/>
-                      <a:prstDash val="solid"/>
-                    </a:lnTlToBr>
-                    <a:lnBlToTr w="12700" cmpd="sng">
-                      <a:noFill/>
-                      <a:prstDash val="solid"/>
-                    </a:lnBlToTr>
-                  </a:tcPr>
-                </a:tc>
-                <a:extLst>
-                  <a:ext uri="{0D108BD9-81ED-4DB2-BD59-A6C34878D82A}">
-                    <a16:rowId xmlns:a16="http://schemas.microsoft.com/office/drawing/2014/main" val="10001"/>
-                  </a:ext>
-                </a:extLst>
-              </a:tr>
-              <a:tr h="423840">
-                <a:tc>
-                  <a:txBody>
-                    <a:bodyPr/>
-                    <a:lstStyle/>
-                    <a:p>
-                      <a:pPr marL="0" marR="0" indent="0" algn="l" defTabSz="914400" rtl="0" eaLnBrk="1" fontAlgn="auto" latinLnBrk="0" hangingPunct="1">
-                        <a:lnSpc>
-                          <a:spcPct val="100000"/>
-                        </a:lnSpc>
-                        <a:spcBef>
-                          <a:spcPts val="0"/>
-                        </a:spcBef>
-                        <a:spcAft>
-                          <a:spcPts val="0"/>
-                        </a:spcAft>
-                        <a:buClrTx/>
-                        <a:buSzTx/>
-                        <a:buFontTx/>
-                        <a:buNone/>
-                        <a:tabLst/>
-                        <a:defRPr/>
-                      </a:pPr>
-                      <a:r>
-                        <a:rPr lang="de-DE" sz="1600" dirty="0"/>
-                        <a:t>Ø - Verfügbare Ladezeit</a:t>
-                      </a:r>
-                      <a:endParaRPr lang="de-DE" sz="1600" dirty="0">
-                        <a:latin typeface="+mn-lt"/>
-                      </a:endParaRPr>
-                    </a:p>
-                  </a:txBody>
-                  <a:tcPr marL="0" marR="0" marT="180000" marB="0" anchor="ctr">
-                    <a:lnL w="12700" cmpd="sng">
-                      <a:noFill/>
-                    </a:lnL>
-                    <a:lnR w="12700" cmpd="sng">
-                      <a:noFill/>
-                    </a:lnR>
-                    <a:lnT w="12700" cmpd="sng">
-                      <a:noFill/>
-                    </a:lnT>
-                    <a:lnB w="12700" cmpd="sng">
-                      <a:noFill/>
-                    </a:lnB>
-                    <a:lnTlToBr w="12700" cmpd="sng">
-                      <a:noFill/>
-                      <a:prstDash val="solid"/>
-                    </a:lnTlToBr>
-                    <a:lnBlToTr w="12700" cmpd="sng">
-                      <a:noFill/>
-                      <a:prstDash val="solid"/>
-                    </a:lnBlToTr>
-                  </a:tcPr>
-                </a:tc>
-                <a:tc>
-                  <a:txBody>
-                    <a:bodyPr/>
-                    <a:lstStyle/>
-                    <a:p>
-                      <a:pPr marL="0" marR="0" indent="0" algn="l" defTabSz="914400" rtl="0" eaLnBrk="1" fontAlgn="auto" latinLnBrk="0" hangingPunct="1">
-                        <a:lnSpc>
-                          <a:spcPct val="100000"/>
-                        </a:lnSpc>
-                        <a:spcBef>
-                          <a:spcPts val="0"/>
-                        </a:spcBef>
-                        <a:spcAft>
-                          <a:spcPts val="0"/>
-                        </a:spcAft>
-                        <a:buClrTx/>
-                        <a:buSzTx/>
-                        <a:buFontTx/>
-                        <a:buNone/>
-                        <a:tabLst/>
-                        <a:defRPr/>
-                      </a:pPr>
-                      <a:r>
-                        <a:rPr lang="de-DE" sz="1600" dirty="0"/>
-                        <a:t>22 h/Tag</a:t>
-                      </a:r>
-                      <a:endParaRPr lang="de-DE" sz="1600" dirty="0">
-                        <a:latin typeface="+mn-lt"/>
-                      </a:endParaRPr>
-                    </a:p>
-                  </a:txBody>
-                  <a:tcPr marL="0" marR="0" marT="180000" marB="0" anchor="ctr">
-                    <a:lnL w="12700" cmpd="sng">
-                      <a:noFill/>
-                    </a:lnL>
-                    <a:lnR w="12700" cmpd="sng">
-                      <a:noFill/>
-                    </a:lnR>
-                    <a:lnT w="12700" cmpd="sng">
-                      <a:noFill/>
-                    </a:lnT>
-                    <a:lnB w="12700" cmpd="sng">
-                      <a:noFill/>
-                    </a:lnB>
-                    <a:lnTlToBr w="12700" cmpd="sng">
-                      <a:noFill/>
-                      <a:prstDash val="solid"/>
-                    </a:lnTlToBr>
-                    <a:lnBlToTr w="12700" cmpd="sng">
-                      <a:noFill/>
-                      <a:prstDash val="solid"/>
-                    </a:lnBlToTr>
-                  </a:tcPr>
-                </a:tc>
-                <a:extLst>
-                  <a:ext uri="{0D108BD9-81ED-4DB2-BD59-A6C34878D82A}">
-                    <a16:rowId xmlns:a16="http://schemas.microsoft.com/office/drawing/2014/main" val="10002"/>
-                  </a:ext>
-                </a:extLst>
-              </a:tr>
-              <a:tr h="423840">
-                <a:tc>
-                  <a:txBody>
-                    <a:bodyPr/>
-                    <a:lstStyle/>
-                    <a:p>
-                      <a:pPr marL="0" marR="0" indent="0" algn="l" defTabSz="914400" rtl="0" eaLnBrk="1" fontAlgn="auto" latinLnBrk="0" hangingPunct="1">
-                        <a:lnSpc>
-                          <a:spcPct val="100000"/>
-                        </a:lnSpc>
-                        <a:spcBef>
-                          <a:spcPts val="0"/>
-                        </a:spcBef>
-                        <a:spcAft>
-                          <a:spcPts val="0"/>
-                        </a:spcAft>
-                        <a:buClrTx/>
-                        <a:buSzTx/>
-                        <a:buFontTx/>
-                        <a:buNone/>
-                        <a:tabLst/>
-                        <a:defRPr/>
-                      </a:pPr>
-                      <a:r>
-                        <a:rPr lang="de-DE" sz="1600" dirty="0"/>
-                        <a:t>Kosten</a:t>
-                      </a:r>
-                      <a:endParaRPr lang="de-DE" sz="1600" dirty="0">
-                        <a:latin typeface="+mn-lt"/>
-                      </a:endParaRPr>
-                    </a:p>
-                  </a:txBody>
-                  <a:tcPr marL="0" marR="0" marT="180000" marB="0" anchor="ctr">
-                    <a:lnL w="12700" cmpd="sng">
-                      <a:noFill/>
-                    </a:lnL>
-                    <a:lnR w="12700" cmpd="sng">
-                      <a:noFill/>
-                    </a:lnR>
-                    <a:lnT w="12700" cmpd="sng">
-                      <a:noFill/>
-                    </a:lnT>
-                    <a:lnB w="12700" cmpd="sng">
-                      <a:noFill/>
-                    </a:lnB>
-                    <a:lnTlToBr w="12700" cmpd="sng">
-                      <a:noFill/>
-                      <a:prstDash val="solid"/>
-                    </a:lnTlToBr>
-                    <a:lnBlToTr w="12700" cmpd="sng">
-                      <a:noFill/>
-                      <a:prstDash val="solid"/>
-                    </a:lnBlToTr>
-                  </a:tcPr>
-                </a:tc>
-                <a:tc>
-                  <a:txBody>
-                    <a:bodyPr/>
-                    <a:lstStyle/>
-                    <a:p>
-                      <a:pPr marL="0" marR="0" lvl="0" indent="0" algn="l" defTabSz="914400" rtl="0" eaLnBrk="1" fontAlgn="auto" latinLnBrk="0" hangingPunct="1">
-                        <a:lnSpc>
-                          <a:spcPct val="100000"/>
-                        </a:lnSpc>
-                        <a:spcBef>
-                          <a:spcPts val="0"/>
-                        </a:spcBef>
-                        <a:spcAft>
-                          <a:spcPts val="0"/>
-                        </a:spcAft>
-                        <a:buClrTx/>
-                        <a:buSzTx/>
-                        <a:buFontTx/>
-                        <a:buNone/>
-                        <a:tabLst/>
-                        <a:defRPr/>
-                      </a:pPr>
-                      <a:r>
-                        <a:rPr lang="de-DE" sz="1600" dirty="0"/>
-                        <a:t>Kleinwagen mit Verbrennungsmotor</a:t>
-                      </a:r>
-                      <a:endParaRPr lang="de-DE" sz="1600" dirty="0">
-                        <a:latin typeface="+mn-lt"/>
-                      </a:endParaRPr>
-                    </a:p>
-                  </a:txBody>
-                  <a:tcPr marL="0" marR="0" marT="180000" marB="0" anchor="ctr">
-                    <a:lnL w="12700" cmpd="sng">
-                      <a:noFill/>
-                    </a:lnL>
-                    <a:lnR w="12700" cmpd="sng">
-                      <a:noFill/>
-                    </a:lnR>
-                    <a:lnT w="12700" cmpd="sng">
-                      <a:noFill/>
-                    </a:lnT>
-                    <a:lnB w="12700" cmpd="sng">
-                      <a:noFill/>
-                    </a:lnB>
-                    <a:lnTlToBr w="12700" cmpd="sng">
-                      <a:noFill/>
-                      <a:prstDash val="solid"/>
-                    </a:lnTlToBr>
-                    <a:lnBlToTr w="12700" cmpd="sng">
-                      <a:noFill/>
-                      <a:prstDash val="solid"/>
-                    </a:lnBlToTr>
-                  </a:tcPr>
-                </a:tc>
-                <a:extLst>
-                  <a:ext uri="{0D108BD9-81ED-4DB2-BD59-A6C34878D82A}">
-                    <a16:rowId xmlns:a16="http://schemas.microsoft.com/office/drawing/2014/main" val="10003"/>
-                  </a:ext>
-                </a:extLst>
-              </a:tr>
-              <a:tr h="423840">
-                <a:tc>
-                  <a:txBody>
-                    <a:bodyPr/>
-                    <a:lstStyle/>
-                    <a:p>
-                      <a:pPr marL="0" marR="0" indent="0" algn="l" defTabSz="914400" rtl="0" eaLnBrk="1" fontAlgn="auto" latinLnBrk="0" hangingPunct="1">
-                        <a:lnSpc>
-                          <a:spcPct val="100000"/>
-                        </a:lnSpc>
-                        <a:spcBef>
-                          <a:spcPts val="0"/>
-                        </a:spcBef>
-                        <a:spcAft>
-                          <a:spcPts val="0"/>
-                        </a:spcAft>
-                        <a:buClrTx/>
-                        <a:buSzTx/>
-                        <a:buFontTx/>
-                        <a:buNone/>
-                        <a:tabLst/>
-                        <a:defRPr/>
-                      </a:pPr>
-                      <a:r>
-                        <a:rPr lang="de-DE" sz="1600" dirty="0"/>
-                        <a:t>Einsatzgebiet</a:t>
-                      </a:r>
-                      <a:endParaRPr lang="de-DE" sz="1600" b="0" dirty="0">
-                        <a:latin typeface="+mn-lt"/>
-                      </a:endParaRPr>
-                    </a:p>
-                  </a:txBody>
-                  <a:tcPr marL="0" marR="0" marT="180000" marB="0" anchor="ctr">
-                    <a:lnL w="12700" cmpd="sng">
-                      <a:noFill/>
-                    </a:lnL>
-                    <a:lnR w="12700" cmpd="sng">
-                      <a:noFill/>
-                    </a:lnR>
-                    <a:lnT w="12700" cmpd="sng">
-                      <a:noFill/>
-                    </a:lnT>
-                    <a:lnB w="12700" cmpd="sng">
-                      <a:noFill/>
-                    </a:lnB>
-                    <a:lnTlToBr w="12700" cmpd="sng">
-                      <a:noFill/>
-                      <a:prstDash val="solid"/>
-                    </a:lnTlToBr>
-                    <a:lnBlToTr w="12700" cmpd="sng">
-                      <a:noFill/>
-                      <a:prstDash val="solid"/>
-                    </a:lnBlToTr>
-                  </a:tcPr>
-                </a:tc>
-                <a:tc>
-                  <a:txBody>
-                    <a:bodyPr/>
-                    <a:lstStyle/>
-                    <a:p>
-                      <a:pPr marL="0" marR="0" indent="0" algn="l" defTabSz="914400" rtl="0" eaLnBrk="1" fontAlgn="auto" latinLnBrk="0" hangingPunct="1">
-                        <a:lnSpc>
-                          <a:spcPct val="100000"/>
-                        </a:lnSpc>
-                        <a:spcBef>
-                          <a:spcPts val="0"/>
-                        </a:spcBef>
-                        <a:spcAft>
-                          <a:spcPts val="0"/>
-                        </a:spcAft>
-                        <a:buClrTx/>
-                        <a:buSzTx/>
-                        <a:buFontTx/>
-                        <a:buNone/>
-                        <a:tabLst/>
-                        <a:defRPr/>
-                      </a:pPr>
-                      <a:r>
-                        <a:rPr lang="de-DE" sz="1600" dirty="0"/>
-                        <a:t>Stadt und Umland</a:t>
-                      </a:r>
-                      <a:endParaRPr lang="de-DE" sz="1600" dirty="0">
-                        <a:latin typeface="+mn-lt"/>
-                      </a:endParaRPr>
-                    </a:p>
-                  </a:txBody>
-                  <a:tcPr marL="0" marR="0" marT="180000" marB="0" anchor="ctr">
-                    <a:lnL w="12700" cmpd="sng">
-                      <a:noFill/>
-                    </a:lnL>
-                    <a:lnR w="12700" cmpd="sng">
-                      <a:noFill/>
-                    </a:lnR>
-                    <a:lnT w="12700" cmpd="sng">
-                      <a:noFill/>
-                    </a:lnT>
-                    <a:lnB w="12700" cmpd="sng">
-                      <a:noFill/>
-                    </a:lnB>
-                    <a:lnTlToBr w="12700" cmpd="sng">
-                      <a:noFill/>
-                      <a:prstDash val="solid"/>
-                    </a:lnTlToBr>
-                    <a:lnBlToTr w="12700" cmpd="sng">
-                      <a:noFill/>
-                      <a:prstDash val="solid"/>
-                    </a:lnBlToTr>
-                  </a:tcPr>
-                </a:tc>
-                <a:extLst>
-                  <a:ext uri="{0D108BD9-81ED-4DB2-BD59-A6C34878D82A}">
-                    <a16:rowId xmlns:a16="http://schemas.microsoft.com/office/drawing/2014/main" val="10004"/>
-                  </a:ext>
-                </a:extLst>
-              </a:tr>
-            </a:tbl>
-          </a:graphicData>
-        </a:graphic>
-      </p:graphicFrame>
-      <p:sp>
-        <p:nvSpPr>
-          <p:cNvPr id="4" name="Foliennummernplatzhalter 3"/>
-          <p:cNvSpPr>
-            <a:spLocks noGrp="1"/>
-          </p:cNvSpPr>
-          <p:nvPr>
-            <p:ph type="sldNum" sz="quarter" idx="11"/>
-          </p:nvPr>
-        </p:nvSpPr>
-        <p:spPr/>
-        <p:txBody>
-          <a:bodyPr/>
-          <a:lstStyle/>
-          <a:p>
-            <a:fld id="{CE58CB1E-F828-4F11-99E0-327109AF9DA4}" type="slidenum">
-              <a:rPr lang="de-DE" smtClean="0"/>
-              <a:pPr/>
-              <a:t>28</a:t>
-            </a:fld>
-            <a:endParaRPr lang="de-DE" dirty="0"/>
-          </a:p>
-        </p:txBody>
-      </p:sp>
-      <p:sp>
-        <p:nvSpPr>
-          <p:cNvPr id="10" name="Fußzeilenplatzhalter 4"/>
-          <p:cNvSpPr>
-            <a:spLocks noGrp="1"/>
-          </p:cNvSpPr>
-          <p:nvPr>
-            <p:ph type="ftr" sz="quarter" idx="12"/>
-          </p:nvPr>
-        </p:nvSpPr>
-        <p:spPr/>
-        <p:txBody>
-          <a:bodyPr/>
-          <a:lstStyle/>
-          <a:p>
-            <a:r>
-              <a:rPr lang="de-DE"/>
-              <a:t>Dr. rer. nat. Erika Mustermann (TUM) | kann beliebig erweitert werden | Infos mit Strich trennen</a:t>
-            </a:r>
-            <a:endParaRPr lang="en-US" dirty="0"/>
-          </a:p>
-        </p:txBody>
-      </p:sp>
-      <p:sp>
-        <p:nvSpPr>
-          <p:cNvPr id="2" name="Textplatzhalter 1"/>
-          <p:cNvSpPr>
-            <a:spLocks noGrp="1"/>
-          </p:cNvSpPr>
-          <p:nvPr>
-            <p:ph type="body" sz="quarter" idx="13"/>
-          </p:nvPr>
-        </p:nvSpPr>
-        <p:spPr/>
-        <p:txBody>
-          <a:bodyPr/>
-          <a:lstStyle/>
-          <a:p>
-            <a:r>
-              <a:rPr lang="de-DE"/>
-              <a:t>Tabelle ohne Farbe und kein Rand</a:t>
-            </a:r>
-            <a:br>
-              <a:rPr lang="de-DE"/>
-            </a:br>
-            <a:r>
-              <a:rPr lang="de-DE"/>
-              <a:t>innerer Seitenrand links 0 cm, oben z.B. 0,5 cm (für genug Zeilenabstand innerhalb) </a:t>
-            </a:r>
-            <a:endParaRPr lang="de-DE" dirty="0"/>
-          </a:p>
-        </p:txBody>
-      </p:sp>
-      <p:sp>
-        <p:nvSpPr>
-          <p:cNvPr id="3" name="Titel 2"/>
-          <p:cNvSpPr>
-            <a:spLocks noGrp="1"/>
-          </p:cNvSpPr>
-          <p:nvPr>
-            <p:ph type="title"/>
-          </p:nvPr>
-        </p:nvSpPr>
-        <p:spPr/>
-        <p:txBody>
-          <a:bodyPr/>
-          <a:lstStyle/>
-          <a:p>
-            <a:r>
-              <a:rPr lang="de-DE"/>
-              <a:t>Tabelle – Beispiel 1</a:t>
-            </a:r>
-            <a:endParaRPr lang="de-DE" dirty="0"/>
-          </a:p>
-        </p:txBody>
-      </p:sp>
-    </p:spTree>
-  </p:cSld>
-  <p:clrMapOvr>
-    <a:masterClrMapping/>
-  </p:clrMapOvr>
-</p:sld>
-</file>
-
-<file path=ppt/slides/slide29.xml><?xml version="1.0" encoding="utf-8"?>
-<p:sld xmlns:a="http://schemas.openxmlformats.org/drawingml/2006/main" xmlns:r="http://schemas.openxmlformats.org/officeDocument/2006/relationships" xmlns:p="http://schemas.openxmlformats.org/presentationml/2006/main">
-  <p:cSld>
-    <p:spTree>
-      <p:nvGrpSpPr>
-        <p:cNvPr id="1" name=""/>
-        <p:cNvGrpSpPr/>
-        <p:nvPr/>
-      </p:nvGrpSpPr>
-      <p:grpSpPr>
-        <a:xfrm>
-          <a:off x="0" y="0"/>
-          <a:ext cx="0" cy="0"/>
-          <a:chOff x="0" y="0"/>
-          <a:chExt cx="0" cy="0"/>
-        </a:xfrm>
-      </p:grpSpPr>
-      <p:graphicFrame>
-        <p:nvGraphicFramePr>
-          <p:cNvPr id="7" name="Inhaltsplatzhalter 6"/>
-          <p:cNvGraphicFramePr>
-            <a:graphicFrameLocks noGrp="1"/>
-          </p:cNvGraphicFramePr>
-          <p:nvPr>
-            <p:ph idx="1"/>
-          </p:nvPr>
-        </p:nvGraphicFramePr>
-        <p:xfrm>
-          <a:off x="319088" y="2498725"/>
-          <a:ext cx="8509507" cy="2119200"/>
-        </p:xfrm>
-        <a:graphic>
-          <a:graphicData uri="http://schemas.openxmlformats.org/drawingml/2006/table">
-            <a:tbl>
-              <a:tblPr bandRow="1">
-                <a:tableStyleId>{5940675A-B579-460E-94D1-54222C63F5DA}</a:tableStyleId>
-              </a:tblPr>
-              <a:tblGrid>
-                <a:gridCol w="3493889">
-                  <a:extLst>
-                    <a:ext uri="{9D8B030D-6E8A-4147-A177-3AD203B41FA5}">
-                      <a16:colId xmlns:a16="http://schemas.microsoft.com/office/drawing/2014/main" val="20000"/>
-                    </a:ext>
-                  </a:extLst>
-                </a:gridCol>
-                <a:gridCol w="5015618">
-                  <a:extLst>
-                    <a:ext uri="{9D8B030D-6E8A-4147-A177-3AD203B41FA5}">
-                      <a16:colId xmlns:a16="http://schemas.microsoft.com/office/drawing/2014/main" val="20001"/>
-                    </a:ext>
-                  </a:extLst>
-                </a:gridCol>
-              </a:tblGrid>
-              <a:tr h="423840">
-                <a:tc>
-                  <a:txBody>
-                    <a:bodyPr/>
-                    <a:lstStyle/>
-                    <a:p>
-                      <a:pPr marL="0" marR="0" indent="0" algn="l" defTabSz="914400" rtl="0" eaLnBrk="1" fontAlgn="auto" latinLnBrk="0" hangingPunct="1">
-                        <a:lnSpc>
-                          <a:spcPct val="100000"/>
-                        </a:lnSpc>
-                        <a:spcBef>
-                          <a:spcPts val="0"/>
-                        </a:spcBef>
-                        <a:spcAft>
-                          <a:spcPts val="0"/>
-                        </a:spcAft>
-                        <a:buClrTx/>
-                        <a:buSzTx/>
-                        <a:buFontTx/>
-                        <a:buNone/>
-                        <a:tabLst/>
-                        <a:defRPr/>
-                      </a:pPr>
-                      <a:r>
-                        <a:rPr lang="de-DE" sz="1600" dirty="0"/>
-                        <a:t>Ø - Strecke</a:t>
-                      </a:r>
-                      <a:endParaRPr lang="de-DE" sz="1600" dirty="0">
-                        <a:latin typeface="+mn-lt"/>
-                      </a:endParaRPr>
-                    </a:p>
-                  </a:txBody>
-                  <a:tcPr marL="54000" marR="0" marT="180000" marB="0" anchor="ctr"/>
-                </a:tc>
-                <a:tc>
-                  <a:txBody>
-                    <a:bodyPr/>
-                    <a:lstStyle/>
-                    <a:p>
-                      <a:pPr marL="0" marR="0" indent="0" algn="l" defTabSz="914400" rtl="0" eaLnBrk="1" fontAlgn="auto" latinLnBrk="0" hangingPunct="1">
-                        <a:lnSpc>
-                          <a:spcPct val="100000"/>
-                        </a:lnSpc>
-                        <a:spcBef>
-                          <a:spcPts val="0"/>
-                        </a:spcBef>
-                        <a:spcAft>
-                          <a:spcPts val="0"/>
-                        </a:spcAft>
-                        <a:buClrTx/>
-                        <a:buSzTx/>
-                        <a:buFontTx/>
-                        <a:buNone/>
-                        <a:tabLst/>
-                        <a:defRPr/>
-                      </a:pPr>
-                      <a:r>
-                        <a:rPr lang="de-DE" sz="1600" dirty="0"/>
-                        <a:t>39 km/Tag (14.360 km/Jahr)</a:t>
-                      </a:r>
-                      <a:endParaRPr lang="de-DE" sz="1600" dirty="0">
-                        <a:latin typeface="+mn-lt"/>
-                      </a:endParaRPr>
-                    </a:p>
-                  </a:txBody>
-                  <a:tcPr marL="54000" marR="0" marT="180000" marB="0" anchor="ctr"/>
-                </a:tc>
-                <a:extLst>
-                  <a:ext uri="{0D108BD9-81ED-4DB2-BD59-A6C34878D82A}">
-                    <a16:rowId xmlns:a16="http://schemas.microsoft.com/office/drawing/2014/main" val="10000"/>
-                  </a:ext>
-                </a:extLst>
-              </a:tr>
-              <a:tr h="423840">
-                <a:tc>
-                  <a:txBody>
-                    <a:bodyPr/>
-                    <a:lstStyle/>
-                    <a:p>
-                      <a:pPr marL="0" marR="0" lvl="0" indent="0" algn="l" defTabSz="914400" rtl="0" eaLnBrk="1" fontAlgn="auto" latinLnBrk="0" hangingPunct="1">
-                        <a:lnSpc>
-                          <a:spcPct val="100000"/>
-                        </a:lnSpc>
-                        <a:spcBef>
-                          <a:spcPts val="0"/>
-                        </a:spcBef>
-                        <a:spcAft>
-                          <a:spcPts val="0"/>
-                        </a:spcAft>
-                        <a:buClrTx/>
-                        <a:buSzTx/>
-                        <a:buFontTx/>
-                        <a:buNone/>
-                        <a:tabLst/>
-                        <a:defRPr/>
-                      </a:pPr>
-                      <a:r>
-                        <a:rPr lang="de-DE" sz="1600" dirty="0"/>
-                        <a:t>Ø - Geschwindigkeit</a:t>
-                      </a:r>
-                      <a:endParaRPr lang="de-DE" sz="1600" dirty="0">
-                        <a:latin typeface="+mn-lt"/>
-                      </a:endParaRPr>
-                    </a:p>
-                  </a:txBody>
-                  <a:tcPr marL="54000" marR="0" marT="180000" marB="0" anchor="ctr"/>
-                </a:tc>
-                <a:tc>
-                  <a:txBody>
-                    <a:bodyPr/>
-                    <a:lstStyle/>
-                    <a:p>
-                      <a:pPr marL="0" marR="0" indent="0" algn="l" defTabSz="914400" rtl="0" eaLnBrk="1" fontAlgn="auto" latinLnBrk="0" hangingPunct="1">
-                        <a:lnSpc>
-                          <a:spcPct val="100000"/>
-                        </a:lnSpc>
-                        <a:spcBef>
-                          <a:spcPts val="0"/>
-                        </a:spcBef>
-                        <a:spcAft>
-                          <a:spcPts val="0"/>
-                        </a:spcAft>
-                        <a:buClrTx/>
-                        <a:buSzTx/>
-                        <a:buFontTx/>
-                        <a:buNone/>
-                        <a:tabLst/>
-                        <a:defRPr/>
-                      </a:pPr>
-                      <a:r>
-                        <a:rPr lang="de-DE" sz="1600" dirty="0"/>
-                        <a:t>25 km/h</a:t>
-                      </a:r>
-                      <a:endParaRPr lang="de-DE" sz="1600" dirty="0">
-                        <a:latin typeface="+mn-lt"/>
-                      </a:endParaRPr>
-                    </a:p>
-                  </a:txBody>
-                  <a:tcPr marL="54000" marR="0" marT="180000" marB="0" anchor="ctr"/>
-                </a:tc>
-                <a:extLst>
-                  <a:ext uri="{0D108BD9-81ED-4DB2-BD59-A6C34878D82A}">
-                    <a16:rowId xmlns:a16="http://schemas.microsoft.com/office/drawing/2014/main" val="10001"/>
-                  </a:ext>
-                </a:extLst>
-              </a:tr>
-              <a:tr h="423840">
-                <a:tc>
-                  <a:txBody>
-                    <a:bodyPr/>
-                    <a:lstStyle/>
-                    <a:p>
-                      <a:pPr marL="0" marR="0" indent="0" algn="l" defTabSz="914400" rtl="0" eaLnBrk="1" fontAlgn="auto" latinLnBrk="0" hangingPunct="1">
-                        <a:lnSpc>
-                          <a:spcPct val="100000"/>
-                        </a:lnSpc>
-                        <a:spcBef>
-                          <a:spcPts val="0"/>
-                        </a:spcBef>
-                        <a:spcAft>
-                          <a:spcPts val="0"/>
-                        </a:spcAft>
-                        <a:buClrTx/>
-                        <a:buSzTx/>
-                        <a:buFontTx/>
-                        <a:buNone/>
-                        <a:tabLst/>
-                        <a:defRPr/>
-                      </a:pPr>
-                      <a:r>
-                        <a:rPr lang="de-DE" sz="1600" dirty="0"/>
-                        <a:t>Ø - Verfügbare Ladezeit</a:t>
-                      </a:r>
-                      <a:endParaRPr lang="de-DE" sz="1600" dirty="0">
-                        <a:latin typeface="+mn-lt"/>
-                      </a:endParaRPr>
-                    </a:p>
-                  </a:txBody>
-                  <a:tcPr marL="54000" marR="0" marT="180000" marB="0" anchor="ctr"/>
-                </a:tc>
-                <a:tc>
-                  <a:txBody>
-                    <a:bodyPr/>
-                    <a:lstStyle/>
-                    <a:p>
-                      <a:pPr marL="0" marR="0" indent="0" algn="l" defTabSz="914400" rtl="0" eaLnBrk="1" fontAlgn="auto" latinLnBrk="0" hangingPunct="1">
-                        <a:lnSpc>
-                          <a:spcPct val="100000"/>
-                        </a:lnSpc>
-                        <a:spcBef>
-                          <a:spcPts val="0"/>
-                        </a:spcBef>
-                        <a:spcAft>
-                          <a:spcPts val="0"/>
-                        </a:spcAft>
-                        <a:buClrTx/>
-                        <a:buSzTx/>
-                        <a:buFontTx/>
-                        <a:buNone/>
-                        <a:tabLst/>
-                        <a:defRPr/>
-                      </a:pPr>
-                      <a:r>
-                        <a:rPr lang="de-DE" sz="1600" dirty="0"/>
-                        <a:t>22 h/Tag</a:t>
-                      </a:r>
-                      <a:endParaRPr lang="de-DE" sz="1600" dirty="0">
-                        <a:latin typeface="+mn-lt"/>
-                      </a:endParaRPr>
-                    </a:p>
-                  </a:txBody>
-                  <a:tcPr marL="54000" marR="0" marT="180000" marB="0" anchor="ctr"/>
-                </a:tc>
-                <a:extLst>
-                  <a:ext uri="{0D108BD9-81ED-4DB2-BD59-A6C34878D82A}">
-                    <a16:rowId xmlns:a16="http://schemas.microsoft.com/office/drawing/2014/main" val="10002"/>
-                  </a:ext>
-                </a:extLst>
-              </a:tr>
-              <a:tr h="423840">
-                <a:tc>
-                  <a:txBody>
-                    <a:bodyPr/>
-                    <a:lstStyle/>
-                    <a:p>
-                      <a:pPr marL="0" marR="0" indent="0" algn="l" defTabSz="914400" rtl="0" eaLnBrk="1" fontAlgn="auto" latinLnBrk="0" hangingPunct="1">
-                        <a:lnSpc>
-                          <a:spcPct val="100000"/>
-                        </a:lnSpc>
-                        <a:spcBef>
-                          <a:spcPts val="0"/>
-                        </a:spcBef>
-                        <a:spcAft>
-                          <a:spcPts val="0"/>
-                        </a:spcAft>
-                        <a:buClrTx/>
-                        <a:buSzTx/>
-                        <a:buFontTx/>
-                        <a:buNone/>
-                        <a:tabLst/>
-                        <a:defRPr/>
-                      </a:pPr>
-                      <a:r>
-                        <a:rPr lang="de-DE" sz="1600" dirty="0"/>
-                        <a:t>Kosten</a:t>
-                      </a:r>
-                      <a:endParaRPr lang="de-DE" sz="1600" dirty="0">
-                        <a:latin typeface="+mn-lt"/>
-                      </a:endParaRPr>
-                    </a:p>
-                  </a:txBody>
-                  <a:tcPr marL="54000" marR="0" marT="180000" marB="0" anchor="ctr"/>
-                </a:tc>
-                <a:tc>
-                  <a:txBody>
-                    <a:bodyPr/>
-                    <a:lstStyle/>
-                    <a:p>
-                      <a:pPr marL="0" marR="0" lvl="0" indent="0" algn="l" defTabSz="914400" rtl="0" eaLnBrk="1" fontAlgn="auto" latinLnBrk="0" hangingPunct="1">
-                        <a:lnSpc>
-                          <a:spcPct val="100000"/>
-                        </a:lnSpc>
-                        <a:spcBef>
-                          <a:spcPts val="0"/>
-                        </a:spcBef>
-                        <a:spcAft>
-                          <a:spcPts val="0"/>
-                        </a:spcAft>
-                        <a:buClrTx/>
-                        <a:buSzTx/>
-                        <a:buFontTx/>
-                        <a:buNone/>
-                        <a:tabLst/>
-                        <a:defRPr/>
-                      </a:pPr>
-                      <a:r>
-                        <a:rPr lang="de-DE" sz="1600" dirty="0"/>
-                        <a:t>Kleinwagen mit Verbrennungsmotor</a:t>
-                      </a:r>
-                      <a:endParaRPr lang="de-DE" sz="1600" dirty="0">
-                        <a:latin typeface="+mn-lt"/>
-                      </a:endParaRPr>
-                    </a:p>
-                  </a:txBody>
-                  <a:tcPr marL="54000" marR="0" marT="180000" marB="0" anchor="ctr"/>
-                </a:tc>
-                <a:extLst>
-                  <a:ext uri="{0D108BD9-81ED-4DB2-BD59-A6C34878D82A}">
-                    <a16:rowId xmlns:a16="http://schemas.microsoft.com/office/drawing/2014/main" val="10003"/>
-                  </a:ext>
-                </a:extLst>
-              </a:tr>
-              <a:tr h="423840">
-                <a:tc>
-                  <a:txBody>
-                    <a:bodyPr/>
-                    <a:lstStyle/>
-                    <a:p>
-                      <a:pPr marL="0" marR="0" indent="0" algn="l" defTabSz="914400" rtl="0" eaLnBrk="1" fontAlgn="auto" latinLnBrk="0" hangingPunct="1">
-                        <a:lnSpc>
-                          <a:spcPct val="100000"/>
-                        </a:lnSpc>
-                        <a:spcBef>
-                          <a:spcPts val="0"/>
-                        </a:spcBef>
-                        <a:spcAft>
-                          <a:spcPts val="0"/>
-                        </a:spcAft>
-                        <a:buClrTx/>
-                        <a:buSzTx/>
-                        <a:buFontTx/>
-                        <a:buNone/>
-                        <a:tabLst/>
-                        <a:defRPr/>
-                      </a:pPr>
-                      <a:r>
-                        <a:rPr lang="de-DE" sz="1600" dirty="0"/>
-                        <a:t>Einsatzgebiet</a:t>
-                      </a:r>
-                      <a:endParaRPr lang="de-DE" sz="1600" b="0" dirty="0">
-                        <a:latin typeface="+mn-lt"/>
-                      </a:endParaRPr>
-                    </a:p>
-                  </a:txBody>
-                  <a:tcPr marL="54000" marR="0" marT="180000" marB="0" anchor="ctr"/>
-                </a:tc>
-                <a:tc>
-                  <a:txBody>
-                    <a:bodyPr/>
-                    <a:lstStyle/>
-                    <a:p>
-                      <a:pPr marL="0" marR="0" indent="0" algn="l" defTabSz="914400" rtl="0" eaLnBrk="1" fontAlgn="auto" latinLnBrk="0" hangingPunct="1">
-                        <a:lnSpc>
-                          <a:spcPct val="100000"/>
-                        </a:lnSpc>
-                        <a:spcBef>
-                          <a:spcPts val="0"/>
-                        </a:spcBef>
-                        <a:spcAft>
-                          <a:spcPts val="0"/>
-                        </a:spcAft>
-                        <a:buClrTx/>
-                        <a:buSzTx/>
-                        <a:buFontTx/>
-                        <a:buNone/>
-                        <a:tabLst/>
-                        <a:defRPr/>
-                      </a:pPr>
-                      <a:r>
-                        <a:rPr lang="de-DE" sz="1600" dirty="0"/>
-                        <a:t>Stadt und Umland</a:t>
-                      </a:r>
-                      <a:endParaRPr lang="de-DE" sz="1600" dirty="0">
-                        <a:latin typeface="+mn-lt"/>
-                      </a:endParaRPr>
-                    </a:p>
-                  </a:txBody>
-                  <a:tcPr marL="54000" marR="0" marT="180000" marB="0" anchor="ctr"/>
-                </a:tc>
-                <a:extLst>
-                  <a:ext uri="{0D108BD9-81ED-4DB2-BD59-A6C34878D82A}">
-                    <a16:rowId xmlns:a16="http://schemas.microsoft.com/office/drawing/2014/main" val="10004"/>
-                  </a:ext>
-                </a:extLst>
-              </a:tr>
-            </a:tbl>
-          </a:graphicData>
-        </a:graphic>
-      </p:graphicFrame>
-      <p:sp>
-        <p:nvSpPr>
-          <p:cNvPr id="4" name="Foliennummernplatzhalter 3"/>
-          <p:cNvSpPr>
-            <a:spLocks noGrp="1"/>
-          </p:cNvSpPr>
-          <p:nvPr>
-            <p:ph type="sldNum" sz="quarter" idx="11"/>
-          </p:nvPr>
-        </p:nvSpPr>
-        <p:spPr/>
-        <p:txBody>
-          <a:bodyPr/>
-          <a:lstStyle/>
-          <a:p>
-            <a:fld id="{CE58CB1E-F828-4F11-99E0-327109AF9DA4}" type="slidenum">
-              <a:rPr lang="de-DE" smtClean="0"/>
-              <a:pPr/>
-              <a:t>29</a:t>
-            </a:fld>
-            <a:endParaRPr lang="de-DE" dirty="0"/>
-          </a:p>
-        </p:txBody>
-      </p:sp>
-      <p:sp>
-        <p:nvSpPr>
-          <p:cNvPr id="10" name="Fußzeilenplatzhalter 4"/>
-          <p:cNvSpPr>
-            <a:spLocks noGrp="1"/>
-          </p:cNvSpPr>
-          <p:nvPr>
-            <p:ph type="ftr" sz="quarter" idx="12"/>
-          </p:nvPr>
-        </p:nvSpPr>
-        <p:spPr/>
-        <p:txBody>
-          <a:bodyPr/>
-          <a:lstStyle/>
-          <a:p>
-            <a:r>
-              <a:rPr lang="de-DE"/>
-              <a:t>Dr. rer. nat. Erika Mustermann (TUM) | kann beliebig erweitert werden | Infos mit Strich trennen</a:t>
-            </a:r>
-            <a:endParaRPr lang="en-US" dirty="0"/>
-          </a:p>
-        </p:txBody>
-      </p:sp>
-      <p:sp>
-        <p:nvSpPr>
-          <p:cNvPr id="2" name="Textplatzhalter 1"/>
-          <p:cNvSpPr>
-            <a:spLocks noGrp="1"/>
-          </p:cNvSpPr>
-          <p:nvPr>
-            <p:ph type="body" sz="quarter" idx="13"/>
-          </p:nvPr>
-        </p:nvSpPr>
-        <p:spPr/>
-        <p:txBody>
-          <a:bodyPr/>
-          <a:lstStyle/>
-          <a:p>
-            <a:r>
-              <a:rPr lang="de-DE"/>
-              <a:t>Tabelle mit schwarzem Rand</a:t>
-            </a:r>
-            <a:br>
-              <a:rPr lang="de-DE"/>
-            </a:br>
-            <a:r>
-              <a:rPr lang="de-DE"/>
-              <a:t>innerer Seitenrand links 0,15 cm, oben z.B. 0,5 cm (für genug Zeilenabstand innerhalb) </a:t>
-            </a:r>
-            <a:endParaRPr lang="de-DE" dirty="0"/>
-          </a:p>
-        </p:txBody>
-      </p:sp>
-      <p:sp>
-        <p:nvSpPr>
-          <p:cNvPr id="3" name="Titel 2"/>
-          <p:cNvSpPr>
-            <a:spLocks noGrp="1"/>
-          </p:cNvSpPr>
-          <p:nvPr>
-            <p:ph type="title"/>
-          </p:nvPr>
-        </p:nvSpPr>
-        <p:spPr/>
-        <p:txBody>
-          <a:bodyPr/>
-          <a:lstStyle/>
-          <a:p>
-            <a:r>
-              <a:rPr lang="de-DE"/>
-              <a:t>Tabelle – Beispiel 2</a:t>
-            </a:r>
-            <a:endParaRPr lang="de-DE" dirty="0"/>
-          </a:p>
-        </p:txBody>
-      </p:sp>
-    </p:spTree>
+    <p:extLst>
+      <p:ext uri="{BB962C8B-B14F-4D97-AF65-F5344CB8AC3E}">
+        <p14:creationId xmlns:p14="http://schemas.microsoft.com/office/powerpoint/2010/main" val="1332742708"/>
+      </p:ext>
+    </p:extLst>
   </p:cSld>
   <p:clrMapOvr>
     <a:masterClrMapping/>
@@ -15055,12 +9328,18 @@
       </p:grpSpPr>
       <p:sp>
         <p:nvSpPr>
-          <p:cNvPr id="5" name="Titel 4"/>
-          <p:cNvSpPr>
-            <a:spLocks noGrp="1"/>
-          </p:cNvSpPr>
-          <p:nvPr>
-            <p:ph type="title"/>
+          <p:cNvPr id="2" name="Inhaltsplatzhalter 1">
+            <a:extLst>
+              <a:ext uri="{FF2B5EF4-FFF2-40B4-BE49-F238E27FC236}">
+                <a16:creationId xmlns:a16="http://schemas.microsoft.com/office/drawing/2014/main" id="{366719C9-009D-4358-99B2-0E7C4195553D}"/>
+              </a:ext>
+            </a:extLst>
+          </p:cNvPr>
+          <p:cNvSpPr>
+            <a:spLocks noGrp="1"/>
+          </p:cNvSpPr>
+          <p:nvPr>
+            <p:ph idx="14"/>
           </p:nvPr>
         </p:nvSpPr>
         <p:spPr/>
@@ -15068,72 +9347,105 @@
           <a:bodyPr/>
           <a:lstStyle/>
           <a:p>
-            <a:endParaRPr lang="de-DE"/>
-          </a:p>
-        </p:txBody>
-      </p:sp>
-      <p:sp>
-        <p:nvSpPr>
-          <p:cNvPr id="3" name="Inhaltsplatzhalter 2"/>
-          <p:cNvSpPr>
-            <a:spLocks noGrp="1"/>
-          </p:cNvSpPr>
-          <p:nvPr>
-            <p:ph idx="10"/>
-          </p:nvPr>
-        </p:nvSpPr>
-        <p:spPr/>
-        <p:txBody>
-          <a:bodyPr/>
-          <a:lstStyle/>
-          <a:p>
-            <a:r>
-              <a:rPr lang="de-DE"/>
-              <a:t>Dr. rer. nat. Erika Mustermann</a:t>
-            </a:r>
-          </a:p>
-          <a:p>
-            <a:r>
-              <a:rPr lang="de-DE"/>
-              <a:t>München, 27. März 2015</a:t>
-            </a:r>
+            <a:pPr marL="285750" indent="-285750">
+              <a:buFont typeface="Arial" panose="020B0604020202020204" pitchFamily="34" charset="0"/>
+              <a:buChar char="•"/>
+            </a:pPr>
+            <a:r>
+              <a:rPr lang="de-DE" dirty="0"/>
+              <a:t>Für jedes Spiel wird ein Game Objekt erzeugt</a:t>
+            </a:r>
+          </a:p>
+          <a:p>
+            <a:pPr marL="285750" indent="-285750">
+              <a:buFont typeface="Arial" panose="020B0604020202020204" pitchFamily="34" charset="0"/>
+              <a:buChar char="•"/>
+            </a:pPr>
+            <a:r>
+              <a:rPr lang="de-DE" dirty="0"/>
+              <a:t>Enthält Informationen zum </a:t>
+            </a:r>
+            <a:r>
+              <a:rPr lang="de-DE" dirty="0" err="1"/>
+              <a:t>Gamestate</a:t>
+            </a:r>
+            <a:r>
+              <a:rPr lang="de-DE" dirty="0"/>
+              <a:t> und ID</a:t>
+            </a:r>
+          </a:p>
+          <a:p>
+            <a:pPr marL="285750" indent="-285750">
+              <a:buFont typeface="Arial" panose="020B0604020202020204" pitchFamily="34" charset="0"/>
+              <a:buChar char="•"/>
+            </a:pPr>
+            <a:r>
+              <a:rPr lang="de-DE" dirty="0"/>
+              <a:t>Besitzt Alle Spieler Elemente sowie Dealer</a:t>
+            </a:r>
+          </a:p>
+          <a:p>
+            <a:pPr marL="285750" indent="-285750">
+              <a:buFont typeface="Arial" panose="020B0604020202020204" pitchFamily="34" charset="0"/>
+              <a:buChar char="•"/>
+            </a:pPr>
+            <a:r>
+              <a:rPr lang="de-DE" dirty="0"/>
+              <a:t>Funktionalität: neues Spiel erstellen und auswerten</a:t>
+            </a:r>
+          </a:p>
+          <a:p>
+            <a:pPr marL="285750" indent="-285750">
+              <a:buFont typeface="Arial" panose="020B0604020202020204" pitchFamily="34" charset="0"/>
+              <a:buChar char="•"/>
+            </a:pPr>
             <a:endParaRPr lang="de-DE" dirty="0"/>
           </a:p>
         </p:txBody>
       </p:sp>
-    </p:spTree>
-  </p:cSld>
-  <p:clrMapOvr>
-    <a:masterClrMapping/>
-  </p:clrMapOvr>
-</p:sld>
-</file>
-
-<file path=ppt/slides/slide30.xml><?xml version="1.0" encoding="utf-8"?>
-<p:sld xmlns:a="http://schemas.openxmlformats.org/drawingml/2006/main" xmlns:r="http://schemas.openxmlformats.org/officeDocument/2006/relationships" xmlns:p="http://schemas.openxmlformats.org/presentationml/2006/main">
-  <p:cSld>
-    <p:spTree>
-      <p:nvGrpSpPr>
-        <p:cNvPr id="1" name=""/>
-        <p:cNvGrpSpPr/>
-        <p:nvPr/>
-      </p:nvGrpSpPr>
-      <p:grpSpPr>
-        <a:xfrm>
-          <a:off x="0" y="0"/>
-          <a:ext cx="0" cy="0"/>
-          <a:chOff x="0" y="0"/>
-          <a:chExt cx="0" cy="0"/>
-        </a:xfrm>
-      </p:grpSpPr>
-      <p:sp>
-        <p:nvSpPr>
-          <p:cNvPr id="5" name="Foliennummernplatzhalter 4"/>
-          <p:cNvSpPr>
-            <a:spLocks noGrp="1"/>
-          </p:cNvSpPr>
-          <p:nvPr>
-            <p:ph type="sldNum" sz="quarter" idx="11"/>
+      <p:pic>
+        <p:nvPicPr>
+          <p:cNvPr id="9" name="Bildplatzhalter 8" descr="Ein Bild, das Screenshot enthält.&#10;&#10;Automatisch generierte Beschreibung">
+            <a:extLst>
+              <a:ext uri="{FF2B5EF4-FFF2-40B4-BE49-F238E27FC236}">
+                <a16:creationId xmlns:a16="http://schemas.microsoft.com/office/drawing/2014/main" id="{96EDE67A-1647-4A86-B490-E3F4B936FE0E}"/>
+              </a:ext>
+            </a:extLst>
+          </p:cNvPr>
+          <p:cNvPicPr>
+            <a:picLocks noGrp="1" noChangeAspect="1"/>
+          </p:cNvPicPr>
+          <p:nvPr>
+            <p:ph idx="15"/>
+          </p:nvPr>
+        </p:nvPicPr>
+        <p:blipFill>
+          <a:blip r:embed="rId2"/>
+          <a:stretch>
+            <a:fillRect/>
+          </a:stretch>
+        </p:blipFill>
+        <p:spPr>
+          <a:xfrm>
+            <a:off x="5809968" y="1762188"/>
+            <a:ext cx="1991003" cy="1867161"/>
+          </a:xfrm>
+        </p:spPr>
+      </p:pic>
+      <p:sp>
+        <p:nvSpPr>
+          <p:cNvPr id="3" name="Foliennummernplatzhalter 2">
+            <a:extLst>
+              <a:ext uri="{FF2B5EF4-FFF2-40B4-BE49-F238E27FC236}">
+                <a16:creationId xmlns:a16="http://schemas.microsoft.com/office/drawing/2014/main" id="{DD54B8C6-FD99-4B7F-9A89-1435C2C5CD2E}"/>
+              </a:ext>
+            </a:extLst>
+          </p:cNvPr>
+          <p:cNvSpPr>
+            <a:spLocks noGrp="1"/>
+          </p:cNvSpPr>
+          <p:nvPr>
+            <p:ph type="sldNum" sz="quarter" idx="16"/>
           </p:nvPr>
         </p:nvSpPr>
         <p:spPr/>
@@ -15144,7 +9456,7 @@
             <a:fld id="{CE58CB1E-F828-4F11-99E0-327109AF9DA4}" type="slidenum">
               <a:rPr lang="de-DE" smtClean="0"/>
               <a:pPr/>
-              <a:t>30</a:t>
+              <a:t>3</a:t>
             </a:fld>
             <a:endParaRPr lang="de-DE" dirty="0"/>
           </a:p>
@@ -15152,12 +9464,18 @@
       </p:sp>
       <p:sp>
         <p:nvSpPr>
-          <p:cNvPr id="9" name="Fußzeilenplatzhalter 4"/>
-          <p:cNvSpPr>
-            <a:spLocks noGrp="1"/>
-          </p:cNvSpPr>
-          <p:nvPr>
-            <p:ph type="ftr" sz="quarter" idx="12"/>
+          <p:cNvPr id="4" name="Fußzeilenplatzhalter 3">
+            <a:extLst>
+              <a:ext uri="{FF2B5EF4-FFF2-40B4-BE49-F238E27FC236}">
+                <a16:creationId xmlns:a16="http://schemas.microsoft.com/office/drawing/2014/main" id="{FFFFD327-3822-42BB-B193-B1FC7D781918}"/>
+              </a:ext>
+            </a:extLst>
+          </p:cNvPr>
+          <p:cNvSpPr>
+            <a:spLocks noGrp="1"/>
+          </p:cNvSpPr>
+          <p:nvPr>
+            <p:ph type="ftr" sz="quarter" idx="17"/>
           </p:nvPr>
         </p:nvSpPr>
         <p:spPr/>
@@ -15175,12 +9493,18 @@
       </p:sp>
       <p:sp>
         <p:nvSpPr>
-          <p:cNvPr id="3" name="Textplatzhalter 2"/>
-          <p:cNvSpPr>
-            <a:spLocks noGrp="1"/>
-          </p:cNvSpPr>
-          <p:nvPr>
-            <p:ph type="body" sz="quarter" idx="13"/>
+          <p:cNvPr id="5" name="Titel 4">
+            <a:extLst>
+              <a:ext uri="{FF2B5EF4-FFF2-40B4-BE49-F238E27FC236}">
+                <a16:creationId xmlns:a16="http://schemas.microsoft.com/office/drawing/2014/main" id="{54F143A6-A274-4F0B-8801-7863E64FB24B}"/>
+              </a:ext>
+            </a:extLst>
+          </p:cNvPr>
+          <p:cNvSpPr>
+            <a:spLocks noGrp="1"/>
+          </p:cNvSpPr>
+          <p:nvPr>
+            <p:ph type="title"/>
           </p:nvPr>
         </p:nvSpPr>
         <p:spPr/>
@@ -15190,178 +9514,17 @@
           <a:p>
             <a:r>
               <a:rPr lang="de-DE" dirty="0"/>
-              <a:t>Nach Möglichkeit linksbündig bleiben</a:t>
-            </a:r>
-            <a:br>
-              <a:rPr lang="de-DE" dirty="0"/>
-            </a:br>
-            <a:r>
-              <a:rPr lang="de-DE" dirty="0"/>
-              <a:t>Unnötige Striche und Balken vermeiden</a:t>
-            </a:r>
-          </a:p>
-        </p:txBody>
-      </p:sp>
-      <p:sp>
-        <p:nvSpPr>
-          <p:cNvPr id="4" name="Titel 3"/>
-          <p:cNvSpPr>
-            <a:spLocks noGrp="1"/>
-          </p:cNvSpPr>
-          <p:nvPr>
-            <p:ph type="title"/>
-          </p:nvPr>
-        </p:nvSpPr>
-        <p:spPr/>
-        <p:txBody>
-          <a:bodyPr/>
-          <a:lstStyle/>
-          <a:p>
-            <a:r>
-              <a:rPr lang="de-DE"/>
-              <a:t>Diagramme – Beispiel 1</a:t>
-            </a:r>
-            <a:endParaRPr lang="de-DE" dirty="0"/>
-          </a:p>
-        </p:txBody>
-      </p:sp>
-      <p:graphicFrame>
-        <p:nvGraphicFramePr>
-          <p:cNvPr id="14" name="Diagramm 13"/>
-          <p:cNvGraphicFramePr/>
-          <p:nvPr/>
-        </p:nvGraphicFramePr>
-        <p:xfrm>
-          <a:off x="209868" y="2388199"/>
-          <a:ext cx="8515032" cy="4207865"/>
-        </p:xfrm>
-        <a:graphic>
-          <a:graphicData uri="http://schemas.openxmlformats.org/drawingml/2006/chart">
-            <c:chart xmlns:c="http://schemas.openxmlformats.org/drawingml/2006/chart" xmlns:r="http://schemas.openxmlformats.org/officeDocument/2006/relationships" r:id="rId2"/>
-          </a:graphicData>
-        </a:graphic>
-      </p:graphicFrame>
+              <a:t>Game Class</a:t>
+            </a:r>
+          </a:p>
+        </p:txBody>
+      </p:sp>
     </p:spTree>
-  </p:cSld>
-  <p:clrMapOvr>
-    <a:masterClrMapping/>
-  </p:clrMapOvr>
-</p:sld>
-</file>
-
-<file path=ppt/slides/slide31.xml><?xml version="1.0" encoding="utf-8"?>
-<p:sld xmlns:a="http://schemas.openxmlformats.org/drawingml/2006/main" xmlns:r="http://schemas.openxmlformats.org/officeDocument/2006/relationships" xmlns:p="http://schemas.openxmlformats.org/presentationml/2006/main">
-  <p:cSld>
-    <p:spTree>
-      <p:nvGrpSpPr>
-        <p:cNvPr id="1" name=""/>
-        <p:cNvGrpSpPr/>
-        <p:nvPr/>
-      </p:nvGrpSpPr>
-      <p:grpSpPr>
-        <a:xfrm>
-          <a:off x="0" y="0"/>
-          <a:ext cx="0" cy="0"/>
-          <a:chOff x="0" y="0"/>
-          <a:chExt cx="0" cy="0"/>
-        </a:xfrm>
-      </p:grpSpPr>
-      <p:graphicFrame>
-        <p:nvGraphicFramePr>
-          <p:cNvPr id="6" name="Inhaltsplatzhalter 5"/>
-          <p:cNvGraphicFramePr>
-            <a:graphicFrameLocks noGrp="1"/>
-          </p:cNvGraphicFramePr>
-          <p:nvPr>
-            <p:ph idx="1"/>
-            <p:extLst>
-              <p:ext uri="{D42A27DB-BD31-4B8C-83A1-F6EECF244321}">
-                <p14:modId xmlns:p14="http://schemas.microsoft.com/office/powerpoint/2010/main" val="2021366215"/>
-              </p:ext>
-            </p:extLst>
-          </p:nvPr>
-        </p:nvGraphicFramePr>
-        <p:xfrm>
-          <a:off x="319088" y="1762125"/>
-          <a:ext cx="8509000" cy="4699000"/>
-        </p:xfrm>
-        <a:graphic>
-          <a:graphicData uri="http://schemas.openxmlformats.org/drawingml/2006/chart">
-            <c:chart xmlns:c="http://schemas.openxmlformats.org/drawingml/2006/chart" xmlns:r="http://schemas.openxmlformats.org/officeDocument/2006/relationships" r:id="rId2"/>
-          </a:graphicData>
-        </a:graphic>
-      </p:graphicFrame>
-      <p:sp>
-        <p:nvSpPr>
-          <p:cNvPr id="4" name="Foliennummernplatzhalter 3"/>
-          <p:cNvSpPr>
-            <a:spLocks noGrp="1"/>
-          </p:cNvSpPr>
-          <p:nvPr>
-            <p:ph type="sldNum" sz="quarter" idx="11"/>
-          </p:nvPr>
-        </p:nvSpPr>
-        <p:spPr/>
-        <p:txBody>
-          <a:bodyPr/>
-          <a:lstStyle/>
-          <a:p>
-            <a:fld id="{CE58CB1E-F828-4F11-99E0-327109AF9DA4}" type="slidenum">
-              <a:rPr lang="de-DE" smtClean="0"/>
-              <a:pPr/>
-              <a:t>31</a:t>
-            </a:fld>
-            <a:endParaRPr lang="de-DE" dirty="0"/>
-          </a:p>
-        </p:txBody>
-      </p:sp>
-      <p:sp>
-        <p:nvSpPr>
-          <p:cNvPr id="7" name="Fußzeilenplatzhalter 4"/>
-          <p:cNvSpPr>
-            <a:spLocks noGrp="1"/>
-          </p:cNvSpPr>
-          <p:nvPr>
-            <p:ph type="ftr" sz="quarter" idx="12"/>
-          </p:nvPr>
-        </p:nvSpPr>
-        <p:spPr/>
-        <p:txBody>
-          <a:bodyPr/>
-          <a:lstStyle/>
-          <a:p>
-            <a:r>
-              <a:rPr lang="de-DE"/>
-              <a:t>Dr. rer. nat. Erika Mustermann (TUM) | kann beliebig erweitert werden | Infos mit Strich trennen</a:t>
-            </a:r>
-            <a:endParaRPr lang="en-US" dirty="0"/>
-          </a:p>
-        </p:txBody>
-      </p:sp>
-      <p:sp>
-        <p:nvSpPr>
-          <p:cNvPr id="3" name="Titel 2"/>
-          <p:cNvSpPr>
-            <a:spLocks noGrp="1"/>
-          </p:cNvSpPr>
-          <p:nvPr>
-            <p:ph type="title"/>
-          </p:nvPr>
-        </p:nvSpPr>
-        <p:spPr/>
-        <p:txBody>
-          <a:bodyPr/>
-          <a:lstStyle/>
-          <a:p>
-            <a:r>
-              <a:rPr lang="de-DE"/>
-              <a:t>Diagramme</a:t>
-            </a:r>
-            <a:endParaRPr lang="de-DE" dirty="0"/>
-          </a:p>
-        </p:txBody>
-      </p:sp>
-    </p:spTree>
+    <p:extLst>
+      <p:ext uri="{BB962C8B-B14F-4D97-AF65-F5344CB8AC3E}">
+        <p14:creationId xmlns:p14="http://schemas.microsoft.com/office/powerpoint/2010/main" val="4045648836"/>
+      </p:ext>
+    </p:extLst>
   </p:cSld>
   <p:clrMapOvr>
     <a:masterClrMapping/>
@@ -15391,561 +9554,6 @@
           <p:cNvPr id="2" name="Inhaltsplatzhalter 1">
             <a:extLst>
               <a:ext uri="{FF2B5EF4-FFF2-40B4-BE49-F238E27FC236}">
-                <a16:creationId xmlns:a16="http://schemas.microsoft.com/office/drawing/2014/main" id="{7E2F9CE0-CA87-4361-8996-7E3CC459F21C}"/>
-              </a:ext>
-            </a:extLst>
-          </p:cNvPr>
-          <p:cNvSpPr>
-            <a:spLocks noGrp="1"/>
-          </p:cNvSpPr>
-          <p:nvPr>
-            <p:ph idx="1"/>
-          </p:nvPr>
-        </p:nvSpPr>
-        <p:spPr/>
-        <p:txBody>
-          <a:bodyPr/>
-          <a:lstStyle/>
-          <a:p>
-            <a:pPr marL="285750" indent="-285750">
-              <a:buFont typeface="Arial" panose="020B0604020202020204" pitchFamily="34" charset="0"/>
-              <a:buChar char="•"/>
-            </a:pPr>
-            <a:r>
-              <a:rPr lang="de-DE" dirty="0"/>
-              <a:t>Aufgabe Daten zu speichern und updaten</a:t>
-            </a:r>
-          </a:p>
-          <a:p>
-            <a:pPr marL="285750" indent="-285750">
-              <a:buFont typeface="Arial" panose="020B0604020202020204" pitchFamily="34" charset="0"/>
-              <a:buChar char="•"/>
-            </a:pPr>
-            <a:r>
-              <a:rPr lang="de-DE" dirty="0"/>
-              <a:t>Objekt orientierter Ansatz</a:t>
-            </a:r>
-          </a:p>
-          <a:p>
-            <a:pPr marL="285750" indent="-285750">
-              <a:buFont typeface="Arial" panose="020B0604020202020204" pitchFamily="34" charset="0"/>
-              <a:buChar char="•"/>
-            </a:pPr>
-            <a:r>
-              <a:rPr lang="de-DE" dirty="0"/>
-              <a:t>Viele kleine Klassen anstatt wenig große</a:t>
-            </a:r>
-          </a:p>
-          <a:p>
-            <a:pPr marL="285750" indent="-285750">
-              <a:buFont typeface="Arial" panose="020B0604020202020204" pitchFamily="34" charset="0"/>
-              <a:buChar char="•"/>
-            </a:pPr>
-            <a:r>
-              <a:rPr lang="de-DE" dirty="0"/>
-              <a:t>Dadurch Struktur des Codes, Lesbarkeit, kein redundanter Code, leichter Erweiterbar</a:t>
-            </a:r>
-          </a:p>
-          <a:p>
-            <a:pPr marL="285750" indent="-285750">
-              <a:buFont typeface="Arial" panose="020B0604020202020204" pitchFamily="34" charset="0"/>
-              <a:buChar char="•"/>
-            </a:pPr>
-            <a:endParaRPr lang="de-DE" dirty="0"/>
-          </a:p>
-        </p:txBody>
-      </p:sp>
-      <p:sp>
-        <p:nvSpPr>
-          <p:cNvPr id="3" name="Foliennummernplatzhalter 2">
-            <a:extLst>
-              <a:ext uri="{FF2B5EF4-FFF2-40B4-BE49-F238E27FC236}">
-                <a16:creationId xmlns:a16="http://schemas.microsoft.com/office/drawing/2014/main" id="{1AEAEB45-889C-46BC-9870-411B5B1B2119}"/>
-              </a:ext>
-            </a:extLst>
-          </p:cNvPr>
-          <p:cNvSpPr>
-            <a:spLocks noGrp="1"/>
-          </p:cNvSpPr>
-          <p:nvPr>
-            <p:ph type="sldNum" sz="quarter" idx="11"/>
-          </p:nvPr>
-        </p:nvSpPr>
-        <p:spPr/>
-        <p:txBody>
-          <a:bodyPr/>
-          <a:lstStyle/>
-          <a:p>
-            <a:fld id="{CE58CB1E-F828-4F11-99E0-327109AF9DA4}" type="slidenum">
-              <a:rPr lang="de-DE" smtClean="0"/>
-              <a:pPr/>
-              <a:t>4</a:t>
-            </a:fld>
-            <a:endParaRPr lang="de-DE" dirty="0"/>
-          </a:p>
-        </p:txBody>
-      </p:sp>
-      <p:sp>
-        <p:nvSpPr>
-          <p:cNvPr id="4" name="Fußzeilenplatzhalter 3">
-            <a:extLst>
-              <a:ext uri="{FF2B5EF4-FFF2-40B4-BE49-F238E27FC236}">
-                <a16:creationId xmlns:a16="http://schemas.microsoft.com/office/drawing/2014/main" id="{498A48AB-A91F-4BEF-B878-33ED16197A5B}"/>
-              </a:ext>
-            </a:extLst>
-          </p:cNvPr>
-          <p:cNvSpPr>
-            <a:spLocks noGrp="1"/>
-          </p:cNvSpPr>
-          <p:nvPr>
-            <p:ph type="ftr" sz="quarter" idx="12"/>
-          </p:nvPr>
-        </p:nvSpPr>
-        <p:spPr/>
-        <p:txBody>
-          <a:bodyPr/>
-          <a:lstStyle/>
-          <a:p>
-            <a:r>
-              <a:rPr lang="de-DE"/>
-              <a:t>Dr. rer. nat. Erika Mustermann (TUM) | kann beliebig erweitert werden | Infos mit Strich trennen</a:t>
-            </a:r>
-            <a:endParaRPr lang="en-US" dirty="0"/>
-          </a:p>
-        </p:txBody>
-      </p:sp>
-      <p:sp>
-        <p:nvSpPr>
-          <p:cNvPr id="5" name="Titel 4">
-            <a:extLst>
-              <a:ext uri="{FF2B5EF4-FFF2-40B4-BE49-F238E27FC236}">
-                <a16:creationId xmlns:a16="http://schemas.microsoft.com/office/drawing/2014/main" id="{68AC732B-79EC-4A99-92EE-8D17E71F4D13}"/>
-              </a:ext>
-            </a:extLst>
-          </p:cNvPr>
-          <p:cNvSpPr>
-            <a:spLocks noGrp="1"/>
-          </p:cNvSpPr>
-          <p:nvPr>
-            <p:ph type="title"/>
-          </p:nvPr>
-        </p:nvSpPr>
-        <p:spPr/>
-        <p:txBody>
-          <a:bodyPr/>
-          <a:lstStyle/>
-          <a:p>
-            <a:r>
-              <a:rPr lang="de-DE" dirty="0"/>
-              <a:t>Komponenten Model</a:t>
-            </a:r>
-          </a:p>
-        </p:txBody>
-      </p:sp>
-    </p:spTree>
-    <p:extLst>
-      <p:ext uri="{BB962C8B-B14F-4D97-AF65-F5344CB8AC3E}">
-        <p14:creationId xmlns:p14="http://schemas.microsoft.com/office/powerpoint/2010/main" val="566080816"/>
-      </p:ext>
-    </p:extLst>
-  </p:cSld>
-  <p:clrMapOvr>
-    <a:masterClrMapping/>
-  </p:clrMapOvr>
-</p:sld>
-</file>
-
-<file path=ppt/slides/slide5.xml><?xml version="1.0" encoding="utf-8"?>
-<p:sld xmlns:a="http://schemas.openxmlformats.org/drawingml/2006/main" xmlns:r="http://schemas.openxmlformats.org/officeDocument/2006/relationships" xmlns:p="http://schemas.openxmlformats.org/presentationml/2006/main">
-  <p:cSld>
-    <p:spTree>
-      <p:nvGrpSpPr>
-        <p:cNvPr id="1" name=""/>
-        <p:cNvGrpSpPr/>
-        <p:nvPr/>
-      </p:nvGrpSpPr>
-      <p:grpSpPr>
-        <a:xfrm>
-          <a:off x="0" y="0"/>
-          <a:ext cx="0" cy="0"/>
-          <a:chOff x="0" y="0"/>
-          <a:chExt cx="0" cy="0"/>
-        </a:xfrm>
-      </p:grpSpPr>
-      <p:sp>
-        <p:nvSpPr>
-          <p:cNvPr id="3" name="Foliennummernplatzhalter 2">
-            <a:extLst>
-              <a:ext uri="{FF2B5EF4-FFF2-40B4-BE49-F238E27FC236}">
-                <a16:creationId xmlns:a16="http://schemas.microsoft.com/office/drawing/2014/main" id="{3273F3B6-E5B2-4B8B-9B63-9B0B6CCBCE06}"/>
-              </a:ext>
-            </a:extLst>
-          </p:cNvPr>
-          <p:cNvSpPr>
-            <a:spLocks noGrp="1"/>
-          </p:cNvSpPr>
-          <p:nvPr>
-            <p:ph type="sldNum" sz="quarter" idx="11"/>
-          </p:nvPr>
-        </p:nvSpPr>
-        <p:spPr/>
-        <p:txBody>
-          <a:bodyPr/>
-          <a:lstStyle/>
-          <a:p>
-            <a:fld id="{CE58CB1E-F828-4F11-99E0-327109AF9DA4}" type="slidenum">
-              <a:rPr lang="de-DE" smtClean="0"/>
-              <a:pPr/>
-              <a:t>5</a:t>
-            </a:fld>
-            <a:endParaRPr lang="de-DE" dirty="0"/>
-          </a:p>
-        </p:txBody>
-      </p:sp>
-      <p:sp>
-        <p:nvSpPr>
-          <p:cNvPr id="4" name="Fußzeilenplatzhalter 3">
-            <a:extLst>
-              <a:ext uri="{FF2B5EF4-FFF2-40B4-BE49-F238E27FC236}">
-                <a16:creationId xmlns:a16="http://schemas.microsoft.com/office/drawing/2014/main" id="{52DA284E-DC98-4622-9FF5-9BCE2119F11A}"/>
-              </a:ext>
-            </a:extLst>
-          </p:cNvPr>
-          <p:cNvSpPr>
-            <a:spLocks noGrp="1"/>
-          </p:cNvSpPr>
-          <p:nvPr>
-            <p:ph type="ftr" sz="quarter" idx="12"/>
-          </p:nvPr>
-        </p:nvSpPr>
-        <p:spPr/>
-        <p:txBody>
-          <a:bodyPr/>
-          <a:lstStyle/>
-          <a:p>
-            <a:r>
-              <a:rPr lang="de-DE"/>
-              <a:t>Dr. rer. nat. Erika Mustermann (TUM) | kann beliebig erweitert werden | Infos mit Strich trennen</a:t>
-            </a:r>
-            <a:endParaRPr lang="en-US" dirty="0"/>
-          </a:p>
-        </p:txBody>
-      </p:sp>
-      <p:sp>
-        <p:nvSpPr>
-          <p:cNvPr id="5" name="Titel 4">
-            <a:extLst>
-              <a:ext uri="{FF2B5EF4-FFF2-40B4-BE49-F238E27FC236}">
-                <a16:creationId xmlns:a16="http://schemas.microsoft.com/office/drawing/2014/main" id="{BA07BC16-0D05-4442-ADA3-9D154BBD2484}"/>
-              </a:ext>
-            </a:extLst>
-          </p:cNvPr>
-          <p:cNvSpPr>
-            <a:spLocks noGrp="1"/>
-          </p:cNvSpPr>
-          <p:nvPr>
-            <p:ph type="title"/>
-          </p:nvPr>
-        </p:nvSpPr>
-        <p:spPr/>
-        <p:txBody>
-          <a:bodyPr/>
-          <a:lstStyle/>
-          <a:p>
-            <a:r>
-              <a:rPr lang="de-DE" dirty="0"/>
-              <a:t>UML Klassendiagram</a:t>
-            </a:r>
-          </a:p>
-        </p:txBody>
-      </p:sp>
-      <p:pic>
-        <p:nvPicPr>
-          <p:cNvPr id="8" name="Inhaltsplatzhalter 7" descr="Ein Bild, das Text, Karte enthält.&#10;&#10;Automatisch generierte Beschreibung">
-            <a:extLst>
-              <a:ext uri="{FF2B5EF4-FFF2-40B4-BE49-F238E27FC236}">
-                <a16:creationId xmlns:a16="http://schemas.microsoft.com/office/drawing/2014/main" id="{A568010D-9180-4E9B-B6DE-E401AF75D5F6}"/>
-              </a:ext>
-            </a:extLst>
-          </p:cNvPr>
-          <p:cNvPicPr>
-            <a:picLocks noGrp="1" noChangeAspect="1"/>
-          </p:cNvPicPr>
-          <p:nvPr>
-            <p:ph idx="1"/>
-          </p:nvPr>
-        </p:nvPicPr>
-        <p:blipFill>
-          <a:blip r:embed="rId2"/>
-          <a:stretch>
-            <a:fillRect/>
-          </a:stretch>
-        </p:blipFill>
-        <p:spPr>
-          <a:xfrm>
-            <a:off x="1883840" y="1762125"/>
-            <a:ext cx="5379495" cy="4699000"/>
-          </a:xfrm>
-        </p:spPr>
-      </p:pic>
-    </p:spTree>
-    <p:extLst>
-      <p:ext uri="{BB962C8B-B14F-4D97-AF65-F5344CB8AC3E}">
-        <p14:creationId xmlns:p14="http://schemas.microsoft.com/office/powerpoint/2010/main" val="1332742708"/>
-      </p:ext>
-    </p:extLst>
-  </p:cSld>
-  <p:clrMapOvr>
-    <a:masterClrMapping/>
-  </p:clrMapOvr>
-</p:sld>
-</file>
-
-<file path=ppt/slides/slide6.xml><?xml version="1.0" encoding="utf-8"?>
-<p:sld xmlns:a="http://schemas.openxmlformats.org/drawingml/2006/main" xmlns:r="http://schemas.openxmlformats.org/officeDocument/2006/relationships" xmlns:p="http://schemas.openxmlformats.org/presentationml/2006/main">
-  <p:cSld>
-    <p:spTree>
-      <p:nvGrpSpPr>
-        <p:cNvPr id="1" name=""/>
-        <p:cNvGrpSpPr/>
-        <p:nvPr/>
-      </p:nvGrpSpPr>
-      <p:grpSpPr>
-        <a:xfrm>
-          <a:off x="0" y="0"/>
-          <a:ext cx="0" cy="0"/>
-          <a:chOff x="0" y="0"/>
-          <a:chExt cx="0" cy="0"/>
-        </a:xfrm>
-      </p:grpSpPr>
-      <p:sp>
-        <p:nvSpPr>
-          <p:cNvPr id="2" name="Inhaltsplatzhalter 1">
-            <a:extLst>
-              <a:ext uri="{FF2B5EF4-FFF2-40B4-BE49-F238E27FC236}">
-                <a16:creationId xmlns:a16="http://schemas.microsoft.com/office/drawing/2014/main" id="{366719C9-009D-4358-99B2-0E7C4195553D}"/>
-              </a:ext>
-            </a:extLst>
-          </p:cNvPr>
-          <p:cNvSpPr>
-            <a:spLocks noGrp="1"/>
-          </p:cNvSpPr>
-          <p:nvPr>
-            <p:ph idx="14"/>
-          </p:nvPr>
-        </p:nvSpPr>
-        <p:spPr/>
-        <p:txBody>
-          <a:bodyPr/>
-          <a:lstStyle/>
-          <a:p>
-            <a:pPr marL="285750" indent="-285750">
-              <a:buFont typeface="Arial" panose="020B0604020202020204" pitchFamily="34" charset="0"/>
-              <a:buChar char="•"/>
-            </a:pPr>
-            <a:r>
-              <a:rPr lang="de-DE" dirty="0"/>
-              <a:t>Für jedes Spiel wird ein Game Objekt erzeugt</a:t>
-            </a:r>
-          </a:p>
-          <a:p>
-            <a:pPr marL="285750" indent="-285750">
-              <a:buFont typeface="Arial" panose="020B0604020202020204" pitchFamily="34" charset="0"/>
-              <a:buChar char="•"/>
-            </a:pPr>
-            <a:r>
-              <a:rPr lang="de-DE" dirty="0"/>
-              <a:t>Enthält Informationen zum </a:t>
-            </a:r>
-            <a:r>
-              <a:rPr lang="de-DE" dirty="0" err="1"/>
-              <a:t>Gamestate</a:t>
-            </a:r>
-            <a:r>
-              <a:rPr lang="de-DE" dirty="0"/>
-              <a:t> und ID</a:t>
-            </a:r>
-          </a:p>
-          <a:p>
-            <a:pPr marL="285750" indent="-285750">
-              <a:buFont typeface="Arial" panose="020B0604020202020204" pitchFamily="34" charset="0"/>
-              <a:buChar char="•"/>
-            </a:pPr>
-            <a:r>
-              <a:rPr lang="de-DE" dirty="0"/>
-              <a:t>Besitzt Alle Spieler Elemente sowie Dealer</a:t>
-            </a:r>
-          </a:p>
-          <a:p>
-            <a:pPr marL="285750" indent="-285750">
-              <a:buFont typeface="Arial" panose="020B0604020202020204" pitchFamily="34" charset="0"/>
-              <a:buChar char="•"/>
-            </a:pPr>
-            <a:r>
-              <a:rPr lang="de-DE" dirty="0"/>
-              <a:t>Funktionalität: neues Spiel erstellen und auswerten</a:t>
-            </a:r>
-          </a:p>
-          <a:p>
-            <a:pPr marL="285750" indent="-285750">
-              <a:buFont typeface="Arial" panose="020B0604020202020204" pitchFamily="34" charset="0"/>
-              <a:buChar char="•"/>
-            </a:pPr>
-            <a:endParaRPr lang="de-DE" dirty="0"/>
-          </a:p>
-        </p:txBody>
-      </p:sp>
-      <p:pic>
-        <p:nvPicPr>
-          <p:cNvPr id="9" name="Bildplatzhalter 8" descr="Ein Bild, das Screenshot enthält.&#10;&#10;Automatisch generierte Beschreibung">
-            <a:extLst>
-              <a:ext uri="{FF2B5EF4-FFF2-40B4-BE49-F238E27FC236}">
-                <a16:creationId xmlns:a16="http://schemas.microsoft.com/office/drawing/2014/main" id="{96EDE67A-1647-4A86-B490-E3F4B936FE0E}"/>
-              </a:ext>
-            </a:extLst>
-          </p:cNvPr>
-          <p:cNvPicPr>
-            <a:picLocks noGrp="1" noChangeAspect="1"/>
-          </p:cNvPicPr>
-          <p:nvPr>
-            <p:ph idx="15"/>
-          </p:nvPr>
-        </p:nvPicPr>
-        <p:blipFill>
-          <a:blip r:embed="rId2"/>
-          <a:stretch>
-            <a:fillRect/>
-          </a:stretch>
-        </p:blipFill>
-        <p:spPr>
-          <a:xfrm>
-            <a:off x="5809968" y="1762188"/>
-            <a:ext cx="1991003" cy="1867161"/>
-          </a:xfrm>
-        </p:spPr>
-      </p:pic>
-      <p:sp>
-        <p:nvSpPr>
-          <p:cNvPr id="3" name="Foliennummernplatzhalter 2">
-            <a:extLst>
-              <a:ext uri="{FF2B5EF4-FFF2-40B4-BE49-F238E27FC236}">
-                <a16:creationId xmlns:a16="http://schemas.microsoft.com/office/drawing/2014/main" id="{DD54B8C6-FD99-4B7F-9A89-1435C2C5CD2E}"/>
-              </a:ext>
-            </a:extLst>
-          </p:cNvPr>
-          <p:cNvSpPr>
-            <a:spLocks noGrp="1"/>
-          </p:cNvSpPr>
-          <p:nvPr>
-            <p:ph type="sldNum" sz="quarter" idx="16"/>
-          </p:nvPr>
-        </p:nvSpPr>
-        <p:spPr/>
-        <p:txBody>
-          <a:bodyPr/>
-          <a:lstStyle/>
-          <a:p>
-            <a:fld id="{CE58CB1E-F828-4F11-99E0-327109AF9DA4}" type="slidenum">
-              <a:rPr lang="de-DE" smtClean="0"/>
-              <a:pPr/>
-              <a:t>6</a:t>
-            </a:fld>
-            <a:endParaRPr lang="de-DE" dirty="0"/>
-          </a:p>
-        </p:txBody>
-      </p:sp>
-      <p:sp>
-        <p:nvSpPr>
-          <p:cNvPr id="4" name="Fußzeilenplatzhalter 3">
-            <a:extLst>
-              <a:ext uri="{FF2B5EF4-FFF2-40B4-BE49-F238E27FC236}">
-                <a16:creationId xmlns:a16="http://schemas.microsoft.com/office/drawing/2014/main" id="{FFFFD327-3822-42BB-B193-B1FC7D781918}"/>
-              </a:ext>
-            </a:extLst>
-          </p:cNvPr>
-          <p:cNvSpPr>
-            <a:spLocks noGrp="1"/>
-          </p:cNvSpPr>
-          <p:nvPr>
-            <p:ph type="ftr" sz="quarter" idx="17"/>
-          </p:nvPr>
-        </p:nvSpPr>
-        <p:spPr/>
-        <p:txBody>
-          <a:bodyPr/>
-          <a:lstStyle/>
-          <a:p>
-            <a:r>
-              <a:rPr lang="de-DE"/>
-              <a:t>Dr. rer. nat. Erika Mustermann (TUM) | kann beliebig erweitert werden | Infos mit Strich trennen</a:t>
-            </a:r>
-            <a:endParaRPr lang="en-US" dirty="0"/>
-          </a:p>
-        </p:txBody>
-      </p:sp>
-      <p:sp>
-        <p:nvSpPr>
-          <p:cNvPr id="5" name="Titel 4">
-            <a:extLst>
-              <a:ext uri="{FF2B5EF4-FFF2-40B4-BE49-F238E27FC236}">
-                <a16:creationId xmlns:a16="http://schemas.microsoft.com/office/drawing/2014/main" id="{54F143A6-A274-4F0B-8801-7863E64FB24B}"/>
-              </a:ext>
-            </a:extLst>
-          </p:cNvPr>
-          <p:cNvSpPr>
-            <a:spLocks noGrp="1"/>
-          </p:cNvSpPr>
-          <p:nvPr>
-            <p:ph type="title"/>
-          </p:nvPr>
-        </p:nvSpPr>
-        <p:spPr/>
-        <p:txBody>
-          <a:bodyPr/>
-          <a:lstStyle/>
-          <a:p>
-            <a:r>
-              <a:rPr lang="de-DE" dirty="0"/>
-              <a:t>Game Class</a:t>
-            </a:r>
-          </a:p>
-        </p:txBody>
-      </p:sp>
-    </p:spTree>
-    <p:extLst>
-      <p:ext uri="{BB962C8B-B14F-4D97-AF65-F5344CB8AC3E}">
-        <p14:creationId xmlns:p14="http://schemas.microsoft.com/office/powerpoint/2010/main" val="4045648836"/>
-      </p:ext>
-    </p:extLst>
-  </p:cSld>
-  <p:clrMapOvr>
-    <a:masterClrMapping/>
-  </p:clrMapOvr>
-</p:sld>
-</file>
-
-<file path=ppt/slides/slide7.xml><?xml version="1.0" encoding="utf-8"?>
-<p:sld xmlns:a="http://schemas.openxmlformats.org/drawingml/2006/main" xmlns:r="http://schemas.openxmlformats.org/officeDocument/2006/relationships" xmlns:p="http://schemas.openxmlformats.org/presentationml/2006/main">
-  <p:cSld>
-    <p:spTree>
-      <p:nvGrpSpPr>
-        <p:cNvPr id="1" name=""/>
-        <p:cNvGrpSpPr/>
-        <p:nvPr/>
-      </p:nvGrpSpPr>
-      <p:grpSpPr>
-        <a:xfrm>
-          <a:off x="0" y="0"/>
-          <a:ext cx="0" cy="0"/>
-          <a:chOff x="0" y="0"/>
-          <a:chExt cx="0" cy="0"/>
-        </a:xfrm>
-      </p:grpSpPr>
-      <p:sp>
-        <p:nvSpPr>
-          <p:cNvPr id="2" name="Inhaltsplatzhalter 1">
-            <a:extLst>
-              <a:ext uri="{FF2B5EF4-FFF2-40B4-BE49-F238E27FC236}">
                 <a16:creationId xmlns:a16="http://schemas.microsoft.com/office/drawing/2014/main" id="{DFF135E3-6A5F-4567-9FCC-74400B6F6508}"/>
               </a:ext>
             </a:extLst>
@@ -16082,7 +9690,7 @@
             <a:fld id="{CE58CB1E-F828-4F11-99E0-327109AF9DA4}" type="slidenum">
               <a:rPr lang="de-DE" smtClean="0"/>
               <a:pPr/>
-              <a:t>7</a:t>
+              <a:t>4</a:t>
             </a:fld>
             <a:endParaRPr lang="de-DE" dirty="0"/>
           </a:p>
@@ -16217,6 +9825,665 @@
 </p:sld>
 </file>
 
+<file path=ppt/slides/slide5.xml><?xml version="1.0" encoding="utf-8"?>
+<p:sld xmlns:a="http://schemas.openxmlformats.org/drawingml/2006/main" xmlns:r="http://schemas.openxmlformats.org/officeDocument/2006/relationships" xmlns:p="http://schemas.openxmlformats.org/presentationml/2006/main">
+  <p:cSld>
+    <p:spTree>
+      <p:nvGrpSpPr>
+        <p:cNvPr id="1" name=""/>
+        <p:cNvGrpSpPr/>
+        <p:nvPr/>
+      </p:nvGrpSpPr>
+      <p:grpSpPr>
+        <a:xfrm>
+          <a:off x="0" y="0"/>
+          <a:ext cx="0" cy="0"/>
+          <a:chOff x="0" y="0"/>
+          <a:chExt cx="0" cy="0"/>
+        </a:xfrm>
+      </p:grpSpPr>
+      <p:sp>
+        <p:nvSpPr>
+          <p:cNvPr id="2" name="Inhaltsplatzhalter 1">
+            <a:extLst>
+              <a:ext uri="{FF2B5EF4-FFF2-40B4-BE49-F238E27FC236}">
+                <a16:creationId xmlns:a16="http://schemas.microsoft.com/office/drawing/2014/main" id="{98E478E7-93FC-4F48-B612-8EFD7909BDE4}"/>
+              </a:ext>
+            </a:extLst>
+          </p:cNvPr>
+          <p:cNvSpPr>
+            <a:spLocks noGrp="1"/>
+          </p:cNvSpPr>
+          <p:nvPr>
+            <p:ph idx="14"/>
+          </p:nvPr>
+        </p:nvSpPr>
+        <p:spPr/>
+        <p:txBody>
+          <a:bodyPr/>
+          <a:lstStyle/>
+          <a:p>
+            <a:pPr marL="285750" indent="-285750">
+              <a:buFont typeface="Arial" panose="020B0604020202020204" pitchFamily="34" charset="0"/>
+              <a:buChar char="•"/>
+            </a:pPr>
+            <a:r>
+              <a:rPr lang="de-DE" dirty="0"/>
+              <a:t>Dealer hat das Deck und eigene Hand</a:t>
+            </a:r>
+          </a:p>
+          <a:p>
+            <a:pPr marL="285750" indent="-285750">
+              <a:buFont typeface="Arial" panose="020B0604020202020204" pitchFamily="34" charset="0"/>
+              <a:buChar char="•"/>
+            </a:pPr>
+            <a:r>
+              <a:rPr lang="de-DE" dirty="0"/>
+              <a:t>Unterschiede zur Player Klasse</a:t>
+            </a:r>
+          </a:p>
+          <a:p>
+            <a:pPr marL="285750" indent="-285750">
+              <a:buFont typeface="Arial" panose="020B0604020202020204" pitchFamily="34" charset="0"/>
+              <a:buChar char="•"/>
+            </a:pPr>
+            <a:r>
+              <a:rPr lang="de-DE" dirty="0"/>
+              <a:t>Funktionalität: Karten austeilen und Insurance evaluieren</a:t>
+            </a:r>
+          </a:p>
+          <a:p>
+            <a:endParaRPr lang="de-DE" dirty="0"/>
+          </a:p>
+        </p:txBody>
+      </p:sp>
+      <p:pic>
+        <p:nvPicPr>
+          <p:cNvPr id="8" name="Inhaltsplatzhalter 7" descr="Ein Bild, das Screenshot enthält.&#10;&#10;Automatisch generierte Beschreibung">
+            <a:extLst>
+              <a:ext uri="{FF2B5EF4-FFF2-40B4-BE49-F238E27FC236}">
+                <a16:creationId xmlns:a16="http://schemas.microsoft.com/office/drawing/2014/main" id="{E06D121D-F4A4-4F53-B0D8-61E4B3E7F74F}"/>
+              </a:ext>
+            </a:extLst>
+          </p:cNvPr>
+          <p:cNvPicPr>
+            <a:picLocks noGrp="1" noChangeAspect="1"/>
+          </p:cNvPicPr>
+          <p:nvPr>
+            <p:ph idx="15"/>
+          </p:nvPr>
+        </p:nvPicPr>
+        <p:blipFill>
+          <a:blip r:embed="rId2"/>
+          <a:stretch>
+            <a:fillRect/>
+          </a:stretch>
+        </p:blipFill>
+        <p:spPr>
+          <a:xfrm>
+            <a:off x="6046170" y="3348375"/>
+            <a:ext cx="1457528" cy="1181265"/>
+          </a:xfrm>
+        </p:spPr>
+      </p:pic>
+      <p:sp>
+        <p:nvSpPr>
+          <p:cNvPr id="4" name="Foliennummernplatzhalter 3">
+            <a:extLst>
+              <a:ext uri="{FF2B5EF4-FFF2-40B4-BE49-F238E27FC236}">
+                <a16:creationId xmlns:a16="http://schemas.microsoft.com/office/drawing/2014/main" id="{DF19DEBD-7037-4014-827A-490DD4CB0164}"/>
+              </a:ext>
+            </a:extLst>
+          </p:cNvPr>
+          <p:cNvSpPr>
+            <a:spLocks noGrp="1"/>
+          </p:cNvSpPr>
+          <p:nvPr>
+            <p:ph type="sldNum" sz="quarter" idx="16"/>
+          </p:nvPr>
+        </p:nvSpPr>
+        <p:spPr/>
+        <p:txBody>
+          <a:bodyPr/>
+          <a:lstStyle/>
+          <a:p>
+            <a:fld id="{CE58CB1E-F828-4F11-99E0-327109AF9DA4}" type="slidenum">
+              <a:rPr lang="de-DE" smtClean="0"/>
+              <a:pPr/>
+              <a:t>5</a:t>
+            </a:fld>
+            <a:endParaRPr lang="de-DE" dirty="0"/>
+          </a:p>
+        </p:txBody>
+      </p:sp>
+      <p:sp>
+        <p:nvSpPr>
+          <p:cNvPr id="5" name="Fußzeilenplatzhalter 4">
+            <a:extLst>
+              <a:ext uri="{FF2B5EF4-FFF2-40B4-BE49-F238E27FC236}">
+                <a16:creationId xmlns:a16="http://schemas.microsoft.com/office/drawing/2014/main" id="{CA388F7C-52DD-440E-B621-3BB14FADE536}"/>
+              </a:ext>
+            </a:extLst>
+          </p:cNvPr>
+          <p:cNvSpPr>
+            <a:spLocks noGrp="1"/>
+          </p:cNvSpPr>
+          <p:nvPr>
+            <p:ph type="ftr" sz="quarter" idx="17"/>
+          </p:nvPr>
+        </p:nvSpPr>
+        <p:spPr/>
+        <p:txBody>
+          <a:bodyPr/>
+          <a:lstStyle/>
+          <a:p>
+            <a:r>
+              <a:rPr lang="de-DE"/>
+              <a:t>Dr. rer. nat. Erika Mustermann (TUM) | kann beliebig erweitert werden | Infos mit Strich trennen</a:t>
+            </a:r>
+            <a:endParaRPr lang="en-US" dirty="0"/>
+          </a:p>
+        </p:txBody>
+      </p:sp>
+      <p:sp>
+        <p:nvSpPr>
+          <p:cNvPr id="6" name="Titel 5">
+            <a:extLst>
+              <a:ext uri="{FF2B5EF4-FFF2-40B4-BE49-F238E27FC236}">
+                <a16:creationId xmlns:a16="http://schemas.microsoft.com/office/drawing/2014/main" id="{725E3D07-D449-4DDD-87F6-1386462B9302}"/>
+              </a:ext>
+            </a:extLst>
+          </p:cNvPr>
+          <p:cNvSpPr>
+            <a:spLocks noGrp="1"/>
+          </p:cNvSpPr>
+          <p:nvPr>
+            <p:ph type="title"/>
+          </p:nvPr>
+        </p:nvSpPr>
+        <p:spPr/>
+        <p:txBody>
+          <a:bodyPr/>
+          <a:lstStyle/>
+          <a:p>
+            <a:r>
+              <a:rPr lang="de-DE" dirty="0" err="1"/>
+              <a:t>Usr</a:t>
+            </a:r>
+            <a:r>
+              <a:rPr lang="de-DE" dirty="0"/>
+              <a:t> &amp; Player &amp; Dealer</a:t>
+            </a:r>
+          </a:p>
+        </p:txBody>
+      </p:sp>
+    </p:spTree>
+    <p:extLst>
+      <p:ext uri="{BB962C8B-B14F-4D97-AF65-F5344CB8AC3E}">
+        <p14:creationId xmlns:p14="http://schemas.microsoft.com/office/powerpoint/2010/main" val="468698100"/>
+      </p:ext>
+    </p:extLst>
+  </p:cSld>
+  <p:clrMapOvr>
+    <a:masterClrMapping/>
+  </p:clrMapOvr>
+</p:sld>
+</file>
+
+<file path=ppt/slides/slide6.xml><?xml version="1.0" encoding="utf-8"?>
+<p:sld xmlns:a="http://schemas.openxmlformats.org/drawingml/2006/main" xmlns:r="http://schemas.openxmlformats.org/officeDocument/2006/relationships" xmlns:p="http://schemas.openxmlformats.org/presentationml/2006/main">
+  <p:cSld>
+    <p:spTree>
+      <p:nvGrpSpPr>
+        <p:cNvPr id="1" name=""/>
+        <p:cNvGrpSpPr/>
+        <p:nvPr/>
+      </p:nvGrpSpPr>
+      <p:grpSpPr>
+        <a:xfrm>
+          <a:off x="0" y="0"/>
+          <a:ext cx="0" cy="0"/>
+          <a:chOff x="0" y="0"/>
+          <a:chExt cx="0" cy="0"/>
+        </a:xfrm>
+      </p:grpSpPr>
+      <p:sp>
+        <p:nvSpPr>
+          <p:cNvPr id="2" name="Inhaltsplatzhalter 1">
+            <a:extLst>
+              <a:ext uri="{FF2B5EF4-FFF2-40B4-BE49-F238E27FC236}">
+                <a16:creationId xmlns:a16="http://schemas.microsoft.com/office/drawing/2014/main" id="{8F91A5C9-007F-4E52-9B41-C482B0B3A6D7}"/>
+              </a:ext>
+            </a:extLst>
+          </p:cNvPr>
+          <p:cNvSpPr>
+            <a:spLocks noGrp="1"/>
+          </p:cNvSpPr>
+          <p:nvPr>
+            <p:ph idx="14"/>
+          </p:nvPr>
+        </p:nvSpPr>
+        <p:spPr/>
+        <p:txBody>
+          <a:bodyPr/>
+          <a:lstStyle/>
+          <a:p>
+            <a:pPr marL="285750" indent="-285750">
+              <a:buFont typeface="Arial" panose="020B0604020202020204" pitchFamily="34" charset="0"/>
+              <a:buChar char="•"/>
+            </a:pPr>
+            <a:r>
+              <a:rPr lang="de-DE" dirty="0"/>
+              <a:t>Deck besitzt alle nicht gezogenen Karten („realistisches Deck“)</a:t>
+            </a:r>
+          </a:p>
+          <a:p>
+            <a:pPr marL="285750" indent="-285750">
+              <a:buFont typeface="Arial" panose="020B0604020202020204" pitchFamily="34" charset="0"/>
+              <a:buChar char="•"/>
+            </a:pPr>
+            <a:r>
+              <a:rPr lang="de-DE" dirty="0"/>
+              <a:t>Funktionalität: Mischen und Karten ziehen</a:t>
+            </a:r>
+          </a:p>
+          <a:p>
+            <a:pPr marL="285750" indent="-285750">
+              <a:buFont typeface="Arial" panose="020B0604020202020204" pitchFamily="34" charset="0"/>
+              <a:buChar char="•"/>
+            </a:pPr>
+            <a:r>
+              <a:rPr lang="de-DE" dirty="0"/>
+              <a:t>Mögliche Erweiterung: mehrere Decks (</a:t>
+            </a:r>
+            <a:r>
+              <a:rPr lang="de-DE" dirty="0" err="1"/>
+              <a:t>zB</a:t>
+            </a:r>
+            <a:r>
+              <a:rPr lang="de-DE" dirty="0"/>
+              <a:t>. Für jeden Spieler ein eigenes)</a:t>
+            </a:r>
+          </a:p>
+          <a:p>
+            <a:pPr marL="285750" indent="-285750">
+              <a:buFont typeface="Arial" panose="020B0604020202020204" pitchFamily="34" charset="0"/>
+              <a:buChar char="•"/>
+            </a:pPr>
+            <a:r>
+              <a:rPr lang="de-DE" dirty="0"/>
+              <a:t>Hand hat alle Karten des Spieler/Dealers</a:t>
+            </a:r>
+          </a:p>
+          <a:p>
+            <a:pPr marL="285750" indent="-285750">
+              <a:buFont typeface="Arial" panose="020B0604020202020204" pitchFamily="34" charset="0"/>
+              <a:buChar char="•"/>
+            </a:pPr>
+            <a:r>
+              <a:rPr lang="de-DE" dirty="0"/>
+              <a:t>Funktionalität: einfache Auswertung der Karten eines Spielers/Dealers</a:t>
+            </a:r>
+          </a:p>
+          <a:p>
+            <a:pPr marL="285750" indent="-285750">
+              <a:buFont typeface="Arial" panose="020B0604020202020204" pitchFamily="34" charset="0"/>
+              <a:buChar char="•"/>
+            </a:pPr>
+            <a:r>
+              <a:rPr lang="de-DE" dirty="0"/>
+              <a:t>Mögliche Erweiterung: Implementierung von Split -&gt; 2 Hände</a:t>
+            </a:r>
+          </a:p>
+          <a:p>
+            <a:pPr marL="285750" indent="-285750">
+              <a:buFont typeface="Arial" panose="020B0604020202020204" pitchFamily="34" charset="0"/>
+              <a:buChar char="•"/>
+            </a:pPr>
+            <a:r>
+              <a:rPr lang="de-DE" dirty="0"/>
+              <a:t>Card besitzt Value und Farbe</a:t>
+            </a:r>
+          </a:p>
+        </p:txBody>
+      </p:sp>
+      <p:pic>
+        <p:nvPicPr>
+          <p:cNvPr id="8" name="Inhaltsplatzhalter 7" descr="Ein Bild, das Screenshot enthält.&#10;&#10;Automatisch generierte Beschreibung">
+            <a:extLst>
+              <a:ext uri="{FF2B5EF4-FFF2-40B4-BE49-F238E27FC236}">
+                <a16:creationId xmlns:a16="http://schemas.microsoft.com/office/drawing/2014/main" id="{29001AB5-1A5C-4D75-B799-841C2F04FB7B}"/>
+              </a:ext>
+            </a:extLst>
+          </p:cNvPr>
+          <p:cNvPicPr>
+            <a:picLocks noGrp="1" noChangeAspect="1"/>
+          </p:cNvPicPr>
+          <p:nvPr>
+            <p:ph idx="15"/>
+          </p:nvPr>
+        </p:nvPicPr>
+        <p:blipFill>
+          <a:blip r:embed="rId2"/>
+          <a:stretch>
+            <a:fillRect/>
+          </a:stretch>
+        </p:blipFill>
+        <p:spPr>
+          <a:xfrm>
+            <a:off x="4684426" y="2377040"/>
+            <a:ext cx="4105848" cy="3458058"/>
+          </a:xfrm>
+        </p:spPr>
+      </p:pic>
+      <p:sp>
+        <p:nvSpPr>
+          <p:cNvPr id="3" name="Foliennummernplatzhalter 2">
+            <a:extLst>
+              <a:ext uri="{FF2B5EF4-FFF2-40B4-BE49-F238E27FC236}">
+                <a16:creationId xmlns:a16="http://schemas.microsoft.com/office/drawing/2014/main" id="{F6FC8C6C-ACDA-4AB3-8A1F-D50331A9D70D}"/>
+              </a:ext>
+            </a:extLst>
+          </p:cNvPr>
+          <p:cNvSpPr>
+            <a:spLocks noGrp="1"/>
+          </p:cNvSpPr>
+          <p:nvPr>
+            <p:ph type="sldNum" sz="quarter" idx="16"/>
+          </p:nvPr>
+        </p:nvSpPr>
+        <p:spPr/>
+        <p:txBody>
+          <a:bodyPr/>
+          <a:lstStyle/>
+          <a:p>
+            <a:fld id="{CE58CB1E-F828-4F11-99E0-327109AF9DA4}" type="slidenum">
+              <a:rPr lang="de-DE" smtClean="0"/>
+              <a:pPr/>
+              <a:t>6</a:t>
+            </a:fld>
+            <a:endParaRPr lang="de-DE" dirty="0"/>
+          </a:p>
+        </p:txBody>
+      </p:sp>
+      <p:sp>
+        <p:nvSpPr>
+          <p:cNvPr id="4" name="Fußzeilenplatzhalter 3">
+            <a:extLst>
+              <a:ext uri="{FF2B5EF4-FFF2-40B4-BE49-F238E27FC236}">
+                <a16:creationId xmlns:a16="http://schemas.microsoft.com/office/drawing/2014/main" id="{A493D086-94ED-4D8F-A1B4-E43E25BC8974}"/>
+              </a:ext>
+            </a:extLst>
+          </p:cNvPr>
+          <p:cNvSpPr>
+            <a:spLocks noGrp="1"/>
+          </p:cNvSpPr>
+          <p:nvPr>
+            <p:ph type="ftr" sz="quarter" idx="17"/>
+          </p:nvPr>
+        </p:nvSpPr>
+        <p:spPr/>
+        <p:txBody>
+          <a:bodyPr/>
+          <a:lstStyle/>
+          <a:p>
+            <a:r>
+              <a:rPr lang="de-DE"/>
+              <a:t>Dr. rer. nat. Erika Mustermann (TUM) | kann beliebig erweitert werden | Infos mit Strich trennen</a:t>
+            </a:r>
+            <a:endParaRPr lang="en-US" dirty="0"/>
+          </a:p>
+        </p:txBody>
+      </p:sp>
+      <p:sp>
+        <p:nvSpPr>
+          <p:cNvPr id="5" name="Titel 4">
+            <a:extLst>
+              <a:ext uri="{FF2B5EF4-FFF2-40B4-BE49-F238E27FC236}">
+                <a16:creationId xmlns:a16="http://schemas.microsoft.com/office/drawing/2014/main" id="{C538F3DC-4113-4FE7-8D93-77CED857B634}"/>
+              </a:ext>
+            </a:extLst>
+          </p:cNvPr>
+          <p:cNvSpPr>
+            <a:spLocks noGrp="1"/>
+          </p:cNvSpPr>
+          <p:nvPr>
+            <p:ph type="title"/>
+          </p:nvPr>
+        </p:nvSpPr>
+        <p:spPr/>
+        <p:txBody>
+          <a:bodyPr/>
+          <a:lstStyle/>
+          <a:p>
+            <a:r>
+              <a:rPr lang="de-DE" dirty="0"/>
+              <a:t>Deck &amp; Hand &amp; Card</a:t>
+            </a:r>
+          </a:p>
+        </p:txBody>
+      </p:sp>
+    </p:spTree>
+    <p:extLst>
+      <p:ext uri="{BB962C8B-B14F-4D97-AF65-F5344CB8AC3E}">
+        <p14:creationId xmlns:p14="http://schemas.microsoft.com/office/powerpoint/2010/main" val="1165790011"/>
+      </p:ext>
+    </p:extLst>
+  </p:cSld>
+  <p:clrMapOvr>
+    <a:masterClrMapping/>
+  </p:clrMapOvr>
+</p:sld>
+</file>
+
+<file path=ppt/slides/slide7.xml><?xml version="1.0" encoding="utf-8"?>
+<p:sld xmlns:a="http://schemas.openxmlformats.org/drawingml/2006/main" xmlns:r="http://schemas.openxmlformats.org/officeDocument/2006/relationships" xmlns:p="http://schemas.openxmlformats.org/presentationml/2006/main">
+  <p:cSld>
+    <p:spTree>
+      <p:nvGrpSpPr>
+        <p:cNvPr id="1" name=""/>
+        <p:cNvGrpSpPr/>
+        <p:nvPr/>
+      </p:nvGrpSpPr>
+      <p:grpSpPr>
+        <a:xfrm>
+          <a:off x="0" y="0"/>
+          <a:ext cx="0" cy="0"/>
+          <a:chOff x="0" y="0"/>
+          <a:chExt cx="0" cy="0"/>
+        </a:xfrm>
+      </p:grpSpPr>
+      <p:sp>
+        <p:nvSpPr>
+          <p:cNvPr id="2" name="Inhaltsplatzhalter 1">
+            <a:extLst>
+              <a:ext uri="{FF2B5EF4-FFF2-40B4-BE49-F238E27FC236}">
+                <a16:creationId xmlns:a16="http://schemas.microsoft.com/office/drawing/2014/main" id="{DB7CA37A-7A2C-41B9-B688-25C8CC3A05A6}"/>
+              </a:ext>
+            </a:extLst>
+          </p:cNvPr>
+          <p:cNvSpPr>
+            <a:spLocks noGrp="1"/>
+          </p:cNvSpPr>
+          <p:nvPr>
+            <p:ph idx="14"/>
+          </p:nvPr>
+        </p:nvSpPr>
+        <p:spPr/>
+        <p:txBody>
+          <a:bodyPr/>
+          <a:lstStyle/>
+          <a:p>
+            <a:pPr marL="285750" indent="-285750">
+              <a:buFont typeface="Arial" panose="020B0604020202020204" pitchFamily="34" charset="0"/>
+              <a:buChar char="•"/>
+            </a:pPr>
+            <a:r>
+              <a:rPr lang="de-DE" dirty="0"/>
+              <a:t>Extra Feature</a:t>
+            </a:r>
+          </a:p>
+          <a:p>
+            <a:pPr marL="285750" indent="-285750">
+              <a:buFont typeface="Arial" panose="020B0604020202020204" pitchFamily="34" charset="0"/>
+              <a:buChar char="•"/>
+            </a:pPr>
+            <a:r>
+              <a:rPr lang="de-DE" dirty="0"/>
+              <a:t>Sinnvoll da Multiplayer über lokales Netzwerk</a:t>
+            </a:r>
+          </a:p>
+          <a:p>
+            <a:pPr marL="285750" indent="-285750">
+              <a:buFont typeface="Arial" panose="020B0604020202020204" pitchFamily="34" charset="0"/>
+              <a:buChar char="•"/>
+            </a:pPr>
+            <a:r>
+              <a:rPr lang="de-DE" dirty="0"/>
+              <a:t>Spieler können miteinander kommunizieren</a:t>
+            </a:r>
+          </a:p>
+          <a:p>
+            <a:pPr marL="285750" indent="-285750">
+              <a:buFont typeface="Arial" panose="020B0604020202020204" pitchFamily="34" charset="0"/>
+              <a:buChar char="•"/>
+            </a:pPr>
+            <a:r>
+              <a:rPr lang="de-DE" dirty="0"/>
+              <a:t>Information wenn andere Spieler beitreten oder das Spiel verlassen</a:t>
+            </a:r>
+          </a:p>
+        </p:txBody>
+      </p:sp>
+      <p:sp>
+        <p:nvSpPr>
+          <p:cNvPr id="3" name="Foliennummernplatzhalter 2">
+            <a:extLst>
+              <a:ext uri="{FF2B5EF4-FFF2-40B4-BE49-F238E27FC236}">
+                <a16:creationId xmlns:a16="http://schemas.microsoft.com/office/drawing/2014/main" id="{AD81C2EF-FD85-4A18-8F03-A0DBBCD700AD}"/>
+              </a:ext>
+            </a:extLst>
+          </p:cNvPr>
+          <p:cNvSpPr>
+            <a:spLocks noGrp="1"/>
+          </p:cNvSpPr>
+          <p:nvPr>
+            <p:ph type="sldNum" sz="quarter" idx="16"/>
+          </p:nvPr>
+        </p:nvSpPr>
+        <p:spPr/>
+        <p:txBody>
+          <a:bodyPr/>
+          <a:lstStyle/>
+          <a:p>
+            <a:fld id="{CE58CB1E-F828-4F11-99E0-327109AF9DA4}" type="slidenum">
+              <a:rPr lang="de-DE" smtClean="0"/>
+              <a:pPr/>
+              <a:t>7</a:t>
+            </a:fld>
+            <a:endParaRPr lang="de-DE" dirty="0"/>
+          </a:p>
+        </p:txBody>
+      </p:sp>
+      <p:sp>
+        <p:nvSpPr>
+          <p:cNvPr id="4" name="Fußzeilenplatzhalter 3">
+            <a:extLst>
+              <a:ext uri="{FF2B5EF4-FFF2-40B4-BE49-F238E27FC236}">
+                <a16:creationId xmlns:a16="http://schemas.microsoft.com/office/drawing/2014/main" id="{E82CB60E-E2AB-41CB-8A71-7BFD43B8921B}"/>
+              </a:ext>
+            </a:extLst>
+          </p:cNvPr>
+          <p:cNvSpPr>
+            <a:spLocks noGrp="1"/>
+          </p:cNvSpPr>
+          <p:nvPr>
+            <p:ph type="ftr" sz="quarter" idx="17"/>
+          </p:nvPr>
+        </p:nvSpPr>
+        <p:spPr/>
+        <p:txBody>
+          <a:bodyPr/>
+          <a:lstStyle/>
+          <a:p>
+            <a:r>
+              <a:rPr lang="de-DE"/>
+              <a:t>Dr. rer. nat. Erika Mustermann (TUM) | kann beliebig erweitert werden | Infos mit Strich trennen</a:t>
+            </a:r>
+            <a:endParaRPr lang="en-US" dirty="0"/>
+          </a:p>
+        </p:txBody>
+      </p:sp>
+      <p:sp>
+        <p:nvSpPr>
+          <p:cNvPr id="5" name="Titel 4">
+            <a:extLst>
+              <a:ext uri="{FF2B5EF4-FFF2-40B4-BE49-F238E27FC236}">
+                <a16:creationId xmlns:a16="http://schemas.microsoft.com/office/drawing/2014/main" id="{38CE14CC-717B-4282-83BB-3662A9B1DD62}"/>
+              </a:ext>
+            </a:extLst>
+          </p:cNvPr>
+          <p:cNvSpPr>
+            <a:spLocks noGrp="1"/>
+          </p:cNvSpPr>
+          <p:nvPr>
+            <p:ph type="title"/>
+          </p:nvPr>
+        </p:nvSpPr>
+        <p:spPr/>
+        <p:txBody>
+          <a:bodyPr/>
+          <a:lstStyle/>
+          <a:p>
+            <a:r>
+              <a:rPr lang="de-DE" dirty="0"/>
+              <a:t>Chat &amp; Message</a:t>
+            </a:r>
+          </a:p>
+        </p:txBody>
+      </p:sp>
+      <p:pic>
+        <p:nvPicPr>
+          <p:cNvPr id="12" name="Inhaltsplatzhalter 11" descr="Ein Bild, das Screenshot enthält.&#10;&#10;Automatisch generierte Beschreibung">
+            <a:extLst>
+              <a:ext uri="{FF2B5EF4-FFF2-40B4-BE49-F238E27FC236}">
+                <a16:creationId xmlns:a16="http://schemas.microsoft.com/office/drawing/2014/main" id="{44272838-579E-4B01-A5E4-4AD4895C3D24}"/>
+              </a:ext>
+            </a:extLst>
+          </p:cNvPr>
+          <p:cNvPicPr>
+            <a:picLocks noGrp="1" noChangeAspect="1"/>
+          </p:cNvPicPr>
+          <p:nvPr>
+            <p:ph idx="15"/>
+          </p:nvPr>
+        </p:nvPicPr>
+        <p:blipFill>
+          <a:blip r:embed="rId2"/>
+          <a:stretch>
+            <a:fillRect/>
+          </a:stretch>
+        </p:blipFill>
+        <p:spPr>
+          <a:xfrm>
+            <a:off x="4860663" y="2677119"/>
+            <a:ext cx="3753374" cy="2857899"/>
+          </a:xfrm>
+        </p:spPr>
+      </p:pic>
+    </p:spTree>
+    <p:extLst>
+      <p:ext uri="{BB962C8B-B14F-4D97-AF65-F5344CB8AC3E}">
+        <p14:creationId xmlns:p14="http://schemas.microsoft.com/office/powerpoint/2010/main" val="1120331300"/>
+      </p:ext>
+    </p:extLst>
+  </p:cSld>
+  <p:clrMapOvr>
+    <a:masterClrMapping/>
+  </p:clrMapOvr>
+</p:sld>
+</file>
+
 <file path=ppt/slides/slide8.xml><?xml version="1.0" encoding="utf-8"?>
 <p:sld xmlns:a="http://schemas.openxmlformats.org/drawingml/2006/main" xmlns:r="http://schemas.openxmlformats.org/officeDocument/2006/relationships" xmlns:p="http://schemas.openxmlformats.org/presentationml/2006/main">
   <p:cSld>
@@ -16239,7 +10506,7 @@
           <p:cNvPr id="2" name="Inhaltsplatzhalter 1">
             <a:extLst>
               <a:ext uri="{FF2B5EF4-FFF2-40B4-BE49-F238E27FC236}">
-                <a16:creationId xmlns:a16="http://schemas.microsoft.com/office/drawing/2014/main" id="{98E478E7-93FC-4F48-B612-8EFD7909BDE4}"/>
+                <a16:creationId xmlns:a16="http://schemas.microsoft.com/office/drawing/2014/main" id="{AE523D49-BDC2-429A-8195-E6EC189B30AA}"/>
               </a:ext>
             </a:extLst>
           </p:cNvPr>
@@ -16247,7 +10514,7 @@
             <a:spLocks noGrp="1"/>
           </p:cNvSpPr>
           <p:nvPr>
-            <p:ph idx="14"/>
+            <p:ph idx="1"/>
           </p:nvPr>
         </p:nvSpPr>
         <p:spPr/>
@@ -16260,8 +10527,12 @@
               <a:buChar char="•"/>
             </a:pPr>
             <a:r>
+              <a:rPr lang="de-DE" dirty="0" err="1"/>
+              <a:t>BaseX</a:t>
+            </a:r>
+            <a:r>
               <a:rPr lang="de-DE" dirty="0"/>
-              <a:t>Dealer hat das Deck und eigene Hand</a:t>
+              <a:t> als Datenbank</a:t>
             </a:r>
           </a:p>
           <a:p>
@@ -16270,8 +10541,20 @@
               <a:buChar char="•"/>
             </a:pPr>
             <a:r>
+              <a:rPr lang="de-DE" dirty="0" err="1"/>
+              <a:t>XQuery</a:t>
+            </a:r>
+            <a:r>
               <a:rPr lang="de-DE" dirty="0"/>
-              <a:t>Unterschiede zur Player Klasse</a:t>
+              <a:t> als funktionale Sprache die </a:t>
+            </a:r>
+            <a:r>
+              <a:rPr lang="de-DE" dirty="0" err="1"/>
+              <a:t>Queries</a:t>
+            </a:r>
+            <a:r>
+              <a:rPr lang="de-DE" dirty="0"/>
+              <a:t> auf XML Datenbanken ausführt</a:t>
             </a:r>
           </a:p>
           <a:p>
@@ -16281,57 +10564,57 @@
             </a:pPr>
             <a:r>
               <a:rPr lang="de-DE" dirty="0"/>
-              <a:t>Funktionalität: Karten austeilen und Insurance evaluieren</a:t>
-            </a:r>
-          </a:p>
-          <a:p>
-            <a:endParaRPr lang="de-DE" dirty="0"/>
-          </a:p>
-        </p:txBody>
-      </p:sp>
-      <p:pic>
-        <p:nvPicPr>
-          <p:cNvPr id="8" name="Inhaltsplatzhalter 7" descr="Ein Bild, das Screenshot enthält.&#10;&#10;Automatisch generierte Beschreibung">
+              <a:t>Zeichnet sich durch FLOWR-Ausdrücke aus</a:t>
+            </a:r>
+          </a:p>
+          <a:p>
+            <a:pPr marL="285750" indent="-285750">
+              <a:buFont typeface="Arial" panose="020B0604020202020204" pitchFamily="34" charset="0"/>
+              <a:buChar char="•"/>
+            </a:pPr>
+            <a:r>
+              <a:rPr lang="de-DE" dirty="0" err="1"/>
+              <a:t>XQuery</a:t>
+            </a:r>
+            <a:r>
+              <a:rPr lang="de-DE" dirty="0"/>
+              <a:t> selbst kann nur von Datenbank lesen</a:t>
+            </a:r>
+          </a:p>
+          <a:p>
+            <a:pPr marL="285750" indent="-285750">
+              <a:buFont typeface="Arial" panose="020B0604020202020204" pitchFamily="34" charset="0"/>
+              <a:buChar char="•"/>
+            </a:pPr>
+            <a:r>
+              <a:rPr lang="de-DE" dirty="0"/>
+              <a:t>Deswegen </a:t>
+            </a:r>
+            <a:r>
+              <a:rPr lang="de-DE" dirty="0" err="1"/>
+              <a:t>XQuery</a:t>
+            </a:r>
+            <a:r>
+              <a:rPr lang="de-DE" dirty="0"/>
+              <a:t> Update Facility</a:t>
+            </a:r>
+          </a:p>
+        </p:txBody>
+      </p:sp>
+      <p:sp>
+        <p:nvSpPr>
+          <p:cNvPr id="3" name="Foliennummernplatzhalter 2">
             <a:extLst>
               <a:ext uri="{FF2B5EF4-FFF2-40B4-BE49-F238E27FC236}">
-                <a16:creationId xmlns:a16="http://schemas.microsoft.com/office/drawing/2014/main" id="{E06D121D-F4A4-4F53-B0D8-61E4B3E7F74F}"/>
+                <a16:creationId xmlns:a16="http://schemas.microsoft.com/office/drawing/2014/main" id="{31772658-6DB8-4140-BDD4-05D879326A72}"/>
               </a:ext>
             </a:extLst>
           </p:cNvPr>
-          <p:cNvPicPr>
-            <a:picLocks noGrp="1" noChangeAspect="1"/>
-          </p:cNvPicPr>
-          <p:nvPr>
-            <p:ph idx="15"/>
-          </p:nvPr>
-        </p:nvPicPr>
-        <p:blipFill>
-          <a:blip r:embed="rId2"/>
-          <a:stretch>
-            <a:fillRect/>
-          </a:stretch>
-        </p:blipFill>
-        <p:spPr>
-          <a:xfrm>
-            <a:off x="6046170" y="3348375"/>
-            <a:ext cx="1457528" cy="1181265"/>
-          </a:xfrm>
-        </p:spPr>
-      </p:pic>
-      <p:sp>
-        <p:nvSpPr>
-          <p:cNvPr id="4" name="Foliennummernplatzhalter 3">
-            <a:extLst>
-              <a:ext uri="{FF2B5EF4-FFF2-40B4-BE49-F238E27FC236}">
-                <a16:creationId xmlns:a16="http://schemas.microsoft.com/office/drawing/2014/main" id="{DF19DEBD-7037-4014-827A-490DD4CB0164}"/>
-              </a:ext>
-            </a:extLst>
-          </p:cNvPr>
-          <p:cNvSpPr>
-            <a:spLocks noGrp="1"/>
-          </p:cNvSpPr>
-          <p:nvPr>
-            <p:ph type="sldNum" sz="quarter" idx="16"/>
+          <p:cNvSpPr>
+            <a:spLocks noGrp="1"/>
+          </p:cNvSpPr>
+          <p:nvPr>
+            <p:ph type="sldNum" sz="quarter" idx="11"/>
           </p:nvPr>
         </p:nvSpPr>
         <p:spPr/>
@@ -16350,10 +10633,10 @@
       </p:sp>
       <p:sp>
         <p:nvSpPr>
-          <p:cNvPr id="5" name="Fußzeilenplatzhalter 4">
+          <p:cNvPr id="4" name="Fußzeilenplatzhalter 3">
             <a:extLst>
               <a:ext uri="{FF2B5EF4-FFF2-40B4-BE49-F238E27FC236}">
-                <a16:creationId xmlns:a16="http://schemas.microsoft.com/office/drawing/2014/main" id="{CA388F7C-52DD-440E-B621-3BB14FADE536}"/>
+                <a16:creationId xmlns:a16="http://schemas.microsoft.com/office/drawing/2014/main" id="{0F5FC549-12A2-49EA-94CD-7CA8F667B81C}"/>
               </a:ext>
             </a:extLst>
           </p:cNvPr>
@@ -16361,7 +10644,7 @@
             <a:spLocks noGrp="1"/>
           </p:cNvSpPr>
           <p:nvPr>
-            <p:ph type="ftr" sz="quarter" idx="17"/>
+            <p:ph type="ftr" sz="quarter" idx="12"/>
           </p:nvPr>
         </p:nvSpPr>
         <p:spPr/>
@@ -16379,10 +10662,10 @@
       </p:sp>
       <p:sp>
         <p:nvSpPr>
-          <p:cNvPr id="6" name="Titel 5">
+          <p:cNvPr id="5" name="Titel 4">
             <a:extLst>
               <a:ext uri="{FF2B5EF4-FFF2-40B4-BE49-F238E27FC236}">
-                <a16:creationId xmlns:a16="http://schemas.microsoft.com/office/drawing/2014/main" id="{725E3D07-D449-4DDD-87F6-1386462B9302}"/>
+                <a16:creationId xmlns:a16="http://schemas.microsoft.com/office/drawing/2014/main" id="{BBD62AF3-48A3-446F-8E3B-3F9602C3602A}"/>
               </a:ext>
             </a:extLst>
           </p:cNvPr>
@@ -16400,19 +10683,24 @@
           <a:p>
             <a:r>
               <a:rPr lang="de-DE" dirty="0" err="1"/>
-              <a:t>Usr</a:t>
+              <a:t>XQuery</a:t>
             </a:r>
             <a:r>
               <a:rPr lang="de-DE" dirty="0"/>
-              <a:t> &amp; Player &amp; Dealer</a:t>
-            </a:r>
+              <a:t> &amp; </a:t>
+            </a:r>
+            <a:r>
+              <a:rPr lang="de-DE" dirty="0" err="1"/>
+              <a:t>BaseX</a:t>
+            </a:r>
+            <a:endParaRPr lang="de-DE" dirty="0"/>
           </a:p>
         </p:txBody>
       </p:sp>
     </p:spTree>
     <p:extLst>
       <p:ext uri="{BB962C8B-B14F-4D97-AF65-F5344CB8AC3E}">
-        <p14:creationId xmlns:p14="http://schemas.microsoft.com/office/powerpoint/2010/main" val="468698100"/>
+        <p14:creationId xmlns:p14="http://schemas.microsoft.com/office/powerpoint/2010/main" val="2621557832"/>
       </p:ext>
     </p:extLst>
   </p:cSld>
@@ -16441,10 +10729,10 @@
       </p:grpSpPr>
       <p:sp>
         <p:nvSpPr>
-          <p:cNvPr id="2" name="Inhaltsplatzhalter 1">
+          <p:cNvPr id="6" name="Inhaltsplatzhalter 5">
             <a:extLst>
               <a:ext uri="{FF2B5EF4-FFF2-40B4-BE49-F238E27FC236}">
-                <a16:creationId xmlns:a16="http://schemas.microsoft.com/office/drawing/2014/main" id="{8F91A5C9-007F-4E52-9B41-C482B0B3A6D7}"/>
+                <a16:creationId xmlns:a16="http://schemas.microsoft.com/office/drawing/2014/main" id="{BABB6F26-3E11-437C-9364-6A158AE67743}"/>
               </a:ext>
             </a:extLst>
           </p:cNvPr>
@@ -16455,7 +10743,12 @@
             <p:ph idx="14"/>
           </p:nvPr>
         </p:nvSpPr>
-        <p:spPr/>
+        <p:spPr>
+          <a:xfrm>
+            <a:off x="319090" y="2659310"/>
+            <a:ext cx="4180911" cy="3790257"/>
+          </a:xfrm>
+        </p:spPr>
         <p:txBody>
           <a:bodyPr/>
           <a:lstStyle/>
@@ -16466,8 +10759,21 @@
             </a:pPr>
             <a:r>
               <a:rPr lang="de-DE" dirty="0"/>
-              <a:t>Deck besitzt alle nicht gezogenen Karten („realistisches Deck“)</a:t>
-            </a:r>
+              <a:t>Keine doppelten </a:t>
+            </a:r>
+            <a:r>
+              <a:rPr lang="de-DE" dirty="0" err="1"/>
+              <a:t>replaces</a:t>
+            </a:r>
+            <a:r>
+              <a:rPr lang="de-DE" dirty="0"/>
+              <a:t> in einem </a:t>
+            </a:r>
+            <a:r>
+              <a:rPr lang="de-DE" dirty="0" err="1"/>
+              <a:t>return</a:t>
+            </a:r>
+            <a:endParaRPr lang="de-DE" dirty="0"/>
           </a:p>
           <a:p>
             <a:pPr marL="285750" indent="-285750">
@@ -16476,8 +10782,29 @@
             </a:pPr>
             <a:r>
               <a:rPr lang="de-DE" dirty="0"/>
-              <a:t>Funktionalität: Mischen und Karten ziehen</a:t>
-            </a:r>
+              <a:t>Letzter </a:t>
+            </a:r>
+            <a:r>
+              <a:rPr lang="de-DE" dirty="0" err="1"/>
+              <a:t>spieler</a:t>
+            </a:r>
+            <a:r>
+              <a:rPr lang="de-DE" dirty="0"/>
+              <a:t> wählt </a:t>
+            </a:r>
+            <a:r>
+              <a:rPr lang="de-DE" dirty="0" err="1"/>
+              <a:t>hit</a:t>
+            </a:r>
+            <a:r>
+              <a:rPr lang="de-DE" dirty="0"/>
+              <a:t> und </a:t>
+            </a:r>
+            <a:r>
+              <a:rPr lang="de-DE" dirty="0" err="1"/>
+              <a:t>busted</a:t>
+            </a:r>
+            <a:endParaRPr lang="de-DE" dirty="0"/>
           </a:p>
           <a:p>
             <a:pPr marL="285750" indent="-285750">
@@ -16486,15 +10813,7 @@
             </a:pPr>
             <a:r>
               <a:rPr lang="de-DE" dirty="0"/>
-              <a:t>Mögliche Erweiterung: mehrere Decks (</a:t>
-            </a:r>
-            <a:r>
-              <a:rPr lang="de-DE" dirty="0" err="1"/>
-              <a:t>zB</a:t>
-            </a:r>
-            <a:r>
-              <a:rPr lang="de-DE" dirty="0"/>
-              <a:t>. Für jeden Spieler ein eigenes)</a:t>
+              <a:t>Dealer zieht im selben Zug</a:t>
             </a:r>
           </a:p>
           <a:p>
@@ -16504,9 +10823,39 @@
             </a:pPr>
             <a:r>
               <a:rPr lang="de-DE" dirty="0"/>
-              <a:t>Hand hat alle Karten des Spieler/Dealers</a:t>
-            </a:r>
-          </a:p>
+              <a:t>Lösung: Dealer zieht bevor den Spielern</a:t>
+            </a:r>
+          </a:p>
+          <a:p>
+            <a:endParaRPr lang="de-DE" dirty="0"/>
+          </a:p>
+        </p:txBody>
+      </p:sp>
+      <p:sp>
+        <p:nvSpPr>
+          <p:cNvPr id="7" name="Inhaltsplatzhalter 6">
+            <a:extLst>
+              <a:ext uri="{FF2B5EF4-FFF2-40B4-BE49-F238E27FC236}">
+                <a16:creationId xmlns:a16="http://schemas.microsoft.com/office/drawing/2014/main" id="{E38FA5CA-A50F-4A7A-8D5A-E4755333CAE4}"/>
+              </a:ext>
+            </a:extLst>
+          </p:cNvPr>
+          <p:cNvSpPr>
+            <a:spLocks noGrp="1"/>
+          </p:cNvSpPr>
+          <p:nvPr>
+            <p:ph idx="15"/>
+          </p:nvPr>
+        </p:nvSpPr>
+        <p:spPr>
+          <a:xfrm>
+            <a:off x="4644001" y="2659310"/>
+            <a:ext cx="4184087" cy="3790258"/>
+          </a:xfrm>
+        </p:spPr>
+        <p:txBody>
+          <a:bodyPr/>
+          <a:lstStyle/>
           <a:p>
             <a:pPr marL="285750" indent="-285750">
               <a:buFont typeface="Arial" panose="020B0604020202020204" pitchFamily="34" charset="0"/>
@@ -16514,7 +10863,23 @@
             </a:pPr>
             <a:r>
               <a:rPr lang="de-DE" dirty="0"/>
-              <a:t>Funktionalität: einfache Auswertung der Karten eines Spielers/Dealers</a:t>
+              <a:t>Updates von Elementen erst nach dem kompletten ausführen eines </a:t>
+            </a:r>
+            <a:r>
+              <a:rPr lang="de-DE" dirty="0" err="1"/>
+              <a:t>return</a:t>
+            </a:r>
+            <a:r>
+              <a:rPr lang="de-DE" dirty="0"/>
+              <a:t> </a:t>
+            </a:r>
+            <a:r>
+              <a:rPr lang="de-DE" dirty="0" err="1"/>
+              <a:t>statement</a:t>
+            </a:r>
+            <a:r>
+              <a:rPr lang="de-DE" dirty="0"/>
+              <a:t> in der Datenbank</a:t>
             </a:r>
           </a:p>
           <a:p>
@@ -16524,8 +10889,21 @@
             </a:pPr>
             <a:r>
               <a:rPr lang="de-DE" dirty="0"/>
-              <a:t>Mögliche Erweiterung: Implementierung von Split -&gt; 2 Hände</a:t>
-            </a:r>
+              <a:t>Letzter Spieler </a:t>
+            </a:r>
+            <a:r>
+              <a:rPr lang="de-DE" dirty="0" err="1"/>
+              <a:t>doubled</a:t>
+            </a:r>
+            <a:r>
+              <a:rPr lang="de-DE" dirty="0"/>
+              <a:t> oder </a:t>
+            </a:r>
+            <a:r>
+              <a:rPr lang="de-DE" dirty="0" err="1"/>
+              <a:t>busted</a:t>
+            </a:r>
+            <a:endParaRPr lang="de-DE" dirty="0"/>
           </a:p>
           <a:p>
             <a:pPr marL="285750" indent="-285750">
@@ -16534,46 +10912,58 @@
             </a:pPr>
             <a:r>
               <a:rPr lang="de-DE" dirty="0"/>
-              <a:t>Card besitzt Value und Farbe</a:t>
-            </a:r>
-          </a:p>
-        </p:txBody>
-      </p:sp>
-      <p:pic>
-        <p:nvPicPr>
-          <p:cNvPr id="8" name="Inhaltsplatzhalter 7" descr="Ein Bild, das Screenshot enthält.&#10;&#10;Automatisch generierte Beschreibung">
-            <a:extLst>
-              <a:ext uri="{FF2B5EF4-FFF2-40B4-BE49-F238E27FC236}">
-                <a16:creationId xmlns:a16="http://schemas.microsoft.com/office/drawing/2014/main" id="{29001AB5-1A5C-4D75-B799-841C2F04FB7B}"/>
-              </a:ext>
-            </a:extLst>
-          </p:cNvPr>
-          <p:cNvPicPr>
-            <a:picLocks noGrp="1" noChangeAspect="1"/>
-          </p:cNvPicPr>
-          <p:nvPr>
-            <p:ph idx="15"/>
-          </p:nvPr>
-        </p:nvPicPr>
-        <p:blipFill>
-          <a:blip r:embed="rId2"/>
-          <a:stretch>
-            <a:fillRect/>
-          </a:stretch>
-        </p:blipFill>
-        <p:spPr>
-          <a:xfrm>
-            <a:off x="4684426" y="2377040"/>
-            <a:ext cx="4105848" cy="3458058"/>
-          </a:xfrm>
-        </p:spPr>
-      </p:pic>
+              <a:t>Seine Hand noch nicht aktualisiert aber </a:t>
+            </a:r>
+            <a:r>
+              <a:rPr lang="de-DE" dirty="0" err="1"/>
+              <a:t>evaluate</a:t>
+            </a:r>
+            <a:r>
+              <a:rPr lang="de-DE" dirty="0"/>
+              <a:t> wird schon aufgerufen</a:t>
+            </a:r>
+          </a:p>
+          <a:p>
+            <a:pPr marL="285750" indent="-285750">
+              <a:buFont typeface="Arial" panose="020B0604020202020204" pitchFamily="34" charset="0"/>
+              <a:buChar char="•"/>
+            </a:pPr>
+            <a:r>
+              <a:rPr lang="de-DE" dirty="0"/>
+              <a:t>Lösung: Beim Aufrufen von </a:t>
+            </a:r>
+            <a:r>
+              <a:rPr lang="de-DE" dirty="0" err="1"/>
+              <a:t>evaluate</a:t>
+            </a:r>
+            <a:r>
+              <a:rPr lang="de-DE" dirty="0"/>
+              <a:t> mitteilen was die letzte Aktion war und in </a:t>
+            </a:r>
+            <a:r>
+              <a:rPr lang="de-DE" dirty="0" err="1"/>
+              <a:t>evaluate</a:t>
+            </a:r>
+            <a:r>
+              <a:rPr lang="de-DE" dirty="0"/>
+              <a:t> beachten</a:t>
+            </a:r>
+          </a:p>
+          <a:p>
+            <a:pPr marL="285750" indent="-285750">
+              <a:buFont typeface="Arial" panose="020B0604020202020204" pitchFamily="34" charset="0"/>
+              <a:buChar char="•"/>
+            </a:pPr>
+            <a:endParaRPr lang="de-DE" dirty="0"/>
+          </a:p>
+        </p:txBody>
+      </p:sp>
       <p:sp>
         <p:nvSpPr>
           <p:cNvPr id="3" name="Foliennummernplatzhalter 2">
             <a:extLst>
               <a:ext uri="{FF2B5EF4-FFF2-40B4-BE49-F238E27FC236}">
-                <a16:creationId xmlns:a16="http://schemas.microsoft.com/office/drawing/2014/main" id="{F6FC8C6C-ACDA-4AB3-8A1F-D50331A9D70D}"/>
+                <a16:creationId xmlns:a16="http://schemas.microsoft.com/office/drawing/2014/main" id="{53BD56A1-3671-4214-B9B1-D1396FC17C8B}"/>
               </a:ext>
             </a:extLst>
           </p:cNvPr>
@@ -16603,7 +10993,7 @@
           <p:cNvPr id="4" name="Fußzeilenplatzhalter 3">
             <a:extLst>
               <a:ext uri="{FF2B5EF4-FFF2-40B4-BE49-F238E27FC236}">
-                <a16:creationId xmlns:a16="http://schemas.microsoft.com/office/drawing/2014/main" id="{A493D086-94ED-4D8F-A1B4-E43E25BC8974}"/>
+                <a16:creationId xmlns:a16="http://schemas.microsoft.com/office/drawing/2014/main" id="{C56C636A-F879-429E-9888-BCDD840DB93B}"/>
               </a:ext>
             </a:extLst>
           </p:cNvPr>
@@ -16632,7 +11022,7 @@
           <p:cNvPr id="5" name="Titel 4">
             <a:extLst>
               <a:ext uri="{FF2B5EF4-FFF2-40B4-BE49-F238E27FC236}">
-                <a16:creationId xmlns:a16="http://schemas.microsoft.com/office/drawing/2014/main" id="{C538F3DC-4113-4FE7-8D93-77CED857B634}"/>
+                <a16:creationId xmlns:a16="http://schemas.microsoft.com/office/drawing/2014/main" id="{5329FADE-F83D-4549-B9ED-F031FFA9B2D1}"/>
               </a:ext>
             </a:extLst>
           </p:cNvPr>
@@ -16649,8 +11039,85 @@
           <a:lstStyle/>
           <a:p>
             <a:r>
+              <a:rPr lang="de-DE" dirty="0" err="1"/>
+              <a:t>XQuery</a:t>
+            </a:r>
+            <a:r>
               <a:rPr lang="de-DE" dirty="0"/>
-              <a:t>Deck &amp; Hand &amp; Card</a:t>
+              <a:t> Update Facility</a:t>
+            </a:r>
+          </a:p>
+        </p:txBody>
+      </p:sp>
+      <p:sp>
+        <p:nvSpPr>
+          <p:cNvPr id="9" name="Textfeld 8">
+            <a:extLst>
+              <a:ext uri="{FF2B5EF4-FFF2-40B4-BE49-F238E27FC236}">
+                <a16:creationId xmlns:a16="http://schemas.microsoft.com/office/drawing/2014/main" id="{847C34C0-8C57-46B9-A708-10ED106F9623}"/>
+              </a:ext>
+            </a:extLst>
+          </p:cNvPr>
+          <p:cNvSpPr txBox="1"/>
+          <p:nvPr/>
+        </p:nvSpPr>
+        <p:spPr>
+          <a:xfrm>
+            <a:off x="595618" y="1652631"/>
+            <a:ext cx="5958362" cy="537968"/>
+          </a:xfrm>
+          <a:prstGeom prst="rect">
+            <a:avLst/>
+          </a:prstGeom>
+          <a:noFill/>
+        </p:spPr>
+        <p:txBody>
+          <a:bodyPr wrap="none" lIns="0" tIns="0" rIns="0" bIns="0" rtlCol="0">
+            <a:spAutoFit/>
+          </a:bodyPr>
+          <a:lstStyle/>
+          <a:p>
+            <a:pPr>
+              <a:lnSpc>
+                <a:spcPct val="114000"/>
+              </a:lnSpc>
+            </a:pPr>
+            <a:r>
+              <a:rPr lang="de-DE" sz="1600" dirty="0">
+                <a:latin typeface="+mn-lt"/>
+              </a:rPr>
+              <a:t>Ziel: angenehmes Spielgefühl mit wenig User </a:t>
+            </a:r>
+            <a:r>
+              <a:rPr lang="de-DE" sz="1600" dirty="0" err="1">
+                <a:latin typeface="+mn-lt"/>
+              </a:rPr>
+              <a:t>input</a:t>
+            </a:r>
+            <a:r>
+              <a:rPr lang="de-DE" sz="1600" dirty="0">
+                <a:latin typeface="+mn-lt"/>
+              </a:rPr>
+              <a:t> -&gt;</a:t>
+            </a:r>
+          </a:p>
+          <a:p>
+            <a:pPr>
+              <a:lnSpc>
+                <a:spcPct val="114000"/>
+              </a:lnSpc>
+            </a:pPr>
+            <a:r>
+              <a:rPr lang="de-DE" sz="1600" dirty="0" err="1">
+                <a:latin typeface="+mn-lt"/>
+              </a:rPr>
+              <a:t>Bust</a:t>
+            </a:r>
+            <a:r>
+              <a:rPr lang="de-DE" sz="1600" dirty="0">
+                <a:latin typeface="+mn-lt"/>
+              </a:rPr>
+              <a:t> und Double beenden automatisch den Spielzug des Spielers</a:t>
             </a:r>
           </a:p>
         </p:txBody>
@@ -16658,7 +11125,7 @@
     </p:spTree>
     <p:extLst>
       <p:ext uri="{BB962C8B-B14F-4D97-AF65-F5344CB8AC3E}">
-        <p14:creationId xmlns:p14="http://schemas.microsoft.com/office/powerpoint/2010/main" val="1165790011"/>
+        <p14:creationId xmlns:p14="http://schemas.microsoft.com/office/powerpoint/2010/main" val="3888416019"/>
       </p:ext>
     </p:extLst>
   </p:cSld>
